--- a/presentations/Deliverable.pptx
+++ b/presentations/Deliverable.pptx
@@ -5,19 +5,18 @@
     <p:sldMasterId id="2147483648" r:id="rId4"/>
   </p:sldMasterIdLst>
   <p:notesMasterIdLst>
-    <p:notesMasterId r:id="rId15"/>
+    <p:notesMasterId r:id="rId14"/>
   </p:notesMasterIdLst>
   <p:sldIdLst>
     <p:sldId id="736" r:id="rId5"/>
     <p:sldId id="2813" r:id="rId6"/>
-    <p:sldId id="2820" r:id="rId7"/>
-    <p:sldId id="2816" r:id="rId8"/>
-    <p:sldId id="2817" r:id="rId9"/>
-    <p:sldId id="2819" r:id="rId10"/>
-    <p:sldId id="2818" r:id="rId11"/>
-    <p:sldId id="2821" r:id="rId12"/>
-    <p:sldId id="2812" r:id="rId13"/>
-    <p:sldId id="2810" r:id="rId14"/>
+    <p:sldId id="2821" r:id="rId7"/>
+    <p:sldId id="2820" r:id="rId8"/>
+    <p:sldId id="2816" r:id="rId9"/>
+    <p:sldId id="2817" r:id="rId10"/>
+    <p:sldId id="2819" r:id="rId11"/>
+    <p:sldId id="2818" r:id="rId12"/>
+    <p:sldId id="2810" r:id="rId13"/>
   </p:sldIdLst>
   <p:sldSz cx="12192000" cy="6858000"/>
   <p:notesSz cx="6858000" cy="9144000"/>
@@ -151,7 +150,7 @@
 <file path=ppt/revisionInfo.xml><?xml version="1.0" encoding="utf-8"?>
 <p1510:revInfo xmlns:a="http://schemas.openxmlformats.org/drawingml/2006/main" xmlns:r="http://schemas.openxmlformats.org/officeDocument/2006/relationships" xmlns:p1510="http://schemas.microsoft.com/office/powerpoint/2015/10/main">
   <p1510:revLst>
-    <p1510:client id="{86B7C1FB-EFBC-4EEC-9326-0952F857DDFC}" v="1" dt="2022-10-25T18:00:45.823"/>
+    <p1510:client id="{86B7C1FB-EFBC-4EEC-9326-0952F857DDFC}" v="102" dt="2022-10-27T15:07:08.050"/>
   </p1510:revLst>
 </p1510:revInfo>
 </file>
@@ -160,8 +159,8 @@
 <pc:chgInfo xmlns:a="http://schemas.openxmlformats.org/drawingml/2006/main" xmlns:r="http://schemas.openxmlformats.org/officeDocument/2006/relationships" xmlns:ac="http://schemas.microsoft.com/office/drawing/2013/main/command" xmlns:pc="http://schemas.microsoft.com/office/powerpoint/2013/main/command">
   <pc:docChgLst>
     <pc:chgData name="Markella Nikolopoulou-Themeli" userId="da9cb5e2-4d8b-46eb-898e-a612e4aaf597" providerId="ADAL" clId="{86B7C1FB-EFBC-4EEC-9326-0952F857DDFC}"/>
-    <pc:docChg chg="addSld modSld">
-      <pc:chgData name="Markella Nikolopoulou-Themeli" userId="da9cb5e2-4d8b-46eb-898e-a612e4aaf597" providerId="ADAL" clId="{86B7C1FB-EFBC-4EEC-9326-0952F857DDFC}" dt="2022-10-25T18:00:45.809" v="24"/>
+    <pc:docChg chg="addSld delSld modSld sldOrd">
+      <pc:chgData name="Markella Nikolopoulou-Themeli" userId="da9cb5e2-4d8b-46eb-898e-a612e4aaf597" providerId="ADAL" clId="{86B7C1FB-EFBC-4EEC-9326-0952F857DDFC}" dt="2022-10-27T15:11:24.643" v="163" actId="20577"/>
       <pc:docMkLst>
         <pc:docMk/>
       </pc:docMkLst>
@@ -180,12 +179,27 @@
           </ac:spMkLst>
         </pc:spChg>
       </pc:sldChg>
-      <pc:sldChg chg="add">
-        <pc:chgData name="Markella Nikolopoulou-Themeli" userId="da9cb5e2-4d8b-46eb-898e-a612e4aaf597" providerId="ADAL" clId="{86B7C1FB-EFBC-4EEC-9326-0952F857DDFC}" dt="2022-10-25T18:00:45.809" v="24"/>
+      <pc:sldChg chg="del">
+        <pc:chgData name="Markella Nikolopoulou-Themeli" userId="da9cb5e2-4d8b-46eb-898e-a612e4aaf597" providerId="ADAL" clId="{86B7C1FB-EFBC-4EEC-9326-0952F857DDFC}" dt="2022-10-27T15:00:25.027" v="26" actId="47"/>
+        <pc:sldMkLst>
+          <pc:docMk/>
+          <pc:sldMk cId="146527113" sldId="2812"/>
+        </pc:sldMkLst>
+      </pc:sldChg>
+      <pc:sldChg chg="modSp add mod">
+        <pc:chgData name="Markella Nikolopoulou-Themeli" userId="da9cb5e2-4d8b-46eb-898e-a612e4aaf597" providerId="ADAL" clId="{86B7C1FB-EFBC-4EEC-9326-0952F857DDFC}" dt="2022-10-27T15:10:56.091" v="162" actId="20577"/>
         <pc:sldMkLst>
           <pc:docMk/>
           <pc:sldMk cId="615597824" sldId="2813"/>
         </pc:sldMkLst>
+        <pc:spChg chg="mod">
+          <ac:chgData name="Markella Nikolopoulou-Themeli" userId="da9cb5e2-4d8b-46eb-898e-a612e4aaf597" providerId="ADAL" clId="{86B7C1FB-EFBC-4EEC-9326-0952F857DDFC}" dt="2022-10-27T15:10:56.091" v="162" actId="20577"/>
+          <ac:spMkLst>
+            <pc:docMk/>
+            <pc:sldMk cId="615597824" sldId="2813"/>
+            <ac:spMk id="3" creationId="{01957A13-0139-4DD6-A824-267DF02F6C6C}"/>
+          </ac:spMkLst>
+        </pc:spChg>
       </pc:sldChg>
       <pc:sldChg chg="add">
         <pc:chgData name="Markella Nikolopoulou-Themeli" userId="da9cb5e2-4d8b-46eb-898e-a612e4aaf597" providerId="ADAL" clId="{86B7C1FB-EFBC-4EEC-9326-0952F857DDFC}" dt="2022-10-25T18:00:45.809" v="24"/>
@@ -215,23 +229,3205 @@
           <pc:sldMk cId="2564057374" sldId="2819"/>
         </pc:sldMkLst>
       </pc:sldChg>
-      <pc:sldChg chg="add">
-        <pc:chgData name="Markella Nikolopoulou-Themeli" userId="da9cb5e2-4d8b-46eb-898e-a612e4aaf597" providerId="ADAL" clId="{86B7C1FB-EFBC-4EEC-9326-0952F857DDFC}" dt="2022-10-25T18:00:45.809" v="24"/>
+      <pc:sldChg chg="addSp modSp add mod">
+        <pc:chgData name="Markella Nikolopoulou-Themeli" userId="da9cb5e2-4d8b-46eb-898e-a612e4aaf597" providerId="ADAL" clId="{86B7C1FB-EFBC-4EEC-9326-0952F857DDFC}" dt="2022-10-27T15:11:24.643" v="163" actId="20577"/>
         <pc:sldMkLst>
           <pc:docMk/>
           <pc:sldMk cId="1573814561" sldId="2820"/>
         </pc:sldMkLst>
+        <pc:spChg chg="add mod">
+          <ac:chgData name="Markella Nikolopoulou-Themeli" userId="da9cb5e2-4d8b-46eb-898e-a612e4aaf597" providerId="ADAL" clId="{86B7C1FB-EFBC-4EEC-9326-0952F857DDFC}" dt="2022-10-27T15:11:24.643" v="163" actId="20577"/>
+          <ac:spMkLst>
+            <pc:docMk/>
+            <pc:sldMk cId="1573814561" sldId="2820"/>
+            <ac:spMk id="3" creationId="{F1F1E671-91C5-51A8-98B9-C714849EB9C0}"/>
+          </ac:spMkLst>
+        </pc:spChg>
       </pc:sldChg>
-      <pc:sldChg chg="add">
-        <pc:chgData name="Markella Nikolopoulou-Themeli" userId="da9cb5e2-4d8b-46eb-898e-a612e4aaf597" providerId="ADAL" clId="{86B7C1FB-EFBC-4EEC-9326-0952F857DDFC}" dt="2022-10-25T18:00:45.809" v="24"/>
+      <pc:sldChg chg="addSp modSp add del mod ord">
+        <pc:chgData name="Markella Nikolopoulou-Themeli" userId="da9cb5e2-4d8b-46eb-898e-a612e4aaf597" providerId="ADAL" clId="{86B7C1FB-EFBC-4EEC-9326-0952F857DDFC}" dt="2022-10-27T15:07:21.471" v="161" actId="1037"/>
         <pc:sldMkLst>
           <pc:docMk/>
           <pc:sldMk cId="1408099738" sldId="2821"/>
+        </pc:sldMkLst>
+        <pc:graphicFrameChg chg="mod">
+          <ac:chgData name="Markella Nikolopoulou-Themeli" userId="da9cb5e2-4d8b-46eb-898e-a612e4aaf597" providerId="ADAL" clId="{86B7C1FB-EFBC-4EEC-9326-0952F857DDFC}" dt="2022-10-27T15:07:08.048" v="138" actId="20577"/>
+          <ac:graphicFrameMkLst>
+            <pc:docMk/>
+            <pc:sldMk cId="1408099738" sldId="2821"/>
+            <ac:graphicFrameMk id="6" creationId="{213266F8-52AB-D765-A233-C16EA1C01772}"/>
+          </ac:graphicFrameMkLst>
+        </pc:graphicFrameChg>
+        <pc:cxnChg chg="add mod">
+          <ac:chgData name="Markella Nikolopoulou-Themeli" userId="da9cb5e2-4d8b-46eb-898e-a612e4aaf597" providerId="ADAL" clId="{86B7C1FB-EFBC-4EEC-9326-0952F857DDFC}" dt="2022-10-27T15:07:21.471" v="161" actId="1037"/>
+          <ac:cxnSpMkLst>
+            <pc:docMk/>
+            <pc:sldMk cId="1408099738" sldId="2821"/>
+            <ac:cxnSpMk id="7" creationId="{523F3968-FC0C-E7A4-3EE7-97FCFD726200}"/>
+          </ac:cxnSpMkLst>
+        </pc:cxnChg>
+      </pc:sldChg>
+      <pc:sldChg chg="add del">
+        <pc:chgData name="Markella Nikolopoulou-Themeli" userId="da9cb5e2-4d8b-46eb-898e-a612e4aaf597" providerId="ADAL" clId="{86B7C1FB-EFBC-4EEC-9326-0952F857DDFC}" dt="2022-10-27T15:03:06.800" v="29"/>
+        <pc:sldMkLst>
+          <pc:docMk/>
+          <pc:sldMk cId="3001420876" sldId="2822"/>
         </pc:sldMkLst>
       </pc:sldChg>
     </pc:docChg>
   </pc:docChgLst>
 </pc:chgInfo>
+</file>
+
+<file path=ppt/diagrams/colors1.xml><?xml version="1.0" encoding="utf-8"?>
+<dgm:colorsDef xmlns:dgm="http://schemas.openxmlformats.org/drawingml/2006/diagram" xmlns:a="http://schemas.openxmlformats.org/drawingml/2006/main" uniqueId="urn:microsoft.com/office/officeart/2005/8/colors/accent1_2">
+  <dgm:title val=""/>
+  <dgm:desc val=""/>
+  <dgm:catLst>
+    <dgm:cat type="accent1" pri="11200"/>
+  </dgm:catLst>
+  <dgm:styleLbl name="node0">
+    <dgm:fillClrLst meth="repeat">
+      <a:schemeClr val="accent1"/>
+    </dgm:fillClrLst>
+    <dgm:linClrLst meth="repeat">
+      <a:schemeClr val="lt1"/>
+    </dgm:linClrLst>
+    <dgm:effectClrLst/>
+    <dgm:txLinClrLst/>
+    <dgm:txFillClrLst/>
+    <dgm:txEffectClrLst/>
+  </dgm:styleLbl>
+  <dgm:styleLbl name="alignNode1">
+    <dgm:fillClrLst meth="repeat">
+      <a:schemeClr val="accent1"/>
+    </dgm:fillClrLst>
+    <dgm:linClrLst meth="repeat">
+      <a:schemeClr val="accent1"/>
+    </dgm:linClrLst>
+    <dgm:effectClrLst/>
+    <dgm:txLinClrLst/>
+    <dgm:txFillClrLst/>
+    <dgm:txEffectClrLst/>
+  </dgm:styleLbl>
+  <dgm:styleLbl name="node1">
+    <dgm:fillClrLst meth="repeat">
+      <a:schemeClr val="accent1"/>
+    </dgm:fillClrLst>
+    <dgm:linClrLst meth="repeat">
+      <a:schemeClr val="lt1"/>
+    </dgm:linClrLst>
+    <dgm:effectClrLst/>
+    <dgm:txLinClrLst/>
+    <dgm:txFillClrLst/>
+    <dgm:txEffectClrLst/>
+  </dgm:styleLbl>
+  <dgm:styleLbl name="lnNode1">
+    <dgm:fillClrLst meth="repeat">
+      <a:schemeClr val="accent1"/>
+    </dgm:fillClrLst>
+    <dgm:linClrLst meth="repeat">
+      <a:schemeClr val="lt1"/>
+    </dgm:linClrLst>
+    <dgm:effectClrLst/>
+    <dgm:txLinClrLst/>
+    <dgm:txFillClrLst/>
+    <dgm:txEffectClrLst/>
+  </dgm:styleLbl>
+  <dgm:styleLbl name="vennNode1">
+    <dgm:fillClrLst meth="repeat">
+      <a:schemeClr val="accent1">
+        <a:alpha val="50000"/>
+      </a:schemeClr>
+    </dgm:fillClrLst>
+    <dgm:linClrLst meth="repeat">
+      <a:schemeClr val="lt1"/>
+    </dgm:linClrLst>
+    <dgm:effectClrLst/>
+    <dgm:txLinClrLst/>
+    <dgm:txFillClrLst/>
+    <dgm:txEffectClrLst/>
+  </dgm:styleLbl>
+  <dgm:styleLbl name="node2">
+    <dgm:fillClrLst meth="repeat">
+      <a:schemeClr val="accent1"/>
+    </dgm:fillClrLst>
+    <dgm:linClrLst meth="repeat">
+      <a:schemeClr val="lt1"/>
+    </dgm:linClrLst>
+    <dgm:effectClrLst/>
+    <dgm:txLinClrLst/>
+    <dgm:txFillClrLst/>
+    <dgm:txEffectClrLst/>
+  </dgm:styleLbl>
+  <dgm:styleLbl name="node3">
+    <dgm:fillClrLst meth="repeat">
+      <a:schemeClr val="accent1"/>
+    </dgm:fillClrLst>
+    <dgm:linClrLst meth="repeat">
+      <a:schemeClr val="lt1"/>
+    </dgm:linClrLst>
+    <dgm:effectClrLst/>
+    <dgm:txLinClrLst/>
+    <dgm:txFillClrLst/>
+    <dgm:txEffectClrLst/>
+  </dgm:styleLbl>
+  <dgm:styleLbl name="node4">
+    <dgm:fillClrLst meth="repeat">
+      <a:schemeClr val="accent1"/>
+    </dgm:fillClrLst>
+    <dgm:linClrLst meth="repeat">
+      <a:schemeClr val="lt1"/>
+    </dgm:linClrLst>
+    <dgm:effectClrLst/>
+    <dgm:txLinClrLst/>
+    <dgm:txFillClrLst/>
+    <dgm:txEffectClrLst/>
+  </dgm:styleLbl>
+  <dgm:styleLbl name="fgImgPlace1">
+    <dgm:fillClrLst meth="repeat">
+      <a:schemeClr val="accent1">
+        <a:tint val="50000"/>
+      </a:schemeClr>
+    </dgm:fillClrLst>
+    <dgm:linClrLst meth="repeat">
+      <a:schemeClr val="lt1"/>
+    </dgm:linClrLst>
+    <dgm:effectClrLst/>
+    <dgm:txLinClrLst/>
+    <dgm:txFillClrLst meth="repeat">
+      <a:schemeClr val="lt1"/>
+    </dgm:txFillClrLst>
+    <dgm:txEffectClrLst/>
+  </dgm:styleLbl>
+  <dgm:styleLbl name="alignImgPlace1">
+    <dgm:fillClrLst meth="repeat">
+      <a:schemeClr val="accent1">
+        <a:tint val="50000"/>
+      </a:schemeClr>
+    </dgm:fillClrLst>
+    <dgm:linClrLst meth="repeat">
+      <a:schemeClr val="lt1"/>
+    </dgm:linClrLst>
+    <dgm:effectClrLst/>
+    <dgm:txLinClrLst/>
+    <dgm:txFillClrLst meth="repeat">
+      <a:schemeClr val="lt1"/>
+    </dgm:txFillClrLst>
+    <dgm:txEffectClrLst/>
+  </dgm:styleLbl>
+  <dgm:styleLbl name="bgImgPlace1">
+    <dgm:fillClrLst meth="repeat">
+      <a:schemeClr val="accent1">
+        <a:tint val="50000"/>
+      </a:schemeClr>
+    </dgm:fillClrLst>
+    <dgm:linClrLst meth="repeat">
+      <a:schemeClr val="lt1"/>
+    </dgm:linClrLst>
+    <dgm:effectClrLst/>
+    <dgm:txLinClrLst/>
+    <dgm:txFillClrLst meth="repeat">
+      <a:schemeClr val="lt1"/>
+    </dgm:txFillClrLst>
+    <dgm:txEffectClrLst/>
+  </dgm:styleLbl>
+  <dgm:styleLbl name="sibTrans2D1">
+    <dgm:fillClrLst meth="repeat">
+      <a:schemeClr val="accent1">
+        <a:tint val="60000"/>
+      </a:schemeClr>
+    </dgm:fillClrLst>
+    <dgm:linClrLst meth="repeat">
+      <a:schemeClr val="accent1">
+        <a:tint val="60000"/>
+      </a:schemeClr>
+    </dgm:linClrLst>
+    <dgm:effectClrLst/>
+    <dgm:txLinClrLst/>
+    <dgm:txFillClrLst/>
+    <dgm:txEffectClrLst/>
+  </dgm:styleLbl>
+  <dgm:styleLbl name="fgSibTrans2D1">
+    <dgm:fillClrLst meth="repeat">
+      <a:schemeClr val="accent1">
+        <a:tint val="60000"/>
+      </a:schemeClr>
+    </dgm:fillClrLst>
+    <dgm:linClrLst meth="repeat">
+      <a:schemeClr val="accent1">
+        <a:tint val="60000"/>
+      </a:schemeClr>
+    </dgm:linClrLst>
+    <dgm:effectClrLst/>
+    <dgm:txLinClrLst/>
+    <dgm:txFillClrLst/>
+    <dgm:txEffectClrLst/>
+  </dgm:styleLbl>
+  <dgm:styleLbl name="bgSibTrans2D1">
+    <dgm:fillClrLst meth="repeat">
+      <a:schemeClr val="accent1">
+        <a:tint val="60000"/>
+      </a:schemeClr>
+    </dgm:fillClrLst>
+    <dgm:linClrLst meth="repeat">
+      <a:schemeClr val="accent1">
+        <a:tint val="60000"/>
+      </a:schemeClr>
+    </dgm:linClrLst>
+    <dgm:effectClrLst/>
+    <dgm:txLinClrLst/>
+    <dgm:txFillClrLst/>
+    <dgm:txEffectClrLst/>
+  </dgm:styleLbl>
+  <dgm:styleLbl name="sibTrans1D1">
+    <dgm:fillClrLst meth="repeat">
+      <a:schemeClr val="accent1"/>
+    </dgm:fillClrLst>
+    <dgm:linClrLst meth="repeat">
+      <a:schemeClr val="accent1"/>
+    </dgm:linClrLst>
+    <dgm:effectClrLst/>
+    <dgm:txLinClrLst/>
+    <dgm:txFillClrLst meth="repeat">
+      <a:schemeClr val="tx1"/>
+    </dgm:txFillClrLst>
+    <dgm:txEffectClrLst/>
+  </dgm:styleLbl>
+  <dgm:styleLbl name="callout">
+    <dgm:fillClrLst meth="repeat">
+      <a:schemeClr val="accent1"/>
+    </dgm:fillClrLst>
+    <dgm:linClrLst meth="repeat">
+      <a:schemeClr val="accent1">
+        <a:tint val="50000"/>
+      </a:schemeClr>
+    </dgm:linClrLst>
+    <dgm:effectClrLst/>
+    <dgm:txLinClrLst/>
+    <dgm:txFillClrLst meth="repeat">
+      <a:schemeClr val="tx1"/>
+    </dgm:txFillClrLst>
+    <dgm:txEffectClrLst/>
+  </dgm:styleLbl>
+  <dgm:styleLbl name="asst0">
+    <dgm:fillClrLst meth="repeat">
+      <a:schemeClr val="accent1"/>
+    </dgm:fillClrLst>
+    <dgm:linClrLst meth="repeat">
+      <a:schemeClr val="lt1"/>
+    </dgm:linClrLst>
+    <dgm:effectClrLst/>
+    <dgm:txLinClrLst/>
+    <dgm:txFillClrLst/>
+    <dgm:txEffectClrLst/>
+  </dgm:styleLbl>
+  <dgm:styleLbl name="asst1">
+    <dgm:fillClrLst meth="repeat">
+      <a:schemeClr val="accent1"/>
+    </dgm:fillClrLst>
+    <dgm:linClrLst meth="repeat">
+      <a:schemeClr val="lt1"/>
+    </dgm:linClrLst>
+    <dgm:effectClrLst/>
+    <dgm:txLinClrLst/>
+    <dgm:txFillClrLst/>
+    <dgm:txEffectClrLst/>
+  </dgm:styleLbl>
+  <dgm:styleLbl name="asst2">
+    <dgm:fillClrLst meth="repeat">
+      <a:schemeClr val="accent1"/>
+    </dgm:fillClrLst>
+    <dgm:linClrLst meth="repeat">
+      <a:schemeClr val="lt1"/>
+    </dgm:linClrLst>
+    <dgm:effectClrLst/>
+    <dgm:txLinClrLst/>
+    <dgm:txFillClrLst/>
+    <dgm:txEffectClrLst/>
+  </dgm:styleLbl>
+  <dgm:styleLbl name="asst3">
+    <dgm:fillClrLst meth="repeat">
+      <a:schemeClr val="accent1"/>
+    </dgm:fillClrLst>
+    <dgm:linClrLst meth="repeat">
+      <a:schemeClr val="lt1"/>
+    </dgm:linClrLst>
+    <dgm:effectClrLst/>
+    <dgm:txLinClrLst/>
+    <dgm:txFillClrLst/>
+    <dgm:txEffectClrLst/>
+  </dgm:styleLbl>
+  <dgm:styleLbl name="asst4">
+    <dgm:fillClrLst meth="repeat">
+      <a:schemeClr val="accent1"/>
+    </dgm:fillClrLst>
+    <dgm:linClrLst meth="repeat">
+      <a:schemeClr val="lt1"/>
+    </dgm:linClrLst>
+    <dgm:effectClrLst/>
+    <dgm:txLinClrLst/>
+    <dgm:txFillClrLst/>
+    <dgm:txEffectClrLst/>
+  </dgm:styleLbl>
+  <dgm:styleLbl name="parChTrans2D1">
+    <dgm:fillClrLst meth="repeat">
+      <a:schemeClr val="accent1">
+        <a:tint val="60000"/>
+      </a:schemeClr>
+    </dgm:fillClrLst>
+    <dgm:linClrLst meth="repeat">
+      <a:schemeClr val="accent1">
+        <a:tint val="60000"/>
+      </a:schemeClr>
+    </dgm:linClrLst>
+    <dgm:effectClrLst/>
+    <dgm:txLinClrLst/>
+    <dgm:txFillClrLst meth="repeat">
+      <a:schemeClr val="lt1"/>
+    </dgm:txFillClrLst>
+    <dgm:txEffectClrLst/>
+  </dgm:styleLbl>
+  <dgm:styleLbl name="parChTrans2D2">
+    <dgm:fillClrLst meth="repeat">
+      <a:schemeClr val="accent1"/>
+    </dgm:fillClrLst>
+    <dgm:linClrLst meth="repeat">
+      <a:schemeClr val="accent1"/>
+    </dgm:linClrLst>
+    <dgm:effectClrLst/>
+    <dgm:txLinClrLst/>
+    <dgm:txFillClrLst meth="repeat">
+      <a:schemeClr val="lt1"/>
+    </dgm:txFillClrLst>
+    <dgm:txEffectClrLst/>
+  </dgm:styleLbl>
+  <dgm:styleLbl name="parChTrans2D3">
+    <dgm:fillClrLst meth="repeat">
+      <a:schemeClr val="accent1"/>
+    </dgm:fillClrLst>
+    <dgm:linClrLst meth="repeat">
+      <a:schemeClr val="accent1"/>
+    </dgm:linClrLst>
+    <dgm:effectClrLst/>
+    <dgm:txLinClrLst/>
+    <dgm:txFillClrLst meth="repeat">
+      <a:schemeClr val="lt1"/>
+    </dgm:txFillClrLst>
+    <dgm:txEffectClrLst/>
+  </dgm:styleLbl>
+  <dgm:styleLbl name="parChTrans2D4">
+    <dgm:fillClrLst meth="repeat">
+      <a:schemeClr val="accent1"/>
+    </dgm:fillClrLst>
+    <dgm:linClrLst meth="repeat">
+      <a:schemeClr val="accent1"/>
+    </dgm:linClrLst>
+    <dgm:effectClrLst/>
+    <dgm:txLinClrLst/>
+    <dgm:txFillClrLst meth="repeat">
+      <a:schemeClr val="lt1"/>
+    </dgm:txFillClrLst>
+    <dgm:txEffectClrLst/>
+  </dgm:styleLbl>
+  <dgm:styleLbl name="parChTrans1D1">
+    <dgm:fillClrLst meth="repeat">
+      <a:schemeClr val="accent1"/>
+    </dgm:fillClrLst>
+    <dgm:linClrLst meth="repeat">
+      <a:schemeClr val="accent1">
+        <a:shade val="60000"/>
+      </a:schemeClr>
+    </dgm:linClrLst>
+    <dgm:effectClrLst/>
+    <dgm:txLinClrLst/>
+    <dgm:txFillClrLst meth="repeat">
+      <a:schemeClr val="tx1"/>
+    </dgm:txFillClrLst>
+    <dgm:txEffectClrLst/>
+  </dgm:styleLbl>
+  <dgm:styleLbl name="parChTrans1D2">
+    <dgm:fillClrLst meth="repeat">
+      <a:schemeClr val="accent1"/>
+    </dgm:fillClrLst>
+    <dgm:linClrLst meth="repeat">
+      <a:schemeClr val="accent1">
+        <a:shade val="60000"/>
+      </a:schemeClr>
+    </dgm:linClrLst>
+    <dgm:effectClrLst/>
+    <dgm:txLinClrLst/>
+    <dgm:txFillClrLst meth="repeat">
+      <a:schemeClr val="tx1"/>
+    </dgm:txFillClrLst>
+    <dgm:txEffectClrLst/>
+  </dgm:styleLbl>
+  <dgm:styleLbl name="parChTrans1D3">
+    <dgm:fillClrLst meth="repeat">
+      <a:schemeClr val="accent1"/>
+    </dgm:fillClrLst>
+    <dgm:linClrLst meth="repeat">
+      <a:schemeClr val="accent1">
+        <a:shade val="80000"/>
+      </a:schemeClr>
+    </dgm:linClrLst>
+    <dgm:effectClrLst/>
+    <dgm:txLinClrLst/>
+    <dgm:txFillClrLst meth="repeat">
+      <a:schemeClr val="tx1"/>
+    </dgm:txFillClrLst>
+    <dgm:txEffectClrLst/>
+  </dgm:styleLbl>
+  <dgm:styleLbl name="parChTrans1D4">
+    <dgm:fillClrLst meth="repeat">
+      <a:schemeClr val="accent1"/>
+    </dgm:fillClrLst>
+    <dgm:linClrLst meth="repeat">
+      <a:schemeClr val="accent1">
+        <a:shade val="80000"/>
+      </a:schemeClr>
+    </dgm:linClrLst>
+    <dgm:effectClrLst/>
+    <dgm:txLinClrLst/>
+    <dgm:txFillClrLst meth="repeat">
+      <a:schemeClr val="tx1"/>
+    </dgm:txFillClrLst>
+    <dgm:txEffectClrLst/>
+  </dgm:styleLbl>
+  <dgm:styleLbl name="fgAcc1">
+    <dgm:fillClrLst meth="repeat">
+      <a:schemeClr val="lt1">
+        <a:alpha val="90000"/>
+      </a:schemeClr>
+    </dgm:fillClrLst>
+    <dgm:linClrLst meth="repeat">
+      <a:schemeClr val="accent1"/>
+    </dgm:linClrLst>
+    <dgm:effectClrLst/>
+    <dgm:txLinClrLst/>
+    <dgm:txFillClrLst meth="repeat">
+      <a:schemeClr val="dk1"/>
+    </dgm:txFillClrLst>
+    <dgm:txEffectClrLst/>
+  </dgm:styleLbl>
+  <dgm:styleLbl name="conFgAcc1">
+    <dgm:fillClrLst meth="repeat">
+      <a:schemeClr val="lt1">
+        <a:alpha val="90000"/>
+      </a:schemeClr>
+    </dgm:fillClrLst>
+    <dgm:linClrLst meth="repeat">
+      <a:schemeClr val="accent1"/>
+    </dgm:linClrLst>
+    <dgm:effectClrLst/>
+    <dgm:txLinClrLst/>
+    <dgm:txFillClrLst meth="repeat">
+      <a:schemeClr val="dk1"/>
+    </dgm:txFillClrLst>
+    <dgm:txEffectClrLst/>
+  </dgm:styleLbl>
+  <dgm:styleLbl name="alignAcc1">
+    <dgm:fillClrLst meth="repeat">
+      <a:schemeClr val="lt1">
+        <a:alpha val="90000"/>
+      </a:schemeClr>
+    </dgm:fillClrLst>
+    <dgm:linClrLst meth="repeat">
+      <a:schemeClr val="accent1"/>
+    </dgm:linClrLst>
+    <dgm:effectClrLst/>
+    <dgm:txLinClrLst/>
+    <dgm:txFillClrLst meth="repeat">
+      <a:schemeClr val="dk1"/>
+    </dgm:txFillClrLst>
+    <dgm:txEffectClrLst/>
+  </dgm:styleLbl>
+  <dgm:styleLbl name="trAlignAcc1">
+    <dgm:fillClrLst meth="repeat">
+      <a:schemeClr val="lt1">
+        <a:alpha val="40000"/>
+      </a:schemeClr>
+    </dgm:fillClrLst>
+    <dgm:linClrLst meth="repeat">
+      <a:schemeClr val="accent1"/>
+    </dgm:linClrLst>
+    <dgm:effectClrLst/>
+    <dgm:txLinClrLst/>
+    <dgm:txFillClrLst meth="repeat">
+      <a:schemeClr val="dk1"/>
+    </dgm:txFillClrLst>
+    <dgm:txEffectClrLst/>
+  </dgm:styleLbl>
+  <dgm:styleLbl name="bgAcc1">
+    <dgm:fillClrLst meth="repeat">
+      <a:schemeClr val="lt1">
+        <a:alpha val="90000"/>
+      </a:schemeClr>
+    </dgm:fillClrLst>
+    <dgm:linClrLst meth="repeat">
+      <a:schemeClr val="accent1"/>
+    </dgm:linClrLst>
+    <dgm:effectClrLst/>
+    <dgm:txLinClrLst/>
+    <dgm:txFillClrLst meth="repeat">
+      <a:schemeClr val="dk1"/>
+    </dgm:txFillClrLst>
+    <dgm:txEffectClrLst/>
+  </dgm:styleLbl>
+  <dgm:styleLbl name="solidFgAcc1">
+    <dgm:fillClrLst meth="repeat">
+      <a:schemeClr val="lt1"/>
+    </dgm:fillClrLst>
+    <dgm:linClrLst meth="repeat">
+      <a:schemeClr val="accent1"/>
+    </dgm:linClrLst>
+    <dgm:effectClrLst/>
+    <dgm:txLinClrLst/>
+    <dgm:txFillClrLst meth="repeat">
+      <a:schemeClr val="dk1"/>
+    </dgm:txFillClrLst>
+    <dgm:txEffectClrLst/>
+  </dgm:styleLbl>
+  <dgm:styleLbl name="solidAlignAcc1">
+    <dgm:fillClrLst meth="repeat">
+      <a:schemeClr val="lt1"/>
+    </dgm:fillClrLst>
+    <dgm:linClrLst meth="repeat">
+      <a:schemeClr val="accent1"/>
+    </dgm:linClrLst>
+    <dgm:effectClrLst/>
+    <dgm:txLinClrLst/>
+    <dgm:txFillClrLst meth="repeat">
+      <a:schemeClr val="dk1"/>
+    </dgm:txFillClrLst>
+    <dgm:txEffectClrLst/>
+  </dgm:styleLbl>
+  <dgm:styleLbl name="solidBgAcc1">
+    <dgm:fillClrLst meth="repeat">
+      <a:schemeClr val="lt1"/>
+    </dgm:fillClrLst>
+    <dgm:linClrLst meth="repeat">
+      <a:schemeClr val="accent1"/>
+    </dgm:linClrLst>
+    <dgm:effectClrLst/>
+    <dgm:txLinClrLst/>
+    <dgm:txFillClrLst meth="repeat">
+      <a:schemeClr val="dk1"/>
+    </dgm:txFillClrLst>
+    <dgm:txEffectClrLst/>
+  </dgm:styleLbl>
+  <dgm:styleLbl name="fgAccFollowNode1">
+    <dgm:fillClrLst meth="repeat">
+      <a:schemeClr val="accent1">
+        <a:alpha val="90000"/>
+        <a:tint val="40000"/>
+      </a:schemeClr>
+    </dgm:fillClrLst>
+    <dgm:linClrLst meth="repeat">
+      <a:schemeClr val="accent1">
+        <a:alpha val="90000"/>
+        <a:tint val="40000"/>
+      </a:schemeClr>
+    </dgm:linClrLst>
+    <dgm:effectClrLst/>
+    <dgm:txLinClrLst/>
+    <dgm:txFillClrLst meth="repeat">
+      <a:schemeClr val="dk1"/>
+    </dgm:txFillClrLst>
+    <dgm:txEffectClrLst/>
+  </dgm:styleLbl>
+  <dgm:styleLbl name="alignAccFollowNode1">
+    <dgm:fillClrLst meth="repeat">
+      <a:schemeClr val="accent1">
+        <a:alpha val="90000"/>
+        <a:tint val="40000"/>
+      </a:schemeClr>
+    </dgm:fillClrLst>
+    <dgm:linClrLst meth="repeat">
+      <a:schemeClr val="accent1">
+        <a:alpha val="90000"/>
+        <a:tint val="40000"/>
+      </a:schemeClr>
+    </dgm:linClrLst>
+    <dgm:effectClrLst/>
+    <dgm:txLinClrLst/>
+    <dgm:txFillClrLst meth="repeat">
+      <a:schemeClr val="dk1"/>
+    </dgm:txFillClrLst>
+    <dgm:txEffectClrLst/>
+  </dgm:styleLbl>
+  <dgm:styleLbl name="bgAccFollowNode1">
+    <dgm:fillClrLst meth="repeat">
+      <a:schemeClr val="accent1">
+        <a:alpha val="90000"/>
+        <a:tint val="40000"/>
+      </a:schemeClr>
+    </dgm:fillClrLst>
+    <dgm:linClrLst meth="repeat">
+      <a:schemeClr val="accent1">
+        <a:alpha val="90000"/>
+        <a:tint val="40000"/>
+      </a:schemeClr>
+    </dgm:linClrLst>
+    <dgm:effectClrLst/>
+    <dgm:txLinClrLst/>
+    <dgm:txFillClrLst meth="repeat">
+      <a:schemeClr val="dk1"/>
+    </dgm:txFillClrLst>
+    <dgm:txEffectClrLst/>
+  </dgm:styleLbl>
+  <dgm:styleLbl name="fgAcc0">
+    <dgm:fillClrLst meth="repeat">
+      <a:schemeClr val="lt1">
+        <a:alpha val="90000"/>
+      </a:schemeClr>
+    </dgm:fillClrLst>
+    <dgm:linClrLst meth="repeat">
+      <a:schemeClr val="accent1"/>
+    </dgm:linClrLst>
+    <dgm:effectClrLst/>
+    <dgm:txLinClrLst/>
+    <dgm:txFillClrLst meth="repeat">
+      <a:schemeClr val="dk1"/>
+    </dgm:txFillClrLst>
+    <dgm:txEffectClrLst/>
+  </dgm:styleLbl>
+  <dgm:styleLbl name="fgAcc2">
+    <dgm:fillClrLst meth="repeat">
+      <a:schemeClr val="lt1">
+        <a:alpha val="90000"/>
+      </a:schemeClr>
+    </dgm:fillClrLst>
+    <dgm:linClrLst meth="repeat">
+      <a:schemeClr val="accent1"/>
+    </dgm:linClrLst>
+    <dgm:effectClrLst/>
+    <dgm:txLinClrLst/>
+    <dgm:txFillClrLst meth="repeat">
+      <a:schemeClr val="dk1"/>
+    </dgm:txFillClrLst>
+    <dgm:txEffectClrLst/>
+  </dgm:styleLbl>
+  <dgm:styleLbl name="fgAcc3">
+    <dgm:fillClrLst meth="repeat">
+      <a:schemeClr val="lt1">
+        <a:alpha val="90000"/>
+      </a:schemeClr>
+    </dgm:fillClrLst>
+    <dgm:linClrLst meth="repeat">
+      <a:schemeClr val="accent1"/>
+    </dgm:linClrLst>
+    <dgm:effectClrLst/>
+    <dgm:txLinClrLst/>
+    <dgm:txFillClrLst meth="repeat">
+      <a:schemeClr val="dk1"/>
+    </dgm:txFillClrLst>
+    <dgm:txEffectClrLst/>
+  </dgm:styleLbl>
+  <dgm:styleLbl name="fgAcc4">
+    <dgm:fillClrLst meth="repeat">
+      <a:schemeClr val="lt1">
+        <a:alpha val="90000"/>
+      </a:schemeClr>
+    </dgm:fillClrLst>
+    <dgm:linClrLst meth="repeat">
+      <a:schemeClr val="accent1"/>
+    </dgm:linClrLst>
+    <dgm:effectClrLst/>
+    <dgm:txLinClrLst/>
+    <dgm:txFillClrLst meth="repeat">
+      <a:schemeClr val="dk1"/>
+    </dgm:txFillClrLst>
+    <dgm:txEffectClrLst/>
+  </dgm:styleLbl>
+  <dgm:styleLbl name="bgShp">
+    <dgm:fillClrLst meth="repeat">
+      <a:schemeClr val="accent1">
+        <a:tint val="40000"/>
+      </a:schemeClr>
+    </dgm:fillClrLst>
+    <dgm:linClrLst meth="repeat">
+      <a:schemeClr val="accent1"/>
+    </dgm:linClrLst>
+    <dgm:effectClrLst/>
+    <dgm:txLinClrLst/>
+    <dgm:txFillClrLst meth="repeat">
+      <a:schemeClr val="dk1"/>
+    </dgm:txFillClrLst>
+    <dgm:txEffectClrLst/>
+  </dgm:styleLbl>
+  <dgm:styleLbl name="dkBgShp">
+    <dgm:fillClrLst meth="repeat">
+      <a:schemeClr val="accent1">
+        <a:shade val="80000"/>
+      </a:schemeClr>
+    </dgm:fillClrLst>
+    <dgm:linClrLst meth="repeat">
+      <a:schemeClr val="accent1"/>
+    </dgm:linClrLst>
+    <dgm:effectClrLst/>
+    <dgm:txLinClrLst/>
+    <dgm:txFillClrLst meth="repeat">
+      <a:schemeClr val="lt1"/>
+    </dgm:txFillClrLst>
+    <dgm:txEffectClrLst/>
+  </dgm:styleLbl>
+  <dgm:styleLbl name="trBgShp">
+    <dgm:fillClrLst meth="repeat">
+      <a:schemeClr val="accent1">
+        <a:tint val="50000"/>
+        <a:alpha val="40000"/>
+      </a:schemeClr>
+    </dgm:fillClrLst>
+    <dgm:linClrLst meth="repeat">
+      <a:schemeClr val="accent1"/>
+    </dgm:linClrLst>
+    <dgm:effectClrLst/>
+    <dgm:txLinClrLst/>
+    <dgm:txFillClrLst meth="repeat">
+      <a:schemeClr val="lt1"/>
+    </dgm:txFillClrLst>
+    <dgm:txEffectClrLst/>
+  </dgm:styleLbl>
+  <dgm:styleLbl name="fgShp">
+    <dgm:fillClrLst meth="repeat">
+      <a:schemeClr val="accent1">
+        <a:tint val="60000"/>
+      </a:schemeClr>
+    </dgm:fillClrLst>
+    <dgm:linClrLst meth="repeat">
+      <a:schemeClr val="lt1"/>
+    </dgm:linClrLst>
+    <dgm:effectClrLst/>
+    <dgm:txLinClrLst/>
+    <dgm:txFillClrLst meth="repeat">
+      <a:schemeClr val="dk1"/>
+    </dgm:txFillClrLst>
+    <dgm:txEffectClrLst/>
+  </dgm:styleLbl>
+  <dgm:styleLbl name="revTx">
+    <dgm:fillClrLst meth="repeat">
+      <a:schemeClr val="lt1">
+        <a:alpha val="0"/>
+      </a:schemeClr>
+    </dgm:fillClrLst>
+    <dgm:linClrLst meth="repeat">
+      <a:schemeClr val="dk1">
+        <a:alpha val="0"/>
+      </a:schemeClr>
+    </dgm:linClrLst>
+    <dgm:effectClrLst/>
+    <dgm:txLinClrLst/>
+    <dgm:txFillClrLst meth="repeat">
+      <a:schemeClr val="tx1"/>
+    </dgm:txFillClrLst>
+    <dgm:txEffectClrLst/>
+  </dgm:styleLbl>
+</dgm:colorsDef>
+</file>
+
+<file path=ppt/diagrams/data1.xml><?xml version="1.0" encoding="utf-8"?>
+<dgm:dataModel xmlns:dgm="http://schemas.openxmlformats.org/drawingml/2006/diagram" xmlns:a="http://schemas.openxmlformats.org/drawingml/2006/main">
+  <dgm:ptLst>
+    <dgm:pt modelId="{19501ACA-A44C-4C6B-B33C-005DCA791162}" type="doc">
+      <dgm:prSet loTypeId="urn:microsoft.com/office/officeart/2005/8/layout/hProcess11" loCatId="process" qsTypeId="urn:microsoft.com/office/officeart/2005/8/quickstyle/simple1" qsCatId="simple" csTypeId="urn:microsoft.com/office/officeart/2005/8/colors/accent1_2" csCatId="accent1" phldr="1"/>
+      <dgm:spPr/>
+    </dgm:pt>
+    <dgm:pt modelId="{4893E28C-D6DB-40AF-A463-14B81006C444}">
+      <dgm:prSet phldrT="[Text]"/>
+      <dgm:spPr/>
+      <dgm:t>
+        <a:bodyPr/>
+        <a:lstStyle/>
+        <a:p>
+          <a:r>
+            <a:rPr lang="sv-SE" dirty="0"/>
+            <a:t>2022/10/03 Project initiation</a:t>
+          </a:r>
+        </a:p>
+      </dgm:t>
+    </dgm:pt>
+    <dgm:pt modelId="{DAB4A41D-3C9A-45E1-B589-DAE34B1A8DF4}" type="parTrans" cxnId="{600EFAAE-5B8F-43C1-8ADB-780E16AC7EE6}">
+      <dgm:prSet/>
+      <dgm:spPr/>
+      <dgm:t>
+        <a:bodyPr/>
+        <a:lstStyle/>
+        <a:p>
+          <a:endParaRPr lang="sv-SE"/>
+        </a:p>
+      </dgm:t>
+    </dgm:pt>
+    <dgm:pt modelId="{5A09470E-B913-4A67-8FE0-FDEF130E0D43}" type="sibTrans" cxnId="{600EFAAE-5B8F-43C1-8ADB-780E16AC7EE6}">
+      <dgm:prSet/>
+      <dgm:spPr/>
+      <dgm:t>
+        <a:bodyPr/>
+        <a:lstStyle/>
+        <a:p>
+          <a:endParaRPr lang="sv-SE"/>
+        </a:p>
+      </dgm:t>
+    </dgm:pt>
+    <dgm:pt modelId="{8393DEA7-656F-405C-9272-567D8B4474AC}">
+      <dgm:prSet phldrT="[Text]"/>
+      <dgm:spPr/>
+      <dgm:t>
+        <a:bodyPr/>
+        <a:lstStyle/>
+        <a:p>
+          <a:r>
+            <a:rPr lang="sv-SE" dirty="0"/>
+            <a:t>2022/10/26 End </a:t>
+          </a:r>
+          <a:r>
+            <a:rPr lang="sv-SE" dirty="0" err="1"/>
+            <a:t>of</a:t>
+          </a:r>
+          <a:r>
+            <a:rPr lang="sv-SE" dirty="0"/>
+            <a:t> </a:t>
+          </a:r>
+          <a:r>
+            <a:rPr lang="sv-SE" dirty="0" err="1"/>
+            <a:t>development</a:t>
+          </a:r>
+          <a:r>
+            <a:rPr lang="sv-SE" dirty="0"/>
+            <a:t> </a:t>
+          </a:r>
+          <a:r>
+            <a:rPr lang="sv-SE" dirty="0" err="1"/>
+            <a:t>proccess</a:t>
+          </a:r>
+          <a:endParaRPr lang="sv-SE" dirty="0"/>
+        </a:p>
+      </dgm:t>
+    </dgm:pt>
+    <dgm:pt modelId="{6BD855F7-476A-4BC2-BFCF-98C1C565B8FE}" type="parTrans" cxnId="{FB0FB737-F073-4E05-829F-12B8A753F6B4}">
+      <dgm:prSet/>
+      <dgm:spPr/>
+      <dgm:t>
+        <a:bodyPr/>
+        <a:lstStyle/>
+        <a:p>
+          <a:endParaRPr lang="sv-SE"/>
+        </a:p>
+      </dgm:t>
+    </dgm:pt>
+    <dgm:pt modelId="{AE6C7A5D-A785-4922-86F6-DD7E968B644F}" type="sibTrans" cxnId="{FB0FB737-F073-4E05-829F-12B8A753F6B4}">
+      <dgm:prSet/>
+      <dgm:spPr/>
+      <dgm:t>
+        <a:bodyPr/>
+        <a:lstStyle/>
+        <a:p>
+          <a:endParaRPr lang="sv-SE"/>
+        </a:p>
+      </dgm:t>
+    </dgm:pt>
+    <dgm:pt modelId="{CBEEA164-2386-4A24-876B-8C54B8B261C9}">
+      <dgm:prSet phldrT="[Text]"/>
+      <dgm:spPr/>
+      <dgm:t>
+        <a:bodyPr/>
+        <a:lstStyle/>
+        <a:p>
+          <a:r>
+            <a:rPr lang="sv-SE" dirty="0"/>
+            <a:t>2022/11/02 Project end </a:t>
+          </a:r>
+        </a:p>
+      </dgm:t>
+    </dgm:pt>
+    <dgm:pt modelId="{5B2D1C67-7B0F-470B-9DDF-E156AD1693A2}" type="parTrans" cxnId="{35D892F6-8FEA-4F77-BEB4-47EA0D73D066}">
+      <dgm:prSet/>
+      <dgm:spPr/>
+      <dgm:t>
+        <a:bodyPr/>
+        <a:lstStyle/>
+        <a:p>
+          <a:endParaRPr lang="sv-SE"/>
+        </a:p>
+      </dgm:t>
+    </dgm:pt>
+    <dgm:pt modelId="{BCF2B513-3EEC-4E38-9FD0-C657EEEA382C}" type="sibTrans" cxnId="{35D892F6-8FEA-4F77-BEB4-47EA0D73D066}">
+      <dgm:prSet/>
+      <dgm:spPr/>
+      <dgm:t>
+        <a:bodyPr/>
+        <a:lstStyle/>
+        <a:p>
+          <a:endParaRPr lang="sv-SE"/>
+        </a:p>
+      </dgm:t>
+    </dgm:pt>
+    <dgm:pt modelId="{55242AA8-4B41-43B1-B3B3-516798A5A03C}">
+      <dgm:prSet phldrT="[Text]"/>
+      <dgm:spPr/>
+      <dgm:t>
+        <a:bodyPr/>
+        <a:lstStyle/>
+        <a:p>
+          <a:r>
+            <a:rPr lang="sv-SE" dirty="0"/>
+            <a:t>10/18 </a:t>
+          </a:r>
+          <a:r>
+            <a:rPr lang="sv-SE" dirty="0" err="1"/>
+            <a:t>Descisions</a:t>
+          </a:r>
+          <a:r>
+            <a:rPr lang="sv-SE" dirty="0"/>
+            <a:t> </a:t>
+          </a:r>
+          <a:r>
+            <a:rPr lang="sv-SE" dirty="0" err="1"/>
+            <a:t>about</a:t>
+          </a:r>
+          <a:r>
+            <a:rPr lang="sv-SE" dirty="0"/>
+            <a:t> </a:t>
+          </a:r>
+          <a:r>
+            <a:rPr lang="sv-SE" dirty="0" err="1"/>
+            <a:t>model</a:t>
+          </a:r>
+          <a:endParaRPr lang="sv-SE" dirty="0"/>
+        </a:p>
+      </dgm:t>
+    </dgm:pt>
+    <dgm:pt modelId="{CA1C67EB-7F32-42A3-A9C5-327AFC4B05B8}" type="parTrans" cxnId="{257EAF73-E4E9-4B65-B4E8-97D4F23AFB9E}">
+      <dgm:prSet/>
+      <dgm:spPr/>
+      <dgm:t>
+        <a:bodyPr/>
+        <a:lstStyle/>
+        <a:p>
+          <a:endParaRPr lang="sv-SE"/>
+        </a:p>
+      </dgm:t>
+    </dgm:pt>
+    <dgm:pt modelId="{6CE2426A-EDA3-4492-9B6D-BFE0ED66D02F}" type="sibTrans" cxnId="{257EAF73-E4E9-4B65-B4E8-97D4F23AFB9E}">
+      <dgm:prSet/>
+      <dgm:spPr/>
+      <dgm:t>
+        <a:bodyPr/>
+        <a:lstStyle/>
+        <a:p>
+          <a:endParaRPr lang="sv-SE"/>
+        </a:p>
+      </dgm:t>
+    </dgm:pt>
+    <dgm:pt modelId="{364F8CC9-5313-4319-85AF-09B0D3B2B211}">
+      <dgm:prSet phldrT="[Text]"/>
+      <dgm:spPr/>
+      <dgm:t>
+        <a:bodyPr/>
+        <a:lstStyle/>
+        <a:p>
+          <a:r>
+            <a:rPr lang="sv-SE" dirty="0"/>
+            <a:t>10/13 Initial/</a:t>
+          </a:r>
+          <a:r>
+            <a:rPr lang="sv-SE" dirty="0" err="1"/>
+            <a:t>descriptive</a:t>
+          </a:r>
+          <a:r>
+            <a:rPr lang="sv-SE" dirty="0"/>
+            <a:t> </a:t>
+          </a:r>
+          <a:r>
+            <a:rPr lang="sv-SE" dirty="0" err="1"/>
+            <a:t>investigation</a:t>
+          </a:r>
+          <a:r>
+            <a:rPr lang="sv-SE" dirty="0"/>
+            <a:t> </a:t>
+          </a:r>
+          <a:r>
+            <a:rPr lang="sv-SE" dirty="0" err="1"/>
+            <a:t>completed</a:t>
+          </a:r>
+          <a:endParaRPr lang="sv-SE" dirty="0"/>
+        </a:p>
+      </dgm:t>
+    </dgm:pt>
+    <dgm:pt modelId="{46B3E7C5-362E-4901-9183-3A1F2A7CDDDE}" type="parTrans" cxnId="{CA8A873A-CEB6-4FE9-8634-287DAC444937}">
+      <dgm:prSet/>
+      <dgm:spPr/>
+      <dgm:t>
+        <a:bodyPr/>
+        <a:lstStyle/>
+        <a:p>
+          <a:endParaRPr lang="sv-SE"/>
+        </a:p>
+      </dgm:t>
+    </dgm:pt>
+    <dgm:pt modelId="{5B998AF1-9F6D-4A3E-83BD-DB3C7A65B8CA}" type="sibTrans" cxnId="{CA8A873A-CEB6-4FE9-8634-287DAC444937}">
+      <dgm:prSet/>
+      <dgm:spPr/>
+      <dgm:t>
+        <a:bodyPr/>
+        <a:lstStyle/>
+        <a:p>
+          <a:endParaRPr lang="sv-SE"/>
+        </a:p>
+      </dgm:t>
+    </dgm:pt>
+    <dgm:pt modelId="{3D8FA3B2-9DA4-441C-B30E-B8D3C5F5F176}" type="pres">
+      <dgm:prSet presAssocID="{19501ACA-A44C-4C6B-B33C-005DCA791162}" presName="Name0" presStyleCnt="0">
+        <dgm:presLayoutVars>
+          <dgm:dir/>
+          <dgm:resizeHandles val="exact"/>
+        </dgm:presLayoutVars>
+      </dgm:prSet>
+      <dgm:spPr/>
+    </dgm:pt>
+    <dgm:pt modelId="{E37C0332-0853-4970-AA00-50D65FDFDEB0}" type="pres">
+      <dgm:prSet presAssocID="{19501ACA-A44C-4C6B-B33C-005DCA791162}" presName="arrow" presStyleLbl="bgShp" presStyleIdx="0" presStyleCnt="1"/>
+      <dgm:spPr/>
+    </dgm:pt>
+    <dgm:pt modelId="{643E4497-022D-43CD-8816-749E9F99F861}" type="pres">
+      <dgm:prSet presAssocID="{19501ACA-A44C-4C6B-B33C-005DCA791162}" presName="points" presStyleCnt="0"/>
+      <dgm:spPr/>
+    </dgm:pt>
+    <dgm:pt modelId="{784883F6-BA45-46EA-B610-B4E5CC614161}" type="pres">
+      <dgm:prSet presAssocID="{4893E28C-D6DB-40AF-A463-14B81006C444}" presName="compositeA" presStyleCnt="0"/>
+      <dgm:spPr/>
+    </dgm:pt>
+    <dgm:pt modelId="{23EC4FCD-A5C8-49DE-80B2-39C3B61554B3}" type="pres">
+      <dgm:prSet presAssocID="{4893E28C-D6DB-40AF-A463-14B81006C444}" presName="textA" presStyleLbl="revTx" presStyleIdx="0" presStyleCnt="5">
+        <dgm:presLayoutVars>
+          <dgm:bulletEnabled val="1"/>
+        </dgm:presLayoutVars>
+      </dgm:prSet>
+      <dgm:spPr/>
+    </dgm:pt>
+    <dgm:pt modelId="{87420346-E72F-4DEA-A6F7-8F898120FA8A}" type="pres">
+      <dgm:prSet presAssocID="{4893E28C-D6DB-40AF-A463-14B81006C444}" presName="circleA" presStyleLbl="node1" presStyleIdx="0" presStyleCnt="5"/>
+      <dgm:spPr/>
+    </dgm:pt>
+    <dgm:pt modelId="{1E646304-6FDB-4258-A76A-7070C8624324}" type="pres">
+      <dgm:prSet presAssocID="{4893E28C-D6DB-40AF-A463-14B81006C444}" presName="spaceA" presStyleCnt="0"/>
+      <dgm:spPr/>
+    </dgm:pt>
+    <dgm:pt modelId="{4EBBFCF3-F4F7-499C-8CF8-5AA71383B973}" type="pres">
+      <dgm:prSet presAssocID="{5A09470E-B913-4A67-8FE0-FDEF130E0D43}" presName="space" presStyleCnt="0"/>
+      <dgm:spPr/>
+    </dgm:pt>
+    <dgm:pt modelId="{705501AC-76EF-4DEA-86FF-E2D3B1B61BE8}" type="pres">
+      <dgm:prSet presAssocID="{364F8CC9-5313-4319-85AF-09B0D3B2B211}" presName="compositeB" presStyleCnt="0"/>
+      <dgm:spPr/>
+    </dgm:pt>
+    <dgm:pt modelId="{291E2201-E8DB-4125-B3D1-7350619590E1}" type="pres">
+      <dgm:prSet presAssocID="{364F8CC9-5313-4319-85AF-09B0D3B2B211}" presName="textB" presStyleLbl="revTx" presStyleIdx="1" presStyleCnt="5">
+        <dgm:presLayoutVars>
+          <dgm:bulletEnabled val="1"/>
+        </dgm:presLayoutVars>
+      </dgm:prSet>
+      <dgm:spPr/>
+    </dgm:pt>
+    <dgm:pt modelId="{8685F0B2-E17D-4315-B640-57FC181ED8D1}" type="pres">
+      <dgm:prSet presAssocID="{364F8CC9-5313-4319-85AF-09B0D3B2B211}" presName="circleB" presStyleLbl="node1" presStyleIdx="1" presStyleCnt="5"/>
+      <dgm:spPr/>
+    </dgm:pt>
+    <dgm:pt modelId="{B1F077EF-33B4-49BA-A77B-2C76E97B2260}" type="pres">
+      <dgm:prSet presAssocID="{364F8CC9-5313-4319-85AF-09B0D3B2B211}" presName="spaceB" presStyleCnt="0"/>
+      <dgm:spPr/>
+    </dgm:pt>
+    <dgm:pt modelId="{2CDF9EB2-2785-4460-860B-2B2536B97DF3}" type="pres">
+      <dgm:prSet presAssocID="{5B998AF1-9F6D-4A3E-83BD-DB3C7A65B8CA}" presName="space" presStyleCnt="0"/>
+      <dgm:spPr/>
+    </dgm:pt>
+    <dgm:pt modelId="{FB2F9BA5-BA1B-4AD1-B8CD-2A1AAEF59688}" type="pres">
+      <dgm:prSet presAssocID="{55242AA8-4B41-43B1-B3B3-516798A5A03C}" presName="compositeA" presStyleCnt="0"/>
+      <dgm:spPr/>
+    </dgm:pt>
+    <dgm:pt modelId="{A29A93C8-ED9D-4EBE-83AA-28742C9F3F46}" type="pres">
+      <dgm:prSet presAssocID="{55242AA8-4B41-43B1-B3B3-516798A5A03C}" presName="textA" presStyleLbl="revTx" presStyleIdx="2" presStyleCnt="5">
+        <dgm:presLayoutVars>
+          <dgm:bulletEnabled val="1"/>
+        </dgm:presLayoutVars>
+      </dgm:prSet>
+      <dgm:spPr/>
+    </dgm:pt>
+    <dgm:pt modelId="{18E448F5-6A01-4CC4-AB7C-E4A9DE80409F}" type="pres">
+      <dgm:prSet presAssocID="{55242AA8-4B41-43B1-B3B3-516798A5A03C}" presName="circleA" presStyleLbl="node1" presStyleIdx="2" presStyleCnt="5"/>
+      <dgm:spPr/>
+    </dgm:pt>
+    <dgm:pt modelId="{25782299-3716-4F8B-8775-FCE2922C2064}" type="pres">
+      <dgm:prSet presAssocID="{55242AA8-4B41-43B1-B3B3-516798A5A03C}" presName="spaceA" presStyleCnt="0"/>
+      <dgm:spPr/>
+    </dgm:pt>
+    <dgm:pt modelId="{2E4DB0DE-17DE-4DDE-AF0F-CAEA01D60F87}" type="pres">
+      <dgm:prSet presAssocID="{6CE2426A-EDA3-4492-9B6D-BFE0ED66D02F}" presName="space" presStyleCnt="0"/>
+      <dgm:spPr/>
+    </dgm:pt>
+    <dgm:pt modelId="{F0C5F6FD-27D3-43FC-8AAB-EFC56508427C}" type="pres">
+      <dgm:prSet presAssocID="{8393DEA7-656F-405C-9272-567D8B4474AC}" presName="compositeB" presStyleCnt="0"/>
+      <dgm:spPr/>
+    </dgm:pt>
+    <dgm:pt modelId="{5F54DC58-0854-485B-93CB-215257B436C1}" type="pres">
+      <dgm:prSet presAssocID="{8393DEA7-656F-405C-9272-567D8B4474AC}" presName="textB" presStyleLbl="revTx" presStyleIdx="3" presStyleCnt="5">
+        <dgm:presLayoutVars>
+          <dgm:bulletEnabled val="1"/>
+        </dgm:presLayoutVars>
+      </dgm:prSet>
+      <dgm:spPr/>
+    </dgm:pt>
+    <dgm:pt modelId="{6C0C96DD-45F6-47D1-BD30-1B685090ED81}" type="pres">
+      <dgm:prSet presAssocID="{8393DEA7-656F-405C-9272-567D8B4474AC}" presName="circleB" presStyleLbl="node1" presStyleIdx="3" presStyleCnt="5"/>
+      <dgm:spPr/>
+    </dgm:pt>
+    <dgm:pt modelId="{47D0514F-DE20-48A5-B08F-203F818CC51A}" type="pres">
+      <dgm:prSet presAssocID="{8393DEA7-656F-405C-9272-567D8B4474AC}" presName="spaceB" presStyleCnt="0"/>
+      <dgm:spPr/>
+    </dgm:pt>
+    <dgm:pt modelId="{C38D7FBC-E5FC-4DCD-AC3B-D29220369296}" type="pres">
+      <dgm:prSet presAssocID="{AE6C7A5D-A785-4922-86F6-DD7E968B644F}" presName="space" presStyleCnt="0"/>
+      <dgm:spPr/>
+    </dgm:pt>
+    <dgm:pt modelId="{6D07E0C1-1B9D-422C-BA7D-6F4495189E61}" type="pres">
+      <dgm:prSet presAssocID="{CBEEA164-2386-4A24-876B-8C54B8B261C9}" presName="compositeA" presStyleCnt="0"/>
+      <dgm:spPr/>
+    </dgm:pt>
+    <dgm:pt modelId="{C0BDED33-D1EA-4100-AB25-51F2D32003B0}" type="pres">
+      <dgm:prSet presAssocID="{CBEEA164-2386-4A24-876B-8C54B8B261C9}" presName="textA" presStyleLbl="revTx" presStyleIdx="4" presStyleCnt="5">
+        <dgm:presLayoutVars>
+          <dgm:bulletEnabled val="1"/>
+        </dgm:presLayoutVars>
+      </dgm:prSet>
+      <dgm:spPr/>
+    </dgm:pt>
+    <dgm:pt modelId="{DF56AC61-DC75-462C-9487-F45AEAFA1B78}" type="pres">
+      <dgm:prSet presAssocID="{CBEEA164-2386-4A24-876B-8C54B8B261C9}" presName="circleA" presStyleLbl="node1" presStyleIdx="4" presStyleCnt="5"/>
+      <dgm:spPr/>
+    </dgm:pt>
+    <dgm:pt modelId="{7BF54BC3-E385-40F9-9260-0BBD7BEAB583}" type="pres">
+      <dgm:prSet presAssocID="{CBEEA164-2386-4A24-876B-8C54B8B261C9}" presName="spaceA" presStyleCnt="0"/>
+      <dgm:spPr/>
+    </dgm:pt>
+  </dgm:ptLst>
+  <dgm:cxnLst>
+    <dgm:cxn modelId="{BDE9740A-D129-4686-966E-A12AE2500B90}" type="presOf" srcId="{4893E28C-D6DB-40AF-A463-14B81006C444}" destId="{23EC4FCD-A5C8-49DE-80B2-39C3B61554B3}" srcOrd="0" destOrd="0" presId="urn:microsoft.com/office/officeart/2005/8/layout/hProcess11"/>
+    <dgm:cxn modelId="{B3CF8A13-50B1-40C2-B470-6FE481EFAD7F}" type="presOf" srcId="{8393DEA7-656F-405C-9272-567D8B4474AC}" destId="{5F54DC58-0854-485B-93CB-215257B436C1}" srcOrd="0" destOrd="0" presId="urn:microsoft.com/office/officeart/2005/8/layout/hProcess11"/>
+    <dgm:cxn modelId="{FB0FB737-F073-4E05-829F-12B8A753F6B4}" srcId="{19501ACA-A44C-4C6B-B33C-005DCA791162}" destId="{8393DEA7-656F-405C-9272-567D8B4474AC}" srcOrd="3" destOrd="0" parTransId="{6BD855F7-476A-4BC2-BFCF-98C1C565B8FE}" sibTransId="{AE6C7A5D-A785-4922-86F6-DD7E968B644F}"/>
+    <dgm:cxn modelId="{CA8A873A-CEB6-4FE9-8634-287DAC444937}" srcId="{19501ACA-A44C-4C6B-B33C-005DCA791162}" destId="{364F8CC9-5313-4319-85AF-09B0D3B2B211}" srcOrd="1" destOrd="0" parTransId="{46B3E7C5-362E-4901-9183-3A1F2A7CDDDE}" sibTransId="{5B998AF1-9F6D-4A3E-83BD-DB3C7A65B8CA}"/>
+    <dgm:cxn modelId="{70A6E263-C16E-48B2-A568-5EE1E2866BC4}" type="presOf" srcId="{CBEEA164-2386-4A24-876B-8C54B8B261C9}" destId="{C0BDED33-D1EA-4100-AB25-51F2D32003B0}" srcOrd="0" destOrd="0" presId="urn:microsoft.com/office/officeart/2005/8/layout/hProcess11"/>
+    <dgm:cxn modelId="{257EAF73-E4E9-4B65-B4E8-97D4F23AFB9E}" srcId="{19501ACA-A44C-4C6B-B33C-005DCA791162}" destId="{55242AA8-4B41-43B1-B3B3-516798A5A03C}" srcOrd="2" destOrd="0" parTransId="{CA1C67EB-7F32-42A3-A9C5-327AFC4B05B8}" sibTransId="{6CE2426A-EDA3-4492-9B6D-BFE0ED66D02F}"/>
+    <dgm:cxn modelId="{1CA98255-A255-4235-91B3-F6C550FE0C3D}" type="presOf" srcId="{364F8CC9-5313-4319-85AF-09B0D3B2B211}" destId="{291E2201-E8DB-4125-B3D1-7350619590E1}" srcOrd="0" destOrd="0" presId="urn:microsoft.com/office/officeart/2005/8/layout/hProcess11"/>
+    <dgm:cxn modelId="{600EFAAE-5B8F-43C1-8ADB-780E16AC7EE6}" srcId="{19501ACA-A44C-4C6B-B33C-005DCA791162}" destId="{4893E28C-D6DB-40AF-A463-14B81006C444}" srcOrd="0" destOrd="0" parTransId="{DAB4A41D-3C9A-45E1-B589-DAE34B1A8DF4}" sibTransId="{5A09470E-B913-4A67-8FE0-FDEF130E0D43}"/>
+    <dgm:cxn modelId="{122DC1B3-8C6A-45C3-8624-C3D52C67D020}" type="presOf" srcId="{19501ACA-A44C-4C6B-B33C-005DCA791162}" destId="{3D8FA3B2-9DA4-441C-B30E-B8D3C5F5F176}" srcOrd="0" destOrd="0" presId="urn:microsoft.com/office/officeart/2005/8/layout/hProcess11"/>
+    <dgm:cxn modelId="{E61DD8E7-EC0A-4B95-B169-CF3E490AF687}" type="presOf" srcId="{55242AA8-4B41-43B1-B3B3-516798A5A03C}" destId="{A29A93C8-ED9D-4EBE-83AA-28742C9F3F46}" srcOrd="0" destOrd="0" presId="urn:microsoft.com/office/officeart/2005/8/layout/hProcess11"/>
+    <dgm:cxn modelId="{35D892F6-8FEA-4F77-BEB4-47EA0D73D066}" srcId="{19501ACA-A44C-4C6B-B33C-005DCA791162}" destId="{CBEEA164-2386-4A24-876B-8C54B8B261C9}" srcOrd="4" destOrd="0" parTransId="{5B2D1C67-7B0F-470B-9DDF-E156AD1693A2}" sibTransId="{BCF2B513-3EEC-4E38-9FD0-C657EEEA382C}"/>
+    <dgm:cxn modelId="{53B952AD-CAB6-4751-9F48-B5E5E1956AD7}" type="presParOf" srcId="{3D8FA3B2-9DA4-441C-B30E-B8D3C5F5F176}" destId="{E37C0332-0853-4970-AA00-50D65FDFDEB0}" srcOrd="0" destOrd="0" presId="urn:microsoft.com/office/officeart/2005/8/layout/hProcess11"/>
+    <dgm:cxn modelId="{28098D37-0AB8-4FA8-A237-FCD627A10FEE}" type="presParOf" srcId="{3D8FA3B2-9DA4-441C-B30E-B8D3C5F5F176}" destId="{643E4497-022D-43CD-8816-749E9F99F861}" srcOrd="1" destOrd="0" presId="urn:microsoft.com/office/officeart/2005/8/layout/hProcess11"/>
+    <dgm:cxn modelId="{F7EF8CCF-8400-4E32-AF1E-ABB3E847345E}" type="presParOf" srcId="{643E4497-022D-43CD-8816-749E9F99F861}" destId="{784883F6-BA45-46EA-B610-B4E5CC614161}" srcOrd="0" destOrd="0" presId="urn:microsoft.com/office/officeart/2005/8/layout/hProcess11"/>
+    <dgm:cxn modelId="{288479AD-84EB-4EB1-8569-75BAB7AFB48B}" type="presParOf" srcId="{784883F6-BA45-46EA-B610-B4E5CC614161}" destId="{23EC4FCD-A5C8-49DE-80B2-39C3B61554B3}" srcOrd="0" destOrd="0" presId="urn:microsoft.com/office/officeart/2005/8/layout/hProcess11"/>
+    <dgm:cxn modelId="{A3CA0A8C-312C-461D-B570-2B25FC555BCD}" type="presParOf" srcId="{784883F6-BA45-46EA-B610-B4E5CC614161}" destId="{87420346-E72F-4DEA-A6F7-8F898120FA8A}" srcOrd="1" destOrd="0" presId="urn:microsoft.com/office/officeart/2005/8/layout/hProcess11"/>
+    <dgm:cxn modelId="{F9366119-1C9C-4F87-A3CA-152E5AD41121}" type="presParOf" srcId="{784883F6-BA45-46EA-B610-B4E5CC614161}" destId="{1E646304-6FDB-4258-A76A-7070C8624324}" srcOrd="2" destOrd="0" presId="urn:microsoft.com/office/officeart/2005/8/layout/hProcess11"/>
+    <dgm:cxn modelId="{E5DA1A90-C63C-454C-B75E-C8222053FFBA}" type="presParOf" srcId="{643E4497-022D-43CD-8816-749E9F99F861}" destId="{4EBBFCF3-F4F7-499C-8CF8-5AA71383B973}" srcOrd="1" destOrd="0" presId="urn:microsoft.com/office/officeart/2005/8/layout/hProcess11"/>
+    <dgm:cxn modelId="{D008085F-68B4-4349-BF3A-D4B354314608}" type="presParOf" srcId="{643E4497-022D-43CD-8816-749E9F99F861}" destId="{705501AC-76EF-4DEA-86FF-E2D3B1B61BE8}" srcOrd="2" destOrd="0" presId="urn:microsoft.com/office/officeart/2005/8/layout/hProcess11"/>
+    <dgm:cxn modelId="{D7E6E6F3-A45C-4C4C-9E2F-E76D043CF9AF}" type="presParOf" srcId="{705501AC-76EF-4DEA-86FF-E2D3B1B61BE8}" destId="{291E2201-E8DB-4125-B3D1-7350619590E1}" srcOrd="0" destOrd="0" presId="urn:microsoft.com/office/officeart/2005/8/layout/hProcess11"/>
+    <dgm:cxn modelId="{177904BE-755F-47FA-AB5E-400CC5CA88F3}" type="presParOf" srcId="{705501AC-76EF-4DEA-86FF-E2D3B1B61BE8}" destId="{8685F0B2-E17D-4315-B640-57FC181ED8D1}" srcOrd="1" destOrd="0" presId="urn:microsoft.com/office/officeart/2005/8/layout/hProcess11"/>
+    <dgm:cxn modelId="{81CBE226-9F6E-41D0-AF47-4F147A7C04E3}" type="presParOf" srcId="{705501AC-76EF-4DEA-86FF-E2D3B1B61BE8}" destId="{B1F077EF-33B4-49BA-A77B-2C76E97B2260}" srcOrd="2" destOrd="0" presId="urn:microsoft.com/office/officeart/2005/8/layout/hProcess11"/>
+    <dgm:cxn modelId="{0DD4862C-1ECB-45B0-8C2F-CC607EF5D102}" type="presParOf" srcId="{643E4497-022D-43CD-8816-749E9F99F861}" destId="{2CDF9EB2-2785-4460-860B-2B2536B97DF3}" srcOrd="3" destOrd="0" presId="urn:microsoft.com/office/officeart/2005/8/layout/hProcess11"/>
+    <dgm:cxn modelId="{CA07B04D-2995-460F-A27A-C39A3F481EA0}" type="presParOf" srcId="{643E4497-022D-43CD-8816-749E9F99F861}" destId="{FB2F9BA5-BA1B-4AD1-B8CD-2A1AAEF59688}" srcOrd="4" destOrd="0" presId="urn:microsoft.com/office/officeart/2005/8/layout/hProcess11"/>
+    <dgm:cxn modelId="{95528D0F-6F42-4908-A577-6400F7B74349}" type="presParOf" srcId="{FB2F9BA5-BA1B-4AD1-B8CD-2A1AAEF59688}" destId="{A29A93C8-ED9D-4EBE-83AA-28742C9F3F46}" srcOrd="0" destOrd="0" presId="urn:microsoft.com/office/officeart/2005/8/layout/hProcess11"/>
+    <dgm:cxn modelId="{5341ED3E-2106-4676-B524-A59287807D5D}" type="presParOf" srcId="{FB2F9BA5-BA1B-4AD1-B8CD-2A1AAEF59688}" destId="{18E448F5-6A01-4CC4-AB7C-E4A9DE80409F}" srcOrd="1" destOrd="0" presId="urn:microsoft.com/office/officeart/2005/8/layout/hProcess11"/>
+    <dgm:cxn modelId="{94079B7A-85F7-432C-859A-BECFC2FA8DA0}" type="presParOf" srcId="{FB2F9BA5-BA1B-4AD1-B8CD-2A1AAEF59688}" destId="{25782299-3716-4F8B-8775-FCE2922C2064}" srcOrd="2" destOrd="0" presId="urn:microsoft.com/office/officeart/2005/8/layout/hProcess11"/>
+    <dgm:cxn modelId="{E8A055DC-B2E3-456F-84F1-B93DE0D45EB1}" type="presParOf" srcId="{643E4497-022D-43CD-8816-749E9F99F861}" destId="{2E4DB0DE-17DE-4DDE-AF0F-CAEA01D60F87}" srcOrd="5" destOrd="0" presId="urn:microsoft.com/office/officeart/2005/8/layout/hProcess11"/>
+    <dgm:cxn modelId="{B656E2FD-95C9-4A72-BB2D-7D470AA6D7AA}" type="presParOf" srcId="{643E4497-022D-43CD-8816-749E9F99F861}" destId="{F0C5F6FD-27D3-43FC-8AAB-EFC56508427C}" srcOrd="6" destOrd="0" presId="urn:microsoft.com/office/officeart/2005/8/layout/hProcess11"/>
+    <dgm:cxn modelId="{5C4C11AD-21B0-403F-9069-BDE8A657F938}" type="presParOf" srcId="{F0C5F6FD-27D3-43FC-8AAB-EFC56508427C}" destId="{5F54DC58-0854-485B-93CB-215257B436C1}" srcOrd="0" destOrd="0" presId="urn:microsoft.com/office/officeart/2005/8/layout/hProcess11"/>
+    <dgm:cxn modelId="{EFE8B792-ABBC-4704-97F4-A8B7BF243C8B}" type="presParOf" srcId="{F0C5F6FD-27D3-43FC-8AAB-EFC56508427C}" destId="{6C0C96DD-45F6-47D1-BD30-1B685090ED81}" srcOrd="1" destOrd="0" presId="urn:microsoft.com/office/officeart/2005/8/layout/hProcess11"/>
+    <dgm:cxn modelId="{764CCEC7-DB14-42A6-9DD6-086E308CE5CA}" type="presParOf" srcId="{F0C5F6FD-27D3-43FC-8AAB-EFC56508427C}" destId="{47D0514F-DE20-48A5-B08F-203F818CC51A}" srcOrd="2" destOrd="0" presId="urn:microsoft.com/office/officeart/2005/8/layout/hProcess11"/>
+    <dgm:cxn modelId="{68F9D841-ADB5-4BFF-9BB1-77E87B24F2AC}" type="presParOf" srcId="{643E4497-022D-43CD-8816-749E9F99F861}" destId="{C38D7FBC-E5FC-4DCD-AC3B-D29220369296}" srcOrd="7" destOrd="0" presId="urn:microsoft.com/office/officeart/2005/8/layout/hProcess11"/>
+    <dgm:cxn modelId="{8C60C0C2-E377-4108-BE3B-A51F9A910ACE}" type="presParOf" srcId="{643E4497-022D-43CD-8816-749E9F99F861}" destId="{6D07E0C1-1B9D-422C-BA7D-6F4495189E61}" srcOrd="8" destOrd="0" presId="urn:microsoft.com/office/officeart/2005/8/layout/hProcess11"/>
+    <dgm:cxn modelId="{0F6748FF-802D-4FD7-AA6C-60952ADB80F4}" type="presParOf" srcId="{6D07E0C1-1B9D-422C-BA7D-6F4495189E61}" destId="{C0BDED33-D1EA-4100-AB25-51F2D32003B0}" srcOrd="0" destOrd="0" presId="urn:microsoft.com/office/officeart/2005/8/layout/hProcess11"/>
+    <dgm:cxn modelId="{043F2B79-A893-4F5D-984E-05A175E4486D}" type="presParOf" srcId="{6D07E0C1-1B9D-422C-BA7D-6F4495189E61}" destId="{DF56AC61-DC75-462C-9487-F45AEAFA1B78}" srcOrd="1" destOrd="0" presId="urn:microsoft.com/office/officeart/2005/8/layout/hProcess11"/>
+    <dgm:cxn modelId="{23F665B3-845B-4B87-9FDA-2AC122AB33F5}" type="presParOf" srcId="{6D07E0C1-1B9D-422C-BA7D-6F4495189E61}" destId="{7BF54BC3-E385-40F9-9260-0BBD7BEAB583}" srcOrd="2" destOrd="0" presId="urn:microsoft.com/office/officeart/2005/8/layout/hProcess11"/>
+  </dgm:cxnLst>
+  <dgm:bg/>
+  <dgm:whole/>
+  <dgm:extLst>
+    <a:ext uri="http://schemas.microsoft.com/office/drawing/2008/diagram">
+      <dsp:dataModelExt xmlns:dsp="http://schemas.microsoft.com/office/drawing/2008/diagram" relId="rId6" minVer="http://schemas.openxmlformats.org/drawingml/2006/diagram"/>
+    </a:ext>
+  </dgm:extLst>
+</dgm:dataModel>
+</file>
+
+<file path=ppt/diagrams/drawing1.xml><?xml version="1.0" encoding="utf-8"?>
+<dsp:drawing xmlns:dgm="http://schemas.openxmlformats.org/drawingml/2006/diagram" xmlns:dsp="http://schemas.microsoft.com/office/drawing/2008/diagram" xmlns:a="http://schemas.openxmlformats.org/drawingml/2006/main">
+  <dsp:spTree>
+    <dsp:nvGrpSpPr>
+      <dsp:cNvPr id="0" name=""/>
+      <dsp:cNvGrpSpPr/>
+    </dsp:nvGrpSpPr>
+    <dsp:grpSpPr/>
+    <dsp:sp modelId="{E37C0332-0853-4970-AA00-50D65FDFDEB0}">
+      <dsp:nvSpPr>
+        <dsp:cNvPr id="0" name=""/>
+        <dsp:cNvSpPr/>
+      </dsp:nvSpPr>
+      <dsp:spPr>
+        <a:xfrm>
+          <a:off x="0" y="1305401"/>
+          <a:ext cx="10515600" cy="1740535"/>
+        </a:xfrm>
+        <a:prstGeom prst="notchedRightArrow">
+          <a:avLst/>
+        </a:prstGeom>
+        <a:solidFill>
+          <a:schemeClr val="accent1">
+            <a:tint val="40000"/>
+            <a:hueOff val="0"/>
+            <a:satOff val="0"/>
+            <a:lumOff val="0"/>
+            <a:alphaOff val="0"/>
+          </a:schemeClr>
+        </a:solidFill>
+        <a:ln>
+          <a:noFill/>
+        </a:ln>
+        <a:effectLst/>
+      </dsp:spPr>
+      <dsp:style>
+        <a:lnRef idx="0">
+          <a:scrgbClr r="0" g="0" b="0"/>
+        </a:lnRef>
+        <a:fillRef idx="1">
+          <a:scrgbClr r="0" g="0" b="0"/>
+        </a:fillRef>
+        <a:effectRef idx="0">
+          <a:scrgbClr r="0" g="0" b="0"/>
+        </a:effectRef>
+        <a:fontRef idx="minor"/>
+      </dsp:style>
+    </dsp:sp>
+    <dsp:sp modelId="{23EC4FCD-A5C8-49DE-80B2-39C3B61554B3}">
+      <dsp:nvSpPr>
+        <dsp:cNvPr id="0" name=""/>
+        <dsp:cNvSpPr/>
+      </dsp:nvSpPr>
+      <dsp:spPr>
+        <a:xfrm>
+          <a:off x="4159" y="0"/>
+          <a:ext cx="1818408" cy="1740535"/>
+        </a:xfrm>
+        <a:prstGeom prst="rect">
+          <a:avLst/>
+        </a:prstGeom>
+        <a:noFill/>
+        <a:ln>
+          <a:noFill/>
+        </a:ln>
+        <a:effectLst/>
+      </dsp:spPr>
+      <dsp:style>
+        <a:lnRef idx="0">
+          <a:scrgbClr r="0" g="0" b="0"/>
+        </a:lnRef>
+        <a:fillRef idx="0">
+          <a:scrgbClr r="0" g="0" b="0"/>
+        </a:fillRef>
+        <a:effectRef idx="0">
+          <a:scrgbClr r="0" g="0" b="0"/>
+        </a:effectRef>
+        <a:fontRef idx="minor"/>
+      </dsp:style>
+      <dsp:txBody>
+        <a:bodyPr spcFirstLastPara="0" vert="horz" wrap="square" lIns="106680" tIns="106680" rIns="106680" bIns="106680" numCol="1" spcCol="1270" anchor="b" anchorCtr="0">
+          <a:noAutofit/>
+        </a:bodyPr>
+        <a:lstStyle/>
+        <a:p>
+          <a:pPr marL="0" lvl="0" indent="0" algn="ctr" defTabSz="666750">
+            <a:lnSpc>
+              <a:spcPct val="90000"/>
+            </a:lnSpc>
+            <a:spcBef>
+              <a:spcPct val="0"/>
+            </a:spcBef>
+            <a:spcAft>
+              <a:spcPct val="35000"/>
+            </a:spcAft>
+            <a:buNone/>
+          </a:pPr>
+          <a:r>
+            <a:rPr lang="sv-SE" sz="1500" kern="1200" dirty="0"/>
+            <a:t>2022/10/03 Project initiation</a:t>
+          </a:r>
+        </a:p>
+      </dsp:txBody>
+      <dsp:txXfrm>
+        <a:off x="4159" y="0"/>
+        <a:ext cx="1818408" cy="1740535"/>
+      </dsp:txXfrm>
+    </dsp:sp>
+    <dsp:sp modelId="{87420346-E72F-4DEA-A6F7-8F898120FA8A}">
+      <dsp:nvSpPr>
+        <dsp:cNvPr id="0" name=""/>
+        <dsp:cNvSpPr/>
+      </dsp:nvSpPr>
+      <dsp:spPr>
+        <a:xfrm>
+          <a:off x="695796" y="1958102"/>
+          <a:ext cx="435133" cy="435133"/>
+        </a:xfrm>
+        <a:prstGeom prst="ellipse">
+          <a:avLst/>
+        </a:prstGeom>
+        <a:solidFill>
+          <a:schemeClr val="accent1">
+            <a:hueOff val="0"/>
+            <a:satOff val="0"/>
+            <a:lumOff val="0"/>
+            <a:alphaOff val="0"/>
+          </a:schemeClr>
+        </a:solidFill>
+        <a:ln w="12700" cap="flat" cmpd="sng" algn="ctr">
+          <a:solidFill>
+            <a:schemeClr val="lt1">
+              <a:hueOff val="0"/>
+              <a:satOff val="0"/>
+              <a:lumOff val="0"/>
+              <a:alphaOff val="0"/>
+            </a:schemeClr>
+          </a:solidFill>
+          <a:prstDash val="solid"/>
+          <a:miter lim="800000"/>
+        </a:ln>
+        <a:effectLst/>
+      </dsp:spPr>
+      <dsp:style>
+        <a:lnRef idx="2">
+          <a:scrgbClr r="0" g="0" b="0"/>
+        </a:lnRef>
+        <a:fillRef idx="1">
+          <a:scrgbClr r="0" g="0" b="0"/>
+        </a:fillRef>
+        <a:effectRef idx="0">
+          <a:scrgbClr r="0" g="0" b="0"/>
+        </a:effectRef>
+        <a:fontRef idx="minor">
+          <a:schemeClr val="lt1"/>
+        </a:fontRef>
+      </dsp:style>
+    </dsp:sp>
+    <dsp:sp modelId="{291E2201-E8DB-4125-B3D1-7350619590E1}">
+      <dsp:nvSpPr>
+        <dsp:cNvPr id="0" name=""/>
+        <dsp:cNvSpPr/>
+      </dsp:nvSpPr>
+      <dsp:spPr>
+        <a:xfrm>
+          <a:off x="1913487" y="2610802"/>
+          <a:ext cx="1818408" cy="1740535"/>
+        </a:xfrm>
+        <a:prstGeom prst="rect">
+          <a:avLst/>
+        </a:prstGeom>
+        <a:noFill/>
+        <a:ln>
+          <a:noFill/>
+        </a:ln>
+        <a:effectLst/>
+      </dsp:spPr>
+      <dsp:style>
+        <a:lnRef idx="0">
+          <a:scrgbClr r="0" g="0" b="0"/>
+        </a:lnRef>
+        <a:fillRef idx="0">
+          <a:scrgbClr r="0" g="0" b="0"/>
+        </a:fillRef>
+        <a:effectRef idx="0">
+          <a:scrgbClr r="0" g="0" b="0"/>
+        </a:effectRef>
+        <a:fontRef idx="minor"/>
+      </dsp:style>
+      <dsp:txBody>
+        <a:bodyPr spcFirstLastPara="0" vert="horz" wrap="square" lIns="106680" tIns="106680" rIns="106680" bIns="106680" numCol="1" spcCol="1270" anchor="t" anchorCtr="0">
+          <a:noAutofit/>
+        </a:bodyPr>
+        <a:lstStyle/>
+        <a:p>
+          <a:pPr marL="0" lvl="0" indent="0" algn="ctr" defTabSz="666750">
+            <a:lnSpc>
+              <a:spcPct val="90000"/>
+            </a:lnSpc>
+            <a:spcBef>
+              <a:spcPct val="0"/>
+            </a:spcBef>
+            <a:spcAft>
+              <a:spcPct val="35000"/>
+            </a:spcAft>
+            <a:buNone/>
+          </a:pPr>
+          <a:r>
+            <a:rPr lang="sv-SE" sz="1500" kern="1200" dirty="0"/>
+            <a:t>10/13 Initial/</a:t>
+          </a:r>
+          <a:r>
+            <a:rPr lang="sv-SE" sz="1500" kern="1200" dirty="0" err="1"/>
+            <a:t>descriptive</a:t>
+          </a:r>
+          <a:r>
+            <a:rPr lang="sv-SE" sz="1500" kern="1200" dirty="0"/>
+            <a:t> </a:t>
+          </a:r>
+          <a:r>
+            <a:rPr lang="sv-SE" sz="1500" kern="1200" dirty="0" err="1"/>
+            <a:t>investigation</a:t>
+          </a:r>
+          <a:r>
+            <a:rPr lang="sv-SE" sz="1500" kern="1200" dirty="0"/>
+            <a:t> </a:t>
+          </a:r>
+          <a:r>
+            <a:rPr lang="sv-SE" sz="1500" kern="1200" dirty="0" err="1"/>
+            <a:t>completed</a:t>
+          </a:r>
+          <a:endParaRPr lang="sv-SE" sz="1500" kern="1200" dirty="0"/>
+        </a:p>
+      </dsp:txBody>
+      <dsp:txXfrm>
+        <a:off x="1913487" y="2610802"/>
+        <a:ext cx="1818408" cy="1740535"/>
+      </dsp:txXfrm>
+    </dsp:sp>
+    <dsp:sp modelId="{8685F0B2-E17D-4315-B640-57FC181ED8D1}">
+      <dsp:nvSpPr>
+        <dsp:cNvPr id="0" name=""/>
+        <dsp:cNvSpPr/>
+      </dsp:nvSpPr>
+      <dsp:spPr>
+        <a:xfrm>
+          <a:off x="2605124" y="1958102"/>
+          <a:ext cx="435133" cy="435133"/>
+        </a:xfrm>
+        <a:prstGeom prst="ellipse">
+          <a:avLst/>
+        </a:prstGeom>
+        <a:solidFill>
+          <a:schemeClr val="accent1">
+            <a:hueOff val="0"/>
+            <a:satOff val="0"/>
+            <a:lumOff val="0"/>
+            <a:alphaOff val="0"/>
+          </a:schemeClr>
+        </a:solidFill>
+        <a:ln w="12700" cap="flat" cmpd="sng" algn="ctr">
+          <a:solidFill>
+            <a:schemeClr val="lt1">
+              <a:hueOff val="0"/>
+              <a:satOff val="0"/>
+              <a:lumOff val="0"/>
+              <a:alphaOff val="0"/>
+            </a:schemeClr>
+          </a:solidFill>
+          <a:prstDash val="solid"/>
+          <a:miter lim="800000"/>
+        </a:ln>
+        <a:effectLst/>
+      </dsp:spPr>
+      <dsp:style>
+        <a:lnRef idx="2">
+          <a:scrgbClr r="0" g="0" b="0"/>
+        </a:lnRef>
+        <a:fillRef idx="1">
+          <a:scrgbClr r="0" g="0" b="0"/>
+        </a:fillRef>
+        <a:effectRef idx="0">
+          <a:scrgbClr r="0" g="0" b="0"/>
+        </a:effectRef>
+        <a:fontRef idx="minor">
+          <a:schemeClr val="lt1"/>
+        </a:fontRef>
+      </dsp:style>
+    </dsp:sp>
+    <dsp:sp modelId="{A29A93C8-ED9D-4EBE-83AA-28742C9F3F46}">
+      <dsp:nvSpPr>
+        <dsp:cNvPr id="0" name=""/>
+        <dsp:cNvSpPr/>
+      </dsp:nvSpPr>
+      <dsp:spPr>
+        <a:xfrm>
+          <a:off x="3822815" y="0"/>
+          <a:ext cx="1818408" cy="1740535"/>
+        </a:xfrm>
+        <a:prstGeom prst="rect">
+          <a:avLst/>
+        </a:prstGeom>
+        <a:noFill/>
+        <a:ln>
+          <a:noFill/>
+        </a:ln>
+        <a:effectLst/>
+      </dsp:spPr>
+      <dsp:style>
+        <a:lnRef idx="0">
+          <a:scrgbClr r="0" g="0" b="0"/>
+        </a:lnRef>
+        <a:fillRef idx="0">
+          <a:scrgbClr r="0" g="0" b="0"/>
+        </a:fillRef>
+        <a:effectRef idx="0">
+          <a:scrgbClr r="0" g="0" b="0"/>
+        </a:effectRef>
+        <a:fontRef idx="minor"/>
+      </dsp:style>
+      <dsp:txBody>
+        <a:bodyPr spcFirstLastPara="0" vert="horz" wrap="square" lIns="106680" tIns="106680" rIns="106680" bIns="106680" numCol="1" spcCol="1270" anchor="b" anchorCtr="0">
+          <a:noAutofit/>
+        </a:bodyPr>
+        <a:lstStyle/>
+        <a:p>
+          <a:pPr marL="0" lvl="0" indent="0" algn="ctr" defTabSz="666750">
+            <a:lnSpc>
+              <a:spcPct val="90000"/>
+            </a:lnSpc>
+            <a:spcBef>
+              <a:spcPct val="0"/>
+            </a:spcBef>
+            <a:spcAft>
+              <a:spcPct val="35000"/>
+            </a:spcAft>
+            <a:buNone/>
+          </a:pPr>
+          <a:r>
+            <a:rPr lang="sv-SE" sz="1500" kern="1200" dirty="0"/>
+            <a:t>10/18 </a:t>
+          </a:r>
+          <a:r>
+            <a:rPr lang="sv-SE" sz="1500" kern="1200" dirty="0" err="1"/>
+            <a:t>Descisions</a:t>
+          </a:r>
+          <a:r>
+            <a:rPr lang="sv-SE" sz="1500" kern="1200" dirty="0"/>
+            <a:t> </a:t>
+          </a:r>
+          <a:r>
+            <a:rPr lang="sv-SE" sz="1500" kern="1200" dirty="0" err="1"/>
+            <a:t>about</a:t>
+          </a:r>
+          <a:r>
+            <a:rPr lang="sv-SE" sz="1500" kern="1200" dirty="0"/>
+            <a:t> </a:t>
+          </a:r>
+          <a:r>
+            <a:rPr lang="sv-SE" sz="1500" kern="1200" dirty="0" err="1"/>
+            <a:t>model</a:t>
+          </a:r>
+          <a:endParaRPr lang="sv-SE" sz="1500" kern="1200" dirty="0"/>
+        </a:p>
+      </dsp:txBody>
+      <dsp:txXfrm>
+        <a:off x="3822815" y="0"/>
+        <a:ext cx="1818408" cy="1740535"/>
+      </dsp:txXfrm>
+    </dsp:sp>
+    <dsp:sp modelId="{18E448F5-6A01-4CC4-AB7C-E4A9DE80409F}">
+      <dsp:nvSpPr>
+        <dsp:cNvPr id="0" name=""/>
+        <dsp:cNvSpPr/>
+      </dsp:nvSpPr>
+      <dsp:spPr>
+        <a:xfrm>
+          <a:off x="4514453" y="1958102"/>
+          <a:ext cx="435133" cy="435133"/>
+        </a:xfrm>
+        <a:prstGeom prst="ellipse">
+          <a:avLst/>
+        </a:prstGeom>
+        <a:solidFill>
+          <a:schemeClr val="accent1">
+            <a:hueOff val="0"/>
+            <a:satOff val="0"/>
+            <a:lumOff val="0"/>
+            <a:alphaOff val="0"/>
+          </a:schemeClr>
+        </a:solidFill>
+        <a:ln w="12700" cap="flat" cmpd="sng" algn="ctr">
+          <a:solidFill>
+            <a:schemeClr val="lt1">
+              <a:hueOff val="0"/>
+              <a:satOff val="0"/>
+              <a:lumOff val="0"/>
+              <a:alphaOff val="0"/>
+            </a:schemeClr>
+          </a:solidFill>
+          <a:prstDash val="solid"/>
+          <a:miter lim="800000"/>
+        </a:ln>
+        <a:effectLst/>
+      </dsp:spPr>
+      <dsp:style>
+        <a:lnRef idx="2">
+          <a:scrgbClr r="0" g="0" b="0"/>
+        </a:lnRef>
+        <a:fillRef idx="1">
+          <a:scrgbClr r="0" g="0" b="0"/>
+        </a:fillRef>
+        <a:effectRef idx="0">
+          <a:scrgbClr r="0" g="0" b="0"/>
+        </a:effectRef>
+        <a:fontRef idx="minor">
+          <a:schemeClr val="lt1"/>
+        </a:fontRef>
+      </dsp:style>
+    </dsp:sp>
+    <dsp:sp modelId="{5F54DC58-0854-485B-93CB-215257B436C1}">
+      <dsp:nvSpPr>
+        <dsp:cNvPr id="0" name=""/>
+        <dsp:cNvSpPr/>
+      </dsp:nvSpPr>
+      <dsp:spPr>
+        <a:xfrm>
+          <a:off x="5732144" y="2610802"/>
+          <a:ext cx="1818408" cy="1740535"/>
+        </a:xfrm>
+        <a:prstGeom prst="rect">
+          <a:avLst/>
+        </a:prstGeom>
+        <a:noFill/>
+        <a:ln>
+          <a:noFill/>
+        </a:ln>
+        <a:effectLst/>
+      </dsp:spPr>
+      <dsp:style>
+        <a:lnRef idx="0">
+          <a:scrgbClr r="0" g="0" b="0"/>
+        </a:lnRef>
+        <a:fillRef idx="0">
+          <a:scrgbClr r="0" g="0" b="0"/>
+        </a:fillRef>
+        <a:effectRef idx="0">
+          <a:scrgbClr r="0" g="0" b="0"/>
+        </a:effectRef>
+        <a:fontRef idx="minor"/>
+      </dsp:style>
+      <dsp:txBody>
+        <a:bodyPr spcFirstLastPara="0" vert="horz" wrap="square" lIns="106680" tIns="106680" rIns="106680" bIns="106680" numCol="1" spcCol="1270" anchor="t" anchorCtr="0">
+          <a:noAutofit/>
+        </a:bodyPr>
+        <a:lstStyle/>
+        <a:p>
+          <a:pPr marL="0" lvl="0" indent="0" algn="ctr" defTabSz="666750">
+            <a:lnSpc>
+              <a:spcPct val="90000"/>
+            </a:lnSpc>
+            <a:spcBef>
+              <a:spcPct val="0"/>
+            </a:spcBef>
+            <a:spcAft>
+              <a:spcPct val="35000"/>
+            </a:spcAft>
+            <a:buNone/>
+          </a:pPr>
+          <a:r>
+            <a:rPr lang="sv-SE" sz="1500" kern="1200" dirty="0"/>
+            <a:t>2022/10/26 End </a:t>
+          </a:r>
+          <a:r>
+            <a:rPr lang="sv-SE" sz="1500" kern="1200" dirty="0" err="1"/>
+            <a:t>of</a:t>
+          </a:r>
+          <a:r>
+            <a:rPr lang="sv-SE" sz="1500" kern="1200" dirty="0"/>
+            <a:t> </a:t>
+          </a:r>
+          <a:r>
+            <a:rPr lang="sv-SE" sz="1500" kern="1200" dirty="0" err="1"/>
+            <a:t>development</a:t>
+          </a:r>
+          <a:r>
+            <a:rPr lang="sv-SE" sz="1500" kern="1200" dirty="0"/>
+            <a:t> </a:t>
+          </a:r>
+          <a:r>
+            <a:rPr lang="sv-SE" sz="1500" kern="1200" dirty="0" err="1"/>
+            <a:t>proccess</a:t>
+          </a:r>
+          <a:endParaRPr lang="sv-SE" sz="1500" kern="1200" dirty="0"/>
+        </a:p>
+      </dsp:txBody>
+      <dsp:txXfrm>
+        <a:off x="5732144" y="2610802"/>
+        <a:ext cx="1818408" cy="1740535"/>
+      </dsp:txXfrm>
+    </dsp:sp>
+    <dsp:sp modelId="{6C0C96DD-45F6-47D1-BD30-1B685090ED81}">
+      <dsp:nvSpPr>
+        <dsp:cNvPr id="0" name=""/>
+        <dsp:cNvSpPr/>
+      </dsp:nvSpPr>
+      <dsp:spPr>
+        <a:xfrm>
+          <a:off x="6423781" y="1958102"/>
+          <a:ext cx="435133" cy="435133"/>
+        </a:xfrm>
+        <a:prstGeom prst="ellipse">
+          <a:avLst/>
+        </a:prstGeom>
+        <a:solidFill>
+          <a:schemeClr val="accent1">
+            <a:hueOff val="0"/>
+            <a:satOff val="0"/>
+            <a:lumOff val="0"/>
+            <a:alphaOff val="0"/>
+          </a:schemeClr>
+        </a:solidFill>
+        <a:ln w="12700" cap="flat" cmpd="sng" algn="ctr">
+          <a:solidFill>
+            <a:schemeClr val="lt1">
+              <a:hueOff val="0"/>
+              <a:satOff val="0"/>
+              <a:lumOff val="0"/>
+              <a:alphaOff val="0"/>
+            </a:schemeClr>
+          </a:solidFill>
+          <a:prstDash val="solid"/>
+          <a:miter lim="800000"/>
+        </a:ln>
+        <a:effectLst/>
+      </dsp:spPr>
+      <dsp:style>
+        <a:lnRef idx="2">
+          <a:scrgbClr r="0" g="0" b="0"/>
+        </a:lnRef>
+        <a:fillRef idx="1">
+          <a:scrgbClr r="0" g="0" b="0"/>
+        </a:fillRef>
+        <a:effectRef idx="0">
+          <a:scrgbClr r="0" g="0" b="0"/>
+        </a:effectRef>
+        <a:fontRef idx="minor">
+          <a:schemeClr val="lt1"/>
+        </a:fontRef>
+      </dsp:style>
+    </dsp:sp>
+    <dsp:sp modelId="{C0BDED33-D1EA-4100-AB25-51F2D32003B0}">
+      <dsp:nvSpPr>
+        <dsp:cNvPr id="0" name=""/>
+        <dsp:cNvSpPr/>
+      </dsp:nvSpPr>
+      <dsp:spPr>
+        <a:xfrm>
+          <a:off x="7641472" y="0"/>
+          <a:ext cx="1818408" cy="1740535"/>
+        </a:xfrm>
+        <a:prstGeom prst="rect">
+          <a:avLst/>
+        </a:prstGeom>
+        <a:noFill/>
+        <a:ln>
+          <a:noFill/>
+        </a:ln>
+        <a:effectLst/>
+      </dsp:spPr>
+      <dsp:style>
+        <a:lnRef idx="0">
+          <a:scrgbClr r="0" g="0" b="0"/>
+        </a:lnRef>
+        <a:fillRef idx="0">
+          <a:scrgbClr r="0" g="0" b="0"/>
+        </a:fillRef>
+        <a:effectRef idx="0">
+          <a:scrgbClr r="0" g="0" b="0"/>
+        </a:effectRef>
+        <a:fontRef idx="minor"/>
+      </dsp:style>
+      <dsp:txBody>
+        <a:bodyPr spcFirstLastPara="0" vert="horz" wrap="square" lIns="106680" tIns="106680" rIns="106680" bIns="106680" numCol="1" spcCol="1270" anchor="b" anchorCtr="0">
+          <a:noAutofit/>
+        </a:bodyPr>
+        <a:lstStyle/>
+        <a:p>
+          <a:pPr marL="0" lvl="0" indent="0" algn="ctr" defTabSz="666750">
+            <a:lnSpc>
+              <a:spcPct val="90000"/>
+            </a:lnSpc>
+            <a:spcBef>
+              <a:spcPct val="0"/>
+            </a:spcBef>
+            <a:spcAft>
+              <a:spcPct val="35000"/>
+            </a:spcAft>
+            <a:buNone/>
+          </a:pPr>
+          <a:r>
+            <a:rPr lang="sv-SE" sz="1500" kern="1200" dirty="0"/>
+            <a:t>2022/11/02 Project end </a:t>
+          </a:r>
+        </a:p>
+      </dsp:txBody>
+      <dsp:txXfrm>
+        <a:off x="7641472" y="0"/>
+        <a:ext cx="1818408" cy="1740535"/>
+      </dsp:txXfrm>
+    </dsp:sp>
+    <dsp:sp modelId="{DF56AC61-DC75-462C-9487-F45AEAFA1B78}">
+      <dsp:nvSpPr>
+        <dsp:cNvPr id="0" name=""/>
+        <dsp:cNvSpPr/>
+      </dsp:nvSpPr>
+      <dsp:spPr>
+        <a:xfrm>
+          <a:off x="8333110" y="1958102"/>
+          <a:ext cx="435133" cy="435133"/>
+        </a:xfrm>
+        <a:prstGeom prst="ellipse">
+          <a:avLst/>
+        </a:prstGeom>
+        <a:solidFill>
+          <a:schemeClr val="accent1">
+            <a:hueOff val="0"/>
+            <a:satOff val="0"/>
+            <a:lumOff val="0"/>
+            <a:alphaOff val="0"/>
+          </a:schemeClr>
+        </a:solidFill>
+        <a:ln w="12700" cap="flat" cmpd="sng" algn="ctr">
+          <a:solidFill>
+            <a:schemeClr val="lt1">
+              <a:hueOff val="0"/>
+              <a:satOff val="0"/>
+              <a:lumOff val="0"/>
+              <a:alphaOff val="0"/>
+            </a:schemeClr>
+          </a:solidFill>
+          <a:prstDash val="solid"/>
+          <a:miter lim="800000"/>
+        </a:ln>
+        <a:effectLst/>
+      </dsp:spPr>
+      <dsp:style>
+        <a:lnRef idx="2">
+          <a:scrgbClr r="0" g="0" b="0"/>
+        </a:lnRef>
+        <a:fillRef idx="1">
+          <a:scrgbClr r="0" g="0" b="0"/>
+        </a:fillRef>
+        <a:effectRef idx="0">
+          <a:scrgbClr r="0" g="0" b="0"/>
+        </a:effectRef>
+        <a:fontRef idx="minor">
+          <a:schemeClr val="lt1"/>
+        </a:fontRef>
+      </dsp:style>
+    </dsp:sp>
+  </dsp:spTree>
+</dsp:drawing>
+</file>
+
+<file path=ppt/diagrams/layout1.xml><?xml version="1.0" encoding="utf-8"?>
+<dgm:layoutDef xmlns:dgm="http://schemas.openxmlformats.org/drawingml/2006/diagram" xmlns:a="http://schemas.openxmlformats.org/drawingml/2006/main" uniqueId="urn:microsoft.com/office/officeart/2005/8/layout/hProcess11">
+  <dgm:title val=""/>
+  <dgm:desc val=""/>
+  <dgm:catLst>
+    <dgm:cat type="process" pri="8000"/>
+    <dgm:cat type="convert" pri="14000"/>
+  </dgm:catLst>
+  <dgm:sampData useDef="1">
+    <dgm:dataModel>
+      <dgm:ptLst/>
+      <dgm:bg/>
+      <dgm:whole/>
+    </dgm:dataModel>
+  </dgm:sampData>
+  <dgm:styleData>
+    <dgm:dataModel>
+      <dgm:ptLst>
+        <dgm:pt modelId="0" type="doc"/>
+        <dgm:pt modelId="1"/>
+        <dgm:pt modelId="2"/>
+      </dgm:ptLst>
+      <dgm:cxnLst>
+        <dgm:cxn modelId="4" srcId="0" destId="1" srcOrd="0" destOrd="0"/>
+        <dgm:cxn modelId="5" srcId="0" destId="2" srcOrd="1" destOrd="0"/>
+      </dgm:cxnLst>
+      <dgm:bg/>
+      <dgm:whole/>
+    </dgm:dataModel>
+  </dgm:styleData>
+  <dgm:clrData>
+    <dgm:dataModel>
+      <dgm:ptLst>
+        <dgm:pt modelId="0" type="doc"/>
+        <dgm:pt modelId="1"/>
+        <dgm:pt modelId="2"/>
+        <dgm:pt modelId="3"/>
+        <dgm:pt modelId="4"/>
+      </dgm:ptLst>
+      <dgm:cxnLst>
+        <dgm:cxn modelId="5" srcId="0" destId="1" srcOrd="0" destOrd="0"/>
+        <dgm:cxn modelId="6" srcId="0" destId="2" srcOrd="1" destOrd="0"/>
+        <dgm:cxn modelId="7" srcId="0" destId="3" srcOrd="2" destOrd="0"/>
+        <dgm:cxn modelId="8" srcId="0" destId="4" srcOrd="3" destOrd="0"/>
+      </dgm:cxnLst>
+      <dgm:bg/>
+      <dgm:whole/>
+    </dgm:dataModel>
+  </dgm:clrData>
+  <dgm:layoutNode name="Name0">
+    <dgm:varLst>
+      <dgm:dir/>
+      <dgm:resizeHandles val="exact"/>
+    </dgm:varLst>
+    <dgm:alg type="composite"/>
+    <dgm:shape xmlns:r="http://schemas.openxmlformats.org/officeDocument/2006/relationships" r:blip="">
+      <dgm:adjLst/>
+    </dgm:shape>
+    <dgm:presOf/>
+    <dgm:choose name="Name1">
+      <dgm:if name="Name2" func="var" arg="dir" op="equ" val="norm">
+        <dgm:constrLst>
+          <dgm:constr type="w" for="ch" forName="arrow" refType="w"/>
+          <dgm:constr type="h" for="ch" forName="arrow" refType="h" fact="0.4"/>
+          <dgm:constr type="ctrY" for="ch" forName="arrow" refType="h" fact="0.5"/>
+          <dgm:constr type="l" for="ch" forName="arrow"/>
+          <dgm:constr type="w" for="ch" forName="points" refType="w" fact="0.9"/>
+          <dgm:constr type="h" for="ch" forName="points" refType="h"/>
+          <dgm:constr type="t" for="ch" forName="points"/>
+          <dgm:constr type="l" for="ch" forName="points"/>
+        </dgm:constrLst>
+      </dgm:if>
+      <dgm:else name="Name3">
+        <dgm:constrLst>
+          <dgm:constr type="w" for="ch" forName="arrow" refType="w"/>
+          <dgm:constr type="h" for="ch" forName="arrow" refType="h" fact="0.4"/>
+          <dgm:constr type="ctrY" for="ch" forName="arrow" refType="h" fact="0.5"/>
+          <dgm:constr type="r" for="ch" forName="arrow" refType="w"/>
+          <dgm:constr type="w" for="ch" forName="points" refType="w" fact="0.9"/>
+          <dgm:constr type="h" for="ch" forName="points" refType="h"/>
+          <dgm:constr type="t" for="ch" forName="points"/>
+          <dgm:constr type="r" for="ch" forName="points" refType="w"/>
+        </dgm:constrLst>
+      </dgm:else>
+    </dgm:choose>
+    <dgm:ruleLst/>
+    <dgm:layoutNode name="arrow" styleLbl="bgShp">
+      <dgm:alg type="sp"/>
+      <dgm:choose name="Name4">
+        <dgm:if name="Name5" func="var" arg="dir" op="equ" val="norm">
+          <dgm:shape xmlns:r="http://schemas.openxmlformats.org/officeDocument/2006/relationships" type="notchedRightArrow" r:blip="">
+            <dgm:adjLst/>
+          </dgm:shape>
+        </dgm:if>
+        <dgm:else name="Name6">
+          <dgm:shape xmlns:r="http://schemas.openxmlformats.org/officeDocument/2006/relationships" rot="180" type="notchedRightArrow" r:blip="">
+            <dgm:adjLst/>
+          </dgm:shape>
+        </dgm:else>
+      </dgm:choose>
+      <dgm:presOf/>
+      <dgm:constrLst/>
+      <dgm:ruleLst/>
+    </dgm:layoutNode>
+    <dgm:layoutNode name="points">
+      <dgm:choose name="Name7">
+        <dgm:if name="Name8" func="var" arg="dir" op="equ" val="norm">
+          <dgm:alg type="lin">
+            <dgm:param type="linDir" val="fromL"/>
+          </dgm:alg>
+        </dgm:if>
+        <dgm:else name="Name9">
+          <dgm:alg type="lin">
+            <dgm:param type="linDir" val="fromR"/>
+          </dgm:alg>
+        </dgm:else>
+      </dgm:choose>
+      <dgm:shape xmlns:r="http://schemas.openxmlformats.org/officeDocument/2006/relationships" r:blip="">
+        <dgm:adjLst/>
+      </dgm:shape>
+      <dgm:presOf/>
+      <dgm:constrLst>
+        <dgm:constr type="w" for="ch" forName="compositeA" refType="w"/>
+        <dgm:constr type="h" for="ch" forName="compositeA" refType="h"/>
+        <dgm:constr type="w" for="ch" forName="compositeB" refType="w" refFor="ch" refForName="compositeA" op="equ"/>
+        <dgm:constr type="h" for="ch" forName="compositeB" refType="h" refFor="ch" refForName="compositeA" op="equ"/>
+        <dgm:constr type="primFontSz" for="des" ptType="node" op="equ" val="65"/>
+        <dgm:constr type="w" for="ch" forName="space" refType="w" refFor="ch" refForName="compositeA" op="equ" fact="0.05"/>
+      </dgm:constrLst>
+      <dgm:ruleLst/>
+      <dgm:forEach name="Name10" axis="ch" ptType="node">
+        <dgm:choose name="Name11">
+          <dgm:if name="Name12" axis="self" ptType="node" func="posOdd" op="equ" val="1">
+            <dgm:layoutNode name="compositeA">
+              <dgm:alg type="composite"/>
+              <dgm:shape xmlns:r="http://schemas.openxmlformats.org/officeDocument/2006/relationships" r:blip="">
+                <dgm:adjLst/>
+              </dgm:shape>
+              <dgm:presOf/>
+              <dgm:constrLst>
+                <dgm:constr type="w" for="ch" forName="textA" refType="w"/>
+                <dgm:constr type="h" for="ch" forName="textA" refType="h" fact="0.4"/>
+                <dgm:constr type="t" for="ch" forName="textA"/>
+                <dgm:constr type="l" for="ch" forName="textA"/>
+                <dgm:constr type="h" for="ch" forName="circleA" refType="h" fact="0.1"/>
+                <dgm:constr type="h" for="ch" forName="circleA" refType="w" op="lte"/>
+                <dgm:constr type="w" for="ch" forName="circleA" refType="h" refFor="ch" refForName="circleA" op="equ"/>
+                <dgm:constr type="ctrY" for="ch" forName="circleA" refType="h" fact="0.5"/>
+                <dgm:constr type="ctrX" for="ch" forName="circleA" refType="w" refFor="ch" refForName="textA" fact="0.5"/>
+                <dgm:constr type="w" for="ch" forName="spaceA" refType="w"/>
+                <dgm:constr type="h" for="ch" forName="spaceA" refType="h" fact="0.4"/>
+                <dgm:constr type="b" for="ch" forName="spaceA" refType="h"/>
+                <dgm:constr type="l" for="ch" forName="spaceA"/>
+              </dgm:constrLst>
+              <dgm:ruleLst/>
+              <dgm:layoutNode name="textA" styleLbl="revTx">
+                <dgm:varLst>
+                  <dgm:bulletEnabled val="1"/>
+                </dgm:varLst>
+                <dgm:alg type="tx">
+                  <dgm:param type="txAnchorVert" val="b"/>
+                  <dgm:param type="txAnchorVertCh" val="b"/>
+                  <dgm:param type="txAnchorHorzCh" val="ctr"/>
+                </dgm:alg>
+                <dgm:shape xmlns:r="http://schemas.openxmlformats.org/officeDocument/2006/relationships" type="rect" r:blip="">
+                  <dgm:adjLst/>
+                </dgm:shape>
+                <dgm:presOf axis="desOrSelf" ptType="node"/>
+                <dgm:constrLst/>
+                <dgm:ruleLst>
+                  <dgm:rule type="primFontSz" val="5" fact="NaN" max="NaN"/>
+                </dgm:ruleLst>
+              </dgm:layoutNode>
+              <dgm:layoutNode name="circleA">
+                <dgm:alg type="sp"/>
+                <dgm:shape xmlns:r="http://schemas.openxmlformats.org/officeDocument/2006/relationships" type="ellipse" r:blip="">
+                  <dgm:adjLst/>
+                </dgm:shape>
+                <dgm:presOf/>
+                <dgm:constrLst/>
+                <dgm:ruleLst/>
+              </dgm:layoutNode>
+              <dgm:layoutNode name="spaceA">
+                <dgm:alg type="sp"/>
+                <dgm:shape xmlns:r="http://schemas.openxmlformats.org/officeDocument/2006/relationships" r:blip="">
+                  <dgm:adjLst/>
+                </dgm:shape>
+                <dgm:presOf/>
+                <dgm:constrLst/>
+                <dgm:ruleLst/>
+              </dgm:layoutNode>
+            </dgm:layoutNode>
+          </dgm:if>
+          <dgm:else name="Name13">
+            <dgm:layoutNode name="compositeB">
+              <dgm:alg type="composite"/>
+              <dgm:shape xmlns:r="http://schemas.openxmlformats.org/officeDocument/2006/relationships" r:blip="">
+                <dgm:adjLst/>
+              </dgm:shape>
+              <dgm:presOf/>
+              <dgm:constrLst>
+                <dgm:constr type="w" for="ch" forName="textB" refType="w"/>
+                <dgm:constr type="h" for="ch" forName="textB" refType="h" fact="0.4"/>
+                <dgm:constr type="b" for="ch" forName="textB" refType="h"/>
+                <dgm:constr type="l" for="ch" forName="textB"/>
+                <dgm:constr type="h" for="ch" forName="circleB" refType="h" fact="0.1"/>
+                <dgm:constr type="w" for="ch" forName="circleB" refType="h" refFor="ch" refForName="circleB" op="equ"/>
+                <dgm:constr type="h" for="ch" forName="circleB" refType="w" op="lte"/>
+                <dgm:constr type="ctrY" for="ch" forName="circleB" refType="h" fact="0.5"/>
+                <dgm:constr type="ctrX" for="ch" forName="circleB" refType="w" refFor="ch" refForName="textB" fact="0.5"/>
+                <dgm:constr type="w" for="ch" forName="spaceB" refType="w"/>
+                <dgm:constr type="h" for="ch" forName="spaceB" refType="h" fact="0.4"/>
+                <dgm:constr type="t" for="ch" forName="spaceB"/>
+                <dgm:constr type="l" for="ch" forName="spaceB"/>
+              </dgm:constrLst>
+              <dgm:ruleLst/>
+              <dgm:layoutNode name="textB" styleLbl="revTx">
+                <dgm:varLst>
+                  <dgm:bulletEnabled val="1"/>
+                </dgm:varLst>
+                <dgm:alg type="tx">
+                  <dgm:param type="txAnchorVert" val="t"/>
+                  <dgm:param type="txAnchorVertCh" val="t"/>
+                  <dgm:param type="txAnchorHorzCh" val="ctr"/>
+                </dgm:alg>
+                <dgm:shape xmlns:r="http://schemas.openxmlformats.org/officeDocument/2006/relationships" type="rect" r:blip="">
+                  <dgm:adjLst/>
+                </dgm:shape>
+                <dgm:presOf axis="desOrSelf" ptType="node"/>
+                <dgm:constrLst/>
+                <dgm:ruleLst>
+                  <dgm:rule type="primFontSz" val="5" fact="NaN" max="NaN"/>
+                </dgm:ruleLst>
+              </dgm:layoutNode>
+              <dgm:layoutNode name="circleB">
+                <dgm:alg type="sp"/>
+                <dgm:shape xmlns:r="http://schemas.openxmlformats.org/officeDocument/2006/relationships" type="ellipse" r:blip="">
+                  <dgm:adjLst/>
+                </dgm:shape>
+                <dgm:presOf/>
+                <dgm:constrLst/>
+                <dgm:ruleLst/>
+              </dgm:layoutNode>
+              <dgm:layoutNode name="spaceB">
+                <dgm:alg type="sp"/>
+                <dgm:shape xmlns:r="http://schemas.openxmlformats.org/officeDocument/2006/relationships" r:blip="">
+                  <dgm:adjLst/>
+                </dgm:shape>
+                <dgm:presOf/>
+                <dgm:constrLst/>
+                <dgm:ruleLst/>
+              </dgm:layoutNode>
+            </dgm:layoutNode>
+          </dgm:else>
+        </dgm:choose>
+        <dgm:forEach name="Name14" axis="followSib" ptType="sibTrans" cnt="1">
+          <dgm:layoutNode name="space">
+            <dgm:alg type="sp"/>
+            <dgm:shape xmlns:r="http://schemas.openxmlformats.org/officeDocument/2006/relationships" r:blip="">
+              <dgm:adjLst/>
+            </dgm:shape>
+            <dgm:presOf/>
+            <dgm:constrLst/>
+            <dgm:ruleLst/>
+          </dgm:layoutNode>
+        </dgm:forEach>
+      </dgm:forEach>
+    </dgm:layoutNode>
+  </dgm:layoutNode>
+</dgm:layoutDef>
+</file>
+
+<file path=ppt/diagrams/quickStyle1.xml><?xml version="1.0" encoding="utf-8"?>
+<dgm:styleDef xmlns:dgm="http://schemas.openxmlformats.org/drawingml/2006/diagram" xmlns:a="http://schemas.openxmlformats.org/drawingml/2006/main" uniqueId="urn:microsoft.com/office/officeart/2005/8/quickstyle/simple1">
+  <dgm:title val=""/>
+  <dgm:desc val=""/>
+  <dgm:catLst>
+    <dgm:cat type="simple" pri="10100"/>
+  </dgm:catLst>
+  <dgm:scene3d>
+    <a:camera prst="orthographicFront"/>
+    <a:lightRig rig="threePt" dir="t"/>
+  </dgm:scene3d>
+  <dgm:styleLbl name="node0">
+    <dgm:scene3d>
+      <a:camera prst="orthographicFront"/>
+      <a:lightRig rig="threePt" dir="t"/>
+    </dgm:scene3d>
+    <dgm:sp3d/>
+    <dgm:txPr/>
+    <dgm:style>
+      <a:lnRef idx="2">
+        <a:scrgbClr r="0" g="0" b="0"/>
+      </a:lnRef>
+      <a:fillRef idx="1">
+        <a:scrgbClr r="0" g="0" b="0"/>
+      </a:fillRef>
+      <a:effectRef idx="0">
+        <a:scrgbClr r="0" g="0" b="0"/>
+      </a:effectRef>
+      <a:fontRef idx="minor">
+        <a:schemeClr val="lt1"/>
+      </a:fontRef>
+    </dgm:style>
+  </dgm:styleLbl>
+  <dgm:styleLbl name="lnNode1">
+    <dgm:scene3d>
+      <a:camera prst="orthographicFront"/>
+      <a:lightRig rig="threePt" dir="t"/>
+    </dgm:scene3d>
+    <dgm:sp3d/>
+    <dgm:txPr/>
+    <dgm:style>
+      <a:lnRef idx="2">
+        <a:scrgbClr r="0" g="0" b="0"/>
+      </a:lnRef>
+      <a:fillRef idx="1">
+        <a:scrgbClr r="0" g="0" b="0"/>
+      </a:fillRef>
+      <a:effectRef idx="0">
+        <a:scrgbClr r="0" g="0" b="0"/>
+      </a:effectRef>
+      <a:fontRef idx="minor">
+        <a:schemeClr val="lt1"/>
+      </a:fontRef>
+    </dgm:style>
+  </dgm:styleLbl>
+  <dgm:styleLbl name="vennNode1">
+    <dgm:scene3d>
+      <a:camera prst="orthographicFront"/>
+      <a:lightRig rig="threePt" dir="t"/>
+    </dgm:scene3d>
+    <dgm:sp3d/>
+    <dgm:txPr/>
+    <dgm:style>
+      <a:lnRef idx="2">
+        <a:scrgbClr r="0" g="0" b="0"/>
+      </a:lnRef>
+      <a:fillRef idx="1">
+        <a:scrgbClr r="0" g="0" b="0"/>
+      </a:fillRef>
+      <a:effectRef idx="0">
+        <a:scrgbClr r="0" g="0" b="0"/>
+      </a:effectRef>
+      <a:fontRef idx="minor">
+        <a:schemeClr val="tx1"/>
+      </a:fontRef>
+    </dgm:style>
+  </dgm:styleLbl>
+  <dgm:styleLbl name="alignNode1">
+    <dgm:scene3d>
+      <a:camera prst="orthographicFront"/>
+      <a:lightRig rig="threePt" dir="t"/>
+    </dgm:scene3d>
+    <dgm:sp3d/>
+    <dgm:txPr/>
+    <dgm:style>
+      <a:lnRef idx="2">
+        <a:scrgbClr r="0" g="0" b="0"/>
+      </a:lnRef>
+      <a:fillRef idx="1">
+        <a:scrgbClr r="0" g="0" b="0"/>
+      </a:fillRef>
+      <a:effectRef idx="0">
+        <a:scrgbClr r="0" g="0" b="0"/>
+      </a:effectRef>
+      <a:fontRef idx="minor">
+        <a:schemeClr val="lt1"/>
+      </a:fontRef>
+    </dgm:style>
+  </dgm:styleLbl>
+  <dgm:styleLbl name="node1">
+    <dgm:scene3d>
+      <a:camera prst="orthographicFront"/>
+      <a:lightRig rig="threePt" dir="t"/>
+    </dgm:scene3d>
+    <dgm:sp3d/>
+    <dgm:txPr/>
+    <dgm:style>
+      <a:lnRef idx="2">
+        <a:scrgbClr r="0" g="0" b="0"/>
+      </a:lnRef>
+      <a:fillRef idx="1">
+        <a:scrgbClr r="0" g="0" b="0"/>
+      </a:fillRef>
+      <a:effectRef idx="0">
+        <a:scrgbClr r="0" g="0" b="0"/>
+      </a:effectRef>
+      <a:fontRef idx="minor">
+        <a:schemeClr val="lt1"/>
+      </a:fontRef>
+    </dgm:style>
+  </dgm:styleLbl>
+  <dgm:styleLbl name="node2">
+    <dgm:scene3d>
+      <a:camera prst="orthographicFront"/>
+      <a:lightRig rig="threePt" dir="t"/>
+    </dgm:scene3d>
+    <dgm:sp3d/>
+    <dgm:txPr/>
+    <dgm:style>
+      <a:lnRef idx="2">
+        <a:scrgbClr r="0" g="0" b="0"/>
+      </a:lnRef>
+      <a:fillRef idx="1">
+        <a:scrgbClr r="0" g="0" b="0"/>
+      </a:fillRef>
+      <a:effectRef idx="0">
+        <a:scrgbClr r="0" g="0" b="0"/>
+      </a:effectRef>
+      <a:fontRef idx="minor">
+        <a:schemeClr val="lt1"/>
+      </a:fontRef>
+    </dgm:style>
+  </dgm:styleLbl>
+  <dgm:styleLbl name="node3">
+    <dgm:scene3d>
+      <a:camera prst="orthographicFront"/>
+      <a:lightRig rig="threePt" dir="t"/>
+    </dgm:scene3d>
+    <dgm:sp3d/>
+    <dgm:txPr/>
+    <dgm:style>
+      <a:lnRef idx="2">
+        <a:scrgbClr r="0" g="0" b="0"/>
+      </a:lnRef>
+      <a:fillRef idx="1">
+        <a:scrgbClr r="0" g="0" b="0"/>
+      </a:fillRef>
+      <a:effectRef idx="0">
+        <a:scrgbClr r="0" g="0" b="0"/>
+      </a:effectRef>
+      <a:fontRef idx="minor">
+        <a:schemeClr val="lt1"/>
+      </a:fontRef>
+    </dgm:style>
+  </dgm:styleLbl>
+  <dgm:styleLbl name="node4">
+    <dgm:scene3d>
+      <a:camera prst="orthographicFront"/>
+      <a:lightRig rig="threePt" dir="t"/>
+    </dgm:scene3d>
+    <dgm:sp3d/>
+    <dgm:txPr/>
+    <dgm:style>
+      <a:lnRef idx="2">
+        <a:scrgbClr r="0" g="0" b="0"/>
+      </a:lnRef>
+      <a:fillRef idx="1">
+        <a:scrgbClr r="0" g="0" b="0"/>
+      </a:fillRef>
+      <a:effectRef idx="0">
+        <a:scrgbClr r="0" g="0" b="0"/>
+      </a:effectRef>
+      <a:fontRef idx="minor">
+        <a:schemeClr val="lt1"/>
+      </a:fontRef>
+    </dgm:style>
+  </dgm:styleLbl>
+  <dgm:styleLbl name="fgImgPlace1">
+    <dgm:scene3d>
+      <a:camera prst="orthographicFront"/>
+      <a:lightRig rig="threePt" dir="t"/>
+    </dgm:scene3d>
+    <dgm:sp3d/>
+    <dgm:txPr/>
+    <dgm:style>
+      <a:lnRef idx="2">
+        <a:scrgbClr r="0" g="0" b="0"/>
+      </a:lnRef>
+      <a:fillRef idx="1">
+        <a:scrgbClr r="0" g="0" b="0"/>
+      </a:fillRef>
+      <a:effectRef idx="0">
+        <a:scrgbClr r="0" g="0" b="0"/>
+      </a:effectRef>
+      <a:fontRef idx="minor"/>
+    </dgm:style>
+  </dgm:styleLbl>
+  <dgm:styleLbl name="alignImgPlace1">
+    <dgm:scene3d>
+      <a:camera prst="orthographicFront"/>
+      <a:lightRig rig="threePt" dir="t"/>
+    </dgm:scene3d>
+    <dgm:sp3d/>
+    <dgm:txPr/>
+    <dgm:style>
+      <a:lnRef idx="2">
+        <a:scrgbClr r="0" g="0" b="0"/>
+      </a:lnRef>
+      <a:fillRef idx="1">
+        <a:scrgbClr r="0" g="0" b="0"/>
+      </a:fillRef>
+      <a:effectRef idx="0">
+        <a:scrgbClr r="0" g="0" b="0"/>
+      </a:effectRef>
+      <a:fontRef idx="minor"/>
+    </dgm:style>
+  </dgm:styleLbl>
+  <dgm:styleLbl name="bgImgPlace1">
+    <dgm:scene3d>
+      <a:camera prst="orthographicFront"/>
+      <a:lightRig rig="threePt" dir="t"/>
+    </dgm:scene3d>
+    <dgm:sp3d/>
+    <dgm:txPr/>
+    <dgm:style>
+      <a:lnRef idx="2">
+        <a:scrgbClr r="0" g="0" b="0"/>
+      </a:lnRef>
+      <a:fillRef idx="1">
+        <a:scrgbClr r="0" g="0" b="0"/>
+      </a:fillRef>
+      <a:effectRef idx="0">
+        <a:scrgbClr r="0" g="0" b="0"/>
+      </a:effectRef>
+      <a:fontRef idx="minor"/>
+    </dgm:style>
+  </dgm:styleLbl>
+  <dgm:styleLbl name="sibTrans2D1">
+    <dgm:scene3d>
+      <a:camera prst="orthographicFront"/>
+      <a:lightRig rig="threePt" dir="t"/>
+    </dgm:scene3d>
+    <dgm:sp3d/>
+    <dgm:txPr/>
+    <dgm:style>
+      <a:lnRef idx="0">
+        <a:scrgbClr r="0" g="0" b="0"/>
+      </a:lnRef>
+      <a:fillRef idx="1">
+        <a:scrgbClr r="0" g="0" b="0"/>
+      </a:fillRef>
+      <a:effectRef idx="0">
+        <a:scrgbClr r="0" g="0" b="0"/>
+      </a:effectRef>
+      <a:fontRef idx="minor">
+        <a:schemeClr val="lt1"/>
+      </a:fontRef>
+    </dgm:style>
+  </dgm:styleLbl>
+  <dgm:styleLbl name="fgSibTrans2D1">
+    <dgm:scene3d>
+      <a:camera prst="orthographicFront"/>
+      <a:lightRig rig="threePt" dir="t"/>
+    </dgm:scene3d>
+    <dgm:sp3d/>
+    <dgm:txPr/>
+    <dgm:style>
+      <a:lnRef idx="0">
+        <a:scrgbClr r="0" g="0" b="0"/>
+      </a:lnRef>
+      <a:fillRef idx="1">
+        <a:scrgbClr r="0" g="0" b="0"/>
+      </a:fillRef>
+      <a:effectRef idx="0">
+        <a:scrgbClr r="0" g="0" b="0"/>
+      </a:effectRef>
+      <a:fontRef idx="minor">
+        <a:schemeClr val="lt1"/>
+      </a:fontRef>
+    </dgm:style>
+  </dgm:styleLbl>
+  <dgm:styleLbl name="bgSibTrans2D1">
+    <dgm:scene3d>
+      <a:camera prst="orthographicFront"/>
+      <a:lightRig rig="threePt" dir="t"/>
+    </dgm:scene3d>
+    <dgm:sp3d/>
+    <dgm:txPr/>
+    <dgm:style>
+      <a:lnRef idx="0">
+        <a:scrgbClr r="0" g="0" b="0"/>
+      </a:lnRef>
+      <a:fillRef idx="1">
+        <a:scrgbClr r="0" g="0" b="0"/>
+      </a:fillRef>
+      <a:effectRef idx="0">
+        <a:scrgbClr r="0" g="0" b="0"/>
+      </a:effectRef>
+      <a:fontRef idx="minor">
+        <a:schemeClr val="lt1"/>
+      </a:fontRef>
+    </dgm:style>
+  </dgm:styleLbl>
+  <dgm:styleLbl name="sibTrans1D1">
+    <dgm:scene3d>
+      <a:camera prst="orthographicFront"/>
+      <a:lightRig rig="threePt" dir="t"/>
+    </dgm:scene3d>
+    <dgm:sp3d/>
+    <dgm:txPr/>
+    <dgm:style>
+      <a:lnRef idx="1">
+        <a:scrgbClr r="0" g="0" b="0"/>
+      </a:lnRef>
+      <a:fillRef idx="0">
+        <a:scrgbClr r="0" g="0" b="0"/>
+      </a:fillRef>
+      <a:effectRef idx="0">
+        <a:scrgbClr r="0" g="0" b="0"/>
+      </a:effectRef>
+      <a:fontRef idx="minor"/>
+    </dgm:style>
+  </dgm:styleLbl>
+  <dgm:styleLbl name="callout">
+    <dgm:scene3d>
+      <a:camera prst="orthographicFront"/>
+      <a:lightRig rig="threePt" dir="t"/>
+    </dgm:scene3d>
+    <dgm:sp3d/>
+    <dgm:txPr/>
+    <dgm:style>
+      <a:lnRef idx="2">
+        <a:scrgbClr r="0" g="0" b="0"/>
+      </a:lnRef>
+      <a:fillRef idx="1">
+        <a:scrgbClr r="0" g="0" b="0"/>
+      </a:fillRef>
+      <a:effectRef idx="0">
+        <a:scrgbClr r="0" g="0" b="0"/>
+      </a:effectRef>
+      <a:fontRef idx="minor"/>
+    </dgm:style>
+  </dgm:styleLbl>
+  <dgm:styleLbl name="asst0">
+    <dgm:scene3d>
+      <a:camera prst="orthographicFront"/>
+      <a:lightRig rig="threePt" dir="t"/>
+    </dgm:scene3d>
+    <dgm:sp3d/>
+    <dgm:txPr/>
+    <dgm:style>
+      <a:lnRef idx="2">
+        <a:scrgbClr r="0" g="0" b="0"/>
+      </a:lnRef>
+      <a:fillRef idx="1">
+        <a:scrgbClr r="0" g="0" b="0"/>
+      </a:fillRef>
+      <a:effectRef idx="0">
+        <a:scrgbClr r="0" g="0" b="0"/>
+      </a:effectRef>
+      <a:fontRef idx="minor">
+        <a:schemeClr val="lt1"/>
+      </a:fontRef>
+    </dgm:style>
+  </dgm:styleLbl>
+  <dgm:styleLbl name="asst1">
+    <dgm:scene3d>
+      <a:camera prst="orthographicFront"/>
+      <a:lightRig rig="threePt" dir="t"/>
+    </dgm:scene3d>
+    <dgm:sp3d/>
+    <dgm:txPr/>
+    <dgm:style>
+      <a:lnRef idx="2">
+        <a:scrgbClr r="0" g="0" b="0"/>
+      </a:lnRef>
+      <a:fillRef idx="1">
+        <a:scrgbClr r="0" g="0" b="0"/>
+      </a:fillRef>
+      <a:effectRef idx="0">
+        <a:scrgbClr r="0" g="0" b="0"/>
+      </a:effectRef>
+      <a:fontRef idx="minor">
+        <a:schemeClr val="lt1"/>
+      </a:fontRef>
+    </dgm:style>
+  </dgm:styleLbl>
+  <dgm:styleLbl name="asst2">
+    <dgm:scene3d>
+      <a:camera prst="orthographicFront"/>
+      <a:lightRig rig="threePt" dir="t"/>
+    </dgm:scene3d>
+    <dgm:sp3d/>
+    <dgm:txPr/>
+    <dgm:style>
+      <a:lnRef idx="2">
+        <a:scrgbClr r="0" g="0" b="0"/>
+      </a:lnRef>
+      <a:fillRef idx="1">
+        <a:scrgbClr r="0" g="0" b="0"/>
+      </a:fillRef>
+      <a:effectRef idx="0">
+        <a:scrgbClr r="0" g="0" b="0"/>
+      </a:effectRef>
+      <a:fontRef idx="minor">
+        <a:schemeClr val="lt1"/>
+      </a:fontRef>
+    </dgm:style>
+  </dgm:styleLbl>
+  <dgm:styleLbl name="asst3">
+    <dgm:scene3d>
+      <a:camera prst="orthographicFront"/>
+      <a:lightRig rig="threePt" dir="t"/>
+    </dgm:scene3d>
+    <dgm:sp3d/>
+    <dgm:txPr/>
+    <dgm:style>
+      <a:lnRef idx="2">
+        <a:scrgbClr r="0" g="0" b="0"/>
+      </a:lnRef>
+      <a:fillRef idx="1">
+        <a:scrgbClr r="0" g="0" b="0"/>
+      </a:fillRef>
+      <a:effectRef idx="0">
+        <a:scrgbClr r="0" g="0" b="0"/>
+      </a:effectRef>
+      <a:fontRef idx="minor">
+        <a:schemeClr val="lt1"/>
+      </a:fontRef>
+    </dgm:style>
+  </dgm:styleLbl>
+  <dgm:styleLbl name="asst4">
+    <dgm:scene3d>
+      <a:camera prst="orthographicFront"/>
+      <a:lightRig rig="threePt" dir="t"/>
+    </dgm:scene3d>
+    <dgm:sp3d/>
+    <dgm:txPr/>
+    <dgm:style>
+      <a:lnRef idx="2">
+        <a:scrgbClr r="0" g="0" b="0"/>
+      </a:lnRef>
+      <a:fillRef idx="1">
+        <a:scrgbClr r="0" g="0" b="0"/>
+      </a:fillRef>
+      <a:effectRef idx="0">
+        <a:scrgbClr r="0" g="0" b="0"/>
+      </a:effectRef>
+      <a:fontRef idx="minor">
+        <a:schemeClr val="lt1"/>
+      </a:fontRef>
+    </dgm:style>
+  </dgm:styleLbl>
+  <dgm:styleLbl name="parChTrans2D1">
+    <dgm:scene3d>
+      <a:camera prst="orthographicFront"/>
+      <a:lightRig rig="threePt" dir="t"/>
+    </dgm:scene3d>
+    <dgm:sp3d/>
+    <dgm:txPr/>
+    <dgm:style>
+      <a:lnRef idx="2">
+        <a:scrgbClr r="0" g="0" b="0"/>
+      </a:lnRef>
+      <a:fillRef idx="1">
+        <a:scrgbClr r="0" g="0" b="0"/>
+      </a:fillRef>
+      <a:effectRef idx="0">
+        <a:scrgbClr r="0" g="0" b="0"/>
+      </a:effectRef>
+      <a:fontRef idx="minor">
+        <a:schemeClr val="lt1"/>
+      </a:fontRef>
+    </dgm:style>
+  </dgm:styleLbl>
+  <dgm:styleLbl name="parChTrans2D2">
+    <dgm:scene3d>
+      <a:camera prst="orthographicFront"/>
+      <a:lightRig rig="threePt" dir="t"/>
+    </dgm:scene3d>
+    <dgm:sp3d/>
+    <dgm:txPr/>
+    <dgm:style>
+      <a:lnRef idx="2">
+        <a:scrgbClr r="0" g="0" b="0"/>
+      </a:lnRef>
+      <a:fillRef idx="1">
+        <a:scrgbClr r="0" g="0" b="0"/>
+      </a:fillRef>
+      <a:effectRef idx="0">
+        <a:scrgbClr r="0" g="0" b="0"/>
+      </a:effectRef>
+      <a:fontRef idx="minor">
+        <a:schemeClr val="lt1"/>
+      </a:fontRef>
+    </dgm:style>
+  </dgm:styleLbl>
+  <dgm:styleLbl name="parChTrans2D3">
+    <dgm:scene3d>
+      <a:camera prst="orthographicFront"/>
+      <a:lightRig rig="threePt" dir="t"/>
+    </dgm:scene3d>
+    <dgm:sp3d/>
+    <dgm:txPr/>
+    <dgm:style>
+      <a:lnRef idx="2">
+        <a:scrgbClr r="0" g="0" b="0"/>
+      </a:lnRef>
+      <a:fillRef idx="1">
+        <a:scrgbClr r="0" g="0" b="0"/>
+      </a:fillRef>
+      <a:effectRef idx="0">
+        <a:scrgbClr r="0" g="0" b="0"/>
+      </a:effectRef>
+      <a:fontRef idx="minor">
+        <a:schemeClr val="lt1"/>
+      </a:fontRef>
+    </dgm:style>
+  </dgm:styleLbl>
+  <dgm:styleLbl name="parChTrans2D4">
+    <dgm:scene3d>
+      <a:camera prst="orthographicFront"/>
+      <a:lightRig rig="threePt" dir="t"/>
+    </dgm:scene3d>
+    <dgm:sp3d/>
+    <dgm:txPr/>
+    <dgm:style>
+      <a:lnRef idx="2">
+        <a:scrgbClr r="0" g="0" b="0"/>
+      </a:lnRef>
+      <a:fillRef idx="1">
+        <a:scrgbClr r="0" g="0" b="0"/>
+      </a:fillRef>
+      <a:effectRef idx="0">
+        <a:scrgbClr r="0" g="0" b="0"/>
+      </a:effectRef>
+      <a:fontRef idx="minor">
+        <a:schemeClr val="lt1"/>
+      </a:fontRef>
+    </dgm:style>
+  </dgm:styleLbl>
+  <dgm:styleLbl name="parChTrans1D1">
+    <dgm:scene3d>
+      <a:camera prst="orthographicFront"/>
+      <a:lightRig rig="threePt" dir="t"/>
+    </dgm:scene3d>
+    <dgm:sp3d/>
+    <dgm:txPr/>
+    <dgm:style>
+      <a:lnRef idx="2">
+        <a:scrgbClr r="0" g="0" b="0"/>
+      </a:lnRef>
+      <a:fillRef idx="0">
+        <a:scrgbClr r="0" g="0" b="0"/>
+      </a:fillRef>
+      <a:effectRef idx="0">
+        <a:scrgbClr r="0" g="0" b="0"/>
+      </a:effectRef>
+      <a:fontRef idx="minor"/>
+    </dgm:style>
+  </dgm:styleLbl>
+  <dgm:styleLbl name="parChTrans1D2">
+    <dgm:scene3d>
+      <a:camera prst="orthographicFront"/>
+      <a:lightRig rig="threePt" dir="t"/>
+    </dgm:scene3d>
+    <dgm:sp3d/>
+    <dgm:txPr/>
+    <dgm:style>
+      <a:lnRef idx="2">
+        <a:scrgbClr r="0" g="0" b="0"/>
+      </a:lnRef>
+      <a:fillRef idx="0">
+        <a:scrgbClr r="0" g="0" b="0"/>
+      </a:fillRef>
+      <a:effectRef idx="0">
+        <a:scrgbClr r="0" g="0" b="0"/>
+      </a:effectRef>
+      <a:fontRef idx="minor"/>
+    </dgm:style>
+  </dgm:styleLbl>
+  <dgm:styleLbl name="parChTrans1D3">
+    <dgm:scene3d>
+      <a:camera prst="orthographicFront"/>
+      <a:lightRig rig="threePt" dir="t"/>
+    </dgm:scene3d>
+    <dgm:sp3d/>
+    <dgm:txPr/>
+    <dgm:style>
+      <a:lnRef idx="2">
+        <a:scrgbClr r="0" g="0" b="0"/>
+      </a:lnRef>
+      <a:fillRef idx="0">
+        <a:scrgbClr r="0" g="0" b="0"/>
+      </a:fillRef>
+      <a:effectRef idx="0">
+        <a:scrgbClr r="0" g="0" b="0"/>
+      </a:effectRef>
+      <a:fontRef idx="minor"/>
+    </dgm:style>
+  </dgm:styleLbl>
+  <dgm:styleLbl name="parChTrans1D4">
+    <dgm:scene3d>
+      <a:camera prst="orthographicFront"/>
+      <a:lightRig rig="threePt" dir="t"/>
+    </dgm:scene3d>
+    <dgm:sp3d/>
+    <dgm:txPr/>
+    <dgm:style>
+      <a:lnRef idx="2">
+        <a:scrgbClr r="0" g="0" b="0"/>
+      </a:lnRef>
+      <a:fillRef idx="0">
+        <a:scrgbClr r="0" g="0" b="0"/>
+      </a:fillRef>
+      <a:effectRef idx="0">
+        <a:scrgbClr r="0" g="0" b="0"/>
+      </a:effectRef>
+      <a:fontRef idx="minor"/>
+    </dgm:style>
+  </dgm:styleLbl>
+  <dgm:styleLbl name="fgAcc1">
+    <dgm:scene3d>
+      <a:camera prst="orthographicFront"/>
+      <a:lightRig rig="threePt" dir="t"/>
+    </dgm:scene3d>
+    <dgm:sp3d/>
+    <dgm:txPr/>
+    <dgm:style>
+      <a:lnRef idx="2">
+        <a:scrgbClr r="0" g="0" b="0"/>
+      </a:lnRef>
+      <a:fillRef idx="1">
+        <a:scrgbClr r="0" g="0" b="0"/>
+      </a:fillRef>
+      <a:effectRef idx="0">
+        <a:scrgbClr r="0" g="0" b="0"/>
+      </a:effectRef>
+      <a:fontRef idx="minor"/>
+    </dgm:style>
+  </dgm:styleLbl>
+  <dgm:styleLbl name="conFgAcc1">
+    <dgm:scene3d>
+      <a:camera prst="orthographicFront"/>
+      <a:lightRig rig="threePt" dir="t"/>
+    </dgm:scene3d>
+    <dgm:sp3d/>
+    <dgm:txPr/>
+    <dgm:style>
+      <a:lnRef idx="2">
+        <a:scrgbClr r="0" g="0" b="0"/>
+      </a:lnRef>
+      <a:fillRef idx="1">
+        <a:scrgbClr r="0" g="0" b="0"/>
+      </a:fillRef>
+      <a:effectRef idx="0">
+        <a:scrgbClr r="0" g="0" b="0"/>
+      </a:effectRef>
+      <a:fontRef idx="minor"/>
+    </dgm:style>
+  </dgm:styleLbl>
+  <dgm:styleLbl name="alignAcc1">
+    <dgm:scene3d>
+      <a:camera prst="orthographicFront"/>
+      <a:lightRig rig="threePt" dir="t"/>
+    </dgm:scene3d>
+    <dgm:sp3d/>
+    <dgm:txPr/>
+    <dgm:style>
+      <a:lnRef idx="2">
+        <a:scrgbClr r="0" g="0" b="0"/>
+      </a:lnRef>
+      <a:fillRef idx="1">
+        <a:scrgbClr r="0" g="0" b="0"/>
+      </a:fillRef>
+      <a:effectRef idx="0">
+        <a:scrgbClr r="0" g="0" b="0"/>
+      </a:effectRef>
+      <a:fontRef idx="minor"/>
+    </dgm:style>
+  </dgm:styleLbl>
+  <dgm:styleLbl name="trAlignAcc1">
+    <dgm:scene3d>
+      <a:camera prst="orthographicFront"/>
+      <a:lightRig rig="threePt" dir="t"/>
+    </dgm:scene3d>
+    <dgm:sp3d/>
+    <dgm:txPr/>
+    <dgm:style>
+      <a:lnRef idx="1">
+        <a:scrgbClr r="0" g="0" b="0"/>
+      </a:lnRef>
+      <a:fillRef idx="1">
+        <a:scrgbClr r="0" g="0" b="0"/>
+      </a:fillRef>
+      <a:effectRef idx="0">
+        <a:scrgbClr r="0" g="0" b="0"/>
+      </a:effectRef>
+      <a:fontRef idx="minor"/>
+    </dgm:style>
+  </dgm:styleLbl>
+  <dgm:styleLbl name="bgAcc1">
+    <dgm:scene3d>
+      <a:camera prst="orthographicFront"/>
+      <a:lightRig rig="threePt" dir="t"/>
+    </dgm:scene3d>
+    <dgm:sp3d/>
+    <dgm:txPr/>
+    <dgm:style>
+      <a:lnRef idx="2">
+        <a:scrgbClr r="0" g="0" b="0"/>
+      </a:lnRef>
+      <a:fillRef idx="1">
+        <a:scrgbClr r="0" g="0" b="0"/>
+      </a:fillRef>
+      <a:effectRef idx="0">
+        <a:scrgbClr r="0" g="0" b="0"/>
+      </a:effectRef>
+      <a:fontRef idx="minor"/>
+    </dgm:style>
+  </dgm:styleLbl>
+  <dgm:styleLbl name="solidFgAcc1">
+    <dgm:scene3d>
+      <a:camera prst="orthographicFront"/>
+      <a:lightRig rig="threePt" dir="t"/>
+    </dgm:scene3d>
+    <dgm:sp3d/>
+    <dgm:txPr/>
+    <dgm:style>
+      <a:lnRef idx="2">
+        <a:scrgbClr r="0" g="0" b="0"/>
+      </a:lnRef>
+      <a:fillRef idx="1">
+        <a:scrgbClr r="0" g="0" b="0"/>
+      </a:fillRef>
+      <a:effectRef idx="0">
+        <a:scrgbClr r="0" g="0" b="0"/>
+      </a:effectRef>
+      <a:fontRef idx="minor"/>
+    </dgm:style>
+  </dgm:styleLbl>
+  <dgm:styleLbl name="solidAlignAcc1">
+    <dgm:scene3d>
+      <a:camera prst="orthographicFront"/>
+      <a:lightRig rig="threePt" dir="t"/>
+    </dgm:scene3d>
+    <dgm:sp3d/>
+    <dgm:txPr/>
+    <dgm:style>
+      <a:lnRef idx="2">
+        <a:scrgbClr r="0" g="0" b="0"/>
+      </a:lnRef>
+      <a:fillRef idx="1">
+        <a:scrgbClr r="0" g="0" b="0"/>
+      </a:fillRef>
+      <a:effectRef idx="0">
+        <a:scrgbClr r="0" g="0" b="0"/>
+      </a:effectRef>
+      <a:fontRef idx="minor"/>
+    </dgm:style>
+  </dgm:styleLbl>
+  <dgm:styleLbl name="solidBgAcc1">
+    <dgm:scene3d>
+      <a:camera prst="orthographicFront"/>
+      <a:lightRig rig="threePt" dir="t"/>
+    </dgm:scene3d>
+    <dgm:sp3d/>
+    <dgm:txPr/>
+    <dgm:style>
+      <a:lnRef idx="2">
+        <a:scrgbClr r="0" g="0" b="0"/>
+      </a:lnRef>
+      <a:fillRef idx="1">
+        <a:scrgbClr r="0" g="0" b="0"/>
+      </a:fillRef>
+      <a:effectRef idx="0">
+        <a:scrgbClr r="0" g="0" b="0"/>
+      </a:effectRef>
+      <a:fontRef idx="minor"/>
+    </dgm:style>
+  </dgm:styleLbl>
+  <dgm:styleLbl name="fgAccFollowNode1">
+    <dgm:scene3d>
+      <a:camera prst="orthographicFront"/>
+      <a:lightRig rig="threePt" dir="t"/>
+    </dgm:scene3d>
+    <dgm:sp3d/>
+    <dgm:txPr/>
+    <dgm:style>
+      <a:lnRef idx="2">
+        <a:scrgbClr r="0" g="0" b="0"/>
+      </a:lnRef>
+      <a:fillRef idx="1">
+        <a:scrgbClr r="0" g="0" b="0"/>
+      </a:fillRef>
+      <a:effectRef idx="0">
+        <a:scrgbClr r="0" g="0" b="0"/>
+      </a:effectRef>
+      <a:fontRef idx="minor"/>
+    </dgm:style>
+  </dgm:styleLbl>
+  <dgm:styleLbl name="alignAccFollowNode1">
+    <dgm:scene3d>
+      <a:camera prst="orthographicFront"/>
+      <a:lightRig rig="threePt" dir="t"/>
+    </dgm:scene3d>
+    <dgm:sp3d/>
+    <dgm:txPr/>
+    <dgm:style>
+      <a:lnRef idx="2">
+        <a:scrgbClr r="0" g="0" b="0"/>
+      </a:lnRef>
+      <a:fillRef idx="1">
+        <a:scrgbClr r="0" g="0" b="0"/>
+      </a:fillRef>
+      <a:effectRef idx="0">
+        <a:scrgbClr r="0" g="0" b="0"/>
+      </a:effectRef>
+      <a:fontRef idx="minor"/>
+    </dgm:style>
+  </dgm:styleLbl>
+  <dgm:styleLbl name="bgAccFollowNode1">
+    <dgm:scene3d>
+      <a:camera prst="orthographicFront"/>
+      <a:lightRig rig="threePt" dir="t"/>
+    </dgm:scene3d>
+    <dgm:sp3d/>
+    <dgm:txPr/>
+    <dgm:style>
+      <a:lnRef idx="2">
+        <a:scrgbClr r="0" g="0" b="0"/>
+      </a:lnRef>
+      <a:fillRef idx="1">
+        <a:scrgbClr r="0" g="0" b="0"/>
+      </a:fillRef>
+      <a:effectRef idx="0">
+        <a:scrgbClr r="0" g="0" b="0"/>
+      </a:effectRef>
+      <a:fontRef idx="minor"/>
+    </dgm:style>
+  </dgm:styleLbl>
+  <dgm:styleLbl name="fgAcc0">
+    <dgm:scene3d>
+      <a:camera prst="orthographicFront"/>
+      <a:lightRig rig="threePt" dir="t"/>
+    </dgm:scene3d>
+    <dgm:sp3d/>
+    <dgm:txPr/>
+    <dgm:style>
+      <a:lnRef idx="2">
+        <a:scrgbClr r="0" g="0" b="0"/>
+      </a:lnRef>
+      <a:fillRef idx="1">
+        <a:scrgbClr r="0" g="0" b="0"/>
+      </a:fillRef>
+      <a:effectRef idx="0">
+        <a:scrgbClr r="0" g="0" b="0"/>
+      </a:effectRef>
+      <a:fontRef idx="minor"/>
+    </dgm:style>
+  </dgm:styleLbl>
+  <dgm:styleLbl name="fgAcc2">
+    <dgm:scene3d>
+      <a:camera prst="orthographicFront"/>
+      <a:lightRig rig="threePt" dir="t"/>
+    </dgm:scene3d>
+    <dgm:sp3d/>
+    <dgm:txPr/>
+    <dgm:style>
+      <a:lnRef idx="2">
+        <a:scrgbClr r="0" g="0" b="0"/>
+      </a:lnRef>
+      <a:fillRef idx="1">
+        <a:scrgbClr r="0" g="0" b="0"/>
+      </a:fillRef>
+      <a:effectRef idx="0">
+        <a:scrgbClr r="0" g="0" b="0"/>
+      </a:effectRef>
+      <a:fontRef idx="minor"/>
+    </dgm:style>
+  </dgm:styleLbl>
+  <dgm:styleLbl name="fgAcc3">
+    <dgm:scene3d>
+      <a:camera prst="orthographicFront"/>
+      <a:lightRig rig="threePt" dir="t"/>
+    </dgm:scene3d>
+    <dgm:sp3d/>
+    <dgm:txPr/>
+    <dgm:style>
+      <a:lnRef idx="2">
+        <a:scrgbClr r="0" g="0" b="0"/>
+      </a:lnRef>
+      <a:fillRef idx="1">
+        <a:scrgbClr r="0" g="0" b="0"/>
+      </a:fillRef>
+      <a:effectRef idx="0">
+        <a:scrgbClr r="0" g="0" b="0"/>
+      </a:effectRef>
+      <a:fontRef idx="minor"/>
+    </dgm:style>
+  </dgm:styleLbl>
+  <dgm:styleLbl name="fgAcc4">
+    <dgm:scene3d>
+      <a:camera prst="orthographicFront"/>
+      <a:lightRig rig="threePt" dir="t"/>
+    </dgm:scene3d>
+    <dgm:sp3d/>
+    <dgm:txPr/>
+    <dgm:style>
+      <a:lnRef idx="2">
+        <a:scrgbClr r="0" g="0" b="0"/>
+      </a:lnRef>
+      <a:fillRef idx="1">
+        <a:scrgbClr r="0" g="0" b="0"/>
+      </a:fillRef>
+      <a:effectRef idx="0">
+        <a:scrgbClr r="0" g="0" b="0"/>
+      </a:effectRef>
+      <a:fontRef idx="minor"/>
+    </dgm:style>
+  </dgm:styleLbl>
+  <dgm:styleLbl name="bgShp">
+    <dgm:scene3d>
+      <a:camera prst="orthographicFront"/>
+      <a:lightRig rig="threePt" dir="t"/>
+    </dgm:scene3d>
+    <dgm:sp3d/>
+    <dgm:txPr/>
+    <dgm:style>
+      <a:lnRef idx="0">
+        <a:scrgbClr r="0" g="0" b="0"/>
+      </a:lnRef>
+      <a:fillRef idx="1">
+        <a:scrgbClr r="0" g="0" b="0"/>
+      </a:fillRef>
+      <a:effectRef idx="0">
+        <a:scrgbClr r="0" g="0" b="0"/>
+      </a:effectRef>
+      <a:fontRef idx="minor"/>
+    </dgm:style>
+  </dgm:styleLbl>
+  <dgm:styleLbl name="dkBgShp">
+    <dgm:scene3d>
+      <a:camera prst="orthographicFront"/>
+      <a:lightRig rig="threePt" dir="t"/>
+    </dgm:scene3d>
+    <dgm:sp3d/>
+    <dgm:txPr/>
+    <dgm:style>
+      <a:lnRef idx="0">
+        <a:scrgbClr r="0" g="0" b="0"/>
+      </a:lnRef>
+      <a:fillRef idx="1">
+        <a:scrgbClr r="0" g="0" b="0"/>
+      </a:fillRef>
+      <a:effectRef idx="0">
+        <a:scrgbClr r="0" g="0" b="0"/>
+      </a:effectRef>
+      <a:fontRef idx="minor"/>
+    </dgm:style>
+  </dgm:styleLbl>
+  <dgm:styleLbl name="trBgShp">
+    <dgm:scene3d>
+      <a:camera prst="orthographicFront"/>
+      <a:lightRig rig="threePt" dir="t"/>
+    </dgm:scene3d>
+    <dgm:sp3d/>
+    <dgm:txPr/>
+    <dgm:style>
+      <a:lnRef idx="0">
+        <a:scrgbClr r="0" g="0" b="0"/>
+      </a:lnRef>
+      <a:fillRef idx="1">
+        <a:scrgbClr r="0" g="0" b="0"/>
+      </a:fillRef>
+      <a:effectRef idx="0">
+        <a:scrgbClr r="0" g="0" b="0"/>
+      </a:effectRef>
+      <a:fontRef idx="minor"/>
+    </dgm:style>
+  </dgm:styleLbl>
+  <dgm:styleLbl name="fgShp">
+    <dgm:scene3d>
+      <a:camera prst="orthographicFront"/>
+      <a:lightRig rig="threePt" dir="t"/>
+    </dgm:scene3d>
+    <dgm:sp3d/>
+    <dgm:txPr/>
+    <dgm:style>
+      <a:lnRef idx="2">
+        <a:scrgbClr r="0" g="0" b="0"/>
+      </a:lnRef>
+      <a:fillRef idx="1">
+        <a:scrgbClr r="0" g="0" b="0"/>
+      </a:fillRef>
+      <a:effectRef idx="0">
+        <a:scrgbClr r="0" g="0" b="0"/>
+      </a:effectRef>
+      <a:fontRef idx="minor"/>
+    </dgm:style>
+  </dgm:styleLbl>
+  <dgm:styleLbl name="revTx">
+    <dgm:scene3d>
+      <a:camera prst="orthographicFront"/>
+      <a:lightRig rig="threePt" dir="t"/>
+    </dgm:scene3d>
+    <dgm:sp3d/>
+    <dgm:txPr/>
+    <dgm:style>
+      <a:lnRef idx="0">
+        <a:scrgbClr r="0" g="0" b="0"/>
+      </a:lnRef>
+      <a:fillRef idx="0">
+        <a:scrgbClr r="0" g="0" b="0"/>
+      </a:fillRef>
+      <a:effectRef idx="0">
+        <a:scrgbClr r="0" g="0" b="0"/>
+      </a:effectRef>
+      <a:fontRef idx="minor"/>
+    </dgm:style>
+  </dgm:styleLbl>
+</dgm:styleDef>
 </file>
 
 <file path=ppt/notesMasters/notesMaster1.xml><?xml version="1.0" encoding="utf-8"?>
@@ -316,7 +3512,7 @@
           <a:p>
             <a:fld id="{3FE6996D-EBEF-473B-8179-A2F19BBC7402}" type="datetimeFigureOut">
               <a:rPr lang="en-US" smtClean="0"/>
-              <a:t>10/25/2022</a:t>
+              <a:t>10/27/2022</a:t>
             </a:fld>
             <a:endParaRPr lang="en-US"/>
           </a:p>
@@ -1191,7 +4387,7 @@
           <a:p>
             <a:fld id="{2F319D35-DDD6-4A50-856E-577E9C784DE2}" type="slidenum">
               <a:rPr lang="en-US" smtClean="0"/>
-              <a:t>3</a:t>
+              <a:t>4</a:t>
             </a:fld>
             <a:endParaRPr lang="en-US"/>
           </a:p>
@@ -1947,7 +5143,7 @@
           <a:p>
             <a:fld id="{2F319D35-DDD6-4A50-856E-577E9C784DE2}" type="slidenum">
               <a:rPr lang="en-US" smtClean="0"/>
-              <a:t>4</a:t>
+              <a:t>5</a:t>
             </a:fld>
             <a:endParaRPr lang="en-US"/>
           </a:p>
@@ -2213,7 +5409,7 @@
           <a:p>
             <a:fld id="{2F319D35-DDD6-4A50-856E-577E9C784DE2}" type="slidenum">
               <a:rPr lang="en-US" smtClean="0"/>
-              <a:t>5</a:t>
+              <a:t>6</a:t>
             </a:fld>
             <a:endParaRPr lang="en-US"/>
           </a:p>
@@ -2637,7 +5833,7 @@
           <a:p>
             <a:fld id="{2F319D35-DDD6-4A50-856E-577E9C784DE2}" type="slidenum">
               <a:rPr lang="en-US" smtClean="0"/>
-              <a:t>6</a:t>
+              <a:t>7</a:t>
             </a:fld>
             <a:endParaRPr lang="en-US"/>
           </a:p>
@@ -3088,7 +6284,7 @@
           <a:p>
             <a:fld id="{2F319D35-DDD6-4A50-856E-577E9C784DE2}" type="slidenum">
               <a:rPr lang="en-US" smtClean="0"/>
-              <a:t>7</a:t>
+              <a:t>8</a:t>
             </a:fld>
             <a:endParaRPr lang="en-US"/>
           </a:p>
@@ -3273,7 +6469,7 @@
           <a:p>
             <a:fld id="{2596040C-EDF0-4886-A7F4-CC7275106759}" type="datetime1">
               <a:rPr lang="en-US" smtClean="0"/>
-              <a:t>10/25/2022</a:t>
+              <a:t>10/27/2022</a:t>
             </a:fld>
             <a:endParaRPr lang="en-US"/>
           </a:p>
@@ -3501,7 +6697,7 @@
           <a:p>
             <a:fld id="{A9AB284A-F62E-4A83-81C8-4C322C263973}" type="datetime1">
               <a:rPr lang="en-US" smtClean="0"/>
-              <a:t>10/25/2022</a:t>
+              <a:t>10/27/2022</a:t>
             </a:fld>
             <a:endParaRPr lang="en-US"/>
           </a:p>
@@ -3953,7 +7149,7 @@
           <a:p>
             <a:fld id="{650C74F3-63A6-48A5-B72F-A86B4D2B89AA}" type="datetime1">
               <a:rPr lang="en-US" smtClean="0"/>
-              <a:t>10/25/2022</a:t>
+              <a:t>10/27/2022</a:t>
             </a:fld>
             <a:endParaRPr lang="en-US"/>
           </a:p>
@@ -4153,7 +7349,7 @@
           <a:p>
             <a:fld id="{0A173201-05BC-4EEC-8B46-67989DE22D36}" type="datetime1">
               <a:rPr lang="en-US" smtClean="0"/>
-              <a:t>10/25/2022</a:t>
+              <a:t>10/27/2022</a:t>
             </a:fld>
             <a:endParaRPr lang="en-US"/>
           </a:p>
@@ -4526,7 +7722,7 @@
           <a:p>
             <a:fld id="{3BA13D6B-2270-4601-95A2-214F7D62C768}" type="datetime1">
               <a:rPr lang="en-US" smtClean="0"/>
-              <a:t>10/25/2022</a:t>
+              <a:t>10/27/2022</a:t>
             </a:fld>
             <a:endParaRPr lang="en-US"/>
           </a:p>
@@ -5048,106 +8244,6 @@
 </p:sld>
 </file>
 
-<file path=ppt/slides/slide10.xml><?xml version="1.0" encoding="utf-8"?>
-<p:sld xmlns:a="http://schemas.openxmlformats.org/drawingml/2006/main" xmlns:r="http://schemas.openxmlformats.org/officeDocument/2006/relationships" xmlns:p="http://schemas.openxmlformats.org/presentationml/2006/main">
-  <p:cSld>
-    <p:spTree>
-      <p:nvGrpSpPr>
-        <p:cNvPr id="1" name=""/>
-        <p:cNvGrpSpPr/>
-        <p:nvPr/>
-      </p:nvGrpSpPr>
-      <p:grpSpPr>
-        <a:xfrm>
-          <a:off x="0" y="0"/>
-          <a:ext cx="0" cy="0"/>
-          <a:chOff x="0" y="0"/>
-          <a:chExt cx="0" cy="0"/>
-        </a:xfrm>
-      </p:grpSpPr>
-      <p:sp>
-        <p:nvSpPr>
-          <p:cNvPr id="4" name="Footer Placeholder 3">
-            <a:extLst>
-              <a:ext uri="{FF2B5EF4-FFF2-40B4-BE49-F238E27FC236}">
-                <a16:creationId xmlns:a16="http://schemas.microsoft.com/office/drawing/2014/main" id="{A7EE535E-D717-4B22-842B-FF4F0A86E651}"/>
-              </a:ext>
-            </a:extLst>
-          </p:cNvPr>
-          <p:cNvSpPr>
-            <a:spLocks noGrp="1"/>
-          </p:cNvSpPr>
-          <p:nvPr>
-            <p:ph type="ftr" sz="quarter" idx="4294967295"/>
-          </p:nvPr>
-        </p:nvSpPr>
-        <p:spPr>
-          <a:xfrm>
-            <a:off x="0" y="6489700"/>
-            <a:ext cx="4114800" cy="365125"/>
-          </a:xfrm>
-        </p:spPr>
-        <p:txBody>
-          <a:bodyPr/>
-          <a:lstStyle/>
-          <a:p>
-            <a:r>
-              <a:rPr lang="en-US"/>
-              <a:t>Adage</a:t>
-            </a:r>
-          </a:p>
-        </p:txBody>
-      </p:sp>
-      <p:sp>
-        <p:nvSpPr>
-          <p:cNvPr id="5" name="Slide Number Placeholder 4">
-            <a:extLst>
-              <a:ext uri="{FF2B5EF4-FFF2-40B4-BE49-F238E27FC236}">
-                <a16:creationId xmlns:a16="http://schemas.microsoft.com/office/drawing/2014/main" id="{F602FCB5-6A58-42D9-A31F-5C36D2839718}"/>
-              </a:ext>
-            </a:extLst>
-          </p:cNvPr>
-          <p:cNvSpPr>
-            <a:spLocks noGrp="1"/>
-          </p:cNvSpPr>
-          <p:nvPr>
-            <p:ph type="sldNum" sz="quarter" idx="4294967295"/>
-          </p:nvPr>
-        </p:nvSpPr>
-        <p:spPr>
-          <a:xfrm>
-            <a:off x="9448800" y="6356350"/>
-            <a:ext cx="2743200" cy="365125"/>
-          </a:xfrm>
-          <a:prstGeom prst="rect">
-            <a:avLst/>
-          </a:prstGeom>
-        </p:spPr>
-        <p:txBody>
-          <a:bodyPr/>
-          <a:lstStyle/>
-          <a:p>
-            <a:fld id="{A2DCBA88-1671-42D3-9686-8895CAE7DED7}" type="slidenum">
-              <a:rPr lang="en-US" smtClean="0"/>
-              <a:t>10</a:t>
-            </a:fld>
-            <a:endParaRPr lang="en-US"/>
-          </a:p>
-        </p:txBody>
-      </p:sp>
-    </p:spTree>
-    <p:extLst>
-      <p:ext uri="{BB962C8B-B14F-4D97-AF65-F5344CB8AC3E}">
-        <p14:creationId xmlns:p14="http://schemas.microsoft.com/office/powerpoint/2010/main" val="2258155442"/>
-      </p:ext>
-    </p:extLst>
-  </p:cSld>
-  <p:clrMapOvr>
-    <a:masterClrMapping/>
-  </p:clrMapOvr>
-</p:sld>
-</file>
-
 <file path=ppt/slides/slide2.xml><?xml version="1.0" encoding="utf-8"?>
 <p:sld xmlns:a="http://schemas.openxmlformats.org/drawingml/2006/main" xmlns:r="http://schemas.openxmlformats.org/officeDocument/2006/relationships" xmlns:p="http://schemas.openxmlformats.org/presentationml/2006/main">
   <p:cSld>
@@ -5214,23 +8310,7 @@
           <a:bodyPr/>
           <a:lstStyle/>
           <a:p>
-            <a:r>
-              <a:rPr lang="en-US"/>
-              <a:t>Current situation </a:t>
-            </a:r>
-          </a:p>
-          <a:p>
-            <a:pPr lvl="1"/>
-            <a:r>
-              <a:rPr lang="en-US"/>
-              <a:t>Problem definition</a:t>
-            </a:r>
-          </a:p>
-          <a:p>
-            <a:r>
-              <a:rPr lang="en-US"/>
-              <a:t>Proposed Solution</a:t>
-            </a:r>
+            <a:endParaRPr lang="en-US" dirty="0"/>
           </a:p>
         </p:txBody>
       </p:sp>
@@ -5326,7 +8406,7 @@
           <p:cNvPr id="2" name="Title 1">
             <a:extLst>
               <a:ext uri="{FF2B5EF4-FFF2-40B4-BE49-F238E27FC236}">
-                <a16:creationId xmlns:a16="http://schemas.microsoft.com/office/drawing/2014/main" id="{1D6D23A3-3DA2-807B-C209-6DF8B356C43C}"/>
+                <a16:creationId xmlns:a16="http://schemas.microsoft.com/office/drawing/2014/main" id="{382C94C0-E5CD-05CA-19DE-2F727653AB93}"/>
               </a:ext>
             </a:extLst>
           </p:cNvPr>
@@ -5343,22 +8423,50 @@
           <a:lstStyle/>
           <a:p>
             <a:r>
-              <a:rPr lang="en-US" sz="3200" dirty="0">
-                <a:solidFill>
-                  <a:srgbClr val="3F7593"/>
-                </a:solidFill>
-              </a:rPr>
-              <a:t>Situation</a:t>
-            </a:r>
+              <a:rPr lang="sv-SE" dirty="0" err="1"/>
+              <a:t>Timeline</a:t>
+            </a:r>
+            <a:endParaRPr lang="sv-SE" dirty="0"/>
           </a:p>
         </p:txBody>
       </p:sp>
+      <p:graphicFrame>
+        <p:nvGraphicFramePr>
+          <p:cNvPr id="6" name="Content Placeholder 5">
+            <a:extLst>
+              <a:ext uri="{FF2B5EF4-FFF2-40B4-BE49-F238E27FC236}">
+                <a16:creationId xmlns:a16="http://schemas.microsoft.com/office/drawing/2014/main" id="{213266F8-52AB-D765-A233-C16EA1C01772}"/>
+              </a:ext>
+            </a:extLst>
+          </p:cNvPr>
+          <p:cNvGraphicFramePr>
+            <a:graphicFrameLocks noGrp="1"/>
+          </p:cNvGraphicFramePr>
+          <p:nvPr>
+            <p:ph idx="1"/>
+            <p:extLst>
+              <p:ext uri="{D42A27DB-BD31-4B8C-83A1-F6EECF244321}">
+                <p14:modId xmlns:p14="http://schemas.microsoft.com/office/powerpoint/2010/main" val="3931111212"/>
+              </p:ext>
+            </p:extLst>
+          </p:nvPr>
+        </p:nvGraphicFramePr>
+        <p:xfrm>
+          <a:off x="838200" y="1825625"/>
+          <a:ext cx="10515600" cy="4351338"/>
+        </p:xfrm>
+        <a:graphic>
+          <a:graphicData uri="http://schemas.openxmlformats.org/drawingml/2006/diagram">
+            <dgm:relIds xmlns:dgm="http://schemas.openxmlformats.org/drawingml/2006/diagram" xmlns:r="http://schemas.openxmlformats.org/officeDocument/2006/relationships" r:dm="rId2" r:lo="rId3" r:qs="rId4" r:cs="rId5"/>
+          </a:graphicData>
+        </a:graphic>
+      </p:graphicFrame>
       <p:sp>
         <p:nvSpPr>
           <p:cNvPr id="4" name="Footer Placeholder 3">
             <a:extLst>
               <a:ext uri="{FF2B5EF4-FFF2-40B4-BE49-F238E27FC236}">
-                <a16:creationId xmlns:a16="http://schemas.microsoft.com/office/drawing/2014/main" id="{65893218-3DFD-202D-85E8-50A8FA80B00B}"/>
+                <a16:creationId xmlns:a16="http://schemas.microsoft.com/office/drawing/2014/main" id="{8DD5557F-10A2-DA50-8464-8F9E018C4D2E}"/>
               </a:ext>
             </a:extLst>
           </p:cNvPr>
@@ -5386,7 +8494,7 @@
           <p:cNvPr id="5" name="Slide Number Placeholder 4">
             <a:extLst>
               <a:ext uri="{FF2B5EF4-FFF2-40B4-BE49-F238E27FC236}">
-                <a16:creationId xmlns:a16="http://schemas.microsoft.com/office/drawing/2014/main" id="{13A5D15C-4151-C8C8-8972-70FC0B0645A8}"/>
+                <a16:creationId xmlns:a16="http://schemas.microsoft.com/office/drawing/2014/main" id="{0CF55A76-7847-E45E-7D05-984E6F0C69FF}"/>
               </a:ext>
             </a:extLst>
           </p:cNvPr>
@@ -5410,102 +8518,53 @@
           </a:p>
         </p:txBody>
       </p:sp>
-      <p:sp>
-        <p:nvSpPr>
-          <p:cNvPr id="10" name="Rectangle: Rounded Corners 9">
+      <p:cxnSp>
+        <p:nvCxnSpPr>
+          <p:cNvPr id="7" name="Straight Connector 6">
             <a:extLst>
               <a:ext uri="{FF2B5EF4-FFF2-40B4-BE49-F238E27FC236}">
-                <a16:creationId xmlns:a16="http://schemas.microsoft.com/office/drawing/2014/main" id="{9A5E9706-92A2-E3D9-842B-AC494CCD74D3}"/>
+                <a16:creationId xmlns:a16="http://schemas.microsoft.com/office/drawing/2014/main" id="{523F3968-FC0C-E7A4-3EE7-97FCFD726200}"/>
               </a:ext>
             </a:extLst>
           </p:cNvPr>
-          <p:cNvSpPr/>
+          <p:cNvCxnSpPr>
+            <a:cxnSpLocks/>
+          </p:cNvCxnSpPr>
           <p:nvPr/>
-        </p:nvSpPr>
+        </p:nvCxnSpPr>
         <p:spPr>
           <a:xfrm>
-            <a:off x="836612" y="1690688"/>
-            <a:ext cx="4999109" cy="4498974"/>
+            <a:off x="9385300" y="3581400"/>
+            <a:ext cx="0" cy="1150144"/>
           </a:xfrm>
-          <a:prstGeom prst="roundRect">
-            <a:avLst>
-              <a:gd name="adj" fmla="val 2023"/>
-            </a:avLst>
+          <a:prstGeom prst="line">
+            <a:avLst/>
           </a:prstGeom>
-          <a:noFill/>
+          <a:ln w="38100">
+            <a:solidFill>
+              <a:srgbClr val="C00000"/>
+            </a:solidFill>
+          </a:ln>
         </p:spPr>
         <p:style>
-          <a:lnRef idx="2">
-            <a:schemeClr val="accent1">
-              <a:shade val="50000"/>
-            </a:schemeClr>
+          <a:lnRef idx="1">
+            <a:schemeClr val="accent1"/>
           </a:lnRef>
-          <a:fillRef idx="1">
+          <a:fillRef idx="0">
             <a:schemeClr val="accent1"/>
           </a:fillRef>
           <a:effectRef idx="0">
             <a:schemeClr val="accent1"/>
           </a:effectRef>
           <a:fontRef idx="minor">
-            <a:schemeClr val="lt1"/>
+            <a:schemeClr val="tx1"/>
           </a:fontRef>
         </p:style>
-        <p:txBody>
-          <a:bodyPr rtlCol="0" anchor="t" anchorCtr="0"/>
-          <a:lstStyle/>
-          <a:p>
-            <a:r>
-              <a:rPr lang="en-US" sz="2000" dirty="0">
-                <a:solidFill>
-                  <a:schemeClr val="tx1">
-                    <a:lumMod val="75000"/>
-                    <a:lumOff val="25000"/>
-                  </a:schemeClr>
-                </a:solidFill>
-              </a:rPr>
-              <a:t>Create a Next Best Offer (NBO) solution </a:t>
-            </a:r>
-          </a:p>
-          <a:p>
-            <a:pPr marL="285750" indent="-285750">
-              <a:buFont typeface="Arial" panose="020B0604020202020204" pitchFamily="34" charset="0"/>
-              <a:buChar char="•"/>
-            </a:pPr>
-            <a:r>
-              <a:rPr lang="en-US" sz="2000" dirty="0">
-                <a:solidFill>
-                  <a:schemeClr val="tx1">
-                    <a:lumMod val="75000"/>
-                    <a:lumOff val="25000"/>
-                  </a:schemeClr>
-                </a:solidFill>
-              </a:rPr>
-              <a:t>NBO is a form of predictive analytics that helps marketers and their organizations better judge customer spending habits and guide marketing efforts toward connecting with customers to close a deal.</a:t>
-            </a:r>
-          </a:p>
-          <a:p>
-            <a:pPr marL="285750" indent="-285750">
-              <a:buFont typeface="Arial" panose="020B0604020202020204" pitchFamily="34" charset="0"/>
-              <a:buChar char="•"/>
-            </a:pPr>
-            <a:r>
-              <a:rPr lang="en-US" sz="2000" dirty="0">
-                <a:solidFill>
-                  <a:schemeClr val="tx1">
-                    <a:lumMod val="75000"/>
-                    <a:lumOff val="25000"/>
-                  </a:schemeClr>
-                </a:solidFill>
-              </a:rPr>
-              <a:t>Will increase the success rate of the campaigns</a:t>
-            </a:r>
-          </a:p>
-        </p:txBody>
-      </p:sp>
+      </p:cxnSp>
     </p:spTree>
     <p:extLst>
       <p:ext uri="{BB962C8B-B14F-4D97-AF65-F5344CB8AC3E}">
-        <p14:creationId xmlns:p14="http://schemas.microsoft.com/office/powerpoint/2010/main" val="1573814561"/>
+        <p14:creationId xmlns:p14="http://schemas.microsoft.com/office/powerpoint/2010/main" val="1408099738"/>
       </p:ext>
     </p:extLst>
   </p:cSld>
@@ -5559,7 +8618,7 @@
                   <a:srgbClr val="3F7593"/>
                 </a:solidFill>
               </a:rPr>
-              <a:t>Gap</a:t>
+              <a:t>Situation</a:t>
             </a:r>
           </a:p>
         </p:txBody>
@@ -5616,6 +8675,272 @@
             <a:fld id="{A2DCBA88-1671-42D3-9686-8895CAE7DED7}" type="slidenum">
               <a:rPr lang="en-US" smtClean="0"/>
               <a:t>4</a:t>
+            </a:fld>
+            <a:endParaRPr lang="en-US"/>
+          </a:p>
+        </p:txBody>
+      </p:sp>
+      <p:sp>
+        <p:nvSpPr>
+          <p:cNvPr id="10" name="Rectangle: Rounded Corners 9">
+            <a:extLst>
+              <a:ext uri="{FF2B5EF4-FFF2-40B4-BE49-F238E27FC236}">
+                <a16:creationId xmlns:a16="http://schemas.microsoft.com/office/drawing/2014/main" id="{9A5E9706-92A2-E3D9-842B-AC494CCD74D3}"/>
+              </a:ext>
+            </a:extLst>
+          </p:cNvPr>
+          <p:cNvSpPr/>
+          <p:nvPr/>
+        </p:nvSpPr>
+        <p:spPr>
+          <a:xfrm>
+            <a:off x="836612" y="1690688"/>
+            <a:ext cx="4999109" cy="4498974"/>
+          </a:xfrm>
+          <a:prstGeom prst="roundRect">
+            <a:avLst>
+              <a:gd name="adj" fmla="val 2023"/>
+            </a:avLst>
+          </a:prstGeom>
+          <a:noFill/>
+        </p:spPr>
+        <p:style>
+          <a:lnRef idx="2">
+            <a:schemeClr val="accent1">
+              <a:shade val="50000"/>
+            </a:schemeClr>
+          </a:lnRef>
+          <a:fillRef idx="1">
+            <a:schemeClr val="accent1"/>
+          </a:fillRef>
+          <a:effectRef idx="0">
+            <a:schemeClr val="accent1"/>
+          </a:effectRef>
+          <a:fontRef idx="minor">
+            <a:schemeClr val="lt1"/>
+          </a:fontRef>
+        </p:style>
+        <p:txBody>
+          <a:bodyPr rtlCol="0" anchor="t" anchorCtr="0"/>
+          <a:lstStyle/>
+          <a:p>
+            <a:r>
+              <a:rPr lang="en-US" sz="2000" dirty="0">
+                <a:solidFill>
+                  <a:schemeClr val="tx1">
+                    <a:lumMod val="75000"/>
+                    <a:lumOff val="25000"/>
+                  </a:schemeClr>
+                </a:solidFill>
+              </a:rPr>
+              <a:t>Create a Next Best Offer (NBO) solution </a:t>
+            </a:r>
+          </a:p>
+          <a:p>
+            <a:pPr marL="285750" indent="-285750">
+              <a:buFont typeface="Arial" panose="020B0604020202020204" pitchFamily="34" charset="0"/>
+              <a:buChar char="•"/>
+            </a:pPr>
+            <a:r>
+              <a:rPr lang="en-US" sz="2000" dirty="0">
+                <a:solidFill>
+                  <a:schemeClr val="tx1">
+                    <a:lumMod val="75000"/>
+                    <a:lumOff val="25000"/>
+                  </a:schemeClr>
+                </a:solidFill>
+              </a:rPr>
+              <a:t>NBO is a form of predictive analytics that helps marketers and their organizations better judge customer spending habits and guide marketing efforts toward connecting with customers to close a deal.</a:t>
+            </a:r>
+          </a:p>
+          <a:p>
+            <a:pPr marL="285750" indent="-285750">
+              <a:buFont typeface="Arial" panose="020B0604020202020204" pitchFamily="34" charset="0"/>
+              <a:buChar char="•"/>
+            </a:pPr>
+            <a:r>
+              <a:rPr lang="en-US" sz="2000" dirty="0">
+                <a:solidFill>
+                  <a:schemeClr val="tx1">
+                    <a:lumMod val="75000"/>
+                    <a:lumOff val="25000"/>
+                  </a:schemeClr>
+                </a:solidFill>
+              </a:rPr>
+              <a:t>Will increase the success rate of the campaigns</a:t>
+            </a:r>
+          </a:p>
+        </p:txBody>
+      </p:sp>
+      <p:sp>
+        <p:nvSpPr>
+          <p:cNvPr id="3" name="Rectangle: Rounded Corners 2">
+            <a:extLst>
+              <a:ext uri="{FF2B5EF4-FFF2-40B4-BE49-F238E27FC236}">
+                <a16:creationId xmlns:a16="http://schemas.microsoft.com/office/drawing/2014/main" id="{F1F1E671-91C5-51A8-98B9-C714849EB9C0}"/>
+              </a:ext>
+            </a:extLst>
+          </p:cNvPr>
+          <p:cNvSpPr/>
+          <p:nvPr/>
+        </p:nvSpPr>
+        <p:spPr>
+          <a:xfrm>
+            <a:off x="6359455" y="1690688"/>
+            <a:ext cx="4999109" cy="4498974"/>
+          </a:xfrm>
+          <a:prstGeom prst="roundRect">
+            <a:avLst>
+              <a:gd name="adj" fmla="val 2023"/>
+            </a:avLst>
+          </a:prstGeom>
+          <a:noFill/>
+        </p:spPr>
+        <p:style>
+          <a:lnRef idx="2">
+            <a:schemeClr val="accent1">
+              <a:shade val="50000"/>
+            </a:schemeClr>
+          </a:lnRef>
+          <a:fillRef idx="1">
+            <a:schemeClr val="accent1"/>
+          </a:fillRef>
+          <a:effectRef idx="0">
+            <a:schemeClr val="accent1"/>
+          </a:effectRef>
+          <a:fontRef idx="minor">
+            <a:schemeClr val="lt1"/>
+          </a:fontRef>
+        </p:style>
+        <p:txBody>
+          <a:bodyPr rtlCol="0" anchor="t" anchorCtr="0"/>
+          <a:lstStyle/>
+          <a:p>
+            <a:endParaRPr lang="en-US" sz="2000" dirty="0">
+              <a:solidFill>
+                <a:schemeClr val="tx1">
+                  <a:lumMod val="75000"/>
+                  <a:lumOff val="25000"/>
+                </a:schemeClr>
+              </a:solidFill>
+            </a:endParaRPr>
+          </a:p>
+        </p:txBody>
+      </p:sp>
+    </p:spTree>
+    <p:extLst>
+      <p:ext uri="{BB962C8B-B14F-4D97-AF65-F5344CB8AC3E}">
+        <p14:creationId xmlns:p14="http://schemas.microsoft.com/office/powerpoint/2010/main" val="1573814561"/>
+      </p:ext>
+    </p:extLst>
+  </p:cSld>
+  <p:clrMapOvr>
+    <a:masterClrMapping/>
+  </p:clrMapOvr>
+</p:sld>
+</file>
+
+<file path=ppt/slides/slide5.xml><?xml version="1.0" encoding="utf-8"?>
+<p:sld xmlns:a="http://schemas.openxmlformats.org/drawingml/2006/main" xmlns:r="http://schemas.openxmlformats.org/officeDocument/2006/relationships" xmlns:p="http://schemas.openxmlformats.org/presentationml/2006/main">
+  <p:cSld>
+    <p:spTree>
+      <p:nvGrpSpPr>
+        <p:cNvPr id="1" name=""/>
+        <p:cNvGrpSpPr/>
+        <p:nvPr/>
+      </p:nvGrpSpPr>
+      <p:grpSpPr>
+        <a:xfrm>
+          <a:off x="0" y="0"/>
+          <a:ext cx="0" cy="0"/>
+          <a:chOff x="0" y="0"/>
+          <a:chExt cx="0" cy="0"/>
+        </a:xfrm>
+      </p:grpSpPr>
+      <p:sp>
+        <p:nvSpPr>
+          <p:cNvPr id="2" name="Title 1">
+            <a:extLst>
+              <a:ext uri="{FF2B5EF4-FFF2-40B4-BE49-F238E27FC236}">
+                <a16:creationId xmlns:a16="http://schemas.microsoft.com/office/drawing/2014/main" id="{1D6D23A3-3DA2-807B-C209-6DF8B356C43C}"/>
+              </a:ext>
+            </a:extLst>
+          </p:cNvPr>
+          <p:cNvSpPr>
+            <a:spLocks noGrp="1"/>
+          </p:cNvSpPr>
+          <p:nvPr>
+            <p:ph type="title"/>
+          </p:nvPr>
+        </p:nvSpPr>
+        <p:spPr/>
+        <p:txBody>
+          <a:bodyPr/>
+          <a:lstStyle/>
+          <a:p>
+            <a:r>
+              <a:rPr lang="en-US" sz="3200" dirty="0">
+                <a:solidFill>
+                  <a:srgbClr val="3F7593"/>
+                </a:solidFill>
+              </a:rPr>
+              <a:t>Gap</a:t>
+            </a:r>
+          </a:p>
+        </p:txBody>
+      </p:sp>
+      <p:sp>
+        <p:nvSpPr>
+          <p:cNvPr id="4" name="Footer Placeholder 3">
+            <a:extLst>
+              <a:ext uri="{FF2B5EF4-FFF2-40B4-BE49-F238E27FC236}">
+                <a16:creationId xmlns:a16="http://schemas.microsoft.com/office/drawing/2014/main" id="{65893218-3DFD-202D-85E8-50A8FA80B00B}"/>
+              </a:ext>
+            </a:extLst>
+          </p:cNvPr>
+          <p:cNvSpPr>
+            <a:spLocks noGrp="1"/>
+          </p:cNvSpPr>
+          <p:nvPr>
+            <p:ph type="ftr" sz="quarter" idx="11"/>
+          </p:nvPr>
+        </p:nvSpPr>
+        <p:spPr/>
+        <p:txBody>
+          <a:bodyPr/>
+          <a:lstStyle/>
+          <a:p>
+            <a:r>
+              <a:rPr lang="en-US"/>
+              <a:t>Adage</a:t>
+            </a:r>
+          </a:p>
+        </p:txBody>
+      </p:sp>
+      <p:sp>
+        <p:nvSpPr>
+          <p:cNvPr id="5" name="Slide Number Placeholder 4">
+            <a:extLst>
+              <a:ext uri="{FF2B5EF4-FFF2-40B4-BE49-F238E27FC236}">
+                <a16:creationId xmlns:a16="http://schemas.microsoft.com/office/drawing/2014/main" id="{13A5D15C-4151-C8C8-8972-70FC0B0645A8}"/>
+              </a:ext>
+            </a:extLst>
+          </p:cNvPr>
+          <p:cNvSpPr>
+            <a:spLocks noGrp="1"/>
+          </p:cNvSpPr>
+          <p:nvPr>
+            <p:ph type="sldNum" sz="quarter" idx="12"/>
+          </p:nvPr>
+        </p:nvSpPr>
+        <p:spPr/>
+        <p:txBody>
+          <a:bodyPr/>
+          <a:lstStyle/>
+          <a:p>
+            <a:fld id="{A2DCBA88-1671-42D3-9686-8895CAE7DED7}" type="slidenum">
+              <a:rPr lang="en-US" smtClean="0"/>
+              <a:t>5</a:t>
             </a:fld>
             <a:endParaRPr lang="en-US"/>
           </a:p>
@@ -6109,7 +9434,7 @@
 </p:sld>
 </file>
 
-<file path=ppt/slides/slide5.xml><?xml version="1.0" encoding="utf-8"?>
+<file path=ppt/slides/slide6.xml><?xml version="1.0" encoding="utf-8"?>
 <p:sld xmlns:a="http://schemas.openxmlformats.org/drawingml/2006/main" xmlns:r="http://schemas.openxmlformats.org/officeDocument/2006/relationships" xmlns:p="http://schemas.openxmlformats.org/presentationml/2006/main">
   <p:cSld>
     <p:spTree>
@@ -7699,7 +11024,7 @@
 </p:sld>
 </file>
 
-<file path=ppt/slides/slide6.xml><?xml version="1.0" encoding="utf-8"?>
+<file path=ppt/slides/slide7.xml><?xml version="1.0" encoding="utf-8"?>
 <p:sld xmlns:a="http://schemas.openxmlformats.org/drawingml/2006/main" xmlns:r="http://schemas.openxmlformats.org/officeDocument/2006/relationships" xmlns:p="http://schemas.openxmlformats.org/presentationml/2006/main">
   <p:cSld>
     <p:spTree>
@@ -7804,7 +11129,7 @@
           <a:p>
             <a:fld id="{A2DCBA88-1671-42D3-9686-8895CAE7DED7}" type="slidenum">
               <a:rPr lang="en-US" smtClean="0"/>
-              <a:t>6</a:t>
+              <a:t>7</a:t>
             </a:fld>
             <a:endParaRPr lang="en-US"/>
           </a:p>
@@ -7948,7 +11273,7 @@
 </p:sld>
 </file>
 
-<file path=ppt/slides/slide7.xml><?xml version="1.0" encoding="utf-8"?>
+<file path=ppt/slides/slide8.xml><?xml version="1.0" encoding="utf-8"?>
 <p:sld xmlns:a="http://schemas.openxmlformats.org/drawingml/2006/main" xmlns:r="http://schemas.openxmlformats.org/officeDocument/2006/relationships" xmlns:p="http://schemas.openxmlformats.org/presentationml/2006/main">
   <p:cSld>
     <p:spTree>
@@ -10312,147 +13637,6 @@
 </p:sld>
 </file>
 
-<file path=ppt/slides/slide8.xml><?xml version="1.0" encoding="utf-8"?>
-<p:sld xmlns:a="http://schemas.openxmlformats.org/drawingml/2006/main" xmlns:r="http://schemas.openxmlformats.org/officeDocument/2006/relationships" xmlns:p="http://schemas.openxmlformats.org/presentationml/2006/main">
-  <p:cSld>
-    <p:spTree>
-      <p:nvGrpSpPr>
-        <p:cNvPr id="1" name=""/>
-        <p:cNvGrpSpPr/>
-        <p:nvPr/>
-      </p:nvGrpSpPr>
-      <p:grpSpPr>
-        <a:xfrm>
-          <a:off x="0" y="0"/>
-          <a:ext cx="0" cy="0"/>
-          <a:chOff x="0" y="0"/>
-          <a:chExt cx="0" cy="0"/>
-        </a:xfrm>
-      </p:grpSpPr>
-      <p:sp>
-        <p:nvSpPr>
-          <p:cNvPr id="2" name="Title 1">
-            <a:extLst>
-              <a:ext uri="{FF2B5EF4-FFF2-40B4-BE49-F238E27FC236}">
-                <a16:creationId xmlns:a16="http://schemas.microsoft.com/office/drawing/2014/main" id="{382C94C0-E5CD-05CA-19DE-2F727653AB93}"/>
-              </a:ext>
-            </a:extLst>
-          </p:cNvPr>
-          <p:cNvSpPr>
-            <a:spLocks noGrp="1"/>
-          </p:cNvSpPr>
-          <p:nvPr>
-            <p:ph type="title"/>
-          </p:nvPr>
-        </p:nvSpPr>
-        <p:spPr/>
-        <p:txBody>
-          <a:bodyPr/>
-          <a:lstStyle/>
-          <a:p>
-            <a:r>
-              <a:rPr lang="sv-SE" dirty="0" err="1"/>
-              <a:t>Timeline</a:t>
-            </a:r>
-            <a:endParaRPr lang="sv-SE" dirty="0"/>
-          </a:p>
-        </p:txBody>
-      </p:sp>
-      <p:sp>
-        <p:nvSpPr>
-          <p:cNvPr id="3" name="Content Placeholder 2">
-            <a:extLst>
-              <a:ext uri="{FF2B5EF4-FFF2-40B4-BE49-F238E27FC236}">
-                <a16:creationId xmlns:a16="http://schemas.microsoft.com/office/drawing/2014/main" id="{0809725B-B8AF-8A3E-B098-A0C3B843B6BE}"/>
-              </a:ext>
-            </a:extLst>
-          </p:cNvPr>
-          <p:cNvSpPr>
-            <a:spLocks noGrp="1"/>
-          </p:cNvSpPr>
-          <p:nvPr>
-            <p:ph idx="1"/>
-          </p:nvPr>
-        </p:nvSpPr>
-        <p:spPr/>
-        <p:txBody>
-          <a:bodyPr/>
-          <a:lstStyle/>
-          <a:p>
-            <a:endParaRPr lang="sv-SE"/>
-          </a:p>
-        </p:txBody>
-      </p:sp>
-      <p:sp>
-        <p:nvSpPr>
-          <p:cNvPr id="4" name="Footer Placeholder 3">
-            <a:extLst>
-              <a:ext uri="{FF2B5EF4-FFF2-40B4-BE49-F238E27FC236}">
-                <a16:creationId xmlns:a16="http://schemas.microsoft.com/office/drawing/2014/main" id="{8DD5557F-10A2-DA50-8464-8F9E018C4D2E}"/>
-              </a:ext>
-            </a:extLst>
-          </p:cNvPr>
-          <p:cNvSpPr>
-            <a:spLocks noGrp="1"/>
-          </p:cNvSpPr>
-          <p:nvPr>
-            <p:ph type="ftr" sz="quarter" idx="11"/>
-          </p:nvPr>
-        </p:nvSpPr>
-        <p:spPr/>
-        <p:txBody>
-          <a:bodyPr/>
-          <a:lstStyle/>
-          <a:p>
-            <a:r>
-              <a:rPr lang="en-US"/>
-              <a:t>Adage</a:t>
-            </a:r>
-          </a:p>
-        </p:txBody>
-      </p:sp>
-      <p:sp>
-        <p:nvSpPr>
-          <p:cNvPr id="5" name="Slide Number Placeholder 4">
-            <a:extLst>
-              <a:ext uri="{FF2B5EF4-FFF2-40B4-BE49-F238E27FC236}">
-                <a16:creationId xmlns:a16="http://schemas.microsoft.com/office/drawing/2014/main" id="{0CF55A76-7847-E45E-7D05-984E6F0C69FF}"/>
-              </a:ext>
-            </a:extLst>
-          </p:cNvPr>
-          <p:cNvSpPr>
-            <a:spLocks noGrp="1"/>
-          </p:cNvSpPr>
-          <p:nvPr>
-            <p:ph type="sldNum" sz="quarter" idx="12"/>
-          </p:nvPr>
-        </p:nvSpPr>
-        <p:spPr/>
-        <p:txBody>
-          <a:bodyPr/>
-          <a:lstStyle/>
-          <a:p>
-            <a:fld id="{A2DCBA88-1671-42D3-9686-8895CAE7DED7}" type="slidenum">
-              <a:rPr lang="en-US" smtClean="0"/>
-              <a:t>8</a:t>
-            </a:fld>
-            <a:endParaRPr lang="en-US"/>
-          </a:p>
-        </p:txBody>
-      </p:sp>
-    </p:spTree>
-    <p:extLst>
-      <p:ext uri="{BB962C8B-B14F-4D97-AF65-F5344CB8AC3E}">
-        <p14:creationId xmlns:p14="http://schemas.microsoft.com/office/powerpoint/2010/main" val="1408099738"/>
-      </p:ext>
-    </p:extLst>
-  </p:cSld>
-  <p:clrMapOvr>
-    <a:masterClrMapping/>
-  </p:clrMapOvr>
-</p:sld>
-</file>
-
 <file path=ppt/slides/slide9.xml><?xml version="1.0" encoding="utf-8"?>
 <p:sld xmlns:a="http://schemas.openxmlformats.org/drawingml/2006/main" xmlns:r="http://schemas.openxmlformats.org/officeDocument/2006/relationships" xmlns:p="http://schemas.openxmlformats.org/presentationml/2006/main">
   <p:cSld>
@@ -10472,10 +13656,10 @@
       </p:grpSpPr>
       <p:sp>
         <p:nvSpPr>
-          <p:cNvPr id="2" name="Title 1">
+          <p:cNvPr id="4" name="Footer Placeholder 3">
             <a:extLst>
               <a:ext uri="{FF2B5EF4-FFF2-40B4-BE49-F238E27FC236}">
-                <a16:creationId xmlns:a16="http://schemas.microsoft.com/office/drawing/2014/main" id="{5111171E-7930-4A03-8496-D33812EF3BB2}"/>
+                <a16:creationId xmlns:a16="http://schemas.microsoft.com/office/drawing/2014/main" id="{A7EE535E-D717-4B22-842B-FF4F0A86E651}"/>
               </a:ext>
             </a:extLst>
           </p:cNvPr>
@@ -10483,24 +13667,32 @@
             <a:spLocks noGrp="1"/>
           </p:cNvSpPr>
           <p:nvPr>
-            <p:ph type="title"/>
+            <p:ph type="ftr" sz="quarter" idx="4294967295"/>
           </p:nvPr>
         </p:nvSpPr>
-        <p:spPr/>
+        <p:spPr>
+          <a:xfrm>
+            <a:off x="0" y="6489700"/>
+            <a:ext cx="4114800" cy="365125"/>
+          </a:xfrm>
+        </p:spPr>
         <p:txBody>
           <a:bodyPr/>
           <a:lstStyle/>
           <a:p>
-            <a:endParaRPr lang="en-GB" dirty="0"/>
+            <a:r>
+              <a:rPr lang="en-US"/>
+              <a:t>Adage</a:t>
+            </a:r>
           </a:p>
         </p:txBody>
       </p:sp>
       <p:sp>
         <p:nvSpPr>
-          <p:cNvPr id="3" name="Content Placeholder 2">
+          <p:cNvPr id="5" name="Slide Number Placeholder 4">
             <a:extLst>
               <a:ext uri="{FF2B5EF4-FFF2-40B4-BE49-F238E27FC236}">
-                <a16:creationId xmlns:a16="http://schemas.microsoft.com/office/drawing/2014/main" id="{01957A13-0139-4DD6-A824-267DF02F6C6C}"/>
+                <a16:creationId xmlns:a16="http://schemas.microsoft.com/office/drawing/2014/main" id="{F602FCB5-6A58-42D9-A31F-5C36D2839718}"/>
               </a:ext>
             </a:extLst>
           </p:cNvPr>
@@ -10508,63 +13700,18 @@
             <a:spLocks noGrp="1"/>
           </p:cNvSpPr>
           <p:nvPr>
-            <p:ph idx="1"/>
+            <p:ph type="sldNum" sz="quarter" idx="4294967295"/>
           </p:nvPr>
         </p:nvSpPr>
-        <p:spPr/>
-        <p:txBody>
-          <a:bodyPr/>
-          <a:lstStyle/>
-          <a:p>
-            <a:endParaRPr lang="en-GB" dirty="0"/>
-          </a:p>
-        </p:txBody>
-      </p:sp>
-      <p:sp>
-        <p:nvSpPr>
-          <p:cNvPr id="4" name="Footer Placeholder 3">
-            <a:extLst>
-              <a:ext uri="{FF2B5EF4-FFF2-40B4-BE49-F238E27FC236}">
-                <a16:creationId xmlns:a16="http://schemas.microsoft.com/office/drawing/2014/main" id="{26E8D908-EEF2-45C2-AE4E-78D1281A9F38}"/>
-              </a:ext>
-            </a:extLst>
-          </p:cNvPr>
-          <p:cNvSpPr>
-            <a:spLocks noGrp="1"/>
-          </p:cNvSpPr>
-          <p:nvPr>
-            <p:ph type="ftr" sz="quarter" idx="11"/>
-          </p:nvPr>
-        </p:nvSpPr>
-        <p:spPr/>
-        <p:txBody>
-          <a:bodyPr/>
-          <a:lstStyle/>
-          <a:p>
-            <a:r>
-              <a:rPr lang="en-US"/>
-              <a:t>Adage</a:t>
-            </a:r>
-          </a:p>
-        </p:txBody>
-      </p:sp>
-      <p:sp>
-        <p:nvSpPr>
-          <p:cNvPr id="5" name="Slide Number Placeholder 4">
-            <a:extLst>
-              <a:ext uri="{FF2B5EF4-FFF2-40B4-BE49-F238E27FC236}">
-                <a16:creationId xmlns:a16="http://schemas.microsoft.com/office/drawing/2014/main" id="{884C3A7B-B284-4532-AB26-D78D31EEB398}"/>
-              </a:ext>
-            </a:extLst>
-          </p:cNvPr>
-          <p:cNvSpPr>
-            <a:spLocks noGrp="1"/>
-          </p:cNvSpPr>
-          <p:nvPr>
-            <p:ph type="sldNum" sz="quarter" idx="12"/>
-          </p:nvPr>
-        </p:nvSpPr>
-        <p:spPr/>
+        <p:spPr>
+          <a:xfrm>
+            <a:off x="9448800" y="6356350"/>
+            <a:ext cx="2743200" cy="365125"/>
+          </a:xfrm>
+          <a:prstGeom prst="rect">
+            <a:avLst/>
+          </a:prstGeom>
+        </p:spPr>
         <p:txBody>
           <a:bodyPr/>
           <a:lstStyle/>
@@ -10580,7 +13727,7 @@
     </p:spTree>
     <p:extLst>
       <p:ext uri="{BB962C8B-B14F-4D97-AF65-F5344CB8AC3E}">
-        <p14:creationId xmlns:p14="http://schemas.microsoft.com/office/powerpoint/2010/main" val="146527113"/>
+        <p14:creationId xmlns:p14="http://schemas.microsoft.com/office/powerpoint/2010/main" val="2258155442"/>
       </p:ext>
     </p:extLst>
   </p:cSld>
@@ -11147,6 +14294,21 @@
 </file>
 
 <file path=customXml/item1.xml><?xml version="1.0" encoding="utf-8"?>
+<?mso-contentType ?>
+<FormTemplates xmlns="http://schemas.microsoft.com/sharepoint/v3/contenttype/forms">
+  <Display>DocumentLibraryForm</Display>
+  <Edit>DocumentLibraryForm</Edit>
+  <New>DocumentLibraryForm</New>
+</FormTemplates>
+</file>
+
+<file path=customXml/item2.xml><?xml version="1.0" encoding="utf-8"?>
+<p:properties xmlns:p="http://schemas.microsoft.com/office/2006/metadata/properties" xmlns:xsi="http://www.w3.org/2001/XMLSchema-instance" xmlns:pc="http://schemas.microsoft.com/office/infopath/2007/PartnerControls">
+  <documentManagement/>
+</p:properties>
+</file>
+
+<file path=customXml/item3.xml><?xml version="1.0" encoding="utf-8"?>
 <ct:contentTypeSchema xmlns:ct="http://schemas.microsoft.com/office/2006/metadata/contentType" xmlns:ma="http://schemas.microsoft.com/office/2006/metadata/properties/metaAttributes" ct:_="" ma:_="" ma:contentTypeName="dokument" ma:contentTypeID="0x010100F2F920B9069F704196EFC43825794A2B" ma:contentTypeVersion="11" ma:contentTypeDescription="Skapa ett nytt dokument." ma:contentTypeScope="" ma:versionID="f7cfefbb7ab48f18c0f5844d9cdc11e5">
   <xsd:schema xmlns:xsd="http://www.w3.org/2001/XMLSchema" xmlns:xs="http://www.w3.org/2001/XMLSchema" xmlns:p="http://schemas.microsoft.com/office/2006/metadata/properties" xmlns:ns2="0f14873d-2e7c-4c89-9c52-6b127b1bbd38" xmlns:ns3="1aab9562-9fbc-4cac-a1dd-e511dcd87f26" targetNamespace="http://schemas.microsoft.com/office/2006/metadata/properties" ma:root="true" ma:fieldsID="d1ad9e5fc228265a37d563997d055050" ns2:_="" ns3:_="">
     <xsd:import namespace="0f14873d-2e7c-4c89-9c52-6b127b1bbd38"/>
@@ -11357,22 +14519,24 @@
 </ct:contentTypeSchema>
 </file>
 
-<file path=customXml/item2.xml><?xml version="1.0" encoding="utf-8"?>
-<p:properties xmlns:p="http://schemas.microsoft.com/office/2006/metadata/properties" xmlns:xsi="http://www.w3.org/2001/XMLSchema-instance" xmlns:pc="http://schemas.microsoft.com/office/infopath/2007/PartnerControls">
-  <documentManagement/>
-</p:properties>
+<file path=customXml/itemProps1.xml><?xml version="1.0" encoding="utf-8"?>
+<ds:datastoreItem xmlns:ds="http://schemas.openxmlformats.org/officeDocument/2006/customXml" ds:itemID="{3A0C315B-BB39-48DB-AE40-BF7C9B324560}">
+  <ds:schemaRefs>
+    <ds:schemaRef ds:uri="http://schemas.microsoft.com/sharepoint/v3/contenttype/forms"/>
+  </ds:schemaRefs>
+</ds:datastoreItem>
 </file>
 
-<file path=customXml/item3.xml><?xml version="1.0" encoding="utf-8"?>
-<?mso-contentType ?>
-<FormTemplates xmlns="http://schemas.microsoft.com/sharepoint/v3/contenttype/forms">
-  <Display>DocumentLibraryForm</Display>
-  <Edit>DocumentLibraryForm</Edit>
-  <New>DocumentLibraryForm</New>
-</FormTemplates>
+<file path=customXml/itemProps2.xml><?xml version="1.0" encoding="utf-8"?>
+<ds:datastoreItem xmlns:ds="http://schemas.openxmlformats.org/officeDocument/2006/customXml" ds:itemID="{B35553C2-8CAE-4724-9C9C-C665B72C8956}">
+  <ds:schemaRefs>
+    <ds:schemaRef ds:uri="http://schemas.microsoft.com/office/2006/metadata/properties"/>
+    <ds:schemaRef ds:uri="http://schemas.microsoft.com/office/infopath/2007/PartnerControls"/>
+  </ds:schemaRefs>
+</ds:datastoreItem>
 </file>
 
-<file path=customXml/itemProps1.xml><?xml version="1.0" encoding="utf-8"?>
+<file path=customXml/itemProps3.xml><?xml version="1.0" encoding="utf-8"?>
 <ds:datastoreItem xmlns:ds="http://schemas.openxmlformats.org/officeDocument/2006/customXml" ds:itemID="{7E8912DB-5721-4605-9ECD-2FCB0BEB1C1B}">
   <ds:schemaRefs>
     <ds:schemaRef ds:uri="http://schemas.microsoft.com/office/2006/metadata/contentType"/>
@@ -11389,21 +14553,4 @@
     <ds:schemaRef ds:uri="http://schemas.microsoft.com/internal/obd"/>
   </ds:schemaRefs>
 </ds:datastoreItem>
-</file>
-
-<file path=customXml/itemProps2.xml><?xml version="1.0" encoding="utf-8"?>
-<ds:datastoreItem xmlns:ds="http://schemas.openxmlformats.org/officeDocument/2006/customXml" ds:itemID="{B35553C2-8CAE-4724-9C9C-C665B72C8956}">
-  <ds:schemaRefs>
-    <ds:schemaRef ds:uri="http://schemas.microsoft.com/office/2006/metadata/properties"/>
-    <ds:schemaRef ds:uri="http://schemas.microsoft.com/office/infopath/2007/PartnerControls"/>
-  </ds:schemaRefs>
-</ds:datastoreItem>
-</file>
-
-<file path=customXml/itemProps3.xml><?xml version="1.0" encoding="utf-8"?>
-<ds:datastoreItem xmlns:ds="http://schemas.openxmlformats.org/officeDocument/2006/customXml" ds:itemID="{3A0C315B-BB39-48DB-AE40-BF7C9B324560}">
-  <ds:schemaRefs>
-    <ds:schemaRef ds:uri="http://schemas.microsoft.com/sharepoint/v3/contenttype/forms"/>
-  </ds:schemaRefs>
-</ds:datastoreItem>
 </file>
--- a/presentations/Deliverable.pptx
+++ b/presentations/Deliverable.pptx
@@ -5,18 +5,20 @@
     <p:sldMasterId id="2147483648" r:id="rId4"/>
   </p:sldMasterIdLst>
   <p:notesMasterIdLst>
-    <p:notesMasterId r:id="rId14"/>
+    <p:notesMasterId r:id="rId16"/>
   </p:notesMasterIdLst>
   <p:sldIdLst>
     <p:sldId id="736" r:id="rId5"/>
     <p:sldId id="2813" r:id="rId6"/>
     <p:sldId id="2821" r:id="rId7"/>
     <p:sldId id="2820" r:id="rId8"/>
-    <p:sldId id="2816" r:id="rId9"/>
-    <p:sldId id="2817" r:id="rId10"/>
-    <p:sldId id="2819" r:id="rId11"/>
-    <p:sldId id="2818" r:id="rId12"/>
-    <p:sldId id="2810" r:id="rId13"/>
+    <p:sldId id="2822" r:id="rId9"/>
+    <p:sldId id="2823" r:id="rId10"/>
+    <p:sldId id="2824" r:id="rId11"/>
+    <p:sldId id="2825" r:id="rId12"/>
+    <p:sldId id="2827" r:id="rId13"/>
+    <p:sldId id="2828" r:id="rId14"/>
+    <p:sldId id="2810" r:id="rId15"/>
   </p:sldIdLst>
   <p:sldSz cx="12192000" cy="6858000"/>
   <p:notesSz cx="6858000" cy="9144000"/>
@@ -150,7 +152,7 @@
 <file path=ppt/revisionInfo.xml><?xml version="1.0" encoding="utf-8"?>
 <p1510:revInfo xmlns:a="http://schemas.openxmlformats.org/drawingml/2006/main" xmlns:r="http://schemas.openxmlformats.org/officeDocument/2006/relationships" xmlns:p1510="http://schemas.microsoft.com/office/powerpoint/2015/10/main">
   <p1510:revLst>
-    <p1510:client id="{86B7C1FB-EFBC-4EEC-9326-0952F857DDFC}" v="102" dt="2022-10-27T15:07:08.050"/>
+    <p1510:client id="{86B7C1FB-EFBC-4EEC-9326-0952F857DDFC}" v="119" dt="2022-10-27T17:30:26.593"/>
   </p1510:revLst>
 </p1510:revInfo>
 </file>
@@ -159,19 +161,19 @@
 <pc:chgInfo xmlns:a="http://schemas.openxmlformats.org/drawingml/2006/main" xmlns:r="http://schemas.openxmlformats.org/officeDocument/2006/relationships" xmlns:ac="http://schemas.microsoft.com/office/drawing/2013/main/command" xmlns:pc="http://schemas.microsoft.com/office/powerpoint/2013/main/command">
   <pc:docChgLst>
     <pc:chgData name="Markella Nikolopoulou-Themeli" userId="da9cb5e2-4d8b-46eb-898e-a612e4aaf597" providerId="ADAL" clId="{86B7C1FB-EFBC-4EEC-9326-0952F857DDFC}"/>
-    <pc:docChg chg="addSld delSld modSld sldOrd">
-      <pc:chgData name="Markella Nikolopoulou-Themeli" userId="da9cb5e2-4d8b-46eb-898e-a612e4aaf597" providerId="ADAL" clId="{86B7C1FB-EFBC-4EEC-9326-0952F857DDFC}" dt="2022-10-27T15:11:24.643" v="163" actId="20577"/>
+    <pc:docChg chg="undo redo custSel addSld delSld modSld sldOrd">
+      <pc:chgData name="Markella Nikolopoulou-Themeli" userId="da9cb5e2-4d8b-46eb-898e-a612e4aaf597" providerId="ADAL" clId="{86B7C1FB-EFBC-4EEC-9326-0952F857DDFC}" dt="2022-10-27T17:35:33.721" v="1524" actId="20577"/>
       <pc:docMkLst>
         <pc:docMk/>
       </pc:docMkLst>
       <pc:sldChg chg="modSp mod">
-        <pc:chgData name="Markella Nikolopoulou-Themeli" userId="da9cb5e2-4d8b-46eb-898e-a612e4aaf597" providerId="ADAL" clId="{86B7C1FB-EFBC-4EEC-9326-0952F857DDFC}" dt="2022-10-25T18:00:02.269" v="23" actId="20577"/>
+        <pc:chgData name="Markella Nikolopoulou-Themeli" userId="da9cb5e2-4d8b-46eb-898e-a612e4aaf597" providerId="ADAL" clId="{86B7C1FB-EFBC-4EEC-9326-0952F857DDFC}" dt="2022-10-27T15:18:59.982" v="182" actId="20577"/>
         <pc:sldMkLst>
           <pc:docMk/>
           <pc:sldMk cId="1780776563" sldId="736"/>
         </pc:sldMkLst>
         <pc:spChg chg="mod">
-          <ac:chgData name="Markella Nikolopoulou-Themeli" userId="da9cb5e2-4d8b-46eb-898e-a612e4aaf597" providerId="ADAL" clId="{86B7C1FB-EFBC-4EEC-9326-0952F857DDFC}" dt="2022-10-25T18:00:02.269" v="23" actId="20577"/>
+          <ac:chgData name="Markella Nikolopoulou-Themeli" userId="da9cb5e2-4d8b-46eb-898e-a612e4aaf597" providerId="ADAL" clId="{86B7C1FB-EFBC-4EEC-9326-0952F857DDFC}" dt="2022-10-27T15:18:59.982" v="182" actId="20577"/>
           <ac:spMkLst>
             <pc:docMk/>
             <pc:sldMk cId="1780776563" sldId="736"/>
@@ -201,46 +203,78 @@
           </ac:spMkLst>
         </pc:spChg>
       </pc:sldChg>
-      <pc:sldChg chg="add">
-        <pc:chgData name="Markella Nikolopoulou-Themeli" userId="da9cb5e2-4d8b-46eb-898e-a612e4aaf597" providerId="ADAL" clId="{86B7C1FB-EFBC-4EEC-9326-0952F857DDFC}" dt="2022-10-25T18:00:45.809" v="24"/>
+      <pc:sldChg chg="delSp add del mod">
+        <pc:chgData name="Markella Nikolopoulou-Themeli" userId="da9cb5e2-4d8b-46eb-898e-a612e4aaf597" providerId="ADAL" clId="{86B7C1FB-EFBC-4EEC-9326-0952F857DDFC}" dt="2022-10-27T15:35:20.489" v="200" actId="47"/>
         <pc:sldMkLst>
           <pc:docMk/>
           <pc:sldMk cId="773525787" sldId="2816"/>
         </pc:sldMkLst>
+        <pc:picChg chg="del">
+          <ac:chgData name="Markella Nikolopoulou-Themeli" userId="da9cb5e2-4d8b-46eb-898e-a612e4aaf597" providerId="ADAL" clId="{86B7C1FB-EFBC-4EEC-9326-0952F857DDFC}" dt="2022-10-27T15:35:13.446" v="197" actId="478"/>
+          <ac:picMkLst>
+            <pc:docMk/>
+            <pc:sldMk cId="773525787" sldId="2816"/>
+            <ac:picMk id="26" creationId="{D2A7B0FE-7D47-E535-C749-ADF9683D6A2A}"/>
+          </ac:picMkLst>
+        </pc:picChg>
+        <pc:picChg chg="del">
+          <ac:chgData name="Markella Nikolopoulou-Themeli" userId="da9cb5e2-4d8b-46eb-898e-a612e4aaf597" providerId="ADAL" clId="{86B7C1FB-EFBC-4EEC-9326-0952F857DDFC}" dt="2022-10-27T15:35:14.643" v="198" actId="478"/>
+          <ac:picMkLst>
+            <pc:docMk/>
+            <pc:sldMk cId="773525787" sldId="2816"/>
+            <ac:picMk id="28" creationId="{2379FA4A-40B8-6F64-43E0-5326722C91B7}"/>
+          </ac:picMkLst>
+        </pc:picChg>
+        <pc:picChg chg="del">
+          <ac:chgData name="Markella Nikolopoulou-Themeli" userId="da9cb5e2-4d8b-46eb-898e-a612e4aaf597" providerId="ADAL" clId="{86B7C1FB-EFBC-4EEC-9326-0952F857DDFC}" dt="2022-10-27T15:35:16.810" v="199" actId="478"/>
+          <ac:picMkLst>
+            <pc:docMk/>
+            <pc:sldMk cId="773525787" sldId="2816"/>
+            <ac:picMk id="30" creationId="{155FC079-FD17-8237-8976-5E630F3487BB}"/>
+          </ac:picMkLst>
+        </pc:picChg>
       </pc:sldChg>
-      <pc:sldChg chg="add">
-        <pc:chgData name="Markella Nikolopoulou-Themeli" userId="da9cb5e2-4d8b-46eb-898e-a612e4aaf597" providerId="ADAL" clId="{86B7C1FB-EFBC-4EEC-9326-0952F857DDFC}" dt="2022-10-25T18:00:45.809" v="24"/>
+      <pc:sldChg chg="add del">
+        <pc:chgData name="Markella Nikolopoulou-Themeli" userId="da9cb5e2-4d8b-46eb-898e-a612e4aaf597" providerId="ADAL" clId="{86B7C1FB-EFBC-4EEC-9326-0952F857DDFC}" dt="2022-10-27T15:25:07.842" v="192" actId="47"/>
         <pc:sldMkLst>
           <pc:docMk/>
           <pc:sldMk cId="2512161021" sldId="2817"/>
         </pc:sldMkLst>
       </pc:sldChg>
-      <pc:sldChg chg="add">
-        <pc:chgData name="Markella Nikolopoulou-Themeli" userId="da9cb5e2-4d8b-46eb-898e-a612e4aaf597" providerId="ADAL" clId="{86B7C1FB-EFBC-4EEC-9326-0952F857DDFC}" dt="2022-10-25T18:00:45.809" v="24"/>
+      <pc:sldChg chg="add del">
+        <pc:chgData name="Markella Nikolopoulou-Themeli" userId="da9cb5e2-4d8b-46eb-898e-a612e4aaf597" providerId="ADAL" clId="{86B7C1FB-EFBC-4EEC-9326-0952F857DDFC}" dt="2022-10-27T15:25:12.701" v="193" actId="47"/>
         <pc:sldMkLst>
           <pc:docMk/>
           <pc:sldMk cId="1253883287" sldId="2818"/>
         </pc:sldMkLst>
       </pc:sldChg>
-      <pc:sldChg chg="add">
-        <pc:chgData name="Markella Nikolopoulou-Themeli" userId="da9cb5e2-4d8b-46eb-898e-a612e4aaf597" providerId="ADAL" clId="{86B7C1FB-EFBC-4EEC-9326-0952F857DDFC}" dt="2022-10-25T18:00:45.809" v="24"/>
+      <pc:sldChg chg="add del">
+        <pc:chgData name="Markella Nikolopoulou-Themeli" userId="da9cb5e2-4d8b-46eb-898e-a612e4aaf597" providerId="ADAL" clId="{86B7C1FB-EFBC-4EEC-9326-0952F857DDFC}" dt="2022-10-27T15:25:14.853" v="194" actId="47"/>
         <pc:sldMkLst>
           <pc:docMk/>
           <pc:sldMk cId="2564057374" sldId="2819"/>
         </pc:sldMkLst>
       </pc:sldChg>
       <pc:sldChg chg="addSp modSp add mod">
-        <pc:chgData name="Markella Nikolopoulou-Themeli" userId="da9cb5e2-4d8b-46eb-898e-a612e4aaf597" providerId="ADAL" clId="{86B7C1FB-EFBC-4EEC-9326-0952F857DDFC}" dt="2022-10-27T15:11:24.643" v="163" actId="20577"/>
+        <pc:chgData name="Markella Nikolopoulou-Themeli" userId="da9cb5e2-4d8b-46eb-898e-a612e4aaf597" providerId="ADAL" clId="{86B7C1FB-EFBC-4EEC-9326-0952F857DDFC}" dt="2022-10-27T15:35:10.849" v="196" actId="207"/>
         <pc:sldMkLst>
           <pc:docMk/>
           <pc:sldMk cId="1573814561" sldId="2820"/>
         </pc:sldMkLst>
         <pc:spChg chg="add mod">
-          <ac:chgData name="Markella Nikolopoulou-Themeli" userId="da9cb5e2-4d8b-46eb-898e-a612e4aaf597" providerId="ADAL" clId="{86B7C1FB-EFBC-4EEC-9326-0952F857DDFC}" dt="2022-10-27T15:11:24.643" v="163" actId="20577"/>
+          <ac:chgData name="Markella Nikolopoulou-Themeli" userId="da9cb5e2-4d8b-46eb-898e-a612e4aaf597" providerId="ADAL" clId="{86B7C1FB-EFBC-4EEC-9326-0952F857DDFC}" dt="2022-10-27T15:35:10.849" v="196" actId="207"/>
           <ac:spMkLst>
             <pc:docMk/>
             <pc:sldMk cId="1573814561" sldId="2820"/>
             <ac:spMk id="3" creationId="{F1F1E671-91C5-51A8-98B9-C714849EB9C0}"/>
+          </ac:spMkLst>
+        </pc:spChg>
+        <pc:spChg chg="mod">
+          <ac:chgData name="Markella Nikolopoulou-Themeli" userId="da9cb5e2-4d8b-46eb-898e-a612e4aaf597" providerId="ADAL" clId="{86B7C1FB-EFBC-4EEC-9326-0952F857DDFC}" dt="2022-10-27T15:24:17.579" v="191" actId="20577"/>
+          <ac:spMkLst>
+            <pc:docMk/>
+            <pc:sldMk cId="1573814561" sldId="2820"/>
+            <ac:spMk id="10" creationId="{9A5E9706-92A2-E3D9-842B-AC494CCD74D3}"/>
           </ac:spMkLst>
         </pc:spChg>
       </pc:sldChg>
@@ -273,6 +307,343 @@
           <pc:docMk/>
           <pc:sldMk cId="3001420876" sldId="2822"/>
         </pc:sldMkLst>
+      </pc:sldChg>
+      <pc:sldChg chg="addSp delSp modSp new mod">
+        <pc:chgData name="Markella Nikolopoulou-Themeli" userId="da9cb5e2-4d8b-46eb-898e-a612e4aaf597" providerId="ADAL" clId="{86B7C1FB-EFBC-4EEC-9326-0952F857DDFC}" dt="2022-10-27T16:09:40.527" v="592" actId="20577"/>
+        <pc:sldMkLst>
+          <pc:docMk/>
+          <pc:sldMk cId="3590389547" sldId="2822"/>
+        </pc:sldMkLst>
+        <pc:spChg chg="mod">
+          <ac:chgData name="Markella Nikolopoulou-Themeli" userId="da9cb5e2-4d8b-46eb-898e-a612e4aaf597" providerId="ADAL" clId="{86B7C1FB-EFBC-4EEC-9326-0952F857DDFC}" dt="2022-10-27T16:09:40.527" v="592" actId="20577"/>
+          <ac:spMkLst>
+            <pc:docMk/>
+            <pc:sldMk cId="3590389547" sldId="2822"/>
+            <ac:spMk id="2" creationId="{BBAAB0D3-98CF-1688-5230-6D600F9E7E2D}"/>
+          </ac:spMkLst>
+        </pc:spChg>
+        <pc:spChg chg="del">
+          <ac:chgData name="Markella Nikolopoulou-Themeli" userId="da9cb5e2-4d8b-46eb-898e-a612e4aaf597" providerId="ADAL" clId="{86B7C1FB-EFBC-4EEC-9326-0952F857DDFC}" dt="2022-10-27T15:39:35.436" v="232" actId="478"/>
+          <ac:spMkLst>
+            <pc:docMk/>
+            <pc:sldMk cId="3590389547" sldId="2822"/>
+            <ac:spMk id="3" creationId="{94694CCD-0941-09C9-00A1-EE2819B112C3}"/>
+          </ac:spMkLst>
+        </pc:spChg>
+        <pc:spChg chg="add del mod">
+          <ac:chgData name="Markella Nikolopoulou-Themeli" userId="da9cb5e2-4d8b-46eb-898e-a612e4aaf597" providerId="ADAL" clId="{86B7C1FB-EFBC-4EEC-9326-0952F857DDFC}" dt="2022-10-27T16:06:40.997" v="548"/>
+          <ac:spMkLst>
+            <pc:docMk/>
+            <pc:sldMk cId="3590389547" sldId="2822"/>
+            <ac:spMk id="4" creationId="{7F4607CE-C1BA-A2FD-2E14-E93F2CFCE072}"/>
+          </ac:spMkLst>
+        </pc:spChg>
+        <pc:spChg chg="del">
+          <ac:chgData name="Markella Nikolopoulou-Themeli" userId="da9cb5e2-4d8b-46eb-898e-a612e4aaf597" providerId="ADAL" clId="{86B7C1FB-EFBC-4EEC-9326-0952F857DDFC}" dt="2022-10-27T15:39:45.778" v="234" actId="478"/>
+          <ac:spMkLst>
+            <pc:docMk/>
+            <pc:sldMk cId="3590389547" sldId="2822"/>
+            <ac:spMk id="5" creationId="{FFB3342D-57D0-3635-7F3E-7079EB2AE20C}"/>
+          </ac:spMkLst>
+        </pc:spChg>
+        <pc:spChg chg="del mod">
+          <ac:chgData name="Markella Nikolopoulou-Themeli" userId="da9cb5e2-4d8b-46eb-898e-a612e4aaf597" providerId="ADAL" clId="{86B7C1FB-EFBC-4EEC-9326-0952F857DDFC}" dt="2022-10-27T15:41:29.662" v="244" actId="931"/>
+          <ac:spMkLst>
+            <pc:docMk/>
+            <pc:sldMk cId="3590389547" sldId="2822"/>
+            <ac:spMk id="6" creationId="{998B195A-A7A2-F4A8-36A7-1437CBA5F163}"/>
+          </ac:spMkLst>
+        </pc:spChg>
+        <pc:spChg chg="add del">
+          <ac:chgData name="Markella Nikolopoulou-Themeli" userId="da9cb5e2-4d8b-46eb-898e-a612e4aaf597" providerId="ADAL" clId="{86B7C1FB-EFBC-4EEC-9326-0952F857DDFC}" dt="2022-10-27T15:40:43.418" v="241" actId="478"/>
+          <ac:spMkLst>
+            <pc:docMk/>
+            <pc:sldMk cId="3590389547" sldId="2822"/>
+            <ac:spMk id="14" creationId="{0BE8A7FF-D7C4-0994-6BBB-5697DDDFFC01}"/>
+          </ac:spMkLst>
+        </pc:spChg>
+        <pc:spChg chg="add del mod">
+          <ac:chgData name="Markella Nikolopoulou-Themeli" userId="da9cb5e2-4d8b-46eb-898e-a612e4aaf597" providerId="ADAL" clId="{86B7C1FB-EFBC-4EEC-9326-0952F857DDFC}" dt="2022-10-27T15:46:26.277" v="415" actId="931"/>
+          <ac:spMkLst>
+            <pc:docMk/>
+            <pc:sldMk cId="3590389547" sldId="2822"/>
+            <ac:spMk id="22" creationId="{60CA1CF7-F296-0222-56A5-1067BF7D1F14}"/>
+          </ac:spMkLst>
+        </pc:spChg>
+        <pc:picChg chg="add del mod">
+          <ac:chgData name="Markella Nikolopoulou-Themeli" userId="da9cb5e2-4d8b-46eb-898e-a612e4aaf597" providerId="ADAL" clId="{86B7C1FB-EFBC-4EEC-9326-0952F857DDFC}" dt="2022-10-27T15:40:23.050" v="237" actId="931"/>
+          <ac:picMkLst>
+            <pc:docMk/>
+            <pc:sldMk cId="3590389547" sldId="2822"/>
+            <ac:picMk id="10" creationId="{7AD0E043-F6DE-C776-F577-F911BC0EC5D8}"/>
+          </ac:picMkLst>
+        </pc:picChg>
+        <pc:picChg chg="add del mod">
+          <ac:chgData name="Markella Nikolopoulou-Themeli" userId="da9cb5e2-4d8b-46eb-898e-a612e4aaf597" providerId="ADAL" clId="{86B7C1FB-EFBC-4EEC-9326-0952F857DDFC}" dt="2022-10-27T15:40:39.130" v="239" actId="931"/>
+          <ac:picMkLst>
+            <pc:docMk/>
+            <pc:sldMk cId="3590389547" sldId="2822"/>
+            <ac:picMk id="12" creationId="{FF1CCC82-876B-A5CC-4D9C-CF5539C30D4D}"/>
+          </ac:picMkLst>
+        </pc:picChg>
+        <pc:picChg chg="add del mod">
+          <ac:chgData name="Markella Nikolopoulou-Themeli" userId="da9cb5e2-4d8b-46eb-898e-a612e4aaf597" providerId="ADAL" clId="{86B7C1FB-EFBC-4EEC-9326-0952F857DDFC}" dt="2022-10-27T15:46:16.646" v="414" actId="478"/>
+          <ac:picMkLst>
+            <pc:docMk/>
+            <pc:sldMk cId="3590389547" sldId="2822"/>
+            <ac:picMk id="16" creationId="{F95CED81-8EC0-3DF4-A674-64A2E93CC5EE}"/>
+          </ac:picMkLst>
+        </pc:picChg>
+        <pc:picChg chg="add del mod">
+          <ac:chgData name="Markella Nikolopoulou-Themeli" userId="da9cb5e2-4d8b-46eb-898e-a612e4aaf597" providerId="ADAL" clId="{86B7C1FB-EFBC-4EEC-9326-0952F857DDFC}" dt="2022-10-27T15:43:32.793" v="251" actId="931"/>
+          <ac:picMkLst>
+            <pc:docMk/>
+            <pc:sldMk cId="3590389547" sldId="2822"/>
+            <ac:picMk id="18" creationId="{EEB4E364-C032-CBCA-B625-03D8E8A2066B}"/>
+          </ac:picMkLst>
+        </pc:picChg>
+        <pc:picChg chg="add del mod">
+          <ac:chgData name="Markella Nikolopoulou-Themeli" userId="da9cb5e2-4d8b-46eb-898e-a612e4aaf597" providerId="ADAL" clId="{86B7C1FB-EFBC-4EEC-9326-0952F857DDFC}" dt="2022-10-27T15:46:04.876" v="411" actId="478"/>
+          <ac:picMkLst>
+            <pc:docMk/>
+            <pc:sldMk cId="3590389547" sldId="2822"/>
+            <ac:picMk id="20" creationId="{DDAB0BCB-4215-1877-D702-18D85CA872C0}"/>
+          </ac:picMkLst>
+        </pc:picChg>
+        <pc:picChg chg="add mod modCrop">
+          <ac:chgData name="Markella Nikolopoulou-Themeli" userId="da9cb5e2-4d8b-46eb-898e-a612e4aaf597" providerId="ADAL" clId="{86B7C1FB-EFBC-4EEC-9326-0952F857DDFC}" dt="2022-10-27T16:05:38.712" v="430" actId="1076"/>
+          <ac:picMkLst>
+            <pc:docMk/>
+            <pc:sldMk cId="3590389547" sldId="2822"/>
+            <ac:picMk id="24" creationId="{201E27F6-F893-D00D-3671-A7F55C2CE49D}"/>
+          </ac:picMkLst>
+        </pc:picChg>
+      </pc:sldChg>
+      <pc:sldChg chg="modSp add mod">
+        <pc:chgData name="Markella Nikolopoulou-Themeli" userId="da9cb5e2-4d8b-46eb-898e-a612e4aaf597" providerId="ADAL" clId="{86B7C1FB-EFBC-4EEC-9326-0952F857DDFC}" dt="2022-10-27T16:16:01.670" v="979" actId="20577"/>
+        <pc:sldMkLst>
+          <pc:docMk/>
+          <pc:sldMk cId="4247269726" sldId="2823"/>
+        </pc:sldMkLst>
+        <pc:spChg chg="mod">
+          <ac:chgData name="Markella Nikolopoulou-Themeli" userId="da9cb5e2-4d8b-46eb-898e-a612e4aaf597" providerId="ADAL" clId="{86B7C1FB-EFBC-4EEC-9326-0952F857DDFC}" dt="2022-10-27T16:09:57.217" v="624" actId="20577"/>
+          <ac:spMkLst>
+            <pc:docMk/>
+            <pc:sldMk cId="4247269726" sldId="2823"/>
+            <ac:spMk id="2" creationId="{BBAAB0D3-98CF-1688-5230-6D600F9E7E2D}"/>
+          </ac:spMkLst>
+        </pc:spChg>
+        <pc:spChg chg="mod">
+          <ac:chgData name="Markella Nikolopoulou-Themeli" userId="da9cb5e2-4d8b-46eb-898e-a612e4aaf597" providerId="ADAL" clId="{86B7C1FB-EFBC-4EEC-9326-0952F857DDFC}" dt="2022-10-27T16:16:01.670" v="979" actId="20577"/>
+          <ac:spMkLst>
+            <pc:docMk/>
+            <pc:sldMk cId="4247269726" sldId="2823"/>
+            <ac:spMk id="4" creationId="{7F4607CE-C1BA-A2FD-2E14-E93F2CFCE072}"/>
+          </ac:spMkLst>
+        </pc:spChg>
+      </pc:sldChg>
+      <pc:sldChg chg="addSp delSp modSp new mod modClrScheme chgLayout">
+        <pc:chgData name="Markella Nikolopoulou-Themeli" userId="da9cb5e2-4d8b-46eb-898e-a612e4aaf597" providerId="ADAL" clId="{86B7C1FB-EFBC-4EEC-9326-0952F857DDFC}" dt="2022-10-27T16:34:44.186" v="1071" actId="20577"/>
+        <pc:sldMkLst>
+          <pc:docMk/>
+          <pc:sldMk cId="346461996" sldId="2824"/>
+        </pc:sldMkLst>
+        <pc:spChg chg="mod ord">
+          <ac:chgData name="Markella Nikolopoulou-Themeli" userId="da9cb5e2-4d8b-46eb-898e-a612e4aaf597" providerId="ADAL" clId="{86B7C1FB-EFBC-4EEC-9326-0952F857DDFC}" dt="2022-10-27T16:30:05.531" v="1030" actId="20577"/>
+          <ac:spMkLst>
+            <pc:docMk/>
+            <pc:sldMk cId="346461996" sldId="2824"/>
+            <ac:spMk id="2" creationId="{AC7BC4BC-A4F1-27CD-519D-E99B10F62B7D}"/>
+          </ac:spMkLst>
+        </pc:spChg>
+        <pc:spChg chg="del mod ord">
+          <ac:chgData name="Markella Nikolopoulou-Themeli" userId="da9cb5e2-4d8b-46eb-898e-a612e4aaf597" providerId="ADAL" clId="{86B7C1FB-EFBC-4EEC-9326-0952F857DDFC}" dt="2022-10-27T16:29:04.224" v="994" actId="700"/>
+          <ac:spMkLst>
+            <pc:docMk/>
+            <pc:sldMk cId="346461996" sldId="2824"/>
+            <ac:spMk id="3" creationId="{358666F2-5EB8-DF6C-EC05-7958B4D02425}"/>
+          </ac:spMkLst>
+        </pc:spChg>
+        <pc:spChg chg="mod ord">
+          <ac:chgData name="Markella Nikolopoulou-Themeli" userId="da9cb5e2-4d8b-46eb-898e-a612e4aaf597" providerId="ADAL" clId="{86B7C1FB-EFBC-4EEC-9326-0952F857DDFC}" dt="2022-10-27T16:29:04.224" v="994" actId="700"/>
+          <ac:spMkLst>
+            <pc:docMk/>
+            <pc:sldMk cId="346461996" sldId="2824"/>
+            <ac:spMk id="4" creationId="{E37F936B-299A-951A-F4B6-6DE3EEC25F45}"/>
+          </ac:spMkLst>
+        </pc:spChg>
+        <pc:spChg chg="mod ord">
+          <ac:chgData name="Markella Nikolopoulou-Themeli" userId="da9cb5e2-4d8b-46eb-898e-a612e4aaf597" providerId="ADAL" clId="{86B7C1FB-EFBC-4EEC-9326-0952F857DDFC}" dt="2022-10-27T16:29:04.224" v="994" actId="700"/>
+          <ac:spMkLst>
+            <pc:docMk/>
+            <pc:sldMk cId="346461996" sldId="2824"/>
+            <ac:spMk id="5" creationId="{7518F1AA-C667-94E6-E8C0-3CC882EAB856}"/>
+          </ac:spMkLst>
+        </pc:spChg>
+        <pc:spChg chg="add del mod ord">
+          <ac:chgData name="Markella Nikolopoulou-Themeli" userId="da9cb5e2-4d8b-46eb-898e-a612e4aaf597" providerId="ADAL" clId="{86B7C1FB-EFBC-4EEC-9326-0952F857DDFC}" dt="2022-10-27T16:30:11.176" v="1031" actId="478"/>
+          <ac:spMkLst>
+            <pc:docMk/>
+            <pc:sldMk cId="346461996" sldId="2824"/>
+            <ac:spMk id="6" creationId="{62FCC0F6-352B-330F-5785-77BE6E1CC359}"/>
+          </ac:spMkLst>
+        </pc:spChg>
+        <pc:spChg chg="add mod ord">
+          <ac:chgData name="Markella Nikolopoulou-Themeli" userId="da9cb5e2-4d8b-46eb-898e-a612e4aaf597" providerId="ADAL" clId="{86B7C1FB-EFBC-4EEC-9326-0952F857DDFC}" dt="2022-10-27T16:34:44.186" v="1071" actId="20577"/>
+          <ac:spMkLst>
+            <pc:docMk/>
+            <pc:sldMk cId="346461996" sldId="2824"/>
+            <ac:spMk id="7" creationId="{38EFCF43-0AC3-8D1E-1DF5-26CA9A88D251}"/>
+          </ac:spMkLst>
+        </pc:spChg>
+        <pc:spChg chg="add del mod ord">
+          <ac:chgData name="Markella Nikolopoulou-Themeli" userId="da9cb5e2-4d8b-46eb-898e-a612e4aaf597" providerId="ADAL" clId="{86B7C1FB-EFBC-4EEC-9326-0952F857DDFC}" dt="2022-10-27T16:30:18.957" v="1033" actId="478"/>
+          <ac:spMkLst>
+            <pc:docMk/>
+            <pc:sldMk cId="346461996" sldId="2824"/>
+            <ac:spMk id="8" creationId="{C3E077FC-3C82-6F0C-3A8B-463C981AF1B2}"/>
+          </ac:spMkLst>
+        </pc:spChg>
+        <pc:spChg chg="add del mod ord">
+          <ac:chgData name="Markella Nikolopoulou-Themeli" userId="da9cb5e2-4d8b-46eb-898e-a612e4aaf597" providerId="ADAL" clId="{86B7C1FB-EFBC-4EEC-9326-0952F857DDFC}" dt="2022-10-27T16:31:08.391" v="1035" actId="931"/>
+          <ac:spMkLst>
+            <pc:docMk/>
+            <pc:sldMk cId="346461996" sldId="2824"/>
+            <ac:spMk id="9" creationId="{6BA66062-B419-0CB3-15F6-167913E193D7}"/>
+          </ac:spMkLst>
+        </pc:spChg>
+        <pc:picChg chg="add mod modCrop">
+          <ac:chgData name="Markella Nikolopoulou-Themeli" userId="da9cb5e2-4d8b-46eb-898e-a612e4aaf597" providerId="ADAL" clId="{86B7C1FB-EFBC-4EEC-9326-0952F857DDFC}" dt="2022-10-27T16:32:18.924" v="1045" actId="1076"/>
+          <ac:picMkLst>
+            <pc:docMk/>
+            <pc:sldMk cId="346461996" sldId="2824"/>
+            <ac:picMk id="11" creationId="{2C7F5AFF-3C1F-DC7A-2507-2675B2F493B6}"/>
+          </ac:picMkLst>
+        </pc:picChg>
+      </pc:sldChg>
+      <pc:sldChg chg="addSp delSp modSp new mod">
+        <pc:chgData name="Markella Nikolopoulou-Themeli" userId="da9cb5e2-4d8b-46eb-898e-a612e4aaf597" providerId="ADAL" clId="{86B7C1FB-EFBC-4EEC-9326-0952F857DDFC}" dt="2022-10-27T17:25:50.064" v="1257" actId="20577"/>
+        <pc:sldMkLst>
+          <pc:docMk/>
+          <pc:sldMk cId="2312068477" sldId="2825"/>
+        </pc:sldMkLst>
+        <pc:spChg chg="mod">
+          <ac:chgData name="Markella Nikolopoulou-Themeli" userId="da9cb5e2-4d8b-46eb-898e-a612e4aaf597" providerId="ADAL" clId="{86B7C1FB-EFBC-4EEC-9326-0952F857DDFC}" dt="2022-10-27T17:00:15.817" v="1096" actId="20577"/>
+          <ac:spMkLst>
+            <pc:docMk/>
+            <pc:sldMk cId="2312068477" sldId="2825"/>
+            <ac:spMk id="2" creationId="{A3F0E8DA-ADB0-94F6-D817-EA688A6E7523}"/>
+          </ac:spMkLst>
+        </pc:spChg>
+        <pc:spChg chg="del">
+          <ac:chgData name="Markella Nikolopoulou-Themeli" userId="da9cb5e2-4d8b-46eb-898e-a612e4aaf597" providerId="ADAL" clId="{86B7C1FB-EFBC-4EEC-9326-0952F857DDFC}" dt="2022-10-27T17:00:22.841" v="1097" actId="478"/>
+          <ac:spMkLst>
+            <pc:docMk/>
+            <pc:sldMk cId="2312068477" sldId="2825"/>
+            <ac:spMk id="3" creationId="{6AE4F6C8-FE5B-0D42-9D77-DD2972C45486}"/>
+          </ac:spMkLst>
+        </pc:spChg>
+        <pc:spChg chg="mod">
+          <ac:chgData name="Markella Nikolopoulou-Themeli" userId="da9cb5e2-4d8b-46eb-898e-a612e4aaf597" providerId="ADAL" clId="{86B7C1FB-EFBC-4EEC-9326-0952F857DDFC}" dt="2022-10-27T17:25:50.064" v="1257" actId="20577"/>
+          <ac:spMkLst>
+            <pc:docMk/>
+            <pc:sldMk cId="2312068477" sldId="2825"/>
+            <ac:spMk id="4" creationId="{A33CCA5C-6741-50F2-BA87-13D12BB585E7}"/>
+          </ac:spMkLst>
+        </pc:spChg>
+        <pc:spChg chg="del">
+          <ac:chgData name="Markella Nikolopoulou-Themeli" userId="da9cb5e2-4d8b-46eb-898e-a612e4aaf597" providerId="ADAL" clId="{86B7C1FB-EFBC-4EEC-9326-0952F857DDFC}" dt="2022-10-27T17:00:30.926" v="1099" actId="478"/>
+          <ac:spMkLst>
+            <pc:docMk/>
+            <pc:sldMk cId="2312068477" sldId="2825"/>
+            <ac:spMk id="5" creationId="{A6642BEE-FA65-30E9-D052-0D9D827AAC2A}"/>
+          </ac:spMkLst>
+        </pc:spChg>
+        <pc:spChg chg="del mod">
+          <ac:chgData name="Markella Nikolopoulou-Themeli" userId="da9cb5e2-4d8b-46eb-898e-a612e4aaf597" providerId="ADAL" clId="{86B7C1FB-EFBC-4EEC-9326-0952F857DDFC}" dt="2022-10-27T17:21:32.914" v="1160" actId="931"/>
+          <ac:spMkLst>
+            <pc:docMk/>
+            <pc:sldMk cId="2312068477" sldId="2825"/>
+            <ac:spMk id="6" creationId="{02398DD2-DEA0-48F0-9810-9F821801CAED}"/>
+          </ac:spMkLst>
+        </pc:spChg>
+        <pc:picChg chg="add mod">
+          <ac:chgData name="Markella Nikolopoulou-Themeli" userId="da9cb5e2-4d8b-46eb-898e-a612e4aaf597" providerId="ADAL" clId="{86B7C1FB-EFBC-4EEC-9326-0952F857DDFC}" dt="2022-10-27T17:21:35.025" v="1162" actId="962"/>
+          <ac:picMkLst>
+            <pc:docMk/>
+            <pc:sldMk cId="2312068477" sldId="2825"/>
+            <ac:picMk id="10" creationId="{45ABFD6B-70CA-3F86-507C-C7C6328C8E8C}"/>
+          </ac:picMkLst>
+        </pc:picChg>
+      </pc:sldChg>
+      <pc:sldChg chg="modSp add del mod">
+        <pc:chgData name="Markella Nikolopoulou-Themeli" userId="da9cb5e2-4d8b-46eb-898e-a612e4aaf597" providerId="ADAL" clId="{86B7C1FB-EFBC-4EEC-9326-0952F857DDFC}" dt="2022-10-27T17:08:11.504" v="1135" actId="47"/>
+        <pc:sldMkLst>
+          <pc:docMk/>
+          <pc:sldMk cId="2315037246" sldId="2826"/>
+        </pc:sldMkLst>
+        <pc:spChg chg="mod">
+          <ac:chgData name="Markella Nikolopoulou-Themeli" userId="da9cb5e2-4d8b-46eb-898e-a612e4aaf597" providerId="ADAL" clId="{86B7C1FB-EFBC-4EEC-9326-0952F857DDFC}" dt="2022-10-27T17:08:01.570" v="1134" actId="20577"/>
+          <ac:spMkLst>
+            <pc:docMk/>
+            <pc:sldMk cId="2315037246" sldId="2826"/>
+            <ac:spMk id="2" creationId="{A3F0E8DA-ADB0-94F6-D817-EA688A6E7523}"/>
+          </ac:spMkLst>
+        </pc:spChg>
+      </pc:sldChg>
+      <pc:sldChg chg="modSp add mod">
+        <pc:chgData name="Markella Nikolopoulou-Themeli" userId="da9cb5e2-4d8b-46eb-898e-a612e4aaf597" providerId="ADAL" clId="{86B7C1FB-EFBC-4EEC-9326-0952F857DDFC}" dt="2022-10-27T17:29:52.470" v="1341" actId="20577"/>
+        <pc:sldMkLst>
+          <pc:docMk/>
+          <pc:sldMk cId="3415248467" sldId="2827"/>
+        </pc:sldMkLst>
+        <pc:spChg chg="mod">
+          <ac:chgData name="Markella Nikolopoulou-Themeli" userId="da9cb5e2-4d8b-46eb-898e-a612e4aaf597" providerId="ADAL" clId="{86B7C1FB-EFBC-4EEC-9326-0952F857DDFC}" dt="2022-10-27T17:29:52.470" v="1341" actId="20577"/>
+          <ac:spMkLst>
+            <pc:docMk/>
+            <pc:sldMk cId="3415248467" sldId="2827"/>
+            <ac:spMk id="4" creationId="{A33CCA5C-6741-50F2-BA87-13D12BB585E7}"/>
+          </ac:spMkLst>
+        </pc:spChg>
+      </pc:sldChg>
+      <pc:sldChg chg="addSp delSp modSp add mod">
+        <pc:chgData name="Markella Nikolopoulou-Themeli" userId="da9cb5e2-4d8b-46eb-898e-a612e4aaf597" providerId="ADAL" clId="{86B7C1FB-EFBC-4EEC-9326-0952F857DDFC}" dt="2022-10-27T17:35:33.721" v="1524" actId="20577"/>
+        <pc:sldMkLst>
+          <pc:docMk/>
+          <pc:sldMk cId="201336236" sldId="2828"/>
+        </pc:sldMkLst>
+        <pc:spChg chg="mod">
+          <ac:chgData name="Markella Nikolopoulou-Themeli" userId="da9cb5e2-4d8b-46eb-898e-a612e4aaf597" providerId="ADAL" clId="{86B7C1FB-EFBC-4EEC-9326-0952F857DDFC}" dt="2022-10-27T17:17:13.833" v="1159" actId="20577"/>
+          <ac:spMkLst>
+            <pc:docMk/>
+            <pc:sldMk cId="201336236" sldId="2828"/>
+            <ac:spMk id="2" creationId="{A3F0E8DA-ADB0-94F6-D817-EA688A6E7523}"/>
+          </ac:spMkLst>
+        </pc:spChg>
+        <pc:spChg chg="mod">
+          <ac:chgData name="Markella Nikolopoulou-Themeli" userId="da9cb5e2-4d8b-46eb-898e-a612e4aaf597" providerId="ADAL" clId="{86B7C1FB-EFBC-4EEC-9326-0952F857DDFC}" dt="2022-10-27T17:35:33.721" v="1524" actId="20577"/>
+          <ac:spMkLst>
+            <pc:docMk/>
+            <pc:sldMk cId="201336236" sldId="2828"/>
+            <ac:spMk id="4" creationId="{A33CCA5C-6741-50F2-BA87-13D12BB585E7}"/>
+          </ac:spMkLst>
+        </pc:spChg>
+        <pc:spChg chg="del">
+          <ac:chgData name="Markella Nikolopoulou-Themeli" userId="da9cb5e2-4d8b-46eb-898e-a612e4aaf597" providerId="ADAL" clId="{86B7C1FB-EFBC-4EEC-9326-0952F857DDFC}" dt="2022-10-27T17:30:26.593" v="1342" actId="931"/>
+          <ac:spMkLst>
+            <pc:docMk/>
+            <pc:sldMk cId="201336236" sldId="2828"/>
+            <ac:spMk id="6" creationId="{02398DD2-DEA0-48F0-9810-9F821801CAED}"/>
+          </ac:spMkLst>
+        </pc:spChg>
+        <pc:picChg chg="add mod modCrop">
+          <ac:chgData name="Markella Nikolopoulou-Themeli" userId="da9cb5e2-4d8b-46eb-898e-a612e4aaf597" providerId="ADAL" clId="{86B7C1FB-EFBC-4EEC-9326-0952F857DDFC}" dt="2022-10-27T17:31:05.624" v="1350" actId="14100"/>
+          <ac:picMkLst>
+            <pc:docMk/>
+            <pc:sldMk cId="201336236" sldId="2828"/>
+            <ac:picMk id="5" creationId="{55CFC835-11C4-7C89-5937-02DE10CD6000}"/>
+          </ac:picMkLst>
+        </pc:picChg>
       </pc:sldChg>
     </pc:docChg>
   </pc:docChgLst>
@@ -4406,1903 +4777,6 @@
 </p:notes>
 </file>
 
-<file path=ppt/notesSlides/notesSlide3.xml><?xml version="1.0" encoding="utf-8"?>
-<p:notes xmlns:a="http://schemas.openxmlformats.org/drawingml/2006/main" xmlns:r="http://schemas.openxmlformats.org/officeDocument/2006/relationships" xmlns:p="http://schemas.openxmlformats.org/presentationml/2006/main">
-  <p:cSld>
-    <p:spTree>
-      <p:nvGrpSpPr>
-        <p:cNvPr id="1" name=""/>
-        <p:cNvGrpSpPr/>
-        <p:nvPr/>
-      </p:nvGrpSpPr>
-      <p:grpSpPr>
-        <a:xfrm>
-          <a:off x="0" y="0"/>
-          <a:ext cx="0" cy="0"/>
-          <a:chOff x="0" y="0"/>
-          <a:chExt cx="0" cy="0"/>
-        </a:xfrm>
-      </p:grpSpPr>
-      <p:sp>
-        <p:nvSpPr>
-          <p:cNvPr id="2" name="Slide Image Placeholder 1"/>
-          <p:cNvSpPr>
-            <a:spLocks noGrp="1" noRot="1" noChangeAspect="1"/>
-          </p:cNvSpPr>
-          <p:nvPr>
-            <p:ph type="sldImg"/>
-          </p:nvPr>
-        </p:nvSpPr>
-        <p:spPr/>
-      </p:sp>
-      <p:sp>
-        <p:nvSpPr>
-          <p:cNvPr id="3" name="Notes Placeholder 2"/>
-          <p:cNvSpPr>
-            <a:spLocks noGrp="1"/>
-          </p:cNvSpPr>
-          <p:nvPr>
-            <p:ph type="body" idx="1"/>
-          </p:nvPr>
-        </p:nvSpPr>
-        <p:spPr/>
-        <p:txBody>
-          <a:bodyPr/>
-          <a:lstStyle/>
-          <a:p>
-            <a:r>
-              <a:rPr lang="sv-SE" b="0" i="0" dirty="0" err="1">
-                <a:solidFill>
-                  <a:srgbClr val="000000"/>
-                </a:solidFill>
-                <a:effectLst/>
-                <a:latin typeface="Times New Roman" panose="02020603050405020304" pitchFamily="18" charset="0"/>
-              </a:rPr>
-              <a:t>They</a:t>
-            </a:r>
-            <a:r>
-              <a:rPr lang="sv-SE" b="0" i="0" dirty="0">
-                <a:solidFill>
-                  <a:srgbClr val="000000"/>
-                </a:solidFill>
-                <a:effectLst/>
-                <a:latin typeface="Times New Roman" panose="02020603050405020304" pitchFamily="18" charset="0"/>
-              </a:rPr>
-              <a:t> </a:t>
-            </a:r>
-            <a:r>
-              <a:rPr lang="sv-SE" b="0" i="0" dirty="0" err="1">
-                <a:solidFill>
-                  <a:srgbClr val="000000"/>
-                </a:solidFill>
-                <a:effectLst/>
-                <a:latin typeface="Times New Roman" panose="02020603050405020304" pitchFamily="18" charset="0"/>
-              </a:rPr>
-              <a:t>have</a:t>
-            </a:r>
-            <a:r>
-              <a:rPr lang="sv-SE" b="0" i="0" dirty="0">
-                <a:solidFill>
-                  <a:srgbClr val="000000"/>
-                </a:solidFill>
-                <a:effectLst/>
-                <a:latin typeface="Times New Roman" panose="02020603050405020304" pitchFamily="18" charset="0"/>
-              </a:rPr>
-              <a:t> </a:t>
-            </a:r>
-            <a:r>
-              <a:rPr lang="sv-SE" b="0" i="0" dirty="0" err="1">
-                <a:solidFill>
-                  <a:srgbClr val="000000"/>
-                </a:solidFill>
-                <a:effectLst/>
-                <a:latin typeface="Times New Roman" panose="02020603050405020304" pitchFamily="18" charset="0"/>
-              </a:rPr>
-              <a:t>really</a:t>
-            </a:r>
-            <a:r>
-              <a:rPr lang="sv-SE" b="0" i="0" dirty="0">
-                <a:solidFill>
-                  <a:srgbClr val="000000"/>
-                </a:solidFill>
-                <a:effectLst/>
-                <a:latin typeface="Times New Roman" panose="02020603050405020304" pitchFamily="18" charset="0"/>
-              </a:rPr>
-              <a:t> </a:t>
-            </a:r>
-            <a:r>
-              <a:rPr lang="sv-SE" b="0" i="0" dirty="0" err="1">
-                <a:solidFill>
-                  <a:srgbClr val="000000"/>
-                </a:solidFill>
-                <a:effectLst/>
-                <a:latin typeface="Times New Roman" panose="02020603050405020304" pitchFamily="18" charset="0"/>
-              </a:rPr>
-              <a:t>well</a:t>
-            </a:r>
-            <a:r>
-              <a:rPr lang="sv-SE" b="0" i="0" dirty="0">
-                <a:solidFill>
-                  <a:srgbClr val="000000"/>
-                </a:solidFill>
-                <a:effectLst/>
-                <a:latin typeface="Times New Roman" panose="02020603050405020304" pitchFamily="18" charset="0"/>
-              </a:rPr>
-              <a:t> </a:t>
-            </a:r>
-            <a:r>
-              <a:rPr lang="sv-SE" b="0" i="0" dirty="0" err="1">
-                <a:solidFill>
-                  <a:srgbClr val="000000"/>
-                </a:solidFill>
-                <a:effectLst/>
-                <a:latin typeface="Times New Roman" panose="02020603050405020304" pitchFamily="18" charset="0"/>
-              </a:rPr>
-              <a:t>gathered</a:t>
-            </a:r>
-            <a:r>
-              <a:rPr lang="sv-SE" b="0" i="0" dirty="0">
-                <a:solidFill>
-                  <a:srgbClr val="000000"/>
-                </a:solidFill>
-                <a:effectLst/>
-                <a:latin typeface="Times New Roman" panose="02020603050405020304" pitchFamily="18" charset="0"/>
-              </a:rPr>
-              <a:t> data, </a:t>
-            </a:r>
-            <a:r>
-              <a:rPr lang="sv-SE" b="0" i="0" dirty="0" err="1">
-                <a:solidFill>
-                  <a:srgbClr val="000000"/>
-                </a:solidFill>
-                <a:effectLst/>
-                <a:latin typeface="Times New Roman" panose="02020603050405020304" pitchFamily="18" charset="0"/>
-              </a:rPr>
-              <a:t>stored</a:t>
-            </a:r>
-            <a:r>
-              <a:rPr lang="sv-SE" b="0" i="0" dirty="0">
-                <a:solidFill>
-                  <a:srgbClr val="000000"/>
-                </a:solidFill>
-                <a:effectLst/>
-                <a:latin typeface="Times New Roman" panose="02020603050405020304" pitchFamily="18" charset="0"/>
-              </a:rPr>
-              <a:t> and </a:t>
-            </a:r>
-            <a:r>
-              <a:rPr lang="sv-SE" b="0" i="0" dirty="0" err="1">
-                <a:solidFill>
-                  <a:srgbClr val="000000"/>
-                </a:solidFill>
-                <a:effectLst/>
-                <a:latin typeface="Times New Roman" panose="02020603050405020304" pitchFamily="18" charset="0"/>
-              </a:rPr>
-              <a:t>labeled</a:t>
-            </a:r>
-            <a:r>
-              <a:rPr lang="sv-SE" b="0" i="0" dirty="0">
-                <a:solidFill>
-                  <a:srgbClr val="000000"/>
-                </a:solidFill>
-                <a:effectLst/>
-                <a:latin typeface="Times New Roman" panose="02020603050405020304" pitchFamily="18" charset="0"/>
-              </a:rPr>
-              <a:t> in a </a:t>
-            </a:r>
-            <a:r>
-              <a:rPr lang="sv-SE" b="0" i="0" dirty="0" err="1">
-                <a:solidFill>
-                  <a:srgbClr val="000000"/>
-                </a:solidFill>
-                <a:effectLst/>
-                <a:latin typeface="Times New Roman" panose="02020603050405020304" pitchFamily="18" charset="0"/>
-              </a:rPr>
-              <a:t>easy</a:t>
-            </a:r>
-            <a:r>
-              <a:rPr lang="sv-SE" b="0" i="0" dirty="0">
-                <a:solidFill>
-                  <a:srgbClr val="000000"/>
-                </a:solidFill>
-                <a:effectLst/>
-                <a:latin typeface="Times New Roman" panose="02020603050405020304" pitchFamily="18" charset="0"/>
-              </a:rPr>
-              <a:t> to </a:t>
-            </a:r>
-            <a:r>
-              <a:rPr lang="sv-SE" b="0" i="0" dirty="0" err="1">
-                <a:solidFill>
-                  <a:srgbClr val="000000"/>
-                </a:solidFill>
-                <a:effectLst/>
-                <a:latin typeface="Times New Roman" panose="02020603050405020304" pitchFamily="18" charset="0"/>
-              </a:rPr>
-              <a:t>use</a:t>
-            </a:r>
-            <a:r>
-              <a:rPr lang="sv-SE" b="0" i="0" dirty="0">
-                <a:solidFill>
-                  <a:srgbClr val="000000"/>
-                </a:solidFill>
-                <a:effectLst/>
-                <a:latin typeface="Times New Roman" panose="02020603050405020304" pitchFamily="18" charset="0"/>
-              </a:rPr>
-              <a:t> format.</a:t>
-            </a:r>
-          </a:p>
-          <a:p>
-            <a:r>
-              <a:rPr lang="sv-SE" b="0" i="0" dirty="0">
-                <a:solidFill>
-                  <a:srgbClr val="000000"/>
-                </a:solidFill>
-                <a:effectLst/>
-                <a:latin typeface="Times New Roman" panose="02020603050405020304" pitchFamily="18" charset="0"/>
-              </a:rPr>
-              <a:t>As </a:t>
-            </a:r>
-            <a:r>
-              <a:rPr lang="sv-SE" b="0" i="0" dirty="0" err="1">
-                <a:solidFill>
-                  <a:srgbClr val="000000"/>
-                </a:solidFill>
-                <a:effectLst/>
-                <a:latin typeface="Times New Roman" panose="02020603050405020304" pitchFamily="18" charset="0"/>
-              </a:rPr>
-              <a:t>of</a:t>
-            </a:r>
-            <a:r>
-              <a:rPr lang="sv-SE" b="0" i="0" dirty="0">
-                <a:solidFill>
-                  <a:srgbClr val="000000"/>
-                </a:solidFill>
-                <a:effectLst/>
-                <a:latin typeface="Times New Roman" panose="02020603050405020304" pitchFamily="18" charset="0"/>
-              </a:rPr>
-              <a:t> </a:t>
-            </a:r>
-            <a:r>
-              <a:rPr lang="sv-SE" b="0" i="0" dirty="0" err="1">
-                <a:solidFill>
-                  <a:srgbClr val="000000"/>
-                </a:solidFill>
-                <a:effectLst/>
-                <a:latin typeface="Times New Roman" panose="02020603050405020304" pitchFamily="18" charset="0"/>
-              </a:rPr>
-              <a:t>now</a:t>
-            </a:r>
-            <a:r>
-              <a:rPr lang="sv-SE" b="0" i="0" dirty="0">
-                <a:solidFill>
-                  <a:srgbClr val="000000"/>
-                </a:solidFill>
-                <a:effectLst/>
-                <a:latin typeface="Times New Roman" panose="02020603050405020304" pitchFamily="18" charset="0"/>
-              </a:rPr>
-              <a:t> </a:t>
-            </a:r>
-          </a:p>
-          <a:p>
-            <a:pPr marL="171450" indent="-171450">
-              <a:buFont typeface="Arial" panose="020B0604020202020204" pitchFamily="34" charset="0"/>
-              <a:buChar char="•"/>
-            </a:pPr>
-            <a:r>
-              <a:rPr lang="sv-SE" b="0" i="0" dirty="0">
-                <a:solidFill>
-                  <a:srgbClr val="000000"/>
-                </a:solidFill>
-                <a:effectLst/>
-                <a:latin typeface="Times New Roman" panose="02020603050405020304" pitchFamily="18" charset="0"/>
-              </a:rPr>
-              <a:t>the </a:t>
-            </a:r>
-            <a:r>
-              <a:rPr lang="sv-SE" b="0" i="0" dirty="0" err="1">
-                <a:solidFill>
-                  <a:srgbClr val="000000"/>
-                </a:solidFill>
-                <a:effectLst/>
-                <a:latin typeface="Times New Roman" panose="02020603050405020304" pitchFamily="18" charset="0"/>
-              </a:rPr>
-              <a:t>campaigns</a:t>
-            </a:r>
-            <a:r>
-              <a:rPr lang="sv-SE" b="0" i="0" dirty="0">
-                <a:solidFill>
-                  <a:srgbClr val="000000"/>
-                </a:solidFill>
-                <a:effectLst/>
-                <a:latin typeface="Times New Roman" panose="02020603050405020304" pitchFamily="18" charset="0"/>
-              </a:rPr>
-              <a:t> </a:t>
-            </a:r>
-            <a:r>
-              <a:rPr lang="sv-SE" b="0" i="0" dirty="0" err="1">
-                <a:solidFill>
-                  <a:srgbClr val="000000"/>
-                </a:solidFill>
-                <a:effectLst/>
-                <a:latin typeface="Times New Roman" panose="02020603050405020304" pitchFamily="18" charset="0"/>
-              </a:rPr>
-              <a:t>are</a:t>
-            </a:r>
-            <a:r>
-              <a:rPr lang="sv-SE" b="0" i="0" dirty="0">
-                <a:solidFill>
-                  <a:srgbClr val="000000"/>
-                </a:solidFill>
-                <a:effectLst/>
-                <a:latin typeface="Times New Roman" panose="02020603050405020304" pitchFamily="18" charset="0"/>
-              </a:rPr>
-              <a:t> </a:t>
-            </a:r>
-            <a:r>
-              <a:rPr lang="sv-SE" b="0" i="0" dirty="0" err="1">
-                <a:solidFill>
-                  <a:srgbClr val="000000"/>
-                </a:solidFill>
-                <a:effectLst/>
-                <a:latin typeface="Times New Roman" panose="02020603050405020304" pitchFamily="18" charset="0"/>
-              </a:rPr>
-              <a:t>running</a:t>
-            </a:r>
-            <a:r>
-              <a:rPr lang="sv-SE" b="0" i="0" dirty="0">
-                <a:solidFill>
-                  <a:srgbClr val="000000"/>
-                </a:solidFill>
-                <a:effectLst/>
-                <a:latin typeface="Times New Roman" panose="02020603050405020304" pitchFamily="18" charset="0"/>
-              </a:rPr>
-              <a:t> </a:t>
-            </a:r>
-            <a:r>
-              <a:rPr lang="sv-SE" b="0" i="0" dirty="0" err="1">
-                <a:solidFill>
-                  <a:srgbClr val="000000"/>
-                </a:solidFill>
-                <a:effectLst/>
-                <a:latin typeface="Times New Roman" panose="02020603050405020304" pitchFamily="18" charset="0"/>
-              </a:rPr>
-              <a:t>frequently</a:t>
-            </a:r>
-            <a:r>
-              <a:rPr lang="sv-SE" b="0" i="0" dirty="0">
-                <a:solidFill>
-                  <a:srgbClr val="000000"/>
-                </a:solidFill>
-                <a:effectLst/>
-                <a:latin typeface="Times New Roman" panose="02020603050405020304" pitchFamily="18" charset="0"/>
-              </a:rPr>
-              <a:t> </a:t>
-            </a:r>
-          </a:p>
-          <a:p>
-            <a:pPr marL="171450" indent="-171450">
-              <a:buFont typeface="Arial" panose="020B0604020202020204" pitchFamily="34" charset="0"/>
-              <a:buChar char="•"/>
-            </a:pPr>
-            <a:r>
-              <a:rPr lang="sv-SE" b="0" i="0" dirty="0" err="1">
-                <a:solidFill>
-                  <a:srgbClr val="000000"/>
-                </a:solidFill>
-                <a:effectLst/>
-                <a:latin typeface="Times New Roman" panose="02020603050405020304" pitchFamily="18" charset="0"/>
-              </a:rPr>
-              <a:t>They</a:t>
-            </a:r>
-            <a:r>
-              <a:rPr lang="sv-SE" b="0" i="0" dirty="0">
-                <a:solidFill>
-                  <a:srgbClr val="000000"/>
-                </a:solidFill>
-                <a:effectLst/>
-                <a:latin typeface="Times New Roman" panose="02020603050405020304" pitchFamily="18" charset="0"/>
-              </a:rPr>
-              <a:t> </a:t>
-            </a:r>
-            <a:r>
-              <a:rPr lang="sv-SE" b="0" i="0" dirty="0" err="1">
-                <a:solidFill>
-                  <a:srgbClr val="000000"/>
-                </a:solidFill>
-                <a:effectLst/>
-                <a:latin typeface="Times New Roman" panose="02020603050405020304" pitchFamily="18" charset="0"/>
-              </a:rPr>
-              <a:t>are</a:t>
-            </a:r>
-            <a:r>
-              <a:rPr lang="sv-SE" b="0" i="0" dirty="0">
-                <a:solidFill>
-                  <a:srgbClr val="000000"/>
-                </a:solidFill>
-                <a:effectLst/>
-                <a:latin typeface="Times New Roman" panose="02020603050405020304" pitchFamily="18" charset="0"/>
-              </a:rPr>
-              <a:t> </a:t>
-            </a:r>
-            <a:r>
-              <a:rPr lang="sv-SE" b="0" i="0" dirty="0" err="1">
-                <a:solidFill>
-                  <a:srgbClr val="000000"/>
-                </a:solidFill>
-                <a:effectLst/>
-                <a:latin typeface="Times New Roman" panose="02020603050405020304" pitchFamily="18" charset="0"/>
-              </a:rPr>
-              <a:t>gahtering</a:t>
-            </a:r>
-            <a:r>
-              <a:rPr lang="sv-SE" b="0" i="0" dirty="0">
-                <a:solidFill>
-                  <a:srgbClr val="000000"/>
-                </a:solidFill>
-                <a:effectLst/>
-                <a:latin typeface="Times New Roman" panose="02020603050405020304" pitchFamily="18" charset="0"/>
-              </a:rPr>
-              <a:t> the data from </a:t>
-            </a:r>
-            <a:r>
-              <a:rPr lang="sv-SE" b="0" i="0" dirty="0" err="1">
-                <a:solidFill>
-                  <a:srgbClr val="000000"/>
-                </a:solidFill>
-                <a:effectLst/>
-                <a:latin typeface="Times New Roman" panose="02020603050405020304" pitchFamily="18" charset="0"/>
-              </a:rPr>
-              <a:t>them</a:t>
-            </a:r>
-            <a:endParaRPr lang="sv-SE" b="0" i="0" dirty="0">
-              <a:solidFill>
-                <a:srgbClr val="000000"/>
-              </a:solidFill>
-              <a:effectLst/>
-              <a:latin typeface="Times New Roman" panose="02020603050405020304" pitchFamily="18" charset="0"/>
-            </a:endParaRPr>
-          </a:p>
-          <a:p>
-            <a:pPr marL="171450" indent="-171450">
-              <a:buFont typeface="Arial" panose="020B0604020202020204" pitchFamily="34" charset="0"/>
-              <a:buChar char="•"/>
-            </a:pPr>
-            <a:r>
-              <a:rPr lang="sv-SE" b="0" i="0" dirty="0">
-                <a:solidFill>
-                  <a:srgbClr val="000000"/>
-                </a:solidFill>
-                <a:effectLst/>
-                <a:latin typeface="Times New Roman" panose="02020603050405020304" pitchFamily="18" charset="0"/>
-              </a:rPr>
-              <a:t>Not </a:t>
-            </a:r>
-            <a:r>
-              <a:rPr lang="sv-SE" b="0" i="0" dirty="0" err="1">
-                <a:solidFill>
-                  <a:srgbClr val="000000"/>
-                </a:solidFill>
-                <a:effectLst/>
-                <a:latin typeface="Times New Roman" panose="02020603050405020304" pitchFamily="18" charset="0"/>
-              </a:rPr>
-              <a:t>using</a:t>
-            </a:r>
-            <a:r>
-              <a:rPr lang="sv-SE" b="0" i="0" dirty="0">
-                <a:solidFill>
-                  <a:srgbClr val="000000"/>
-                </a:solidFill>
-                <a:effectLst/>
-                <a:latin typeface="Times New Roman" panose="02020603050405020304" pitchFamily="18" charset="0"/>
-              </a:rPr>
-              <a:t> the data</a:t>
-            </a:r>
-          </a:p>
-          <a:p>
-            <a:pPr marL="171450" indent="-171450">
-              <a:buFont typeface="Arial" panose="020B0604020202020204" pitchFamily="34" charset="0"/>
-              <a:buChar char="•"/>
-            </a:pPr>
-            <a:r>
-              <a:rPr lang="sv-SE" b="0" i="0" dirty="0" err="1">
-                <a:solidFill>
-                  <a:srgbClr val="000000"/>
-                </a:solidFill>
-                <a:effectLst/>
-                <a:latin typeface="Times New Roman" panose="02020603050405020304" pitchFamily="18" charset="0"/>
-              </a:rPr>
-              <a:t>Each</a:t>
-            </a:r>
-            <a:r>
-              <a:rPr lang="sv-SE" b="0" i="0" dirty="0">
-                <a:solidFill>
-                  <a:srgbClr val="000000"/>
-                </a:solidFill>
-                <a:effectLst/>
-                <a:latin typeface="Times New Roman" panose="02020603050405020304" pitchFamily="18" charset="0"/>
-              </a:rPr>
-              <a:t> </a:t>
-            </a:r>
-            <a:r>
-              <a:rPr lang="sv-SE" b="0" i="0" dirty="0" err="1">
-                <a:solidFill>
-                  <a:srgbClr val="000000"/>
-                </a:solidFill>
-                <a:effectLst/>
-                <a:latin typeface="Times New Roman" panose="02020603050405020304" pitchFamily="18" charset="0"/>
-              </a:rPr>
-              <a:t>campaign</a:t>
-            </a:r>
-            <a:r>
-              <a:rPr lang="sv-SE" b="0" i="0" dirty="0">
-                <a:solidFill>
-                  <a:srgbClr val="000000"/>
-                </a:solidFill>
-                <a:effectLst/>
-                <a:latin typeface="Times New Roman" panose="02020603050405020304" pitchFamily="18" charset="0"/>
-              </a:rPr>
-              <a:t> is </a:t>
-            </a:r>
-            <a:r>
-              <a:rPr lang="sv-SE" b="0" i="0" dirty="0" err="1">
-                <a:solidFill>
-                  <a:srgbClr val="000000"/>
-                </a:solidFill>
-                <a:effectLst/>
-                <a:latin typeface="Times New Roman" panose="02020603050405020304" pitchFamily="18" charset="0"/>
-              </a:rPr>
-              <a:t>run</a:t>
-            </a:r>
-            <a:r>
-              <a:rPr lang="sv-SE" b="0" i="0" dirty="0">
-                <a:solidFill>
-                  <a:srgbClr val="000000"/>
-                </a:solidFill>
-                <a:effectLst/>
-                <a:latin typeface="Times New Roman" panose="02020603050405020304" pitchFamily="18" charset="0"/>
-              </a:rPr>
-              <a:t> the same </a:t>
-            </a:r>
-            <a:r>
-              <a:rPr lang="sv-SE" b="0" i="0" dirty="0" err="1">
-                <a:solidFill>
-                  <a:srgbClr val="000000"/>
-                </a:solidFill>
-                <a:effectLst/>
-                <a:latin typeface="Times New Roman" panose="02020603050405020304" pitchFamily="18" charset="0"/>
-              </a:rPr>
-              <a:t>way</a:t>
-            </a:r>
-            <a:endParaRPr lang="sv-SE" b="0" i="0" dirty="0">
-              <a:solidFill>
-                <a:srgbClr val="000000"/>
-              </a:solidFill>
-              <a:effectLst/>
-              <a:latin typeface="Times New Roman" panose="02020603050405020304" pitchFamily="18" charset="0"/>
-            </a:endParaRPr>
-          </a:p>
-          <a:p>
-            <a:pPr marL="628650" lvl="1" indent="-171450">
-              <a:buFont typeface="Arial" panose="020B0604020202020204" pitchFamily="34" charset="0"/>
-              <a:buChar char="•"/>
-            </a:pPr>
-            <a:r>
-              <a:rPr lang="sv-SE" b="0" i="0" dirty="0" err="1">
-                <a:solidFill>
-                  <a:srgbClr val="000000"/>
-                </a:solidFill>
-                <a:effectLst/>
-                <a:latin typeface="Times New Roman" panose="02020603050405020304" pitchFamily="18" charset="0"/>
-              </a:rPr>
-              <a:t>Towards</a:t>
-            </a:r>
-            <a:r>
-              <a:rPr lang="sv-SE" b="0" i="0" dirty="0">
-                <a:solidFill>
-                  <a:srgbClr val="000000"/>
-                </a:solidFill>
-                <a:effectLst/>
-                <a:latin typeface="Times New Roman" panose="02020603050405020304" pitchFamily="18" charset="0"/>
-              </a:rPr>
-              <a:t> all </a:t>
-            </a:r>
-            <a:r>
-              <a:rPr lang="sv-SE" b="0" i="0" dirty="0" err="1">
-                <a:solidFill>
-                  <a:srgbClr val="000000"/>
-                </a:solidFill>
-                <a:effectLst/>
-                <a:latin typeface="Times New Roman" panose="02020603050405020304" pitchFamily="18" charset="0"/>
-              </a:rPr>
-              <a:t>clients</a:t>
-            </a:r>
-            <a:r>
-              <a:rPr lang="sv-SE" b="0" i="0" dirty="0">
-                <a:solidFill>
-                  <a:srgbClr val="000000"/>
-                </a:solidFill>
-                <a:effectLst/>
-                <a:latin typeface="Times New Roman" panose="02020603050405020304" pitchFamily="18" charset="0"/>
-              </a:rPr>
-              <a:t> and </a:t>
-            </a:r>
-            <a:r>
-              <a:rPr lang="sv-SE" b="0" i="0" dirty="0" err="1">
-                <a:solidFill>
-                  <a:srgbClr val="000000"/>
-                </a:solidFill>
-                <a:effectLst/>
-                <a:latin typeface="Times New Roman" panose="02020603050405020304" pitchFamily="18" charset="0"/>
-              </a:rPr>
-              <a:t>with</a:t>
-            </a:r>
-            <a:r>
-              <a:rPr lang="sv-SE" b="0" i="0" dirty="0">
-                <a:solidFill>
-                  <a:srgbClr val="000000"/>
-                </a:solidFill>
-                <a:effectLst/>
-                <a:latin typeface="Times New Roman" panose="02020603050405020304" pitchFamily="18" charset="0"/>
-              </a:rPr>
-              <a:t> the same </a:t>
-            </a:r>
-            <a:r>
-              <a:rPr lang="sv-SE" b="0" i="0" dirty="0" err="1">
-                <a:solidFill>
-                  <a:srgbClr val="000000"/>
-                </a:solidFill>
-                <a:effectLst/>
-                <a:latin typeface="Times New Roman" panose="02020603050405020304" pitchFamily="18" charset="0"/>
-              </a:rPr>
-              <a:t>aproach</a:t>
-            </a:r>
-            <a:r>
-              <a:rPr lang="sv-SE" b="0" i="0" dirty="0">
-                <a:solidFill>
-                  <a:srgbClr val="000000"/>
-                </a:solidFill>
-                <a:effectLst/>
-                <a:latin typeface="Times New Roman" panose="02020603050405020304" pitchFamily="18" charset="0"/>
-              </a:rPr>
-              <a:t> </a:t>
-            </a:r>
-            <a:r>
-              <a:rPr lang="sv-SE" b="0" i="0" dirty="0" err="1">
-                <a:solidFill>
-                  <a:srgbClr val="000000"/>
-                </a:solidFill>
-                <a:effectLst/>
-                <a:latin typeface="Times New Roman" panose="02020603050405020304" pitchFamily="18" charset="0"/>
-              </a:rPr>
-              <a:t>towards</a:t>
-            </a:r>
-            <a:r>
-              <a:rPr lang="sv-SE" b="0" i="0" dirty="0">
-                <a:solidFill>
-                  <a:srgbClr val="000000"/>
-                </a:solidFill>
-                <a:effectLst/>
-                <a:latin typeface="Times New Roman" panose="02020603050405020304" pitchFamily="18" charset="0"/>
-              </a:rPr>
-              <a:t> all </a:t>
-            </a:r>
-            <a:r>
-              <a:rPr lang="sv-SE" b="0" i="0" dirty="0" err="1">
-                <a:solidFill>
-                  <a:srgbClr val="000000"/>
-                </a:solidFill>
-                <a:effectLst/>
-                <a:latin typeface="Times New Roman" panose="02020603050405020304" pitchFamily="18" charset="0"/>
-              </a:rPr>
-              <a:t>of</a:t>
-            </a:r>
-            <a:r>
-              <a:rPr lang="sv-SE" b="0" i="0" dirty="0">
-                <a:solidFill>
-                  <a:srgbClr val="000000"/>
-                </a:solidFill>
-                <a:effectLst/>
-                <a:latin typeface="Times New Roman" panose="02020603050405020304" pitchFamily="18" charset="0"/>
-              </a:rPr>
-              <a:t> </a:t>
-            </a:r>
-            <a:r>
-              <a:rPr lang="sv-SE" b="0" i="0" dirty="0" err="1">
-                <a:solidFill>
-                  <a:srgbClr val="000000"/>
-                </a:solidFill>
-                <a:effectLst/>
-                <a:latin typeface="Times New Roman" panose="02020603050405020304" pitchFamily="18" charset="0"/>
-              </a:rPr>
-              <a:t>them</a:t>
-            </a:r>
-            <a:endParaRPr lang="sv-SE" b="0" i="0" dirty="0">
-              <a:solidFill>
-                <a:srgbClr val="000000"/>
-              </a:solidFill>
-              <a:effectLst/>
-              <a:latin typeface="Times New Roman" panose="02020603050405020304" pitchFamily="18" charset="0"/>
-            </a:endParaRPr>
-          </a:p>
-        </p:txBody>
-      </p:sp>
-      <p:sp>
-        <p:nvSpPr>
-          <p:cNvPr id="4" name="Slide Number Placeholder 3"/>
-          <p:cNvSpPr>
-            <a:spLocks noGrp="1"/>
-          </p:cNvSpPr>
-          <p:nvPr>
-            <p:ph type="sldNum" sz="quarter" idx="5"/>
-          </p:nvPr>
-        </p:nvSpPr>
-        <p:spPr/>
-        <p:txBody>
-          <a:bodyPr/>
-          <a:lstStyle/>
-          <a:p>
-            <a:fld id="{2F319D35-DDD6-4A50-856E-577E9C784DE2}" type="slidenum">
-              <a:rPr lang="en-US" smtClean="0"/>
-              <a:t>5</a:t>
-            </a:fld>
-            <a:endParaRPr lang="en-US"/>
-          </a:p>
-        </p:txBody>
-      </p:sp>
-    </p:spTree>
-    <p:extLst>
-      <p:ext uri="{BB962C8B-B14F-4D97-AF65-F5344CB8AC3E}">
-        <p14:creationId xmlns:p14="http://schemas.microsoft.com/office/powerpoint/2010/main" val="3882575008"/>
-      </p:ext>
-    </p:extLst>
-  </p:cSld>
-  <p:clrMapOvr>
-    <a:masterClrMapping/>
-  </p:clrMapOvr>
-</p:notes>
-</file>
-
-<file path=ppt/notesSlides/notesSlide4.xml><?xml version="1.0" encoding="utf-8"?>
-<p:notes xmlns:a="http://schemas.openxmlformats.org/drawingml/2006/main" xmlns:r="http://schemas.openxmlformats.org/officeDocument/2006/relationships" xmlns:p="http://schemas.openxmlformats.org/presentationml/2006/main">
-  <p:cSld>
-    <p:spTree>
-      <p:nvGrpSpPr>
-        <p:cNvPr id="1" name=""/>
-        <p:cNvGrpSpPr/>
-        <p:nvPr/>
-      </p:nvGrpSpPr>
-      <p:grpSpPr>
-        <a:xfrm>
-          <a:off x="0" y="0"/>
-          <a:ext cx="0" cy="0"/>
-          <a:chOff x="0" y="0"/>
-          <a:chExt cx="0" cy="0"/>
-        </a:xfrm>
-      </p:grpSpPr>
-      <p:sp>
-        <p:nvSpPr>
-          <p:cNvPr id="2" name="Slide Image Placeholder 1"/>
-          <p:cNvSpPr>
-            <a:spLocks noGrp="1" noRot="1" noChangeAspect="1"/>
-          </p:cNvSpPr>
-          <p:nvPr>
-            <p:ph type="sldImg"/>
-          </p:nvPr>
-        </p:nvSpPr>
-        <p:spPr/>
-      </p:sp>
-      <p:sp>
-        <p:nvSpPr>
-          <p:cNvPr id="3" name="Notes Placeholder 2"/>
-          <p:cNvSpPr>
-            <a:spLocks noGrp="1"/>
-          </p:cNvSpPr>
-          <p:nvPr>
-            <p:ph type="body" idx="1"/>
-          </p:nvPr>
-        </p:nvSpPr>
-        <p:spPr/>
-        <p:txBody>
-          <a:bodyPr/>
-          <a:lstStyle/>
-          <a:p>
-            <a:r>
-              <a:rPr lang="sv-SE" dirty="0" err="1"/>
-              <a:t>This</a:t>
-            </a:r>
-            <a:r>
-              <a:rPr lang="sv-SE" dirty="0"/>
-              <a:t> is </a:t>
-            </a:r>
-            <a:r>
-              <a:rPr lang="sv-SE" dirty="0" err="1"/>
-              <a:t>what</a:t>
-            </a:r>
-            <a:r>
-              <a:rPr lang="sv-SE" dirty="0"/>
-              <a:t> </a:t>
-            </a:r>
-            <a:r>
-              <a:rPr lang="sv-SE" dirty="0" err="1"/>
-              <a:t>we</a:t>
-            </a:r>
-            <a:r>
-              <a:rPr lang="sv-SE" dirty="0"/>
-              <a:t> </a:t>
-            </a:r>
-            <a:r>
-              <a:rPr lang="sv-SE" dirty="0" err="1"/>
-              <a:t>have</a:t>
-            </a:r>
-            <a:r>
-              <a:rPr lang="sv-SE" dirty="0"/>
-              <a:t> </a:t>
-            </a:r>
-            <a:r>
-              <a:rPr lang="sv-SE" dirty="0" err="1"/>
-              <a:t>done</a:t>
-            </a:r>
-            <a:r>
-              <a:rPr lang="sv-SE" dirty="0"/>
-              <a:t> in the </a:t>
-            </a:r>
-            <a:r>
-              <a:rPr lang="sv-SE" dirty="0" err="1"/>
-              <a:t>past</a:t>
-            </a:r>
-            <a:r>
-              <a:rPr lang="sv-SE" dirty="0"/>
-              <a:t> for </a:t>
-            </a:r>
-            <a:r>
-              <a:rPr lang="sv-SE" dirty="0" err="1"/>
-              <a:t>clients</a:t>
-            </a:r>
-            <a:endParaRPr lang="sv-SE" dirty="0"/>
-          </a:p>
-          <a:p>
-            <a:pPr marL="171450" indent="-171450">
-              <a:buFontTx/>
-              <a:buChar char="-"/>
-            </a:pPr>
-            <a:r>
-              <a:rPr lang="sv-SE" dirty="0" err="1"/>
-              <a:t>Cecking</a:t>
-            </a:r>
-            <a:r>
-              <a:rPr lang="sv-SE" dirty="0"/>
-              <a:t> </a:t>
-            </a:r>
-            <a:r>
-              <a:rPr lang="sv-SE" dirty="0" err="1"/>
-              <a:t>which</a:t>
-            </a:r>
-            <a:r>
-              <a:rPr lang="sv-SE" dirty="0"/>
-              <a:t> </a:t>
-            </a:r>
-            <a:r>
-              <a:rPr lang="sv-SE" dirty="0" err="1"/>
-              <a:t>of</a:t>
-            </a:r>
-            <a:r>
-              <a:rPr lang="sv-SE" dirty="0"/>
-              <a:t> the </a:t>
-            </a:r>
-            <a:r>
-              <a:rPr lang="sv-SE" dirty="0" err="1"/>
-              <a:t>projects</a:t>
-            </a:r>
-            <a:r>
-              <a:rPr lang="sv-SE" dirty="0"/>
-              <a:t> </a:t>
-            </a:r>
-            <a:r>
-              <a:rPr lang="sv-SE" dirty="0" err="1"/>
-              <a:t>will</a:t>
-            </a:r>
-            <a:r>
-              <a:rPr lang="sv-SE" dirty="0"/>
-              <a:t> be </a:t>
-            </a:r>
-            <a:r>
-              <a:rPr lang="sv-SE" dirty="0" err="1"/>
-              <a:t>successfull</a:t>
-            </a:r>
-            <a:r>
-              <a:rPr lang="sv-SE" dirty="0"/>
-              <a:t> </a:t>
-            </a:r>
-          </a:p>
-          <a:p>
-            <a:pPr marL="171450" indent="-171450">
-              <a:buFontTx/>
-              <a:buChar char="-"/>
-            </a:pPr>
-            <a:r>
-              <a:rPr lang="sv-SE" dirty="0" err="1"/>
-              <a:t>Maintenance</a:t>
-            </a:r>
-            <a:r>
-              <a:rPr lang="sv-SE" dirty="0"/>
-              <a:t> </a:t>
-            </a:r>
-            <a:r>
-              <a:rPr lang="sv-SE" dirty="0" err="1"/>
-              <a:t>prioritisation</a:t>
-            </a:r>
-            <a:r>
-              <a:rPr lang="sv-SE" dirty="0"/>
-              <a:t> for </a:t>
-            </a:r>
-            <a:r>
-              <a:rPr lang="sv-SE" dirty="0" err="1"/>
-              <a:t>vehicles</a:t>
-            </a:r>
-            <a:endParaRPr lang="sv-SE" dirty="0"/>
-          </a:p>
-          <a:p>
-            <a:pPr marL="171450" indent="-171450">
-              <a:buFontTx/>
-              <a:buChar char="-"/>
-            </a:pPr>
-            <a:r>
-              <a:rPr lang="sv-SE" dirty="0" err="1"/>
-              <a:t>Targeted</a:t>
-            </a:r>
-            <a:r>
-              <a:rPr lang="sv-SE" dirty="0"/>
-              <a:t> marketing </a:t>
-            </a:r>
-            <a:r>
-              <a:rPr lang="sv-SE" dirty="0" err="1"/>
-              <a:t>algos</a:t>
-            </a:r>
-            <a:endParaRPr lang="sv-SE" dirty="0"/>
-          </a:p>
-          <a:p>
-            <a:pPr marL="171450" lvl="0" indent="-171450">
-              <a:buFontTx/>
-              <a:buChar char="-"/>
-            </a:pPr>
-            <a:r>
-              <a:rPr lang="sv-SE" dirty="0" err="1"/>
-              <a:t>Comination</a:t>
-            </a:r>
-            <a:r>
-              <a:rPr lang="sv-SE" dirty="0"/>
-              <a:t> </a:t>
-            </a:r>
-            <a:r>
-              <a:rPr lang="sv-SE" dirty="0" err="1"/>
-              <a:t>of</a:t>
-            </a:r>
-            <a:r>
-              <a:rPr lang="sv-SE" dirty="0"/>
-              <a:t> </a:t>
-            </a:r>
-            <a:r>
-              <a:rPr lang="sv-SE" dirty="0" err="1"/>
-              <a:t>cases</a:t>
-            </a:r>
-            <a:r>
-              <a:rPr lang="sv-SE" dirty="0"/>
-              <a:t> 1 and 3 </a:t>
-            </a:r>
-          </a:p>
-        </p:txBody>
-      </p:sp>
-      <p:sp>
-        <p:nvSpPr>
-          <p:cNvPr id="4" name="Slide Number Placeholder 3"/>
-          <p:cNvSpPr>
-            <a:spLocks noGrp="1"/>
-          </p:cNvSpPr>
-          <p:nvPr>
-            <p:ph type="sldNum" sz="quarter" idx="5"/>
-          </p:nvPr>
-        </p:nvSpPr>
-        <p:spPr/>
-        <p:txBody>
-          <a:bodyPr/>
-          <a:lstStyle/>
-          <a:p>
-            <a:fld id="{2F319D35-DDD6-4A50-856E-577E9C784DE2}" type="slidenum">
-              <a:rPr lang="en-US" smtClean="0"/>
-              <a:t>6</a:t>
-            </a:fld>
-            <a:endParaRPr lang="en-US"/>
-          </a:p>
-        </p:txBody>
-      </p:sp>
-    </p:spTree>
-    <p:extLst>
-      <p:ext uri="{BB962C8B-B14F-4D97-AF65-F5344CB8AC3E}">
-        <p14:creationId xmlns:p14="http://schemas.microsoft.com/office/powerpoint/2010/main" val="1268027643"/>
-      </p:ext>
-    </p:extLst>
-  </p:cSld>
-  <p:clrMapOvr>
-    <a:masterClrMapping/>
-  </p:clrMapOvr>
-</p:notes>
-</file>
-
-<file path=ppt/notesSlides/notesSlide5.xml><?xml version="1.0" encoding="utf-8"?>
-<p:notes xmlns:a="http://schemas.openxmlformats.org/drawingml/2006/main" xmlns:r="http://schemas.openxmlformats.org/officeDocument/2006/relationships" xmlns:p="http://schemas.openxmlformats.org/presentationml/2006/main">
-  <p:cSld>
-    <p:spTree>
-      <p:nvGrpSpPr>
-        <p:cNvPr id="1" name=""/>
-        <p:cNvGrpSpPr/>
-        <p:nvPr/>
-      </p:nvGrpSpPr>
-      <p:grpSpPr>
-        <a:xfrm>
-          <a:off x="0" y="0"/>
-          <a:ext cx="0" cy="0"/>
-          <a:chOff x="0" y="0"/>
-          <a:chExt cx="0" cy="0"/>
-        </a:xfrm>
-      </p:grpSpPr>
-      <p:sp>
-        <p:nvSpPr>
-          <p:cNvPr id="2" name="Slide Image Placeholder 1"/>
-          <p:cNvSpPr>
-            <a:spLocks noGrp="1" noRot="1" noChangeAspect="1"/>
-          </p:cNvSpPr>
-          <p:nvPr>
-            <p:ph type="sldImg"/>
-          </p:nvPr>
-        </p:nvSpPr>
-        <p:spPr/>
-      </p:sp>
-      <p:sp>
-        <p:nvSpPr>
-          <p:cNvPr id="3" name="Notes Placeholder 2"/>
-          <p:cNvSpPr>
-            <a:spLocks noGrp="1"/>
-          </p:cNvSpPr>
-          <p:nvPr>
-            <p:ph type="body" idx="1"/>
-          </p:nvPr>
-        </p:nvSpPr>
-        <p:spPr/>
-        <p:txBody>
-          <a:bodyPr/>
-          <a:lstStyle/>
-          <a:p>
-            <a:r>
-              <a:rPr lang="sv-SE" dirty="0" err="1"/>
-              <a:t>Allows</a:t>
-            </a:r>
-            <a:r>
-              <a:rPr lang="sv-SE" dirty="0"/>
-              <a:t> </a:t>
-            </a:r>
-            <a:r>
-              <a:rPr lang="sv-SE" dirty="0" err="1"/>
-              <a:t>you</a:t>
-            </a:r>
-            <a:r>
-              <a:rPr lang="sv-SE" dirty="0"/>
-              <a:t> to </a:t>
-            </a:r>
-            <a:r>
-              <a:rPr lang="sv-SE" dirty="0" err="1"/>
-              <a:t>treat</a:t>
-            </a:r>
-            <a:r>
-              <a:rPr lang="sv-SE" dirty="0"/>
-              <a:t> </a:t>
-            </a:r>
-            <a:r>
-              <a:rPr lang="sv-SE" dirty="0" err="1"/>
-              <a:t>your</a:t>
-            </a:r>
-            <a:r>
-              <a:rPr lang="sv-SE" dirty="0"/>
-              <a:t> </a:t>
-            </a:r>
-            <a:r>
-              <a:rPr lang="sv-SE" dirty="0" err="1"/>
-              <a:t>customers</a:t>
-            </a:r>
-            <a:r>
-              <a:rPr lang="sv-SE" dirty="0"/>
-              <a:t> </a:t>
-            </a:r>
-            <a:r>
-              <a:rPr lang="sv-SE" dirty="0" err="1"/>
-              <a:t>individually</a:t>
-            </a:r>
-            <a:r>
-              <a:rPr lang="sv-SE" dirty="0"/>
-              <a:t>, </a:t>
-            </a:r>
-            <a:r>
-              <a:rPr lang="sv-SE" dirty="0" err="1"/>
-              <a:t>tailoring</a:t>
-            </a:r>
-            <a:r>
-              <a:rPr lang="sv-SE" dirty="0"/>
-              <a:t> </a:t>
-            </a:r>
-            <a:r>
-              <a:rPr lang="sv-SE" dirty="0" err="1"/>
-              <a:t>their</a:t>
-            </a:r>
-            <a:r>
-              <a:rPr lang="sv-SE" dirty="0"/>
-              <a:t> </a:t>
-            </a:r>
-            <a:r>
-              <a:rPr lang="sv-SE" dirty="0" err="1"/>
-              <a:t>experience</a:t>
-            </a:r>
-            <a:r>
-              <a:rPr lang="sv-SE" dirty="0"/>
-              <a:t> </a:t>
-            </a:r>
-            <a:r>
-              <a:rPr lang="sv-SE" dirty="0" err="1"/>
-              <a:t>with</a:t>
-            </a:r>
-            <a:r>
-              <a:rPr lang="sv-SE" dirty="0"/>
-              <a:t> </a:t>
-            </a:r>
-            <a:r>
-              <a:rPr lang="sv-SE" dirty="0" err="1"/>
-              <a:t>your</a:t>
-            </a:r>
-            <a:r>
-              <a:rPr lang="sv-SE" dirty="0"/>
-              <a:t> </a:t>
-            </a:r>
-            <a:r>
-              <a:rPr lang="sv-SE" dirty="0" err="1"/>
-              <a:t>products</a:t>
-            </a:r>
-            <a:r>
-              <a:rPr lang="sv-SE" dirty="0"/>
-              <a:t> </a:t>
-            </a:r>
-            <a:r>
-              <a:rPr lang="sv-SE" dirty="0" err="1"/>
-              <a:t>based</a:t>
-            </a:r>
-            <a:r>
-              <a:rPr lang="sv-SE" dirty="0"/>
-              <a:t> on </a:t>
-            </a:r>
-            <a:r>
-              <a:rPr lang="sv-SE" dirty="0" err="1"/>
-              <a:t>their</a:t>
-            </a:r>
-            <a:r>
-              <a:rPr lang="sv-SE" dirty="0"/>
-              <a:t> </a:t>
-            </a:r>
-            <a:r>
-              <a:rPr lang="sv-SE" dirty="0" err="1"/>
-              <a:t>behaviour</a:t>
-            </a:r>
-            <a:r>
-              <a:rPr lang="sv-SE" dirty="0"/>
-              <a:t> </a:t>
-            </a:r>
-          </a:p>
-          <a:p>
-            <a:endParaRPr lang="sv-SE" dirty="0"/>
-          </a:p>
-          <a:p>
-            <a:r>
-              <a:rPr lang="sv-SE" dirty="0" err="1"/>
-              <a:t>Since</a:t>
-            </a:r>
-            <a:r>
-              <a:rPr lang="sv-SE" dirty="0"/>
-              <a:t> </a:t>
-            </a:r>
-            <a:r>
-              <a:rPr lang="sv-SE" dirty="0" err="1"/>
-              <a:t>thre</a:t>
-            </a:r>
-            <a:r>
-              <a:rPr lang="sv-SE" dirty="0"/>
-              <a:t> is a </a:t>
-            </a:r>
-            <a:r>
-              <a:rPr lang="sv-SE" dirty="0" err="1"/>
-              <a:t>campaign</a:t>
-            </a:r>
-            <a:r>
-              <a:rPr lang="sv-SE" dirty="0"/>
-              <a:t> going on right </a:t>
-            </a:r>
-            <a:r>
-              <a:rPr lang="sv-SE" dirty="0" err="1"/>
-              <a:t>now</a:t>
-            </a:r>
-            <a:r>
-              <a:rPr lang="sv-SE" dirty="0"/>
-              <a:t> it </a:t>
-            </a:r>
-            <a:r>
-              <a:rPr lang="sv-SE" dirty="0" err="1"/>
-              <a:t>would</a:t>
-            </a:r>
-            <a:r>
-              <a:rPr lang="sv-SE" dirty="0"/>
-              <a:t> be </a:t>
-            </a:r>
-            <a:r>
-              <a:rPr lang="sv-SE" dirty="0" err="1"/>
-              <a:t>beneficial</a:t>
-            </a:r>
-            <a:r>
-              <a:rPr lang="sv-SE" dirty="0"/>
-              <a:t> to </a:t>
-            </a:r>
-            <a:r>
-              <a:rPr lang="sv-SE" dirty="0" err="1"/>
-              <a:t>use</a:t>
-            </a:r>
-            <a:r>
-              <a:rPr lang="sv-SE" dirty="0"/>
-              <a:t> the </a:t>
-            </a:r>
-            <a:r>
-              <a:rPr lang="sv-SE" dirty="0" err="1"/>
-              <a:t>existing</a:t>
-            </a:r>
-            <a:r>
-              <a:rPr lang="sv-SE" dirty="0"/>
-              <a:t> data and try to </a:t>
-            </a:r>
-            <a:r>
-              <a:rPr lang="sv-SE" dirty="0" err="1"/>
-              <a:t>create</a:t>
-            </a:r>
-            <a:r>
-              <a:rPr lang="sv-SE" dirty="0"/>
-              <a:t> a </a:t>
-            </a:r>
-            <a:r>
-              <a:rPr lang="sv-SE" dirty="0" err="1"/>
-              <a:t>model</a:t>
-            </a:r>
-            <a:r>
-              <a:rPr lang="sv-SE" dirty="0"/>
-              <a:t> for the </a:t>
-            </a:r>
-            <a:r>
-              <a:rPr lang="sv-SE" dirty="0" err="1"/>
-              <a:t>current</a:t>
-            </a:r>
-            <a:r>
-              <a:rPr lang="sv-SE" dirty="0"/>
-              <a:t> </a:t>
-            </a:r>
-            <a:r>
-              <a:rPr lang="sv-SE" dirty="0" err="1"/>
-              <a:t>campaign</a:t>
-            </a:r>
-            <a:r>
-              <a:rPr lang="sv-SE" dirty="0"/>
-              <a:t> to </a:t>
-            </a:r>
-            <a:r>
-              <a:rPr lang="sv-SE" dirty="0" err="1"/>
-              <a:t>see</a:t>
-            </a:r>
-            <a:r>
-              <a:rPr lang="sv-SE" dirty="0"/>
-              <a:t> </a:t>
-            </a:r>
-            <a:r>
-              <a:rPr lang="sv-SE" dirty="0" err="1"/>
-              <a:t>how</a:t>
-            </a:r>
-            <a:r>
-              <a:rPr lang="sv-SE" dirty="0"/>
-              <a:t> it </a:t>
-            </a:r>
-            <a:r>
-              <a:rPr lang="sv-SE" dirty="0" err="1"/>
-              <a:t>could</a:t>
-            </a:r>
-            <a:r>
-              <a:rPr lang="sv-SE" dirty="0"/>
-              <a:t> </a:t>
-            </a:r>
-            <a:r>
-              <a:rPr lang="sv-SE" dirty="0" err="1"/>
-              <a:t>have</a:t>
-            </a:r>
-            <a:r>
-              <a:rPr lang="sv-SE" dirty="0"/>
-              <a:t> </a:t>
-            </a:r>
-            <a:r>
-              <a:rPr lang="sv-SE" dirty="0" err="1"/>
-              <a:t>performed</a:t>
-            </a:r>
-            <a:r>
-              <a:rPr lang="sv-SE" dirty="0"/>
-              <a:t> so </a:t>
-            </a:r>
-            <a:r>
-              <a:rPr lang="sv-SE" dirty="0" err="1"/>
-              <a:t>we</a:t>
-            </a:r>
-            <a:r>
-              <a:rPr lang="sv-SE" dirty="0"/>
-              <a:t> </a:t>
-            </a:r>
-            <a:r>
-              <a:rPr lang="sv-SE" dirty="0" err="1"/>
-              <a:t>can</a:t>
-            </a:r>
-            <a:r>
-              <a:rPr lang="sv-SE" dirty="0"/>
-              <a:t> </a:t>
-            </a:r>
-            <a:r>
-              <a:rPr lang="sv-SE" dirty="0" err="1"/>
-              <a:t>create</a:t>
-            </a:r>
-            <a:r>
-              <a:rPr lang="sv-SE" dirty="0"/>
-              <a:t> a </a:t>
-            </a:r>
-            <a:r>
-              <a:rPr lang="sv-SE" dirty="0" err="1"/>
-              <a:t>baseline</a:t>
-            </a:r>
-            <a:r>
-              <a:rPr lang="sv-SE" dirty="0"/>
-              <a:t> for </a:t>
-            </a:r>
-            <a:r>
-              <a:rPr lang="sv-SE" dirty="0" err="1"/>
-              <a:t>how</a:t>
-            </a:r>
-            <a:r>
-              <a:rPr lang="sv-SE" dirty="0"/>
-              <a:t> </a:t>
-            </a:r>
-            <a:r>
-              <a:rPr lang="sv-SE" dirty="0" err="1"/>
-              <a:t>much</a:t>
-            </a:r>
-            <a:r>
-              <a:rPr lang="sv-SE" dirty="0"/>
-              <a:t> </a:t>
-            </a:r>
-            <a:r>
-              <a:rPr lang="sv-SE" dirty="0" err="1"/>
-              <a:t>we</a:t>
-            </a:r>
-            <a:r>
-              <a:rPr lang="sv-SE" dirty="0"/>
-              <a:t> </a:t>
-            </a:r>
-            <a:r>
-              <a:rPr lang="sv-SE" dirty="0" err="1"/>
-              <a:t>can</a:t>
-            </a:r>
-            <a:r>
-              <a:rPr lang="sv-SE" dirty="0"/>
-              <a:t> </a:t>
-            </a:r>
-            <a:r>
-              <a:rPr lang="sv-SE" dirty="0" err="1"/>
-              <a:t>better</a:t>
-            </a:r>
-            <a:r>
-              <a:rPr lang="sv-SE" dirty="0"/>
-              <a:t> the </a:t>
-            </a:r>
-            <a:r>
-              <a:rPr lang="sv-SE" dirty="0" err="1"/>
-              <a:t>numbers</a:t>
-            </a:r>
-            <a:r>
-              <a:rPr lang="sv-SE" dirty="0"/>
-              <a:t>.</a:t>
-            </a:r>
-          </a:p>
-        </p:txBody>
-      </p:sp>
-      <p:sp>
-        <p:nvSpPr>
-          <p:cNvPr id="4" name="Slide Number Placeholder 3"/>
-          <p:cNvSpPr>
-            <a:spLocks noGrp="1"/>
-          </p:cNvSpPr>
-          <p:nvPr>
-            <p:ph type="sldNum" sz="quarter" idx="5"/>
-          </p:nvPr>
-        </p:nvSpPr>
-        <p:spPr/>
-        <p:txBody>
-          <a:bodyPr/>
-          <a:lstStyle/>
-          <a:p>
-            <a:fld id="{2F319D35-DDD6-4A50-856E-577E9C784DE2}" type="slidenum">
-              <a:rPr lang="en-US" smtClean="0"/>
-              <a:t>7</a:t>
-            </a:fld>
-            <a:endParaRPr lang="en-US"/>
-          </a:p>
-        </p:txBody>
-      </p:sp>
-    </p:spTree>
-    <p:extLst>
-      <p:ext uri="{BB962C8B-B14F-4D97-AF65-F5344CB8AC3E}">
-        <p14:creationId xmlns:p14="http://schemas.microsoft.com/office/powerpoint/2010/main" val="3672002206"/>
-      </p:ext>
-    </p:extLst>
-  </p:cSld>
-  <p:clrMapOvr>
-    <a:masterClrMapping/>
-  </p:clrMapOvr>
-</p:notes>
-</file>
-
-<file path=ppt/notesSlides/notesSlide6.xml><?xml version="1.0" encoding="utf-8"?>
-<p:notes xmlns:a="http://schemas.openxmlformats.org/drawingml/2006/main" xmlns:r="http://schemas.openxmlformats.org/officeDocument/2006/relationships" xmlns:p="http://schemas.openxmlformats.org/presentationml/2006/main">
-  <p:cSld>
-    <p:spTree>
-      <p:nvGrpSpPr>
-        <p:cNvPr id="1" name=""/>
-        <p:cNvGrpSpPr/>
-        <p:nvPr/>
-      </p:nvGrpSpPr>
-      <p:grpSpPr>
-        <a:xfrm>
-          <a:off x="0" y="0"/>
-          <a:ext cx="0" cy="0"/>
-          <a:chOff x="0" y="0"/>
-          <a:chExt cx="0" cy="0"/>
-        </a:xfrm>
-      </p:grpSpPr>
-      <p:sp>
-        <p:nvSpPr>
-          <p:cNvPr id="2" name="Slide Image Placeholder 1"/>
-          <p:cNvSpPr>
-            <a:spLocks noGrp="1" noRot="1" noChangeAspect="1"/>
-          </p:cNvSpPr>
-          <p:nvPr>
-            <p:ph type="sldImg"/>
-          </p:nvPr>
-        </p:nvSpPr>
-        <p:spPr/>
-      </p:sp>
-      <p:sp>
-        <p:nvSpPr>
-          <p:cNvPr id="3" name="Notes Placeholder 2"/>
-          <p:cNvSpPr>
-            <a:spLocks noGrp="1"/>
-          </p:cNvSpPr>
-          <p:nvPr>
-            <p:ph type="body" idx="1"/>
-          </p:nvPr>
-        </p:nvSpPr>
-        <p:spPr/>
-        <p:txBody>
-          <a:bodyPr/>
-          <a:lstStyle/>
-          <a:p>
-            <a:r>
-              <a:rPr lang="en-US" dirty="0"/>
-              <a:t>This is the standard methodology and process we are proposing to be followed in this project.</a:t>
-            </a:r>
-          </a:p>
-          <a:p>
-            <a:pPr marL="171450" indent="-171450">
-              <a:buFontTx/>
-              <a:buChar char="-"/>
-            </a:pPr>
-            <a:r>
-              <a:rPr lang="sv-SE" dirty="0" err="1"/>
-              <a:t>We</a:t>
-            </a:r>
-            <a:r>
-              <a:rPr lang="sv-SE" dirty="0"/>
-              <a:t> </a:t>
-            </a:r>
-            <a:r>
-              <a:rPr lang="sv-SE" dirty="0" err="1"/>
-              <a:t>are</a:t>
-            </a:r>
-            <a:r>
-              <a:rPr lang="sv-SE" dirty="0"/>
-              <a:t> </a:t>
-            </a:r>
-            <a:r>
-              <a:rPr lang="sv-SE" dirty="0" err="1"/>
-              <a:t>already</a:t>
-            </a:r>
-            <a:r>
-              <a:rPr lang="sv-SE" dirty="0"/>
-              <a:t> </a:t>
-            </a:r>
-            <a:r>
-              <a:rPr lang="sv-SE" dirty="0" err="1"/>
-              <a:t>halfway</a:t>
-            </a:r>
-            <a:r>
-              <a:rPr lang="sv-SE" dirty="0"/>
-              <a:t> down </a:t>
-            </a:r>
-            <a:r>
-              <a:rPr lang="sv-SE" dirty="0" err="1"/>
-              <a:t>phase</a:t>
-            </a:r>
-            <a:r>
-              <a:rPr lang="sv-SE" dirty="0"/>
-              <a:t> 1 and </a:t>
-            </a:r>
-            <a:r>
-              <a:rPr lang="sv-SE" dirty="0" err="1"/>
-              <a:t>have</a:t>
-            </a:r>
-            <a:r>
-              <a:rPr lang="sv-SE" dirty="0"/>
-              <a:t> </a:t>
-            </a:r>
-            <a:r>
-              <a:rPr lang="sv-SE" dirty="0" err="1"/>
-              <a:t>some</a:t>
-            </a:r>
-            <a:r>
-              <a:rPr lang="sv-SE" dirty="0"/>
-              <a:t> steps </a:t>
-            </a:r>
-            <a:r>
-              <a:rPr lang="sv-SE" dirty="0" err="1"/>
-              <a:t>of</a:t>
-            </a:r>
-            <a:r>
-              <a:rPr lang="sv-SE" dirty="0"/>
-              <a:t> </a:t>
-            </a:r>
-            <a:r>
-              <a:rPr lang="sv-SE" dirty="0" err="1"/>
-              <a:t>phase</a:t>
-            </a:r>
-            <a:r>
-              <a:rPr lang="sv-SE" dirty="0"/>
-              <a:t> 2 </a:t>
-            </a:r>
-            <a:r>
-              <a:rPr lang="sv-SE" dirty="0" err="1"/>
-              <a:t>initiated</a:t>
-            </a:r>
-            <a:r>
-              <a:rPr lang="sv-SE" dirty="0"/>
-              <a:t> </a:t>
-            </a:r>
-          </a:p>
-          <a:p>
-            <a:pPr marL="171450" indent="-171450">
-              <a:buFontTx/>
-              <a:buChar char="-"/>
-            </a:pPr>
-            <a:r>
-              <a:rPr lang="sv-SE" dirty="0" err="1"/>
-              <a:t>One</a:t>
-            </a:r>
-            <a:r>
-              <a:rPr lang="sv-SE" dirty="0"/>
-              <a:t> </a:t>
-            </a:r>
-            <a:r>
-              <a:rPr lang="sv-SE" dirty="0" err="1"/>
-              <a:t>question</a:t>
-            </a:r>
-            <a:r>
-              <a:rPr lang="sv-SE" dirty="0"/>
-              <a:t> is </a:t>
-            </a:r>
-            <a:r>
-              <a:rPr lang="sv-SE" dirty="0" err="1"/>
-              <a:t>if</a:t>
-            </a:r>
-            <a:r>
-              <a:rPr lang="sv-SE" dirty="0"/>
-              <a:t> </a:t>
-            </a:r>
-            <a:r>
-              <a:rPr lang="sv-SE" dirty="0" err="1"/>
-              <a:t>they</a:t>
-            </a:r>
-            <a:r>
-              <a:rPr lang="sv-SE" dirty="0"/>
-              <a:t> </a:t>
-            </a:r>
-            <a:r>
-              <a:rPr lang="sv-SE" dirty="0" err="1"/>
-              <a:t>have</a:t>
-            </a:r>
-            <a:r>
-              <a:rPr lang="sv-SE" dirty="0"/>
-              <a:t> </a:t>
-            </a:r>
-            <a:r>
-              <a:rPr lang="sv-SE" dirty="0" err="1"/>
-              <a:t>existing</a:t>
-            </a:r>
-            <a:r>
-              <a:rPr lang="sv-SE" dirty="0"/>
-              <a:t> age </a:t>
-            </a:r>
-            <a:r>
-              <a:rPr lang="sv-SE" dirty="0" err="1"/>
-              <a:t>groups</a:t>
-            </a:r>
-            <a:r>
-              <a:rPr lang="sv-SE" dirty="0"/>
-              <a:t> </a:t>
-            </a:r>
-            <a:r>
-              <a:rPr lang="sv-SE" dirty="0" err="1"/>
-              <a:t>they</a:t>
-            </a:r>
-            <a:r>
-              <a:rPr lang="sv-SE" dirty="0"/>
-              <a:t> </a:t>
-            </a:r>
-            <a:r>
-              <a:rPr lang="sv-SE" dirty="0" err="1"/>
-              <a:t>would</a:t>
-            </a:r>
-            <a:r>
-              <a:rPr lang="sv-SE" dirty="0"/>
-              <a:t> like to </a:t>
-            </a:r>
-            <a:r>
-              <a:rPr lang="sv-SE" dirty="0" err="1"/>
-              <a:t>use</a:t>
-            </a:r>
-            <a:r>
-              <a:rPr lang="sv-SE" dirty="0"/>
-              <a:t>? (18-95)</a:t>
-            </a:r>
-          </a:p>
-          <a:p>
-            <a:pPr marL="628650" lvl="1" indent="-171450">
-              <a:buFontTx/>
-              <a:buChar char="-"/>
-            </a:pPr>
-            <a:r>
-              <a:rPr lang="en-US" b="0" i="0" dirty="0">
-                <a:solidFill>
-                  <a:srgbClr val="141414"/>
-                </a:solidFill>
-                <a:effectLst/>
-                <a:latin typeface="Akkurat"/>
-              </a:rPr>
-              <a:t>18 and 34; 35 - 50; 51 – 69; 70 – 87; 88 - 95</a:t>
-            </a:r>
-            <a:endParaRPr lang="sv-SE" dirty="0"/>
-          </a:p>
-          <a:p>
-            <a:pPr marL="171450" indent="-171450">
-              <a:buFontTx/>
-              <a:buChar char="-"/>
-            </a:pPr>
-            <a:r>
-              <a:rPr lang="sv-SE" dirty="0"/>
-              <a:t>Or </a:t>
-            </a:r>
-            <a:r>
-              <a:rPr lang="sv-SE" dirty="0" err="1"/>
-              <a:t>any</a:t>
-            </a:r>
-            <a:r>
-              <a:rPr lang="sv-SE" dirty="0"/>
-              <a:t> </a:t>
-            </a:r>
-            <a:r>
-              <a:rPr lang="sv-SE" dirty="0" err="1"/>
-              <a:t>other</a:t>
-            </a:r>
-            <a:r>
-              <a:rPr lang="sv-SE" dirty="0"/>
-              <a:t> business </a:t>
-            </a:r>
-            <a:r>
-              <a:rPr lang="sv-SE" dirty="0" err="1"/>
-              <a:t>rule</a:t>
-            </a:r>
-            <a:r>
-              <a:rPr lang="sv-SE" dirty="0"/>
-              <a:t> </a:t>
-            </a:r>
-            <a:r>
-              <a:rPr lang="sv-SE" dirty="0" err="1"/>
-              <a:t>there</a:t>
-            </a:r>
-            <a:r>
-              <a:rPr lang="sv-SE" dirty="0"/>
-              <a:t> is for </a:t>
-            </a:r>
-            <a:r>
-              <a:rPr lang="sv-SE" dirty="0" err="1"/>
-              <a:t>this</a:t>
-            </a:r>
-            <a:r>
-              <a:rPr lang="sv-SE" dirty="0"/>
-              <a:t> data</a:t>
-            </a:r>
-          </a:p>
-          <a:p>
-            <a:pPr marL="171450" indent="-171450">
-              <a:buFontTx/>
-              <a:buChar char="-"/>
-            </a:pPr>
-            <a:r>
-              <a:rPr lang="sv-SE" dirty="0" err="1"/>
-              <a:t>What</a:t>
-            </a:r>
-            <a:r>
-              <a:rPr lang="sv-SE" dirty="0"/>
-              <a:t> </a:t>
-            </a:r>
-            <a:r>
-              <a:rPr lang="sv-SE" dirty="0" err="1"/>
-              <a:t>does</a:t>
-            </a:r>
-            <a:r>
-              <a:rPr lang="sv-SE" dirty="0"/>
-              <a:t> </a:t>
-            </a:r>
-            <a:r>
-              <a:rPr lang="sv-SE" dirty="0" err="1"/>
-              <a:t>other</a:t>
-            </a:r>
-            <a:r>
-              <a:rPr lang="sv-SE" dirty="0"/>
-              <a:t> </a:t>
-            </a:r>
-            <a:r>
-              <a:rPr lang="sv-SE" dirty="0" err="1"/>
-              <a:t>mean</a:t>
-            </a:r>
-            <a:r>
-              <a:rPr lang="sv-SE" dirty="0"/>
-              <a:t> in the </a:t>
-            </a:r>
-            <a:r>
-              <a:rPr lang="sv-SE" dirty="0" err="1"/>
-              <a:t>poutcome</a:t>
-            </a:r>
-            <a:endParaRPr lang="sv-SE" dirty="0"/>
-          </a:p>
-          <a:p>
-            <a:pPr marL="628650" lvl="1" indent="-171450">
-              <a:buFontTx/>
-              <a:buChar char="-"/>
-            </a:pPr>
-            <a:r>
-              <a:rPr lang="sv-SE" dirty="0"/>
-              <a:t>50 </a:t>
-            </a:r>
-            <a:r>
-              <a:rPr lang="sv-SE" dirty="0" err="1"/>
-              <a:t>low</a:t>
-            </a:r>
-            <a:r>
-              <a:rPr lang="sv-SE" dirty="0"/>
-              <a:t>, 30 mid, 20 </a:t>
-            </a:r>
-            <a:r>
-              <a:rPr lang="sv-SE" dirty="0" err="1"/>
-              <a:t>high</a:t>
-            </a:r>
-            <a:endParaRPr lang="sv-SE" dirty="0"/>
-          </a:p>
-          <a:p>
-            <a:pPr marL="628650" lvl="1" indent="-171450">
-              <a:buFontTx/>
-              <a:buChar char="-"/>
-            </a:pPr>
-            <a:endParaRPr lang="sv-SE" dirty="0"/>
-          </a:p>
-          <a:p>
-            <a:pPr marL="628650" lvl="1" indent="-171450">
-              <a:buFontTx/>
-              <a:buChar char="-"/>
-            </a:pPr>
-            <a:endParaRPr lang="sv-SE" dirty="0"/>
-          </a:p>
-          <a:p>
-            <a:pPr marL="628650" lvl="1" indent="-171450">
-              <a:buFontTx/>
-              <a:buChar char="-"/>
-            </a:pPr>
-            <a:endParaRPr lang="sv-SE" dirty="0"/>
-          </a:p>
-          <a:p>
-            <a:pPr marL="628650" lvl="1" indent="-171450">
-              <a:buFontTx/>
-              <a:buChar char="-"/>
-            </a:pPr>
-            <a:r>
-              <a:rPr lang="sv-SE" dirty="0" err="1"/>
-              <a:t>Timeline</a:t>
-            </a:r>
-            <a:r>
-              <a:rPr lang="sv-SE" dirty="0"/>
-              <a:t> for </a:t>
-            </a:r>
-            <a:r>
-              <a:rPr lang="sv-SE" dirty="0" err="1"/>
-              <a:t>meetigs</a:t>
-            </a:r>
-            <a:r>
-              <a:rPr lang="sv-SE" dirty="0"/>
-              <a:t> and stuff, in </a:t>
-            </a:r>
-            <a:r>
-              <a:rPr lang="sv-SE" dirty="0" err="1"/>
-              <a:t>slide</a:t>
-            </a:r>
-            <a:r>
-              <a:rPr lang="sv-SE" dirty="0"/>
-              <a:t> (</a:t>
-            </a:r>
-            <a:r>
-              <a:rPr lang="sv-SE" dirty="0" err="1"/>
-              <a:t>contracts</a:t>
-            </a:r>
-            <a:r>
-              <a:rPr lang="sv-SE" dirty="0"/>
-              <a:t>, meetings, deadlines…)</a:t>
-            </a:r>
-          </a:p>
-        </p:txBody>
-      </p:sp>
-      <p:sp>
-        <p:nvSpPr>
-          <p:cNvPr id="4" name="Slide Number Placeholder 3"/>
-          <p:cNvSpPr>
-            <a:spLocks noGrp="1"/>
-          </p:cNvSpPr>
-          <p:nvPr>
-            <p:ph type="sldNum" sz="quarter" idx="5"/>
-          </p:nvPr>
-        </p:nvSpPr>
-        <p:spPr/>
-        <p:txBody>
-          <a:bodyPr/>
-          <a:lstStyle/>
-          <a:p>
-            <a:fld id="{2F319D35-DDD6-4A50-856E-577E9C784DE2}" type="slidenum">
-              <a:rPr lang="en-US" smtClean="0"/>
-              <a:t>8</a:t>
-            </a:fld>
-            <a:endParaRPr lang="en-US"/>
-          </a:p>
-        </p:txBody>
-      </p:sp>
-    </p:spTree>
-    <p:extLst>
-      <p:ext uri="{BB962C8B-B14F-4D97-AF65-F5344CB8AC3E}">
-        <p14:creationId xmlns:p14="http://schemas.microsoft.com/office/powerpoint/2010/main" val="1079921957"/>
-      </p:ext>
-    </p:extLst>
-  </p:cSld>
-  <p:clrMapOvr>
-    <a:masterClrMapping/>
-  </p:clrMapOvr>
-</p:notes>
-</file>
-
 <file path=ppt/slideLayouts/slideLayout1.xml><?xml version="1.0" encoding="utf-8"?>
 <p:sldLayout xmlns:a="http://schemas.openxmlformats.org/drawingml/2006/main" xmlns:r="http://schemas.openxmlformats.org/officeDocument/2006/relationships" xmlns:p="http://schemas.openxmlformats.org/presentationml/2006/main" type="title" preserve="1">
   <p:cSld name="Title Slide">
@@ -8211,7 +6685,7 @@
         <p:spPr>
           <a:xfrm>
             <a:off x="485674" y="5901630"/>
-            <a:ext cx="5698777" cy="584775"/>
+            <a:ext cx="5698777" cy="1077218"/>
           </a:xfrm>
           <a:prstGeom prst="rect">
             <a:avLst/>
@@ -8226,7 +6700,7 @@
           <a:p>
             <a:r>
               <a:rPr lang="en-US" sz="3200" dirty="0"/>
-              <a:t>Next Best Offer for </a:t>
+              <a:t>Next Best Offer for Bank of Portugal </a:t>
             </a:r>
           </a:p>
         </p:txBody>
@@ -8235,6 +6709,319 @@
     <p:extLst>
       <p:ext uri="{BB962C8B-B14F-4D97-AF65-F5344CB8AC3E}">
         <p14:creationId xmlns:p14="http://schemas.microsoft.com/office/powerpoint/2010/main" val="1780776563"/>
+      </p:ext>
+    </p:extLst>
+  </p:cSld>
+  <p:clrMapOvr>
+    <a:masterClrMapping/>
+  </p:clrMapOvr>
+</p:sld>
+</file>
+
+<file path=ppt/slides/slide10.xml><?xml version="1.0" encoding="utf-8"?>
+<p:sld xmlns:a="http://schemas.openxmlformats.org/drawingml/2006/main" xmlns:r="http://schemas.openxmlformats.org/officeDocument/2006/relationships" xmlns:p="http://schemas.openxmlformats.org/presentationml/2006/main">
+  <p:cSld>
+    <p:spTree>
+      <p:nvGrpSpPr>
+        <p:cNvPr id="1" name=""/>
+        <p:cNvGrpSpPr/>
+        <p:nvPr/>
+      </p:nvGrpSpPr>
+      <p:grpSpPr>
+        <a:xfrm>
+          <a:off x="0" y="0"/>
+          <a:ext cx="0" cy="0"/>
+          <a:chOff x="0" y="0"/>
+          <a:chExt cx="0" cy="0"/>
+        </a:xfrm>
+      </p:grpSpPr>
+      <p:sp>
+        <p:nvSpPr>
+          <p:cNvPr id="2" name="Title 1">
+            <a:extLst>
+              <a:ext uri="{FF2B5EF4-FFF2-40B4-BE49-F238E27FC236}">
+                <a16:creationId xmlns:a16="http://schemas.microsoft.com/office/drawing/2014/main" id="{A3F0E8DA-ADB0-94F6-D817-EA688A6E7523}"/>
+              </a:ext>
+            </a:extLst>
+          </p:cNvPr>
+          <p:cNvSpPr>
+            <a:spLocks noGrp="1"/>
+          </p:cNvSpPr>
+          <p:nvPr>
+            <p:ph type="title"/>
+          </p:nvPr>
+        </p:nvSpPr>
+        <p:spPr/>
+        <p:txBody>
+          <a:bodyPr>
+            <a:normAutofit/>
+          </a:bodyPr>
+          <a:lstStyle/>
+          <a:p>
+            <a:r>
+              <a:rPr lang="sv-SE" dirty="0" err="1">
+                <a:solidFill>
+                  <a:srgbClr val="3F7593"/>
+                </a:solidFill>
+              </a:rPr>
+              <a:t>Confusion</a:t>
+            </a:r>
+            <a:r>
+              <a:rPr lang="sv-SE" dirty="0">
+                <a:solidFill>
+                  <a:srgbClr val="3F7593"/>
+                </a:solidFill>
+              </a:rPr>
+              <a:t> Matrix</a:t>
+            </a:r>
+          </a:p>
+        </p:txBody>
+      </p:sp>
+      <p:sp>
+        <p:nvSpPr>
+          <p:cNvPr id="4" name="Content Placeholder 3">
+            <a:extLst>
+              <a:ext uri="{FF2B5EF4-FFF2-40B4-BE49-F238E27FC236}">
+                <a16:creationId xmlns:a16="http://schemas.microsoft.com/office/drawing/2014/main" id="{A33CCA5C-6741-50F2-BA87-13D12BB585E7}"/>
+              </a:ext>
+            </a:extLst>
+          </p:cNvPr>
+          <p:cNvSpPr>
+            <a:spLocks noGrp="1"/>
+          </p:cNvSpPr>
+          <p:nvPr>
+            <p:ph sz="half" idx="2"/>
+          </p:nvPr>
+        </p:nvSpPr>
+        <p:spPr>
+          <a:xfrm>
+            <a:off x="839788" y="1681163"/>
+            <a:ext cx="5157787" cy="4508500"/>
+          </a:xfrm>
+        </p:spPr>
+        <p:txBody>
+          <a:bodyPr/>
+          <a:lstStyle/>
+          <a:p>
+            <a:r>
+              <a:rPr lang="en-US" dirty="0"/>
+              <a:t>Shows how well the model performed</a:t>
+            </a:r>
+          </a:p>
+          <a:p>
+            <a:r>
+              <a:rPr lang="en-US" dirty="0"/>
+              <a:t>For the “no” values very high, due </a:t>
+            </a:r>
+            <a:r>
+              <a:rPr lang="en-US"/>
+              <a:t>to their hier</a:t>
+            </a:r>
+            <a:r>
+              <a:rPr lang="en-US" dirty="0"/>
+              <a:t> frequency </a:t>
+            </a:r>
+          </a:p>
+          <a:p>
+            <a:endParaRPr lang="en-US" dirty="0"/>
+          </a:p>
+        </p:txBody>
+      </p:sp>
+      <p:pic>
+        <p:nvPicPr>
+          <p:cNvPr id="5" name="Content Placeholder 4" descr="Chart, treemap chart&#10;&#10;Description automatically generated">
+            <a:extLst>
+              <a:ext uri="{FF2B5EF4-FFF2-40B4-BE49-F238E27FC236}">
+                <a16:creationId xmlns:a16="http://schemas.microsoft.com/office/drawing/2014/main" id="{55CFC835-11C4-7C89-5937-02DE10CD6000}"/>
+              </a:ext>
+            </a:extLst>
+          </p:cNvPr>
+          <p:cNvPicPr>
+            <a:picLocks noGrp="1" noChangeAspect="1"/>
+          </p:cNvPicPr>
+          <p:nvPr>
+            <p:ph sz="quarter" idx="4"/>
+          </p:nvPr>
+        </p:nvPicPr>
+        <p:blipFill rotWithShape="1">
+          <a:blip r:embed="rId2">
+            <a:extLst>
+              <a:ext uri="{28A0092B-C50C-407E-A947-70E740481C1C}">
+                <a14:useLocalDpi xmlns:a14="http://schemas.microsoft.com/office/drawing/2010/main" val="0"/>
+              </a:ext>
+            </a:extLst>
+          </a:blip>
+          <a:srcRect l="6102" t="10285" r="8732" b="7884"/>
+          <a:stretch/>
+        </p:blipFill>
+        <p:spPr>
+          <a:xfrm>
+            <a:off x="6382186" y="756357"/>
+            <a:ext cx="5654730" cy="5433306"/>
+          </a:xfrm>
+        </p:spPr>
+      </p:pic>
+      <p:sp>
+        <p:nvSpPr>
+          <p:cNvPr id="7" name="Footer Placeholder 6">
+            <a:extLst>
+              <a:ext uri="{FF2B5EF4-FFF2-40B4-BE49-F238E27FC236}">
+                <a16:creationId xmlns:a16="http://schemas.microsoft.com/office/drawing/2014/main" id="{A3662FB6-1D94-C930-D083-0C08B3BCF10B}"/>
+              </a:ext>
+            </a:extLst>
+          </p:cNvPr>
+          <p:cNvSpPr>
+            <a:spLocks noGrp="1"/>
+          </p:cNvSpPr>
+          <p:nvPr>
+            <p:ph type="ftr" sz="quarter" idx="11"/>
+          </p:nvPr>
+        </p:nvSpPr>
+        <p:spPr/>
+        <p:txBody>
+          <a:bodyPr/>
+          <a:lstStyle/>
+          <a:p>
+            <a:r>
+              <a:rPr lang="en-US"/>
+              <a:t>Adage</a:t>
+            </a:r>
+          </a:p>
+        </p:txBody>
+      </p:sp>
+      <p:sp>
+        <p:nvSpPr>
+          <p:cNvPr id="8" name="Slide Number Placeholder 7">
+            <a:extLst>
+              <a:ext uri="{FF2B5EF4-FFF2-40B4-BE49-F238E27FC236}">
+                <a16:creationId xmlns:a16="http://schemas.microsoft.com/office/drawing/2014/main" id="{B83419D5-26D8-F48B-0A13-24E85E58D9CC}"/>
+              </a:ext>
+            </a:extLst>
+          </p:cNvPr>
+          <p:cNvSpPr>
+            <a:spLocks noGrp="1"/>
+          </p:cNvSpPr>
+          <p:nvPr>
+            <p:ph type="sldNum" sz="quarter" idx="12"/>
+          </p:nvPr>
+        </p:nvSpPr>
+        <p:spPr/>
+        <p:txBody>
+          <a:bodyPr/>
+          <a:lstStyle/>
+          <a:p>
+            <a:fld id="{A2DCBA88-1671-42D3-9686-8895CAE7DED7}" type="slidenum">
+              <a:rPr lang="en-US" smtClean="0"/>
+              <a:t>10</a:t>
+            </a:fld>
+            <a:endParaRPr lang="en-US"/>
+          </a:p>
+        </p:txBody>
+      </p:sp>
+    </p:spTree>
+    <p:extLst>
+      <p:ext uri="{BB962C8B-B14F-4D97-AF65-F5344CB8AC3E}">
+        <p14:creationId xmlns:p14="http://schemas.microsoft.com/office/powerpoint/2010/main" val="201336236"/>
+      </p:ext>
+    </p:extLst>
+  </p:cSld>
+  <p:clrMapOvr>
+    <a:masterClrMapping/>
+  </p:clrMapOvr>
+</p:sld>
+</file>
+
+<file path=ppt/slides/slide11.xml><?xml version="1.0" encoding="utf-8"?>
+<p:sld xmlns:a="http://schemas.openxmlformats.org/drawingml/2006/main" xmlns:r="http://schemas.openxmlformats.org/officeDocument/2006/relationships" xmlns:p="http://schemas.openxmlformats.org/presentationml/2006/main">
+  <p:cSld>
+    <p:spTree>
+      <p:nvGrpSpPr>
+        <p:cNvPr id="1" name=""/>
+        <p:cNvGrpSpPr/>
+        <p:nvPr/>
+      </p:nvGrpSpPr>
+      <p:grpSpPr>
+        <a:xfrm>
+          <a:off x="0" y="0"/>
+          <a:ext cx="0" cy="0"/>
+          <a:chOff x="0" y="0"/>
+          <a:chExt cx="0" cy="0"/>
+        </a:xfrm>
+      </p:grpSpPr>
+      <p:sp>
+        <p:nvSpPr>
+          <p:cNvPr id="4" name="Footer Placeholder 3">
+            <a:extLst>
+              <a:ext uri="{FF2B5EF4-FFF2-40B4-BE49-F238E27FC236}">
+                <a16:creationId xmlns:a16="http://schemas.microsoft.com/office/drawing/2014/main" id="{A7EE535E-D717-4B22-842B-FF4F0A86E651}"/>
+              </a:ext>
+            </a:extLst>
+          </p:cNvPr>
+          <p:cNvSpPr>
+            <a:spLocks noGrp="1"/>
+          </p:cNvSpPr>
+          <p:nvPr>
+            <p:ph type="ftr" sz="quarter" idx="4294967295"/>
+          </p:nvPr>
+        </p:nvSpPr>
+        <p:spPr>
+          <a:xfrm>
+            <a:off x="0" y="6489700"/>
+            <a:ext cx="4114800" cy="365125"/>
+          </a:xfrm>
+        </p:spPr>
+        <p:txBody>
+          <a:bodyPr/>
+          <a:lstStyle/>
+          <a:p>
+            <a:r>
+              <a:rPr lang="en-US"/>
+              <a:t>Adage</a:t>
+            </a:r>
+          </a:p>
+        </p:txBody>
+      </p:sp>
+      <p:sp>
+        <p:nvSpPr>
+          <p:cNvPr id="5" name="Slide Number Placeholder 4">
+            <a:extLst>
+              <a:ext uri="{FF2B5EF4-FFF2-40B4-BE49-F238E27FC236}">
+                <a16:creationId xmlns:a16="http://schemas.microsoft.com/office/drawing/2014/main" id="{F602FCB5-6A58-42D9-A31F-5C36D2839718}"/>
+              </a:ext>
+            </a:extLst>
+          </p:cNvPr>
+          <p:cNvSpPr>
+            <a:spLocks noGrp="1"/>
+          </p:cNvSpPr>
+          <p:nvPr>
+            <p:ph type="sldNum" sz="quarter" idx="4294967295"/>
+          </p:nvPr>
+        </p:nvSpPr>
+        <p:spPr>
+          <a:xfrm>
+            <a:off x="9448800" y="6356350"/>
+            <a:ext cx="2743200" cy="365125"/>
+          </a:xfrm>
+          <a:prstGeom prst="rect">
+            <a:avLst/>
+          </a:prstGeom>
+        </p:spPr>
+        <p:txBody>
+          <a:bodyPr/>
+          <a:lstStyle/>
+          <a:p>
+            <a:fld id="{A2DCBA88-1671-42D3-9686-8895CAE7DED7}" type="slidenum">
+              <a:rPr lang="en-US" smtClean="0"/>
+              <a:t>11</a:t>
+            </a:fld>
+            <a:endParaRPr lang="en-US"/>
+          </a:p>
+        </p:txBody>
+      </p:sp>
+    </p:spTree>
+    <p:extLst>
+      <p:ext uri="{BB962C8B-B14F-4D97-AF65-F5344CB8AC3E}">
+        <p14:creationId xmlns:p14="http://schemas.microsoft.com/office/powerpoint/2010/main" val="2258155442"/>
       </p:ext>
     </p:extLst>
   </p:cSld>
@@ -8770,6 +7557,59 @@
               <a:t>Will increase the success rate of the campaigns</a:t>
             </a:r>
           </a:p>
+          <a:p>
+            <a:pPr marL="742950" lvl="1" indent="-285750">
+              <a:buFont typeface="Arial" panose="020B0604020202020204" pitchFamily="34" charset="0"/>
+              <a:buChar char="•"/>
+            </a:pPr>
+            <a:r>
+              <a:rPr lang="en-US" sz="2000" b="1" dirty="0">
+                <a:solidFill>
+                  <a:schemeClr val="tx1">
+                    <a:lumMod val="75000"/>
+                    <a:lumOff val="25000"/>
+                  </a:schemeClr>
+                </a:solidFill>
+              </a:rPr>
+              <a:t>1%</a:t>
+            </a:r>
+            <a:r>
+              <a:rPr lang="en-US" sz="2000" dirty="0">
+                <a:solidFill>
+                  <a:schemeClr val="tx1">
+                    <a:lumMod val="75000"/>
+                    <a:lumOff val="25000"/>
+                  </a:schemeClr>
+                </a:solidFill>
+              </a:rPr>
+              <a:t> increase ~ </a:t>
+            </a:r>
+            <a:r>
+              <a:rPr lang="en-US" sz="2000" b="1" dirty="0">
+                <a:solidFill>
+                  <a:schemeClr val="tx1">
+                    <a:lumMod val="75000"/>
+                    <a:lumOff val="25000"/>
+                  </a:schemeClr>
+                </a:solidFill>
+              </a:rPr>
+              <a:t>1MSEK</a:t>
+            </a:r>
+          </a:p>
+          <a:p>
+            <a:pPr marL="742950" lvl="1" indent="-285750">
+              <a:buFont typeface="Arial" panose="020B0604020202020204" pitchFamily="34" charset="0"/>
+              <a:buChar char="•"/>
+            </a:pPr>
+            <a:endParaRPr lang="en-US" sz="2000" dirty="0">
+              <a:solidFill>
+                <a:schemeClr val="tx1">
+                  <a:lumMod val="75000"/>
+                  <a:lumOff val="25000"/>
+                </a:schemeClr>
+              </a:solidFill>
+            </a:endParaRPr>
+          </a:p>
         </p:txBody>
       </p:sp>
       <p:sp>
@@ -8816,6 +7656,30 @@
           <a:bodyPr rtlCol="0" anchor="t" anchorCtr="0"/>
           <a:lstStyle/>
           <a:p>
+            <a:r>
+              <a:rPr lang="en-US" sz="2000" dirty="0">
+                <a:solidFill>
+                  <a:srgbClr val="FF0000"/>
+                </a:solidFill>
+              </a:rPr>
+              <a:t>MVP: use the current campaign to produce the model.</a:t>
+            </a:r>
+          </a:p>
+          <a:p>
+            <a:pPr marL="342900" indent="-342900">
+              <a:buFont typeface="Arial" panose="020B0604020202020204" pitchFamily="34" charset="0"/>
+              <a:buChar char="•"/>
+            </a:pPr>
+            <a:r>
+              <a:rPr lang="en-US" sz="2000" dirty="0">
+                <a:solidFill>
+                  <a:srgbClr val="FF0000"/>
+                </a:solidFill>
+              </a:rPr>
+              <a:t>It will give a baseline of how much an NBO will increase the success rate, compared to not having one</a:t>
+            </a:r>
+          </a:p>
+          <a:p>
             <a:endParaRPr lang="en-US" sz="2000" dirty="0">
               <a:solidFill>
                 <a:schemeClr val="tx1">
@@ -8862,7 +7726,7 @@
           <p:cNvPr id="2" name="Title 1">
             <a:extLst>
               <a:ext uri="{FF2B5EF4-FFF2-40B4-BE49-F238E27FC236}">
-                <a16:creationId xmlns:a16="http://schemas.microsoft.com/office/drawing/2014/main" id="{1D6D23A3-3DA2-807B-C209-6DF8B356C43C}"/>
+                <a16:creationId xmlns:a16="http://schemas.microsoft.com/office/drawing/2014/main" id="{BBAAB0D3-98CF-1688-5230-6D600F9E7E2D}"/>
               </a:ext>
             </a:extLst>
           </p:cNvPr>
@@ -8879,22 +7743,167 @@
           <a:lstStyle/>
           <a:p>
             <a:r>
-              <a:rPr lang="en-US" sz="3200" dirty="0">
+              <a:rPr lang="sv-SE" sz="3200" dirty="0" err="1">
                 <a:solidFill>
                   <a:srgbClr val="3F7593"/>
                 </a:solidFill>
               </a:rPr>
-              <a:t>Gap</a:t>
-            </a:r>
+              <a:t>Descriptive</a:t>
+            </a:r>
+            <a:r>
+              <a:rPr lang="sv-SE" sz="3200" dirty="0">
+                <a:solidFill>
+                  <a:srgbClr val="3F7593"/>
+                </a:solidFill>
+              </a:rPr>
+              <a:t> </a:t>
+            </a:r>
+            <a:r>
+              <a:rPr lang="sv-SE" sz="3200" dirty="0" err="1">
+                <a:solidFill>
+                  <a:srgbClr val="3F7593"/>
+                </a:solidFill>
+              </a:rPr>
+              <a:t>Analysis</a:t>
+            </a:r>
+            <a:r>
+              <a:rPr lang="sv-SE" sz="3200" dirty="0">
+                <a:solidFill>
+                  <a:srgbClr val="3F7593"/>
+                </a:solidFill>
+              </a:rPr>
+              <a:t>  </a:t>
+            </a:r>
+            <a:endParaRPr lang="sv-SE" dirty="0"/>
           </a:p>
         </p:txBody>
       </p:sp>
       <p:sp>
         <p:nvSpPr>
-          <p:cNvPr id="4" name="Footer Placeholder 3">
+          <p:cNvPr id="4" name="Content Placeholder 3">
             <a:extLst>
               <a:ext uri="{FF2B5EF4-FFF2-40B4-BE49-F238E27FC236}">
-                <a16:creationId xmlns:a16="http://schemas.microsoft.com/office/drawing/2014/main" id="{65893218-3DFD-202D-85E8-50A8FA80B00B}"/>
+                <a16:creationId xmlns:a16="http://schemas.microsoft.com/office/drawing/2014/main" id="{7F4607CE-C1BA-A2FD-2E14-E93F2CFCE072}"/>
+              </a:ext>
+            </a:extLst>
+          </p:cNvPr>
+          <p:cNvSpPr>
+            <a:spLocks noGrp="1"/>
+          </p:cNvSpPr>
+          <p:nvPr>
+            <p:ph sz="half" idx="2"/>
+          </p:nvPr>
+        </p:nvSpPr>
+        <p:spPr>
+          <a:xfrm>
+            <a:off x="836612" y="1681163"/>
+            <a:ext cx="5157787" cy="3684588"/>
+          </a:xfrm>
+        </p:spPr>
+        <p:txBody>
+          <a:bodyPr/>
+          <a:lstStyle/>
+          <a:p>
+            <a:r>
+              <a:rPr lang="sv-SE" dirty="0"/>
+              <a:t>Data </a:t>
+            </a:r>
+            <a:r>
+              <a:rPr lang="sv-SE" dirty="0" err="1"/>
+              <a:t>investigation</a:t>
+            </a:r>
+            <a:endParaRPr lang="sv-SE" dirty="0"/>
+          </a:p>
+          <a:p>
+            <a:r>
+              <a:rPr lang="sv-SE" dirty="0" err="1"/>
+              <a:t>Correlation</a:t>
+            </a:r>
+            <a:r>
+              <a:rPr lang="sv-SE" dirty="0"/>
+              <a:t> </a:t>
+            </a:r>
+            <a:r>
+              <a:rPr lang="sv-SE" dirty="0" err="1"/>
+              <a:t>analysis</a:t>
+            </a:r>
+            <a:endParaRPr lang="sv-SE" dirty="0"/>
+          </a:p>
+          <a:p>
+            <a:r>
+              <a:rPr lang="sv-SE" dirty="0"/>
+              <a:t>Feature </a:t>
+            </a:r>
+            <a:r>
+              <a:rPr lang="sv-SE" dirty="0" err="1"/>
+              <a:t>investigation</a:t>
+            </a:r>
+            <a:endParaRPr lang="sv-SE" dirty="0"/>
+          </a:p>
+          <a:p>
+            <a:r>
+              <a:rPr lang="sv-SE" dirty="0"/>
+              <a:t>Creation </a:t>
+            </a:r>
+            <a:r>
+              <a:rPr lang="sv-SE" dirty="0" err="1"/>
+              <a:t>of</a:t>
+            </a:r>
+            <a:r>
+              <a:rPr lang="sv-SE" dirty="0"/>
+              <a:t> </a:t>
+            </a:r>
+            <a:r>
+              <a:rPr lang="sv-SE" dirty="0" err="1"/>
+              <a:t>disision</a:t>
+            </a:r>
+            <a:r>
+              <a:rPr lang="sv-SE" dirty="0"/>
+              <a:t> </a:t>
+            </a:r>
+            <a:r>
+              <a:rPr lang="sv-SE" dirty="0" err="1"/>
+              <a:t>tree</a:t>
+            </a:r>
+            <a:endParaRPr lang="sv-SE" dirty="0"/>
+          </a:p>
+          <a:p>
+            <a:pPr lvl="1"/>
+            <a:r>
+              <a:rPr lang="sv-SE" dirty="0"/>
+              <a:t>To </a:t>
+            </a:r>
+            <a:r>
+              <a:rPr lang="sv-SE" dirty="0" err="1"/>
+              <a:t>identify</a:t>
+            </a:r>
+            <a:r>
+              <a:rPr lang="sv-SE" dirty="0"/>
+              <a:t> the </a:t>
+            </a:r>
+            <a:r>
+              <a:rPr lang="sv-SE" dirty="0" err="1"/>
+              <a:t>most</a:t>
+            </a:r>
+            <a:r>
+              <a:rPr lang="sv-SE" dirty="0"/>
+              <a:t> relevant features</a:t>
+            </a:r>
+          </a:p>
+          <a:p>
+            <a:endParaRPr lang="sv-SE" dirty="0"/>
+          </a:p>
+          <a:p>
+            <a:endParaRPr lang="sv-SE" dirty="0"/>
+          </a:p>
+        </p:txBody>
+      </p:sp>
+      <p:sp>
+        <p:nvSpPr>
+          <p:cNvPr id="7" name="Footer Placeholder 6">
+            <a:extLst>
+              <a:ext uri="{FF2B5EF4-FFF2-40B4-BE49-F238E27FC236}">
+                <a16:creationId xmlns:a16="http://schemas.microsoft.com/office/drawing/2014/main" id="{57B81040-C303-3DC8-187F-4E9AB160F643}"/>
               </a:ext>
             </a:extLst>
           </p:cNvPr>
@@ -8919,10 +7928,10 @@
       </p:sp>
       <p:sp>
         <p:nvSpPr>
-          <p:cNvPr id="5" name="Slide Number Placeholder 4">
+          <p:cNvPr id="8" name="Slide Number Placeholder 7">
             <a:extLst>
               <a:ext uri="{FF2B5EF4-FFF2-40B4-BE49-F238E27FC236}">
-                <a16:creationId xmlns:a16="http://schemas.microsoft.com/office/drawing/2014/main" id="{13A5D15C-4151-C8C8-8972-70FC0B0645A8}"/>
+                <a16:creationId xmlns:a16="http://schemas.microsoft.com/office/drawing/2014/main" id="{168E9341-6BF1-58D4-1C20-E62706DDE144}"/>
               </a:ext>
             </a:extLst>
           </p:cNvPr>
@@ -8946,485 +7955,44 @@
           </a:p>
         </p:txBody>
       </p:sp>
-      <p:sp>
-        <p:nvSpPr>
-          <p:cNvPr id="10" name="Rectangle: Rounded Corners 9">
+      <p:pic>
+        <p:nvPicPr>
+          <p:cNvPr id="24" name="Content Placeholder 23">
             <a:extLst>
               <a:ext uri="{FF2B5EF4-FFF2-40B4-BE49-F238E27FC236}">
-                <a16:creationId xmlns:a16="http://schemas.microsoft.com/office/drawing/2014/main" id="{9A5E9706-92A2-E3D9-842B-AC494CCD74D3}"/>
-              </a:ext>
-            </a:extLst>
-          </p:cNvPr>
-          <p:cNvSpPr/>
-          <p:nvPr/>
-        </p:nvSpPr>
-        <p:spPr>
-          <a:xfrm>
-            <a:off x="836612" y="1681452"/>
-            <a:ext cx="4999109" cy="4498974"/>
-          </a:xfrm>
-          <a:prstGeom prst="roundRect">
-            <a:avLst>
-              <a:gd name="adj" fmla="val 2023"/>
-            </a:avLst>
-          </a:prstGeom>
-          <a:noFill/>
-        </p:spPr>
-        <p:style>
-          <a:lnRef idx="2">
-            <a:schemeClr val="accent1">
-              <a:shade val="50000"/>
-            </a:schemeClr>
-          </a:lnRef>
-          <a:fillRef idx="1">
-            <a:schemeClr val="accent1"/>
-          </a:fillRef>
-          <a:effectRef idx="0">
-            <a:schemeClr val="accent1"/>
-          </a:effectRef>
-          <a:fontRef idx="minor">
-            <a:schemeClr val="lt1"/>
-          </a:fontRef>
-        </p:style>
-        <p:txBody>
-          <a:bodyPr rtlCol="0" anchor="t" anchorCtr="0"/>
-          <a:lstStyle/>
-          <a:p>
-            <a:pPr marL="285750" indent="-285750">
-              <a:buFont typeface="Arial" panose="020B0604020202020204" pitchFamily="34" charset="0"/>
-              <a:buChar char="•"/>
-            </a:pPr>
-            <a:r>
-              <a:rPr lang="en-US" sz="1600" dirty="0">
-                <a:solidFill>
-                  <a:schemeClr val="tx1">
-                    <a:lumMod val="75000"/>
-                    <a:lumOff val="25000"/>
-                  </a:schemeClr>
-                </a:solidFill>
-              </a:rPr>
-              <a:t>Campaigns are running frequently </a:t>
-            </a:r>
-          </a:p>
-          <a:p>
-            <a:pPr marL="285750" indent="-285750">
-              <a:buFont typeface="Arial" panose="020B0604020202020204" pitchFamily="34" charset="0"/>
-              <a:buChar char="•"/>
-            </a:pPr>
-            <a:r>
-              <a:rPr lang="en-US" sz="1600" dirty="0">
-                <a:solidFill>
-                  <a:schemeClr val="tx1">
-                    <a:lumMod val="75000"/>
-                    <a:lumOff val="25000"/>
-                  </a:schemeClr>
-                </a:solidFill>
-              </a:rPr>
-              <a:t>Data is gathered from those campaigns</a:t>
-            </a:r>
-          </a:p>
-          <a:p>
-            <a:pPr marL="742950" lvl="1" indent="-285750">
-              <a:buFont typeface="Arial" panose="020B0604020202020204" pitchFamily="34" charset="0"/>
-              <a:buChar char="•"/>
-            </a:pPr>
-            <a:r>
-              <a:rPr lang="en-US" sz="1600" dirty="0">
-                <a:solidFill>
-                  <a:schemeClr val="tx1">
-                    <a:lumMod val="75000"/>
-                    <a:lumOff val="25000"/>
-                  </a:schemeClr>
-                </a:solidFill>
-              </a:rPr>
-              <a:t>Demographic of the customers</a:t>
-            </a:r>
-          </a:p>
-          <a:p>
-            <a:pPr marL="742950" lvl="1" indent="-285750">
-              <a:buFont typeface="Arial" panose="020B0604020202020204" pitchFamily="34" charset="0"/>
-              <a:buChar char="•"/>
-            </a:pPr>
-            <a:r>
-              <a:rPr lang="en-US" sz="1600" dirty="0">
-                <a:solidFill>
-                  <a:schemeClr val="tx1">
-                    <a:lumMod val="75000"/>
-                    <a:lumOff val="25000"/>
-                  </a:schemeClr>
-                </a:solidFill>
-              </a:rPr>
-              <a:t>Duration &amp; frequency of calls with customers</a:t>
-            </a:r>
-          </a:p>
-          <a:p>
-            <a:pPr marL="742950" lvl="1" indent="-285750">
-              <a:buFont typeface="Arial" panose="020B0604020202020204" pitchFamily="34" charset="0"/>
-              <a:buChar char="•"/>
-            </a:pPr>
-            <a:r>
-              <a:rPr lang="en-US" sz="1600" dirty="0">
-                <a:solidFill>
-                  <a:schemeClr val="tx1">
-                    <a:lumMod val="75000"/>
-                    <a:lumOff val="25000"/>
-                  </a:schemeClr>
-                </a:solidFill>
-              </a:rPr>
-              <a:t>Usage of existing products</a:t>
-            </a:r>
-          </a:p>
-          <a:p>
-            <a:pPr marL="742950" lvl="1" indent="-285750">
-              <a:buFont typeface="Arial" panose="020B0604020202020204" pitchFamily="34" charset="0"/>
-              <a:buChar char="•"/>
-            </a:pPr>
-            <a:r>
-              <a:rPr lang="en-US" sz="1600" dirty="0">
-                <a:solidFill>
-                  <a:schemeClr val="tx1">
-                    <a:lumMod val="75000"/>
-                    <a:lumOff val="25000"/>
-                  </a:schemeClr>
-                </a:solidFill>
-              </a:rPr>
-              <a:t>Success of campaign on customers</a:t>
-            </a:r>
-          </a:p>
-          <a:p>
-            <a:pPr marL="285750" indent="-285750">
-              <a:buFont typeface="Arial" panose="020B0604020202020204" pitchFamily="34" charset="0"/>
-              <a:buChar char="•"/>
-            </a:pPr>
-            <a:r>
-              <a:rPr lang="en-US" sz="1600" dirty="0">
-                <a:solidFill>
-                  <a:schemeClr val="tx1">
-                    <a:lumMod val="75000"/>
-                    <a:lumOff val="25000"/>
-                  </a:schemeClr>
-                </a:solidFill>
-              </a:rPr>
-              <a:t>Some examples include:</a:t>
-            </a:r>
-          </a:p>
-          <a:p>
-            <a:pPr marL="742950" lvl="1" indent="-285750">
-              <a:buFont typeface="Arial" panose="020B0604020202020204" pitchFamily="34" charset="0"/>
-              <a:buChar char="•"/>
-            </a:pPr>
-            <a:endParaRPr lang="en-US" sz="1600" dirty="0">
-              <a:solidFill>
-                <a:schemeClr val="tx1">
-                  <a:lumMod val="75000"/>
-                  <a:lumOff val="25000"/>
-                </a:schemeClr>
-              </a:solidFill>
-            </a:endParaRPr>
-          </a:p>
-          <a:p>
-            <a:pPr lvl="1"/>
-            <a:endParaRPr lang="en-US" sz="1600" dirty="0">
-              <a:solidFill>
-                <a:schemeClr val="tx1">
-                  <a:lumMod val="75000"/>
-                  <a:lumOff val="25000"/>
-                </a:schemeClr>
-              </a:solidFill>
-            </a:endParaRPr>
-          </a:p>
-          <a:p>
-            <a:pPr lvl="1"/>
-            <a:endParaRPr lang="en-US" sz="1600" dirty="0">
-              <a:solidFill>
-                <a:schemeClr val="tx1">
-                  <a:lumMod val="75000"/>
-                  <a:lumOff val="25000"/>
-                </a:schemeClr>
-              </a:solidFill>
-            </a:endParaRPr>
-          </a:p>
-          <a:p>
-            <a:pPr lvl="1"/>
-            <a:endParaRPr lang="en-US" sz="1600" dirty="0">
-              <a:solidFill>
-                <a:schemeClr val="tx1">
-                  <a:lumMod val="75000"/>
-                  <a:lumOff val="25000"/>
-                </a:schemeClr>
-              </a:solidFill>
-            </a:endParaRPr>
-          </a:p>
-          <a:p>
-            <a:pPr marL="742950" lvl="1" indent="-285750">
-              <a:buFont typeface="Arial" panose="020B0604020202020204" pitchFamily="34" charset="0"/>
-              <a:buChar char="•"/>
-            </a:pPr>
-            <a:endParaRPr lang="en-US" sz="1600" dirty="0">
-              <a:solidFill>
-                <a:schemeClr val="tx1">
-                  <a:lumMod val="75000"/>
-                  <a:lumOff val="25000"/>
-                </a:schemeClr>
-              </a:solidFill>
-            </a:endParaRPr>
-          </a:p>
-        </p:txBody>
-      </p:sp>
-      <p:sp>
-        <p:nvSpPr>
-          <p:cNvPr id="13" name="Rectangle: Rounded Corners 12">
-            <a:extLst>
-              <a:ext uri="{FF2B5EF4-FFF2-40B4-BE49-F238E27FC236}">
-                <a16:creationId xmlns:a16="http://schemas.microsoft.com/office/drawing/2014/main" id="{29601180-66AC-7CF7-E478-F9475605FD5C}"/>
-              </a:ext>
-            </a:extLst>
-          </p:cNvPr>
-          <p:cNvSpPr/>
-          <p:nvPr/>
-        </p:nvSpPr>
-        <p:spPr>
-          <a:xfrm>
-            <a:off x="6356281" y="1690688"/>
-            <a:ext cx="5002282" cy="4498974"/>
-          </a:xfrm>
-          <a:prstGeom prst="roundRect">
-            <a:avLst>
-              <a:gd name="adj" fmla="val 2023"/>
-            </a:avLst>
-          </a:prstGeom>
-          <a:noFill/>
-        </p:spPr>
-        <p:style>
-          <a:lnRef idx="2">
-            <a:schemeClr val="accent1">
-              <a:shade val="50000"/>
-            </a:schemeClr>
-          </a:lnRef>
-          <a:fillRef idx="1">
-            <a:schemeClr val="accent1"/>
-          </a:fillRef>
-          <a:effectRef idx="0">
-            <a:schemeClr val="accent1"/>
-          </a:effectRef>
-          <a:fontRef idx="minor">
-            <a:schemeClr val="lt1"/>
-          </a:fontRef>
-        </p:style>
-        <p:txBody>
-          <a:bodyPr rtlCol="0" anchor="t" anchorCtr="0"/>
-          <a:lstStyle/>
-          <a:p>
-            <a:pPr marL="285750" indent="-285750">
-              <a:buFont typeface="Arial" panose="020B0604020202020204" pitchFamily="34" charset="0"/>
-              <a:buChar char="•"/>
-            </a:pPr>
-            <a:r>
-              <a:rPr lang="en-US" dirty="0">
-                <a:solidFill>
-                  <a:schemeClr val="tx1">
-                    <a:lumMod val="75000"/>
-                    <a:lumOff val="25000"/>
-                  </a:schemeClr>
-                </a:solidFill>
-              </a:rPr>
-              <a:t>Campaigning for products is done the same way for all clients </a:t>
-            </a:r>
-          </a:p>
-          <a:p>
-            <a:pPr marL="742950" lvl="1" indent="-285750">
-              <a:buFont typeface="Arial" panose="020B0604020202020204" pitchFamily="34" charset="0"/>
-              <a:buChar char="•"/>
-            </a:pPr>
-            <a:r>
-              <a:rPr lang="en-US" dirty="0">
-                <a:solidFill>
-                  <a:schemeClr val="tx1">
-                    <a:lumMod val="75000"/>
-                    <a:lumOff val="25000"/>
-                  </a:schemeClr>
-                </a:solidFill>
-              </a:rPr>
-              <a:t>Outcome is not ensured</a:t>
-            </a:r>
-          </a:p>
-          <a:p>
-            <a:pPr marL="742950" lvl="1" indent="-285750">
-              <a:buFont typeface="Arial" panose="020B0604020202020204" pitchFamily="34" charset="0"/>
-              <a:buChar char="•"/>
-            </a:pPr>
-            <a:r>
-              <a:rPr lang="en-US" dirty="0">
-                <a:solidFill>
-                  <a:schemeClr val="tx1">
-                    <a:lumMod val="75000"/>
-                    <a:lumOff val="25000"/>
-                  </a:schemeClr>
-                </a:solidFill>
-              </a:rPr>
-              <a:t>Success is very low </a:t>
-            </a:r>
-            <a:endParaRPr lang="sv-SE" dirty="0">
-              <a:solidFill>
-                <a:schemeClr val="tx1">
-                  <a:lumMod val="75000"/>
-                  <a:lumOff val="25000"/>
-                </a:schemeClr>
-              </a:solidFill>
-            </a:endParaRPr>
-          </a:p>
-        </p:txBody>
-      </p:sp>
-      <p:pic>
-        <p:nvPicPr>
-          <p:cNvPr id="24" name="Picture 23">
-            <a:extLst>
-              <a:ext uri="{FF2B5EF4-FFF2-40B4-BE49-F238E27FC236}">
-                <a16:creationId xmlns:a16="http://schemas.microsoft.com/office/drawing/2014/main" id="{339B8784-37B1-B1E4-CACB-8B2F3EFA6297}"/>
-              </a:ext>
-              <a:ext uri="{C183D7F6-B498-43B3-948B-1728B52AA6E4}">
-                <adec:decorative xmlns:adec="http://schemas.microsoft.com/office/drawing/2017/decorative" val="0"/>
+                <a16:creationId xmlns:a16="http://schemas.microsoft.com/office/drawing/2014/main" id="{201E27F6-F893-D00D-3671-A7F55C2CE49D}"/>
               </a:ext>
             </a:extLst>
           </p:cNvPr>
           <p:cNvPicPr>
-            <a:picLocks noChangeAspect="1"/>
+            <a:picLocks noGrp="1" noChangeAspect="1"/>
           </p:cNvPicPr>
-          <p:nvPr/>
+          <p:nvPr>
+            <p:ph sz="quarter" idx="4"/>
+          </p:nvPr>
         </p:nvPicPr>
-        <p:blipFill>
-          <a:blip r:embed="rId3">
+        <p:blipFill rotWithShape="1">
+          <a:blip r:embed="rId2">
             <a:extLst>
               <a:ext uri="{28A0092B-C50C-407E-A947-70E740481C1C}">
                 <a14:useLocalDpi xmlns:a14="http://schemas.microsoft.com/office/drawing/2010/main" val="0"/>
               </a:ext>
             </a:extLst>
           </a:blip>
-          <a:srcRect/>
+          <a:srcRect t="4906" r="11814"/>
           <a:stretch/>
         </p:blipFill>
         <p:spPr>
           <a:xfrm>
-            <a:off x="6579225" y="2894744"/>
-            <a:ext cx="4135846" cy="3155737"/>
+            <a:off x="6197603" y="1079765"/>
+            <a:ext cx="5809568" cy="4698469"/>
           </a:xfrm>
-          <a:prstGeom prst="rect">
-            <a:avLst/>
-          </a:prstGeom>
-        </p:spPr>
-      </p:pic>
-      <p:pic>
-        <p:nvPicPr>
-          <p:cNvPr id="26" name="Picture 25" descr="Chart, bar chart&#10;&#10;Description automatically generated">
-            <a:extLst>
-              <a:ext uri="{FF2B5EF4-FFF2-40B4-BE49-F238E27FC236}">
-                <a16:creationId xmlns:a16="http://schemas.microsoft.com/office/drawing/2014/main" id="{D2A7B0FE-7D47-E535-C749-ADF9683D6A2A}"/>
-              </a:ext>
-            </a:extLst>
-          </p:cNvPr>
-          <p:cNvPicPr>
-            <a:picLocks noChangeAspect="1"/>
-          </p:cNvPicPr>
-          <p:nvPr/>
-        </p:nvPicPr>
-        <p:blipFill>
-          <a:blip r:embed="rId4">
-            <a:extLst>
-              <a:ext uri="{28A0092B-C50C-407E-A947-70E740481C1C}">
-                <a14:useLocalDpi xmlns:a14="http://schemas.microsoft.com/office/drawing/2010/main" val="0"/>
-              </a:ext>
-            </a:extLst>
-          </a:blip>
-          <a:stretch>
-            <a:fillRect/>
-          </a:stretch>
-        </p:blipFill>
-        <p:spPr>
-          <a:xfrm>
-            <a:off x="141810" y="3768693"/>
-            <a:ext cx="2180448" cy="1680762"/>
-          </a:xfrm>
-          <a:prstGeom prst="rect">
-            <a:avLst/>
-          </a:prstGeom>
-        </p:spPr>
-      </p:pic>
-      <p:pic>
-        <p:nvPicPr>
-          <p:cNvPr id="30" name="Picture 29" descr="Chart, bar chart&#10;&#10;Description automatically generated">
-            <a:extLst>
-              <a:ext uri="{FF2B5EF4-FFF2-40B4-BE49-F238E27FC236}">
-                <a16:creationId xmlns:a16="http://schemas.microsoft.com/office/drawing/2014/main" id="{155FC079-FD17-8237-8976-5E630F3487BB}"/>
-              </a:ext>
-            </a:extLst>
-          </p:cNvPr>
-          <p:cNvPicPr>
-            <a:picLocks noChangeAspect="1"/>
-          </p:cNvPicPr>
-          <p:nvPr/>
-        </p:nvPicPr>
-        <p:blipFill>
-          <a:blip r:embed="rId5">
-            <a:extLst>
-              <a:ext uri="{28A0092B-C50C-407E-A947-70E740481C1C}">
-                <a14:useLocalDpi xmlns:a14="http://schemas.microsoft.com/office/drawing/2010/main" val="0"/>
-              </a:ext>
-            </a:extLst>
-          </a:blip>
-          <a:stretch>
-            <a:fillRect/>
-          </a:stretch>
-        </p:blipFill>
-        <p:spPr>
-          <a:xfrm>
-            <a:off x="3687744" y="3486550"/>
-            <a:ext cx="2408256" cy="1680762"/>
-          </a:xfrm>
-          <a:prstGeom prst="rect">
-            <a:avLst/>
-          </a:prstGeom>
-        </p:spPr>
-      </p:pic>
-      <p:pic>
-        <p:nvPicPr>
-          <p:cNvPr id="28" name="Picture 27" descr="Chart, bar chart&#10;&#10;Description automatically generated">
-            <a:extLst>
-              <a:ext uri="{FF2B5EF4-FFF2-40B4-BE49-F238E27FC236}">
-                <a16:creationId xmlns:a16="http://schemas.microsoft.com/office/drawing/2014/main" id="{2379FA4A-40B8-6F64-43E0-5326722C91B7}"/>
-              </a:ext>
-            </a:extLst>
-          </p:cNvPr>
-          <p:cNvPicPr>
-            <a:picLocks noChangeAspect="1"/>
-          </p:cNvPicPr>
-          <p:nvPr/>
-        </p:nvPicPr>
-        <p:blipFill>
-          <a:blip r:embed="rId6">
-            <a:extLst>
-              <a:ext uri="{28A0092B-C50C-407E-A947-70E740481C1C}">
-                <a14:useLocalDpi xmlns:a14="http://schemas.microsoft.com/office/drawing/2010/main" val="0"/>
-              </a:ext>
-            </a:extLst>
-          </a:blip>
-          <a:stretch>
-            <a:fillRect/>
-          </a:stretch>
-        </p:blipFill>
-        <p:spPr>
-          <a:xfrm>
-            <a:off x="2132193" y="4980636"/>
-            <a:ext cx="2196701" cy="1533115"/>
-          </a:xfrm>
-          <a:prstGeom prst="rect">
-            <a:avLst/>
-          </a:prstGeom>
         </p:spPr>
       </p:pic>
     </p:spTree>
     <p:extLst>
       <p:ext uri="{BB962C8B-B14F-4D97-AF65-F5344CB8AC3E}">
-        <p14:creationId xmlns:p14="http://schemas.microsoft.com/office/powerpoint/2010/main" val="773525787"/>
+        <p14:creationId xmlns:p14="http://schemas.microsoft.com/office/powerpoint/2010/main" val="3590389547"/>
       </p:ext>
     </p:extLst>
   </p:cSld>
@@ -9456,7 +8024,7 @@
           <p:cNvPr id="2" name="Title 1">
             <a:extLst>
               <a:ext uri="{FF2B5EF4-FFF2-40B4-BE49-F238E27FC236}">
-                <a16:creationId xmlns:a16="http://schemas.microsoft.com/office/drawing/2014/main" id="{833D499A-79F2-4458-87ED-6C14E18F7575}"/>
+                <a16:creationId xmlns:a16="http://schemas.microsoft.com/office/drawing/2014/main" id="{BBAAB0D3-98CF-1688-5230-6D600F9E7E2D}"/>
               </a:ext>
             </a:extLst>
           </p:cNvPr>
@@ -9469,1521 +8037,307 @@
         </p:nvSpPr>
         <p:spPr/>
         <p:txBody>
-          <a:bodyPr>
-            <a:normAutofit/>
-          </a:bodyPr>
+          <a:bodyPr/>
           <a:lstStyle/>
           <a:p>
             <a:r>
-              <a:rPr lang="en-US" sz="3200" dirty="0"/>
-              <a:t>Value examples from advanced analysis</a:t>
-            </a:r>
+              <a:rPr lang="sv-SE" sz="3200" dirty="0" err="1">
+                <a:solidFill>
+                  <a:srgbClr val="3F7593"/>
+                </a:solidFill>
+              </a:rPr>
+              <a:t>Descriptive</a:t>
+            </a:r>
+            <a:r>
+              <a:rPr lang="sv-SE" sz="3200" dirty="0">
+                <a:solidFill>
+                  <a:srgbClr val="3F7593"/>
+                </a:solidFill>
+              </a:rPr>
+              <a:t> </a:t>
+            </a:r>
+            <a:r>
+              <a:rPr lang="sv-SE" sz="3200" dirty="0" err="1">
+                <a:solidFill>
+                  <a:srgbClr val="3F7593"/>
+                </a:solidFill>
+              </a:rPr>
+              <a:t>Analysis</a:t>
+            </a:r>
+            <a:r>
+              <a:rPr lang="sv-SE" sz="3200" dirty="0">
+                <a:solidFill>
+                  <a:srgbClr val="3F7593"/>
+                </a:solidFill>
+              </a:rPr>
+              <a:t> – </a:t>
+            </a:r>
+            <a:r>
+              <a:rPr lang="sv-SE" sz="3200" dirty="0" err="1">
+                <a:solidFill>
+                  <a:srgbClr val="3F7593"/>
+                </a:solidFill>
+              </a:rPr>
+              <a:t>Disison</a:t>
+            </a:r>
+            <a:r>
+              <a:rPr lang="sv-SE" sz="3200" dirty="0">
+                <a:solidFill>
+                  <a:srgbClr val="3F7593"/>
+                </a:solidFill>
+              </a:rPr>
+              <a:t> </a:t>
+            </a:r>
+            <a:r>
+              <a:rPr lang="sv-SE" sz="3200" dirty="0" err="1">
+                <a:solidFill>
+                  <a:srgbClr val="3F7593"/>
+                </a:solidFill>
+              </a:rPr>
+              <a:t>Tree</a:t>
+            </a:r>
+            <a:r>
+              <a:rPr lang="sv-SE" sz="3200" dirty="0">
+                <a:solidFill>
+                  <a:srgbClr val="3F7593"/>
+                </a:solidFill>
+              </a:rPr>
+              <a:t> </a:t>
+            </a:r>
+            <a:endParaRPr lang="sv-SE" dirty="0"/>
           </a:p>
         </p:txBody>
       </p:sp>
       <p:sp>
         <p:nvSpPr>
-          <p:cNvPr id="6" name="Rektangel: rundade hörn 2">
+          <p:cNvPr id="4" name="Content Placeholder 3">
             <a:extLst>
               <a:ext uri="{FF2B5EF4-FFF2-40B4-BE49-F238E27FC236}">
-                <a16:creationId xmlns:a16="http://schemas.microsoft.com/office/drawing/2014/main" id="{24398B0A-DC79-4A26-89F3-7BA8ABB75767}"/>
+                <a16:creationId xmlns:a16="http://schemas.microsoft.com/office/drawing/2014/main" id="{7F4607CE-C1BA-A2FD-2E14-E93F2CFCE072}"/>
               </a:ext>
             </a:extLst>
           </p:cNvPr>
-          <p:cNvSpPr/>
-          <p:nvPr/>
+          <p:cNvSpPr>
+            <a:spLocks noGrp="1"/>
+          </p:cNvSpPr>
+          <p:nvPr>
+            <p:ph sz="half" idx="2"/>
+          </p:nvPr>
         </p:nvSpPr>
         <p:spPr>
           <a:xfrm>
-            <a:off x="1029323" y="1782501"/>
-            <a:ext cx="2772135" cy="4358536"/>
+            <a:off x="836612" y="1681163"/>
+            <a:ext cx="5157787" cy="3684588"/>
           </a:xfrm>
-          <a:prstGeom prst="roundRect">
-            <a:avLst>
-              <a:gd name="adj" fmla="val 4203"/>
-            </a:avLst>
-          </a:prstGeom>
-          <a:noFill/>
-          <a:ln w="9525">
-            <a:solidFill>
-              <a:srgbClr val="4884A6"/>
-            </a:solidFill>
-          </a:ln>
         </p:spPr>
-        <p:style>
-          <a:lnRef idx="2">
-            <a:schemeClr val="accent1">
-              <a:shade val="50000"/>
-            </a:schemeClr>
-          </a:lnRef>
-          <a:fillRef idx="1">
-            <a:schemeClr val="accent1"/>
-          </a:fillRef>
-          <a:effectRef idx="0">
-            <a:schemeClr val="accent1"/>
-          </a:effectRef>
-          <a:fontRef idx="minor">
-            <a:schemeClr val="lt1"/>
-          </a:fontRef>
-        </p:style>
         <p:txBody>
-          <a:bodyPr rtlCol="0" anchor="ctr"/>
+          <a:bodyPr>
+            <a:normAutofit fontScale="85000" lnSpcReduction="20000"/>
+          </a:bodyPr>
           <a:lstStyle/>
           <a:p>
-            <a:pPr algn="ctr"/>
-            <a:endParaRPr lang="en-US"/>
+            <a:r>
+              <a:rPr lang="sv-SE" dirty="0" err="1"/>
+              <a:t>Use</a:t>
+            </a:r>
+            <a:r>
+              <a:rPr lang="sv-SE" dirty="0"/>
+              <a:t> </a:t>
+            </a:r>
+            <a:r>
+              <a:rPr lang="sv-SE" dirty="0" err="1"/>
+              <a:t>of</a:t>
+            </a:r>
+            <a:r>
+              <a:rPr lang="sv-SE" dirty="0"/>
+              <a:t> all the </a:t>
+            </a:r>
+            <a:r>
+              <a:rPr lang="sv-SE" dirty="0" err="1"/>
+              <a:t>columns</a:t>
+            </a:r>
+            <a:r>
+              <a:rPr lang="sv-SE" dirty="0"/>
+              <a:t> </a:t>
+            </a:r>
+          </a:p>
+          <a:p>
+            <a:pPr lvl="1"/>
+            <a:r>
+              <a:rPr lang="sv-SE" dirty="0" err="1"/>
+              <a:t>Except</a:t>
+            </a:r>
+            <a:r>
+              <a:rPr lang="sv-SE" dirty="0"/>
+              <a:t> for y (</a:t>
+            </a:r>
+            <a:r>
+              <a:rPr lang="sv-SE" dirty="0" err="1"/>
+              <a:t>outcome</a:t>
+            </a:r>
+            <a:r>
+              <a:rPr lang="sv-SE" dirty="0"/>
+              <a:t> </a:t>
+            </a:r>
+            <a:r>
+              <a:rPr lang="sv-SE" dirty="0" err="1"/>
+              <a:t>of</a:t>
+            </a:r>
+            <a:r>
+              <a:rPr lang="sv-SE" dirty="0"/>
+              <a:t> </a:t>
+            </a:r>
+            <a:r>
+              <a:rPr lang="sv-SE" dirty="0" err="1"/>
+              <a:t>curent</a:t>
+            </a:r>
+            <a:r>
+              <a:rPr lang="sv-SE" dirty="0"/>
+              <a:t> </a:t>
+            </a:r>
+            <a:r>
+              <a:rPr lang="sv-SE" dirty="0" err="1"/>
+              <a:t>campaign</a:t>
+            </a:r>
+            <a:r>
+              <a:rPr lang="sv-SE" dirty="0"/>
+              <a:t>)</a:t>
+            </a:r>
+          </a:p>
+          <a:p>
+            <a:pPr lvl="2"/>
+            <a:r>
+              <a:rPr lang="sv-SE" dirty="0" err="1"/>
+              <a:t>Categorical</a:t>
+            </a:r>
+            <a:r>
+              <a:rPr lang="sv-SE" dirty="0"/>
+              <a:t> data </a:t>
+            </a:r>
+            <a:r>
+              <a:rPr lang="sv-SE" dirty="0" err="1"/>
+              <a:t>turned</a:t>
+            </a:r>
+            <a:r>
+              <a:rPr lang="sv-SE" dirty="0"/>
+              <a:t> to features</a:t>
+            </a:r>
+          </a:p>
+          <a:p>
+            <a:r>
+              <a:rPr lang="sv-SE" dirty="0"/>
+              <a:t>Most </a:t>
+            </a:r>
+            <a:r>
+              <a:rPr lang="sv-SE" dirty="0" err="1"/>
+              <a:t>important</a:t>
+            </a:r>
+            <a:r>
+              <a:rPr lang="sv-SE" dirty="0"/>
+              <a:t> features</a:t>
+            </a:r>
+          </a:p>
+          <a:p>
+            <a:pPr lvl="1"/>
+            <a:r>
+              <a:rPr lang="sv-SE" dirty="0"/>
+              <a:t>Duration </a:t>
+            </a:r>
+            <a:r>
+              <a:rPr lang="sv-SE" dirty="0" err="1"/>
+              <a:t>of</a:t>
+            </a:r>
+            <a:r>
+              <a:rPr lang="sv-SE" dirty="0"/>
+              <a:t> last </a:t>
+            </a:r>
+            <a:r>
+              <a:rPr lang="da-DK" dirty="0"/>
+              <a:t>call</a:t>
+            </a:r>
+          </a:p>
+          <a:p>
+            <a:pPr lvl="1"/>
+            <a:r>
+              <a:rPr lang="da-DK" dirty="0"/>
+              <a:t>If the last campaign was successfull</a:t>
+            </a:r>
+          </a:p>
+          <a:p>
+            <a:pPr lvl="1"/>
+            <a:r>
+              <a:rPr lang="da-DK" dirty="0"/>
+              <a:t>The month the call was made in</a:t>
+            </a:r>
+          </a:p>
+          <a:p>
+            <a:pPr lvl="1"/>
+            <a:r>
+              <a:rPr lang="da-DK" dirty="0"/>
+              <a:t>The age of the client</a:t>
+            </a:r>
+          </a:p>
+          <a:p>
+            <a:pPr lvl="1"/>
+            <a:r>
+              <a:rPr lang="da-DK" dirty="0"/>
+              <a:t>The number of days ellapsed since the last call</a:t>
+            </a:r>
+          </a:p>
+          <a:p>
+            <a:pPr lvl="1"/>
+            <a:r>
+              <a:rPr lang="da-DK" dirty="0"/>
+              <a:t>...</a:t>
+            </a:r>
+          </a:p>
+          <a:p>
+            <a:pPr lvl="1"/>
+            <a:endParaRPr lang="sv-SE" dirty="0"/>
           </a:p>
         </p:txBody>
       </p:sp>
       <p:pic>
         <p:nvPicPr>
-          <p:cNvPr id="7" name="Bildobjekt 5">
+          <p:cNvPr id="16" name="Content Placeholder 15" descr="Chart&#10;&#10;Description automatically generated">
             <a:extLst>
               <a:ext uri="{FF2B5EF4-FFF2-40B4-BE49-F238E27FC236}">
-                <a16:creationId xmlns:a16="http://schemas.microsoft.com/office/drawing/2014/main" id="{946852C9-7DBF-4694-B1ED-B8A3E1F3AC94}"/>
+                <a16:creationId xmlns:a16="http://schemas.microsoft.com/office/drawing/2014/main" id="{F95CED81-8EC0-3DF4-A674-64A2E93CC5EE}"/>
               </a:ext>
             </a:extLst>
           </p:cNvPr>
           <p:cNvPicPr>
-            <a:picLocks noChangeAspect="1"/>
+            <a:picLocks noGrp="1" noChangeAspect="1"/>
           </p:cNvPicPr>
-          <p:nvPr/>
+          <p:nvPr>
+            <p:ph sz="quarter" idx="4"/>
+          </p:nvPr>
         </p:nvPicPr>
         <p:blipFill>
-          <a:blip r:embed="rId3"/>
+          <a:blip r:embed="rId2">
+            <a:extLst>
+              <a:ext uri="{28A0092B-C50C-407E-A947-70E740481C1C}">
+                <a14:useLocalDpi xmlns:a14="http://schemas.microsoft.com/office/drawing/2010/main" val="0"/>
+              </a:ext>
+            </a:extLst>
+          </a:blip>
           <a:stretch>
             <a:fillRect/>
           </a:stretch>
         </p:blipFill>
         <p:spPr>
           <a:xfrm>
-            <a:off x="1535280" y="2662552"/>
-            <a:ext cx="1760220" cy="1103393"/>
+            <a:off x="6305815" y="1690688"/>
+            <a:ext cx="4912782" cy="3684587"/>
           </a:xfrm>
-          <a:prstGeom prst="rect">
-            <a:avLst/>
-          </a:prstGeom>
-          <a:ln w="6350">
-            <a:solidFill>
-              <a:srgbClr val="6CA2C0"/>
-            </a:solidFill>
-          </a:ln>
         </p:spPr>
       </p:pic>
       <p:sp>
         <p:nvSpPr>
-          <p:cNvPr id="8" name="Title 1">
+          <p:cNvPr id="7" name="Footer Placeholder 6">
             <a:extLst>
               <a:ext uri="{FF2B5EF4-FFF2-40B4-BE49-F238E27FC236}">
-                <a16:creationId xmlns:a16="http://schemas.microsoft.com/office/drawing/2014/main" id="{274EE5F2-D286-48AF-BA9B-30D1073D64C6}"/>
-              </a:ext>
-            </a:extLst>
-          </p:cNvPr>
-          <p:cNvSpPr txBox="1">
-            <a:spLocks/>
-          </p:cNvSpPr>
-          <p:nvPr/>
-        </p:nvSpPr>
-        <p:spPr>
-          <a:xfrm>
-            <a:off x="1267865" y="1864630"/>
-            <a:ext cx="2295051" cy="580539"/>
-          </a:xfrm>
-          <a:prstGeom prst="rect">
-            <a:avLst/>
-          </a:prstGeom>
-        </p:spPr>
-        <p:txBody>
-          <a:bodyPr vert="horz" lIns="91440" tIns="45720" rIns="91440" bIns="45720" rtlCol="0" anchor="ctr">
-            <a:noAutofit/>
-          </a:bodyPr>
-          <a:lstStyle>
-            <a:lvl1pPr algn="l" defTabSz="914400" rtl="0" eaLnBrk="1" latinLnBrk="0" hangingPunct="1">
-              <a:lnSpc>
-                <a:spcPct val="90000"/>
-              </a:lnSpc>
-              <a:spcBef>
-                <a:spcPct val="0"/>
-              </a:spcBef>
-              <a:buNone/>
-              <a:defRPr sz="4400" kern="1200">
-                <a:solidFill>
-                  <a:schemeClr val="tx1"/>
-                </a:solidFill>
-                <a:latin typeface="+mj-lt"/>
-                <a:ea typeface="+mj-ea"/>
-                <a:cs typeface="+mj-cs"/>
-              </a:defRPr>
-            </a:lvl1pPr>
-          </a:lstStyle>
-          <a:p>
-            <a:pPr algn="ctr"/>
-            <a:r>
-              <a:rPr lang="en-US" sz="1200" b="1">
-                <a:solidFill>
-                  <a:srgbClr val="3F7593"/>
-                </a:solidFill>
-              </a:rPr>
-              <a:t>Project Profitability </a:t>
-            </a:r>
-          </a:p>
-          <a:p>
-            <a:pPr algn="ctr"/>
-            <a:r>
-              <a:rPr lang="en-US" sz="1200" b="1">
-                <a:solidFill>
-                  <a:srgbClr val="3F7593"/>
-                </a:solidFill>
-              </a:rPr>
-              <a:t>Analysis  </a:t>
-            </a:r>
-          </a:p>
-        </p:txBody>
-      </p:sp>
-      <p:sp>
-        <p:nvSpPr>
-          <p:cNvPr id="16" name="Text Placeholder 2">
-            <a:extLst>
-              <a:ext uri="{FF2B5EF4-FFF2-40B4-BE49-F238E27FC236}">
-                <a16:creationId xmlns:a16="http://schemas.microsoft.com/office/drawing/2014/main" id="{2E591273-52AF-4F59-97D5-431068C48CC9}"/>
-              </a:ext>
-            </a:extLst>
-          </p:cNvPr>
-          <p:cNvSpPr txBox="1">
-            <a:spLocks/>
-          </p:cNvSpPr>
-          <p:nvPr/>
-        </p:nvSpPr>
-        <p:spPr>
-          <a:xfrm>
-            <a:off x="1223405" y="5287592"/>
-            <a:ext cx="2383971" cy="853444"/>
-          </a:xfrm>
-          <a:prstGeom prst="rect">
-            <a:avLst/>
-          </a:prstGeom>
-        </p:spPr>
-        <p:txBody>
-          <a:bodyPr vert="horz" lIns="91440" tIns="45720" rIns="91440" bIns="45720" rtlCol="0">
-            <a:normAutofit/>
-          </a:bodyPr>
-          <a:lstStyle>
-            <a:lvl1pPr indent="0" algn="ctr">
-              <a:lnSpc>
-                <a:spcPct val="90000"/>
-              </a:lnSpc>
-              <a:spcBef>
-                <a:spcPts val="1000"/>
-              </a:spcBef>
-              <a:buFont typeface="Arial" panose="020B0604020202020204" pitchFamily="34" charset="0"/>
-              <a:buNone/>
-              <a:defRPr sz="2000"/>
-            </a:lvl1pPr>
-            <a:lvl2pPr marL="685800" indent="-228600">
-              <a:lnSpc>
-                <a:spcPct val="90000"/>
-              </a:lnSpc>
-              <a:spcBef>
-                <a:spcPts val="500"/>
-              </a:spcBef>
-              <a:buFont typeface="Arial" panose="020B0604020202020204" pitchFamily="34" charset="0"/>
-              <a:buChar char="•"/>
-              <a:defRPr sz="2400"/>
-            </a:lvl2pPr>
-            <a:lvl3pPr marL="1143000" indent="-228600">
-              <a:lnSpc>
-                <a:spcPct val="90000"/>
-              </a:lnSpc>
-              <a:spcBef>
-                <a:spcPts val="500"/>
-              </a:spcBef>
-              <a:buFont typeface="Arial" panose="020B0604020202020204" pitchFamily="34" charset="0"/>
-              <a:buChar char="•"/>
-              <a:defRPr sz="2000"/>
-            </a:lvl3pPr>
-            <a:lvl4pPr marL="1600200" indent="-228600">
-              <a:lnSpc>
-                <a:spcPct val="90000"/>
-              </a:lnSpc>
-              <a:spcBef>
-                <a:spcPts val="500"/>
-              </a:spcBef>
-              <a:buFont typeface="Arial" panose="020B0604020202020204" pitchFamily="34" charset="0"/>
-              <a:buChar char="•"/>
-            </a:lvl4pPr>
-            <a:lvl5pPr marL="2057400" indent="-228600">
-              <a:lnSpc>
-                <a:spcPct val="90000"/>
-              </a:lnSpc>
-              <a:spcBef>
-                <a:spcPts val="500"/>
-              </a:spcBef>
-              <a:buFont typeface="Arial" panose="020B0604020202020204" pitchFamily="34" charset="0"/>
-              <a:buChar char="•"/>
-            </a:lvl5pPr>
-            <a:lvl6pPr marL="2514600" indent="-228600">
-              <a:lnSpc>
-                <a:spcPct val="90000"/>
-              </a:lnSpc>
-              <a:spcBef>
-                <a:spcPts val="500"/>
-              </a:spcBef>
-              <a:buFont typeface="Arial" panose="020B0604020202020204" pitchFamily="34" charset="0"/>
-              <a:buChar char="•"/>
-            </a:lvl6pPr>
-            <a:lvl7pPr marL="2971800" indent="-228600">
-              <a:lnSpc>
-                <a:spcPct val="90000"/>
-              </a:lnSpc>
-              <a:spcBef>
-                <a:spcPts val="500"/>
-              </a:spcBef>
-              <a:buFont typeface="Arial" panose="020B0604020202020204" pitchFamily="34" charset="0"/>
-              <a:buChar char="•"/>
-            </a:lvl7pPr>
-            <a:lvl8pPr marL="3429000" indent="-228600">
-              <a:lnSpc>
-                <a:spcPct val="90000"/>
-              </a:lnSpc>
-              <a:spcBef>
-                <a:spcPts val="500"/>
-              </a:spcBef>
-              <a:buFont typeface="Arial" panose="020B0604020202020204" pitchFamily="34" charset="0"/>
-              <a:buChar char="•"/>
-            </a:lvl8pPr>
-            <a:lvl9pPr marL="3886200" indent="-228600">
-              <a:lnSpc>
-                <a:spcPct val="90000"/>
-              </a:lnSpc>
-              <a:spcBef>
-                <a:spcPts val="500"/>
-              </a:spcBef>
-              <a:buFont typeface="Arial" panose="020B0604020202020204" pitchFamily="34" charset="0"/>
-              <a:buChar char="•"/>
-            </a:lvl9pPr>
-          </a:lstStyle>
-          <a:p>
-            <a:r>
-              <a:rPr lang="sv-SE" sz="1100" dirty="0">
-                <a:solidFill>
-                  <a:schemeClr val="tx1">
-                    <a:lumMod val="75000"/>
-                    <a:lumOff val="25000"/>
-                  </a:schemeClr>
-                </a:solidFill>
-              </a:rPr>
-              <a:t>Deviation </a:t>
-            </a:r>
-            <a:r>
-              <a:rPr lang="sv-SE" sz="1100" dirty="0" err="1">
-                <a:solidFill>
-                  <a:schemeClr val="tx1">
-                    <a:lumMod val="75000"/>
-                    <a:lumOff val="25000"/>
-                  </a:schemeClr>
-                </a:solidFill>
-              </a:rPr>
-              <a:t>between</a:t>
-            </a:r>
-            <a:r>
-              <a:rPr lang="sv-SE" sz="1100" dirty="0">
-                <a:solidFill>
-                  <a:schemeClr val="tx1">
-                    <a:lumMod val="75000"/>
-                    <a:lumOff val="25000"/>
-                  </a:schemeClr>
-                </a:solidFill>
-              </a:rPr>
-              <a:t> </a:t>
-            </a:r>
-            <a:r>
-              <a:rPr lang="sv-SE" sz="1100" b="1" dirty="0" err="1">
-                <a:solidFill>
-                  <a:srgbClr val="3F7593"/>
-                </a:solidFill>
-              </a:rPr>
-              <a:t>successful</a:t>
-            </a:r>
-            <a:r>
-              <a:rPr lang="sv-SE" sz="1100" b="1" dirty="0">
-                <a:solidFill>
-                  <a:srgbClr val="3F7593"/>
-                </a:solidFill>
-              </a:rPr>
-              <a:t> and non-</a:t>
-            </a:r>
-            <a:r>
-              <a:rPr lang="sv-SE" sz="1100" b="1" dirty="0" err="1">
-                <a:solidFill>
-                  <a:srgbClr val="3F7593"/>
-                </a:solidFill>
-              </a:rPr>
-              <a:t>successful</a:t>
-            </a:r>
-            <a:r>
-              <a:rPr lang="sv-SE" sz="1100" b="1" dirty="0">
-                <a:solidFill>
-                  <a:srgbClr val="3F7593"/>
-                </a:solidFill>
-              </a:rPr>
-              <a:t> </a:t>
-            </a:r>
-            <a:r>
-              <a:rPr lang="sv-SE" sz="1100" b="1" dirty="0" err="1">
-                <a:solidFill>
-                  <a:srgbClr val="3F7593"/>
-                </a:solidFill>
-              </a:rPr>
-              <a:t>projects</a:t>
-            </a:r>
-            <a:r>
-              <a:rPr lang="sv-SE" sz="1100" b="1" dirty="0">
-                <a:solidFill>
-                  <a:schemeClr val="tx1">
-                    <a:lumMod val="75000"/>
-                    <a:lumOff val="25000"/>
-                  </a:schemeClr>
-                </a:solidFill>
-              </a:rPr>
-              <a:t> </a:t>
-            </a:r>
-            <a:r>
-              <a:rPr lang="sv-SE" sz="1100" dirty="0" err="1">
-                <a:solidFill>
-                  <a:schemeClr val="tx1">
-                    <a:lumMod val="75000"/>
-                    <a:lumOff val="25000"/>
-                  </a:schemeClr>
-                </a:solidFill>
-              </a:rPr>
-              <a:t>are</a:t>
-            </a:r>
-            <a:r>
-              <a:rPr lang="sv-SE" sz="1100" dirty="0">
-                <a:solidFill>
-                  <a:schemeClr val="tx1">
-                    <a:lumMod val="75000"/>
-                    <a:lumOff val="25000"/>
-                  </a:schemeClr>
-                </a:solidFill>
-              </a:rPr>
-              <a:t> </a:t>
-            </a:r>
-            <a:r>
-              <a:rPr lang="sv-SE" sz="1100" dirty="0" err="1">
-                <a:solidFill>
-                  <a:schemeClr val="tx1">
-                    <a:lumMod val="75000"/>
-                    <a:lumOff val="25000"/>
-                  </a:schemeClr>
-                </a:solidFill>
-              </a:rPr>
-              <a:t>used</a:t>
-            </a:r>
-            <a:r>
-              <a:rPr lang="sv-SE" sz="1100" dirty="0">
-                <a:solidFill>
-                  <a:schemeClr val="tx1">
-                    <a:lumMod val="75000"/>
-                    <a:lumOff val="25000"/>
-                  </a:schemeClr>
-                </a:solidFill>
-              </a:rPr>
-              <a:t> for </a:t>
-            </a:r>
-            <a:r>
-              <a:rPr lang="sv-SE" sz="1100" dirty="0" err="1">
-                <a:solidFill>
-                  <a:schemeClr val="tx1">
-                    <a:lumMod val="75000"/>
-                    <a:lumOff val="25000"/>
-                  </a:schemeClr>
-                </a:solidFill>
-              </a:rPr>
-              <a:t>modeling</a:t>
-            </a:r>
-            <a:r>
-              <a:rPr lang="sv-SE" sz="1100" dirty="0">
-                <a:solidFill>
-                  <a:schemeClr val="tx1">
-                    <a:lumMod val="75000"/>
-                    <a:lumOff val="25000"/>
-                  </a:schemeClr>
-                </a:solidFill>
-              </a:rPr>
-              <a:t> purposes. </a:t>
-            </a:r>
-          </a:p>
-        </p:txBody>
-      </p:sp>
-      <p:pic>
-        <p:nvPicPr>
-          <p:cNvPr id="18" name="Bildobjekt 17">
-            <a:extLst>
-              <a:ext uri="{FF2B5EF4-FFF2-40B4-BE49-F238E27FC236}">
-                <a16:creationId xmlns:a16="http://schemas.microsoft.com/office/drawing/2014/main" id="{9A2F554A-3437-4AF9-8879-5A1838560C67}"/>
-              </a:ext>
-            </a:extLst>
-          </p:cNvPr>
-          <p:cNvPicPr>
-            <a:picLocks noChangeAspect="1"/>
-          </p:cNvPicPr>
-          <p:nvPr/>
-        </p:nvPicPr>
-        <p:blipFill>
-          <a:blip r:embed="rId4"/>
-          <a:stretch>
-            <a:fillRect/>
-          </a:stretch>
-        </p:blipFill>
-        <p:spPr>
-          <a:xfrm>
-            <a:off x="1535280" y="3983328"/>
-            <a:ext cx="1760220" cy="1086881"/>
-          </a:xfrm>
-          <a:prstGeom prst="rect">
-            <a:avLst/>
-          </a:prstGeom>
-          <a:ln w="6350">
-            <a:solidFill>
-              <a:srgbClr val="6CA2C0"/>
-            </a:solidFill>
-          </a:ln>
-        </p:spPr>
-      </p:pic>
-      <p:pic>
-        <p:nvPicPr>
-          <p:cNvPr id="9" name="Bildobjekt 7">
-            <a:extLst>
-              <a:ext uri="{FF2B5EF4-FFF2-40B4-BE49-F238E27FC236}">
-                <a16:creationId xmlns:a16="http://schemas.microsoft.com/office/drawing/2014/main" id="{48E90112-B021-4EC3-833F-494FE86FB106}"/>
-              </a:ext>
-            </a:extLst>
-          </p:cNvPr>
-          <p:cNvPicPr>
-            <a:picLocks noChangeAspect="1"/>
-          </p:cNvPicPr>
-          <p:nvPr/>
-        </p:nvPicPr>
-        <p:blipFill>
-          <a:blip r:embed="rId5"/>
-          <a:stretch>
-            <a:fillRect/>
-          </a:stretch>
-        </p:blipFill>
-        <p:spPr>
-          <a:xfrm>
-            <a:off x="5115074" y="3983329"/>
-            <a:ext cx="1957124" cy="1086880"/>
-          </a:xfrm>
-          <a:prstGeom prst="rect">
-            <a:avLst/>
-          </a:prstGeom>
-          <a:ln w="6350">
-            <a:solidFill>
-              <a:srgbClr val="6CA2C0"/>
-            </a:solidFill>
-          </a:ln>
-        </p:spPr>
-      </p:pic>
-      <p:sp>
-        <p:nvSpPr>
-          <p:cNvPr id="10" name="Title 1">
-            <a:extLst>
-              <a:ext uri="{FF2B5EF4-FFF2-40B4-BE49-F238E27FC236}">
-                <a16:creationId xmlns:a16="http://schemas.microsoft.com/office/drawing/2014/main" id="{8C80C2E7-26CE-479C-95BC-2B76B477BC9F}"/>
-              </a:ext>
-            </a:extLst>
-          </p:cNvPr>
-          <p:cNvSpPr txBox="1">
-            <a:spLocks/>
-          </p:cNvSpPr>
-          <p:nvPr/>
-        </p:nvSpPr>
-        <p:spPr>
-          <a:xfrm>
-            <a:off x="4768336" y="1867106"/>
-            <a:ext cx="2650601" cy="580539"/>
-          </a:xfrm>
-          <a:prstGeom prst="rect">
-            <a:avLst/>
-          </a:prstGeom>
-        </p:spPr>
-        <p:txBody>
-          <a:bodyPr vert="horz" lIns="91440" tIns="45720" rIns="91440" bIns="45720" rtlCol="0" anchor="ctr">
-            <a:noAutofit/>
-          </a:bodyPr>
-          <a:lstStyle>
-            <a:lvl1pPr algn="l" defTabSz="914400" rtl="0" eaLnBrk="1" latinLnBrk="0" hangingPunct="1">
-              <a:lnSpc>
-                <a:spcPct val="90000"/>
-              </a:lnSpc>
-              <a:spcBef>
-                <a:spcPct val="0"/>
-              </a:spcBef>
-              <a:buNone/>
-              <a:defRPr sz="4400" kern="1200">
-                <a:solidFill>
-                  <a:schemeClr val="tx1"/>
-                </a:solidFill>
-                <a:latin typeface="+mj-lt"/>
-                <a:ea typeface="+mj-ea"/>
-                <a:cs typeface="+mj-cs"/>
-              </a:defRPr>
-            </a:lvl1pPr>
-          </a:lstStyle>
-          <a:p>
-            <a:pPr algn="ctr"/>
-            <a:r>
-              <a:rPr lang="en-US" sz="1200" b="1">
-                <a:solidFill>
-                  <a:srgbClr val="3F7593"/>
-                </a:solidFill>
-              </a:rPr>
-              <a:t>Predictive Maintenance</a:t>
-            </a:r>
-          </a:p>
-          <a:p>
-            <a:pPr algn="ctr"/>
-            <a:r>
-              <a:rPr lang="en-US" sz="1200" b="1">
-                <a:solidFill>
-                  <a:srgbClr val="3F7593"/>
-                </a:solidFill>
-              </a:rPr>
-              <a:t>Analysis</a:t>
-            </a:r>
-          </a:p>
-        </p:txBody>
-      </p:sp>
-      <p:pic>
-        <p:nvPicPr>
-          <p:cNvPr id="11" name="Bildobjekt 9">
-            <a:extLst>
-              <a:ext uri="{FF2B5EF4-FFF2-40B4-BE49-F238E27FC236}">
-                <a16:creationId xmlns:a16="http://schemas.microsoft.com/office/drawing/2014/main" id="{1A7311E5-5AA1-46EB-9AC3-EC0501E26985}"/>
-              </a:ext>
-            </a:extLst>
-          </p:cNvPr>
-          <p:cNvPicPr>
-            <a:picLocks noChangeAspect="1"/>
-          </p:cNvPicPr>
-          <p:nvPr/>
-        </p:nvPicPr>
-        <p:blipFill>
-          <a:blip r:embed="rId6"/>
-          <a:stretch>
-            <a:fillRect/>
-          </a:stretch>
-        </p:blipFill>
-        <p:spPr>
-          <a:xfrm>
-            <a:off x="5115075" y="2662552"/>
-            <a:ext cx="1957123" cy="1103394"/>
-          </a:xfrm>
-          <a:prstGeom prst="rect">
-            <a:avLst/>
-          </a:prstGeom>
-          <a:ln w="6350">
-            <a:solidFill>
-              <a:srgbClr val="6CA2C0"/>
-            </a:solidFill>
-          </a:ln>
-        </p:spPr>
-      </p:pic>
-      <p:sp>
-        <p:nvSpPr>
-          <p:cNvPr id="15" name="Text Placeholder 2">
-            <a:extLst>
-              <a:ext uri="{FF2B5EF4-FFF2-40B4-BE49-F238E27FC236}">
-                <a16:creationId xmlns:a16="http://schemas.microsoft.com/office/drawing/2014/main" id="{32FEB8A0-070C-4E38-A72D-8E847135A22E}"/>
-              </a:ext>
-            </a:extLst>
-          </p:cNvPr>
-          <p:cNvSpPr txBox="1">
-            <a:spLocks/>
-          </p:cNvSpPr>
-          <p:nvPr/>
-        </p:nvSpPr>
-        <p:spPr>
-          <a:xfrm>
-            <a:off x="4901651" y="5287592"/>
-            <a:ext cx="2383971" cy="1040345"/>
-          </a:xfrm>
-          <a:prstGeom prst="rect">
-            <a:avLst/>
-          </a:prstGeom>
-        </p:spPr>
-        <p:txBody>
-          <a:bodyPr vert="horz" lIns="91440" tIns="45720" rIns="91440" bIns="45720" rtlCol="0">
-            <a:normAutofit/>
-          </a:bodyPr>
-          <a:lstStyle>
-            <a:lvl1pPr indent="0" algn="ctr">
-              <a:lnSpc>
-                <a:spcPct val="90000"/>
-              </a:lnSpc>
-              <a:spcBef>
-                <a:spcPts val="1000"/>
-              </a:spcBef>
-              <a:buFont typeface="Arial" panose="020B0604020202020204" pitchFamily="34" charset="0"/>
-              <a:buNone/>
-              <a:defRPr sz="2000"/>
-            </a:lvl1pPr>
-            <a:lvl2pPr marL="685800" indent="-228600">
-              <a:lnSpc>
-                <a:spcPct val="90000"/>
-              </a:lnSpc>
-              <a:spcBef>
-                <a:spcPts val="500"/>
-              </a:spcBef>
-              <a:buFont typeface="Arial" panose="020B0604020202020204" pitchFamily="34" charset="0"/>
-              <a:buChar char="•"/>
-              <a:defRPr sz="2400"/>
-            </a:lvl2pPr>
-            <a:lvl3pPr marL="1143000" indent="-228600">
-              <a:lnSpc>
-                <a:spcPct val="90000"/>
-              </a:lnSpc>
-              <a:spcBef>
-                <a:spcPts val="500"/>
-              </a:spcBef>
-              <a:buFont typeface="Arial" panose="020B0604020202020204" pitchFamily="34" charset="0"/>
-              <a:buChar char="•"/>
-              <a:defRPr sz="2000"/>
-            </a:lvl3pPr>
-            <a:lvl4pPr marL="1600200" indent="-228600">
-              <a:lnSpc>
-                <a:spcPct val="90000"/>
-              </a:lnSpc>
-              <a:spcBef>
-                <a:spcPts val="500"/>
-              </a:spcBef>
-              <a:buFont typeface="Arial" panose="020B0604020202020204" pitchFamily="34" charset="0"/>
-              <a:buChar char="•"/>
-            </a:lvl4pPr>
-            <a:lvl5pPr marL="2057400" indent="-228600">
-              <a:lnSpc>
-                <a:spcPct val="90000"/>
-              </a:lnSpc>
-              <a:spcBef>
-                <a:spcPts val="500"/>
-              </a:spcBef>
-              <a:buFont typeface="Arial" panose="020B0604020202020204" pitchFamily="34" charset="0"/>
-              <a:buChar char="•"/>
-            </a:lvl5pPr>
-            <a:lvl6pPr marL="2514600" indent="-228600">
-              <a:lnSpc>
-                <a:spcPct val="90000"/>
-              </a:lnSpc>
-              <a:spcBef>
-                <a:spcPts val="500"/>
-              </a:spcBef>
-              <a:buFont typeface="Arial" panose="020B0604020202020204" pitchFamily="34" charset="0"/>
-              <a:buChar char="•"/>
-            </a:lvl6pPr>
-            <a:lvl7pPr marL="2971800" indent="-228600">
-              <a:lnSpc>
-                <a:spcPct val="90000"/>
-              </a:lnSpc>
-              <a:spcBef>
-                <a:spcPts val="500"/>
-              </a:spcBef>
-              <a:buFont typeface="Arial" panose="020B0604020202020204" pitchFamily="34" charset="0"/>
-              <a:buChar char="•"/>
-            </a:lvl7pPr>
-            <a:lvl8pPr marL="3429000" indent="-228600">
-              <a:lnSpc>
-                <a:spcPct val="90000"/>
-              </a:lnSpc>
-              <a:spcBef>
-                <a:spcPts val="500"/>
-              </a:spcBef>
-              <a:buFont typeface="Arial" panose="020B0604020202020204" pitchFamily="34" charset="0"/>
-              <a:buChar char="•"/>
-            </a:lvl8pPr>
-            <a:lvl9pPr marL="3886200" indent="-228600">
-              <a:lnSpc>
-                <a:spcPct val="90000"/>
-              </a:lnSpc>
-              <a:spcBef>
-                <a:spcPts val="500"/>
-              </a:spcBef>
-              <a:buFont typeface="Arial" panose="020B0604020202020204" pitchFamily="34" charset="0"/>
-              <a:buChar char="•"/>
-            </a:lvl9pPr>
-          </a:lstStyle>
-          <a:p>
-            <a:r>
-              <a:rPr lang="sv-SE" sz="1100">
-                <a:solidFill>
-                  <a:schemeClr val="tx1">
-                    <a:lumMod val="75000"/>
-                    <a:lumOff val="25000"/>
-                  </a:schemeClr>
-                </a:solidFill>
-              </a:rPr>
-              <a:t>Features like combinations </a:t>
-            </a:r>
-            <a:r>
-              <a:rPr lang="sv-SE" sz="1100" err="1">
-                <a:solidFill>
-                  <a:schemeClr val="tx1">
-                    <a:lumMod val="75000"/>
-                    <a:lumOff val="25000"/>
-                  </a:schemeClr>
-                </a:solidFill>
-              </a:rPr>
-              <a:t>of</a:t>
-            </a:r>
-            <a:r>
-              <a:rPr lang="sv-SE" sz="1100">
-                <a:solidFill>
-                  <a:schemeClr val="tx1">
-                    <a:lumMod val="75000"/>
-                    <a:lumOff val="25000"/>
-                  </a:schemeClr>
-                </a:solidFill>
-              </a:rPr>
-              <a:t> alarms and </a:t>
-            </a:r>
-            <a:r>
-              <a:rPr lang="sv-SE" sz="1100" err="1">
-                <a:solidFill>
-                  <a:schemeClr val="tx1">
-                    <a:lumMod val="75000"/>
-                    <a:lumOff val="25000"/>
-                  </a:schemeClr>
-                </a:solidFill>
-              </a:rPr>
-              <a:t>usage</a:t>
-            </a:r>
-            <a:r>
-              <a:rPr lang="sv-SE" sz="1100">
-                <a:solidFill>
-                  <a:schemeClr val="tx1">
-                    <a:lumMod val="75000"/>
-                    <a:lumOff val="25000"/>
-                  </a:schemeClr>
-                </a:solidFill>
-              </a:rPr>
-              <a:t> </a:t>
-            </a:r>
-            <a:r>
-              <a:rPr lang="sv-SE" sz="1100" err="1">
-                <a:solidFill>
-                  <a:schemeClr val="tx1">
-                    <a:lumMod val="75000"/>
-                    <a:lumOff val="25000"/>
-                  </a:schemeClr>
-                </a:solidFill>
-              </a:rPr>
-              <a:t>behavior</a:t>
-            </a:r>
-            <a:r>
-              <a:rPr lang="sv-SE" sz="1100">
-                <a:solidFill>
-                  <a:schemeClr val="tx1">
-                    <a:lumMod val="75000"/>
-                    <a:lumOff val="25000"/>
-                  </a:schemeClr>
-                </a:solidFill>
-              </a:rPr>
-              <a:t> </a:t>
-            </a:r>
-            <a:r>
-              <a:rPr lang="sv-SE" sz="1100" err="1">
-                <a:solidFill>
-                  <a:schemeClr val="tx1">
-                    <a:lumMod val="75000"/>
-                    <a:lumOff val="25000"/>
-                  </a:schemeClr>
-                </a:solidFill>
-              </a:rPr>
-              <a:t>are</a:t>
-            </a:r>
-            <a:r>
-              <a:rPr lang="sv-SE" sz="1100">
-                <a:solidFill>
-                  <a:schemeClr val="tx1">
-                    <a:lumMod val="75000"/>
-                    <a:lumOff val="25000"/>
-                  </a:schemeClr>
-                </a:solidFill>
-              </a:rPr>
-              <a:t> </a:t>
-            </a:r>
-            <a:r>
-              <a:rPr lang="sv-SE" sz="1100" err="1">
-                <a:solidFill>
-                  <a:schemeClr val="tx1">
-                    <a:lumMod val="75000"/>
-                    <a:lumOff val="25000"/>
-                  </a:schemeClr>
-                </a:solidFill>
-              </a:rPr>
-              <a:t>used</a:t>
-            </a:r>
-            <a:r>
-              <a:rPr lang="sv-SE" sz="1100">
-                <a:solidFill>
-                  <a:schemeClr val="tx1">
-                    <a:lumMod val="75000"/>
-                    <a:lumOff val="25000"/>
-                  </a:schemeClr>
-                </a:solidFill>
-              </a:rPr>
-              <a:t> to </a:t>
-            </a:r>
-            <a:r>
-              <a:rPr lang="sv-SE" sz="1100" err="1">
-                <a:solidFill>
-                  <a:schemeClr val="tx1">
-                    <a:lumMod val="75000"/>
-                    <a:lumOff val="25000"/>
-                  </a:schemeClr>
-                </a:solidFill>
-              </a:rPr>
-              <a:t>predict</a:t>
-            </a:r>
-            <a:r>
-              <a:rPr lang="sv-SE" sz="1100">
-                <a:solidFill>
-                  <a:schemeClr val="tx1">
-                    <a:lumMod val="75000"/>
-                    <a:lumOff val="25000"/>
-                  </a:schemeClr>
-                </a:solidFill>
-              </a:rPr>
-              <a:t> </a:t>
-            </a:r>
-            <a:r>
-              <a:rPr lang="sv-SE" sz="1100" b="1" err="1">
-                <a:solidFill>
-                  <a:srgbClr val="3F7593"/>
-                </a:solidFill>
-              </a:rPr>
-              <a:t>which</a:t>
-            </a:r>
-            <a:r>
-              <a:rPr lang="sv-SE" sz="1100" b="1">
-                <a:solidFill>
-                  <a:srgbClr val="3F7593"/>
-                </a:solidFill>
-              </a:rPr>
-              <a:t> </a:t>
-            </a:r>
-            <a:r>
-              <a:rPr lang="sv-SE" sz="1100" b="1" err="1">
-                <a:solidFill>
-                  <a:srgbClr val="3F7593"/>
-                </a:solidFill>
-              </a:rPr>
-              <a:t>vehicles</a:t>
-            </a:r>
-            <a:r>
-              <a:rPr lang="sv-SE" sz="1100" b="1">
-                <a:solidFill>
-                  <a:srgbClr val="3F7593"/>
-                </a:solidFill>
-              </a:rPr>
-              <a:t> to </a:t>
-            </a:r>
-            <a:r>
-              <a:rPr lang="sv-SE" sz="1100" b="1" err="1">
-                <a:solidFill>
-                  <a:srgbClr val="3F7593"/>
-                </a:solidFill>
-              </a:rPr>
-              <a:t>prioritize</a:t>
-            </a:r>
-            <a:r>
-              <a:rPr lang="sv-SE" sz="1100" b="1">
-                <a:solidFill>
-                  <a:srgbClr val="3F7593"/>
-                </a:solidFill>
-              </a:rPr>
-              <a:t> </a:t>
-            </a:r>
-            <a:r>
-              <a:rPr lang="sv-SE" sz="1100">
-                <a:solidFill>
-                  <a:schemeClr val="tx1">
-                    <a:lumMod val="75000"/>
-                    <a:lumOff val="25000"/>
-                  </a:schemeClr>
-                </a:solidFill>
-              </a:rPr>
-              <a:t>for service. </a:t>
-            </a:r>
-          </a:p>
-        </p:txBody>
-      </p:sp>
-      <p:sp>
-        <p:nvSpPr>
-          <p:cNvPr id="19" name="Rektangel: rundade hörn 2">
-            <a:extLst>
-              <a:ext uri="{FF2B5EF4-FFF2-40B4-BE49-F238E27FC236}">
-                <a16:creationId xmlns:a16="http://schemas.microsoft.com/office/drawing/2014/main" id="{940F4060-435A-4CB0-A87A-D31CC5C52396}"/>
-              </a:ext>
-            </a:extLst>
-          </p:cNvPr>
-          <p:cNvSpPr/>
-          <p:nvPr/>
-        </p:nvSpPr>
-        <p:spPr>
-          <a:xfrm>
-            <a:off x="4707569" y="1782501"/>
-            <a:ext cx="2772135" cy="4358536"/>
-          </a:xfrm>
-          <a:prstGeom prst="roundRect">
-            <a:avLst>
-              <a:gd name="adj" fmla="val 4203"/>
-            </a:avLst>
-          </a:prstGeom>
-          <a:noFill/>
-          <a:ln w="9525">
-            <a:solidFill>
-              <a:srgbClr val="4884A6"/>
-            </a:solidFill>
-          </a:ln>
-        </p:spPr>
-        <p:style>
-          <a:lnRef idx="2">
-            <a:schemeClr val="accent1">
-              <a:shade val="50000"/>
-            </a:schemeClr>
-          </a:lnRef>
-          <a:fillRef idx="1">
-            <a:schemeClr val="accent1"/>
-          </a:fillRef>
-          <a:effectRef idx="0">
-            <a:schemeClr val="accent1"/>
-          </a:effectRef>
-          <a:fontRef idx="minor">
-            <a:schemeClr val="lt1"/>
-          </a:fontRef>
-        </p:style>
-        <p:txBody>
-          <a:bodyPr rtlCol="0" anchor="ctr"/>
-          <a:lstStyle/>
-          <a:p>
-            <a:pPr algn="ctr"/>
-            <a:endParaRPr lang="en-US"/>
-          </a:p>
-        </p:txBody>
-      </p:sp>
-      <p:sp>
-        <p:nvSpPr>
-          <p:cNvPr id="12" name="Title 1">
-            <a:extLst>
-              <a:ext uri="{FF2B5EF4-FFF2-40B4-BE49-F238E27FC236}">
-                <a16:creationId xmlns:a16="http://schemas.microsoft.com/office/drawing/2014/main" id="{5D0BD12A-BA9F-49F4-A0B5-FA75B73B777B}"/>
-              </a:ext>
-            </a:extLst>
-          </p:cNvPr>
-          <p:cNvSpPr txBox="1">
-            <a:spLocks/>
-          </p:cNvSpPr>
-          <p:nvPr/>
-        </p:nvSpPr>
-        <p:spPr>
-          <a:xfrm>
-            <a:off x="8705381" y="1864044"/>
-            <a:ext cx="2133001" cy="580539"/>
-          </a:xfrm>
-          <a:prstGeom prst="rect">
-            <a:avLst/>
-          </a:prstGeom>
-        </p:spPr>
-        <p:txBody>
-          <a:bodyPr vert="horz" lIns="91440" tIns="45720" rIns="91440" bIns="45720" rtlCol="0" anchor="ctr">
-            <a:noAutofit/>
-          </a:bodyPr>
-          <a:lstStyle>
-            <a:lvl1pPr algn="l" defTabSz="914400" rtl="0" eaLnBrk="1" latinLnBrk="0" hangingPunct="1">
-              <a:lnSpc>
-                <a:spcPct val="90000"/>
-              </a:lnSpc>
-              <a:spcBef>
-                <a:spcPct val="0"/>
-              </a:spcBef>
-              <a:buNone/>
-              <a:defRPr sz="4400" kern="1200">
-                <a:solidFill>
-                  <a:schemeClr val="tx1"/>
-                </a:solidFill>
-                <a:latin typeface="+mj-lt"/>
-                <a:ea typeface="+mj-ea"/>
-                <a:cs typeface="+mj-cs"/>
-              </a:defRPr>
-            </a:lvl1pPr>
-          </a:lstStyle>
-          <a:p>
-            <a:pPr algn="ctr"/>
-            <a:r>
-              <a:rPr lang="en-US" sz="1200" b="1">
-                <a:solidFill>
-                  <a:srgbClr val="3F7593"/>
-                </a:solidFill>
-              </a:rPr>
-              <a:t>Churn Prevention</a:t>
-            </a:r>
-          </a:p>
-          <a:p>
-            <a:pPr algn="ctr"/>
-            <a:r>
-              <a:rPr lang="en-US" sz="1200" b="1">
-                <a:solidFill>
-                  <a:srgbClr val="3F7593"/>
-                </a:solidFill>
-              </a:rPr>
-              <a:t>Analysis</a:t>
-            </a:r>
-          </a:p>
-        </p:txBody>
-      </p:sp>
-      <p:pic>
-        <p:nvPicPr>
-          <p:cNvPr id="13" name="Bildobjekt 11">
-            <a:extLst>
-              <a:ext uri="{FF2B5EF4-FFF2-40B4-BE49-F238E27FC236}">
-                <a16:creationId xmlns:a16="http://schemas.microsoft.com/office/drawing/2014/main" id="{C3E3A078-286D-46DD-BF16-016CC7FE2CBD}"/>
-              </a:ext>
-            </a:extLst>
-          </p:cNvPr>
-          <p:cNvPicPr>
-            <a:picLocks noChangeAspect="1"/>
-          </p:cNvPicPr>
-          <p:nvPr/>
-        </p:nvPicPr>
-        <p:blipFill>
-          <a:blip r:embed="rId7"/>
-          <a:stretch>
-            <a:fillRect/>
-          </a:stretch>
-        </p:blipFill>
-        <p:spPr>
-          <a:xfrm>
-            <a:off x="8905514" y="2661966"/>
-            <a:ext cx="1732735" cy="1103394"/>
-          </a:xfrm>
-          <a:prstGeom prst="rect">
-            <a:avLst/>
-          </a:prstGeom>
-          <a:ln w="6350">
-            <a:solidFill>
-              <a:srgbClr val="6CA2C0"/>
-            </a:solidFill>
-          </a:ln>
-        </p:spPr>
-      </p:pic>
-      <p:pic>
-        <p:nvPicPr>
-          <p:cNvPr id="14" name="Bildobjekt 12">
-            <a:extLst>
-              <a:ext uri="{FF2B5EF4-FFF2-40B4-BE49-F238E27FC236}">
-                <a16:creationId xmlns:a16="http://schemas.microsoft.com/office/drawing/2014/main" id="{8A401184-7C09-4F4C-AA1C-8894E913FD43}"/>
-              </a:ext>
-            </a:extLst>
-          </p:cNvPr>
-          <p:cNvPicPr>
-            <a:picLocks noChangeAspect="1"/>
-          </p:cNvPicPr>
-          <p:nvPr/>
-        </p:nvPicPr>
-        <p:blipFill>
-          <a:blip r:embed="rId8"/>
-          <a:stretch>
-            <a:fillRect/>
-          </a:stretch>
-        </p:blipFill>
-        <p:spPr>
-          <a:xfrm>
-            <a:off x="8894629" y="3983329"/>
-            <a:ext cx="1754505" cy="1086880"/>
-          </a:xfrm>
-          <a:prstGeom prst="rect">
-            <a:avLst/>
-          </a:prstGeom>
-          <a:ln w="6350">
-            <a:solidFill>
-              <a:srgbClr val="6CA2C0"/>
-            </a:solidFill>
-          </a:ln>
-        </p:spPr>
-      </p:pic>
-      <p:sp>
-        <p:nvSpPr>
-          <p:cNvPr id="17" name="Text Placeholder 2">
-            <a:extLst>
-              <a:ext uri="{FF2B5EF4-FFF2-40B4-BE49-F238E27FC236}">
-                <a16:creationId xmlns:a16="http://schemas.microsoft.com/office/drawing/2014/main" id="{8F3B18FC-3083-44DD-9BEF-4E9F67D08769}"/>
-              </a:ext>
-            </a:extLst>
-          </p:cNvPr>
-          <p:cNvSpPr txBox="1">
-            <a:spLocks/>
-          </p:cNvSpPr>
-          <p:nvPr/>
-        </p:nvSpPr>
-        <p:spPr>
-          <a:xfrm>
-            <a:off x="8579896" y="5287592"/>
-            <a:ext cx="2383971" cy="951415"/>
-          </a:xfrm>
-          <a:prstGeom prst="rect">
-            <a:avLst/>
-          </a:prstGeom>
-        </p:spPr>
-        <p:txBody>
-          <a:bodyPr vert="horz" lIns="91440" tIns="45720" rIns="91440" bIns="45720" rtlCol="0">
-            <a:normAutofit/>
-          </a:bodyPr>
-          <a:lstStyle>
-            <a:lvl1pPr indent="0" algn="ctr">
-              <a:lnSpc>
-                <a:spcPct val="90000"/>
-              </a:lnSpc>
-              <a:spcBef>
-                <a:spcPts val="1000"/>
-              </a:spcBef>
-              <a:buFont typeface="Arial" panose="020B0604020202020204" pitchFamily="34" charset="0"/>
-              <a:buNone/>
-              <a:defRPr sz="2000"/>
-            </a:lvl1pPr>
-            <a:lvl2pPr marL="685800" indent="-228600">
-              <a:lnSpc>
-                <a:spcPct val="90000"/>
-              </a:lnSpc>
-              <a:spcBef>
-                <a:spcPts val="500"/>
-              </a:spcBef>
-              <a:buFont typeface="Arial" panose="020B0604020202020204" pitchFamily="34" charset="0"/>
-              <a:buChar char="•"/>
-              <a:defRPr sz="2400"/>
-            </a:lvl2pPr>
-            <a:lvl3pPr marL="1143000" indent="-228600">
-              <a:lnSpc>
-                <a:spcPct val="90000"/>
-              </a:lnSpc>
-              <a:spcBef>
-                <a:spcPts val="500"/>
-              </a:spcBef>
-              <a:buFont typeface="Arial" panose="020B0604020202020204" pitchFamily="34" charset="0"/>
-              <a:buChar char="•"/>
-              <a:defRPr sz="2000"/>
-            </a:lvl3pPr>
-            <a:lvl4pPr marL="1600200" indent="-228600">
-              <a:lnSpc>
-                <a:spcPct val="90000"/>
-              </a:lnSpc>
-              <a:spcBef>
-                <a:spcPts val="500"/>
-              </a:spcBef>
-              <a:buFont typeface="Arial" panose="020B0604020202020204" pitchFamily="34" charset="0"/>
-              <a:buChar char="•"/>
-            </a:lvl4pPr>
-            <a:lvl5pPr marL="2057400" indent="-228600">
-              <a:lnSpc>
-                <a:spcPct val="90000"/>
-              </a:lnSpc>
-              <a:spcBef>
-                <a:spcPts val="500"/>
-              </a:spcBef>
-              <a:buFont typeface="Arial" panose="020B0604020202020204" pitchFamily="34" charset="0"/>
-              <a:buChar char="•"/>
-            </a:lvl5pPr>
-            <a:lvl6pPr marL="2514600" indent="-228600">
-              <a:lnSpc>
-                <a:spcPct val="90000"/>
-              </a:lnSpc>
-              <a:spcBef>
-                <a:spcPts val="500"/>
-              </a:spcBef>
-              <a:buFont typeface="Arial" panose="020B0604020202020204" pitchFamily="34" charset="0"/>
-              <a:buChar char="•"/>
-            </a:lvl6pPr>
-            <a:lvl7pPr marL="2971800" indent="-228600">
-              <a:lnSpc>
-                <a:spcPct val="90000"/>
-              </a:lnSpc>
-              <a:spcBef>
-                <a:spcPts val="500"/>
-              </a:spcBef>
-              <a:buFont typeface="Arial" panose="020B0604020202020204" pitchFamily="34" charset="0"/>
-              <a:buChar char="•"/>
-            </a:lvl7pPr>
-            <a:lvl8pPr marL="3429000" indent="-228600">
-              <a:lnSpc>
-                <a:spcPct val="90000"/>
-              </a:lnSpc>
-              <a:spcBef>
-                <a:spcPts val="500"/>
-              </a:spcBef>
-              <a:buFont typeface="Arial" panose="020B0604020202020204" pitchFamily="34" charset="0"/>
-              <a:buChar char="•"/>
-            </a:lvl8pPr>
-            <a:lvl9pPr marL="3886200" indent="-228600">
-              <a:lnSpc>
-                <a:spcPct val="90000"/>
-              </a:lnSpc>
-              <a:spcBef>
-                <a:spcPts val="500"/>
-              </a:spcBef>
-              <a:buFont typeface="Arial" panose="020B0604020202020204" pitchFamily="34" charset="0"/>
-              <a:buChar char="•"/>
-            </a:lvl9pPr>
-          </a:lstStyle>
-          <a:p>
-            <a:r>
-              <a:rPr lang="sv-SE" sz="1100" err="1">
-                <a:solidFill>
-                  <a:schemeClr val="tx1">
-                    <a:lumMod val="75000"/>
-                    <a:lumOff val="25000"/>
-                  </a:schemeClr>
-                </a:solidFill>
-              </a:rPr>
-              <a:t>Machine</a:t>
-            </a:r>
-            <a:r>
-              <a:rPr lang="sv-SE" sz="1100">
-                <a:solidFill>
-                  <a:schemeClr val="tx1">
-                    <a:lumMod val="75000"/>
-                    <a:lumOff val="25000"/>
-                  </a:schemeClr>
-                </a:solidFill>
-              </a:rPr>
-              <a:t> Learning </a:t>
-            </a:r>
-            <a:r>
-              <a:rPr lang="sv-SE" sz="1100" err="1">
-                <a:solidFill>
-                  <a:schemeClr val="tx1">
-                    <a:lumMod val="75000"/>
-                    <a:lumOff val="25000"/>
-                  </a:schemeClr>
-                </a:solidFill>
-              </a:rPr>
-              <a:t>algorithms</a:t>
-            </a:r>
-            <a:r>
-              <a:rPr lang="sv-SE" sz="1100">
-                <a:solidFill>
-                  <a:schemeClr val="tx1">
-                    <a:lumMod val="75000"/>
-                    <a:lumOff val="25000"/>
-                  </a:schemeClr>
-                </a:solidFill>
-              </a:rPr>
-              <a:t> </a:t>
-            </a:r>
-            <a:r>
-              <a:rPr lang="sv-SE" sz="1100" err="1">
-                <a:solidFill>
-                  <a:schemeClr val="tx1">
-                    <a:lumMod val="75000"/>
-                    <a:lumOff val="25000"/>
-                  </a:schemeClr>
-                </a:solidFill>
-              </a:rPr>
-              <a:t>used</a:t>
-            </a:r>
-            <a:r>
-              <a:rPr lang="sv-SE" sz="1100">
-                <a:solidFill>
-                  <a:schemeClr val="tx1">
-                    <a:lumMod val="75000"/>
-                    <a:lumOff val="25000"/>
-                  </a:schemeClr>
-                </a:solidFill>
-              </a:rPr>
-              <a:t> to </a:t>
-            </a:r>
-            <a:r>
-              <a:rPr lang="sv-SE" sz="1100" err="1">
-                <a:solidFill>
-                  <a:schemeClr val="tx1">
-                    <a:lumMod val="75000"/>
-                    <a:lumOff val="25000"/>
-                  </a:schemeClr>
-                </a:solidFill>
-              </a:rPr>
-              <a:t>predict</a:t>
-            </a:r>
-            <a:r>
-              <a:rPr lang="sv-SE" sz="1100">
-                <a:solidFill>
-                  <a:schemeClr val="tx1">
-                    <a:lumMod val="75000"/>
-                    <a:lumOff val="25000"/>
-                  </a:schemeClr>
-                </a:solidFill>
-              </a:rPr>
-              <a:t> B2B </a:t>
-            </a:r>
-            <a:r>
-              <a:rPr lang="sv-SE" sz="1100" b="1" err="1">
-                <a:solidFill>
-                  <a:srgbClr val="3F7593"/>
-                </a:solidFill>
-              </a:rPr>
-              <a:t>churn</a:t>
-            </a:r>
-            <a:r>
-              <a:rPr lang="sv-SE" sz="1100" b="1">
-                <a:solidFill>
-                  <a:srgbClr val="3F7593"/>
-                </a:solidFill>
-              </a:rPr>
-              <a:t> risk </a:t>
-            </a:r>
-            <a:r>
-              <a:rPr lang="sv-SE" sz="1100" b="1" err="1">
-                <a:solidFill>
-                  <a:srgbClr val="3F7593"/>
-                </a:solidFill>
-              </a:rPr>
-              <a:t>behavior</a:t>
-            </a:r>
-            <a:r>
-              <a:rPr lang="sv-SE" sz="1100" b="1">
-                <a:solidFill>
-                  <a:srgbClr val="3F7593"/>
-                </a:solidFill>
-              </a:rPr>
-              <a:t> and </a:t>
-            </a:r>
-            <a:r>
-              <a:rPr lang="sv-SE" sz="1100" b="1" err="1">
-                <a:solidFill>
-                  <a:srgbClr val="3F7593"/>
-                </a:solidFill>
-              </a:rPr>
-              <a:t>create</a:t>
-            </a:r>
-            <a:r>
-              <a:rPr lang="sv-SE" sz="1100" b="1">
-                <a:solidFill>
-                  <a:srgbClr val="3F7593"/>
-                </a:solidFill>
-              </a:rPr>
-              <a:t> </a:t>
-            </a:r>
-            <a:r>
-              <a:rPr lang="sv-SE" sz="1100" b="1" err="1">
-                <a:solidFill>
-                  <a:srgbClr val="3F7593"/>
-                </a:solidFill>
-              </a:rPr>
-              <a:t>targeted</a:t>
-            </a:r>
-            <a:r>
-              <a:rPr lang="sv-SE" sz="1100" b="1">
-                <a:solidFill>
-                  <a:srgbClr val="3F7593"/>
-                </a:solidFill>
-              </a:rPr>
-              <a:t> marketing</a:t>
-            </a:r>
-            <a:r>
-              <a:rPr lang="sv-SE" sz="1100" b="1">
-                <a:solidFill>
-                  <a:schemeClr val="tx1">
-                    <a:lumMod val="75000"/>
-                    <a:lumOff val="25000"/>
-                  </a:schemeClr>
-                </a:solidFill>
-              </a:rPr>
-              <a:t> </a:t>
-            </a:r>
-            <a:r>
-              <a:rPr lang="sv-SE" sz="1100" err="1">
-                <a:solidFill>
-                  <a:schemeClr val="tx1">
-                    <a:lumMod val="75000"/>
-                    <a:lumOff val="25000"/>
-                  </a:schemeClr>
-                </a:solidFill>
-              </a:rPr>
-              <a:t>activities</a:t>
-            </a:r>
-            <a:r>
-              <a:rPr lang="sv-SE" sz="1100">
-                <a:solidFill>
-                  <a:schemeClr val="tx1">
-                    <a:lumMod val="75000"/>
-                    <a:lumOff val="25000"/>
-                  </a:schemeClr>
-                </a:solidFill>
-              </a:rPr>
-              <a:t>.</a:t>
-            </a:r>
-          </a:p>
-        </p:txBody>
-      </p:sp>
-      <p:sp>
-        <p:nvSpPr>
-          <p:cNvPr id="20" name="Rektangel: rundade hörn 2">
-            <a:extLst>
-              <a:ext uri="{FF2B5EF4-FFF2-40B4-BE49-F238E27FC236}">
-                <a16:creationId xmlns:a16="http://schemas.microsoft.com/office/drawing/2014/main" id="{D883C779-5F44-49BF-A1C1-D8E6DB7261C1}"/>
-              </a:ext>
-            </a:extLst>
-          </p:cNvPr>
-          <p:cNvSpPr/>
-          <p:nvPr/>
-        </p:nvSpPr>
-        <p:spPr>
-          <a:xfrm>
-            <a:off x="8385814" y="1782501"/>
-            <a:ext cx="2772135" cy="4358536"/>
-          </a:xfrm>
-          <a:prstGeom prst="roundRect">
-            <a:avLst>
-              <a:gd name="adj" fmla="val 4203"/>
-            </a:avLst>
-          </a:prstGeom>
-          <a:noFill/>
-          <a:ln w="9525">
-            <a:solidFill>
-              <a:srgbClr val="4884A6"/>
-            </a:solidFill>
-          </a:ln>
-        </p:spPr>
-        <p:style>
-          <a:lnRef idx="2">
-            <a:schemeClr val="accent1">
-              <a:shade val="50000"/>
-            </a:schemeClr>
-          </a:lnRef>
-          <a:fillRef idx="1">
-            <a:schemeClr val="accent1"/>
-          </a:fillRef>
-          <a:effectRef idx="0">
-            <a:schemeClr val="accent1"/>
-          </a:effectRef>
-          <a:fontRef idx="minor">
-            <a:schemeClr val="lt1"/>
-          </a:fontRef>
-        </p:style>
-        <p:txBody>
-          <a:bodyPr rtlCol="0" anchor="ctr"/>
-          <a:lstStyle/>
-          <a:p>
-            <a:pPr algn="ctr"/>
-            <a:endParaRPr lang="en-US"/>
-          </a:p>
-        </p:txBody>
-      </p:sp>
-      <p:sp>
-        <p:nvSpPr>
-          <p:cNvPr id="21" name="Platshållare för sidfot 3">
-            <a:extLst>
-              <a:ext uri="{FF2B5EF4-FFF2-40B4-BE49-F238E27FC236}">
-                <a16:creationId xmlns:a16="http://schemas.microsoft.com/office/drawing/2014/main" id="{DE9F9288-1CF1-419C-8D5F-C5008CDD2529}"/>
+                <a16:creationId xmlns:a16="http://schemas.microsoft.com/office/drawing/2014/main" id="{57B81040-C303-3DC8-187F-4E9AB160F643}"/>
               </a:ext>
             </a:extLst>
           </p:cNvPr>
@@ -10994,27 +8348,87 @@
             <p:ph type="ftr" sz="quarter" idx="11"/>
           </p:nvPr>
         </p:nvSpPr>
-        <p:spPr>
-          <a:xfrm>
-            <a:off x="4119625" y="6489582"/>
-            <a:ext cx="4114800" cy="365125"/>
-          </a:xfrm>
-        </p:spPr>
+        <p:spPr/>
         <p:txBody>
           <a:bodyPr/>
           <a:lstStyle/>
           <a:p>
             <a:r>
               <a:rPr lang="en-US"/>
-              <a:t>Copyright Adage AB</a:t>
+              <a:t>Adage</a:t>
             </a:r>
           </a:p>
         </p:txBody>
       </p:sp>
+      <p:sp>
+        <p:nvSpPr>
+          <p:cNvPr id="8" name="Slide Number Placeholder 7">
+            <a:extLst>
+              <a:ext uri="{FF2B5EF4-FFF2-40B4-BE49-F238E27FC236}">
+                <a16:creationId xmlns:a16="http://schemas.microsoft.com/office/drawing/2014/main" id="{168E9341-6BF1-58D4-1C20-E62706DDE144}"/>
+              </a:ext>
+            </a:extLst>
+          </p:cNvPr>
+          <p:cNvSpPr>
+            <a:spLocks noGrp="1"/>
+          </p:cNvSpPr>
+          <p:nvPr>
+            <p:ph type="sldNum" sz="quarter" idx="12"/>
+          </p:nvPr>
+        </p:nvSpPr>
+        <p:spPr/>
+        <p:txBody>
+          <a:bodyPr/>
+          <a:lstStyle/>
+          <a:p>
+            <a:fld id="{A2DCBA88-1671-42D3-9686-8895CAE7DED7}" type="slidenum">
+              <a:rPr lang="en-US" smtClean="0"/>
+              <a:t>6</a:t>
+            </a:fld>
+            <a:endParaRPr lang="en-US"/>
+          </a:p>
+        </p:txBody>
+      </p:sp>
+      <p:pic>
+        <p:nvPicPr>
+          <p:cNvPr id="20" name="Picture 19">
+            <a:extLst>
+              <a:ext uri="{FF2B5EF4-FFF2-40B4-BE49-F238E27FC236}">
+                <a16:creationId xmlns:a16="http://schemas.microsoft.com/office/drawing/2014/main" id="{DDAB0BCB-4215-1877-D702-18D85CA872C0}"/>
+              </a:ext>
+            </a:extLst>
+          </p:cNvPr>
+          <p:cNvPicPr>
+            <a:picLocks noChangeAspect="1"/>
+          </p:cNvPicPr>
+          <p:nvPr/>
+        </p:nvPicPr>
+        <p:blipFill>
+          <a:blip r:embed="rId3">
+            <a:extLst>
+              <a:ext uri="{28A0092B-C50C-407E-A947-70E740481C1C}">
+                <a14:useLocalDpi xmlns:a14="http://schemas.microsoft.com/office/drawing/2010/main" val="0"/>
+              </a:ext>
+            </a:extLst>
+          </a:blip>
+          <a:stretch>
+            <a:fillRect/>
+          </a:stretch>
+        </p:blipFill>
+        <p:spPr>
+          <a:xfrm>
+            <a:off x="-10758" y="1210498"/>
+            <a:ext cx="12202758" cy="499706"/>
+          </a:xfrm>
+          <a:prstGeom prst="rect">
+            <a:avLst/>
+          </a:prstGeom>
+        </p:spPr>
+      </p:pic>
     </p:spTree>
     <p:extLst>
       <p:ext uri="{BB962C8B-B14F-4D97-AF65-F5344CB8AC3E}">
-        <p14:creationId xmlns:p14="http://schemas.microsoft.com/office/powerpoint/2010/main" val="2512161021"/>
+        <p14:creationId xmlns:p14="http://schemas.microsoft.com/office/powerpoint/2010/main" val="4247269726"/>
       </p:ext>
     </p:extLst>
   </p:cSld>
@@ -11046,7 +8460,7 @@
           <p:cNvPr id="2" name="Title 1">
             <a:extLst>
               <a:ext uri="{FF2B5EF4-FFF2-40B4-BE49-F238E27FC236}">
-                <a16:creationId xmlns:a16="http://schemas.microsoft.com/office/drawing/2014/main" id="{1D6D23A3-3DA2-807B-C209-6DF8B356C43C}"/>
+                <a16:creationId xmlns:a16="http://schemas.microsoft.com/office/drawing/2014/main" id="{AC7BC4BC-A4F1-27CD-519D-E99B10F62B7D}"/>
               </a:ext>
             </a:extLst>
           </p:cNvPr>
@@ -11057,10 +8471,50 @@
             <p:ph type="title"/>
           </p:nvPr>
         </p:nvSpPr>
+        <p:spPr/>
+        <p:txBody>
+          <a:bodyPr/>
+          <a:lstStyle/>
+          <a:p>
+            <a:r>
+              <a:rPr lang="en-US" dirty="0">
+                <a:solidFill>
+                  <a:srgbClr val="3F7593"/>
+                </a:solidFill>
+              </a:rPr>
+              <a:t>Descriptive analysis </a:t>
+            </a:r>
+            <a:r>
+              <a:rPr lang="sv-SE" dirty="0">
+                <a:solidFill>
+                  <a:srgbClr val="3F7593"/>
+                </a:solidFill>
+              </a:rPr>
+              <a:t>- Duration</a:t>
+            </a:r>
+          </a:p>
+        </p:txBody>
+      </p:sp>
+      <p:sp>
+        <p:nvSpPr>
+          <p:cNvPr id="7" name="Content Placeholder 6">
+            <a:extLst>
+              <a:ext uri="{FF2B5EF4-FFF2-40B4-BE49-F238E27FC236}">
+                <a16:creationId xmlns:a16="http://schemas.microsoft.com/office/drawing/2014/main" id="{38EFCF43-0AC3-8D1E-1DF5-26CA9A88D251}"/>
+              </a:ext>
+            </a:extLst>
+          </p:cNvPr>
+          <p:cNvSpPr>
+            <a:spLocks noGrp="1"/>
+          </p:cNvSpPr>
+          <p:nvPr>
+            <p:ph sz="half" idx="2"/>
+          </p:nvPr>
+        </p:nvSpPr>
         <p:spPr>
           <a:xfrm>
-            <a:off x="839788" y="333594"/>
-            <a:ext cx="10515600" cy="1325563"/>
+            <a:off x="839788" y="1681163"/>
+            <a:ext cx="5157787" cy="4508500"/>
           </a:xfrm>
         </p:spPr>
         <p:txBody>
@@ -11068,22 +8522,63 @@
           <a:lstStyle/>
           <a:p>
             <a:r>
-              <a:rPr lang="en-US" sz="3200" dirty="0">
-                <a:solidFill>
-                  <a:srgbClr val="3F7593"/>
-                </a:solidFill>
-              </a:rPr>
-              <a:t>Case &amp; MVP</a:t>
-            </a:r>
+              <a:rPr lang="sv-SE" dirty="0"/>
+              <a:t>Most </a:t>
+            </a:r>
+            <a:r>
+              <a:rPr lang="sv-SE" dirty="0" err="1"/>
+              <a:t>important</a:t>
+            </a:r>
+            <a:r>
+              <a:rPr lang="sv-SE" dirty="0"/>
+              <a:t> feature</a:t>
+            </a:r>
+          </a:p>
+          <a:p>
+            <a:endParaRPr lang="sv-SE" dirty="0"/>
           </a:p>
         </p:txBody>
       </p:sp>
+      <p:pic>
+        <p:nvPicPr>
+          <p:cNvPr id="11" name="Content Placeholder 10" descr="Chart&#10;&#10;Description automatically generated">
+            <a:extLst>
+              <a:ext uri="{FF2B5EF4-FFF2-40B4-BE49-F238E27FC236}">
+                <a16:creationId xmlns:a16="http://schemas.microsoft.com/office/drawing/2014/main" id="{2C7F5AFF-3C1F-DC7A-2507-2675B2F493B6}"/>
+              </a:ext>
+            </a:extLst>
+          </p:cNvPr>
+          <p:cNvPicPr>
+            <a:picLocks noGrp="1" noChangeAspect="1"/>
+          </p:cNvPicPr>
+          <p:nvPr>
+            <p:ph sz="quarter" idx="4"/>
+          </p:nvPr>
+        </p:nvPicPr>
+        <p:blipFill rotWithShape="1">
+          <a:blip r:embed="rId2">
+            <a:extLst>
+              <a:ext uri="{28A0092B-C50C-407E-A947-70E740481C1C}">
+                <a14:useLocalDpi xmlns:a14="http://schemas.microsoft.com/office/drawing/2010/main" val="0"/>
+              </a:ext>
+            </a:extLst>
+          </a:blip>
+          <a:srcRect t="9822" r="8489"/>
+          <a:stretch/>
+        </p:blipFill>
+        <p:spPr>
+          <a:xfrm>
+            <a:off x="6135897" y="1690688"/>
+            <a:ext cx="5898333" cy="4359311"/>
+          </a:xfrm>
+        </p:spPr>
+      </p:pic>
       <p:sp>
         <p:nvSpPr>
           <p:cNvPr id="4" name="Footer Placeholder 3">
             <a:extLst>
               <a:ext uri="{FF2B5EF4-FFF2-40B4-BE49-F238E27FC236}">
-                <a16:creationId xmlns:a16="http://schemas.microsoft.com/office/drawing/2014/main" id="{65893218-3DFD-202D-85E8-50A8FA80B00B}"/>
+                <a16:creationId xmlns:a16="http://schemas.microsoft.com/office/drawing/2014/main" id="{E37F936B-299A-951A-F4B6-6DE3EEC25F45}"/>
               </a:ext>
             </a:extLst>
           </p:cNvPr>
@@ -11111,7 +8606,7 @@
           <p:cNvPr id="5" name="Slide Number Placeholder 4">
             <a:extLst>
               <a:ext uri="{FF2B5EF4-FFF2-40B4-BE49-F238E27FC236}">
-                <a16:creationId xmlns:a16="http://schemas.microsoft.com/office/drawing/2014/main" id="{13A5D15C-4151-C8C8-8972-70FC0B0645A8}"/>
+                <a16:creationId xmlns:a16="http://schemas.microsoft.com/office/drawing/2014/main" id="{7518F1AA-C667-94E6-E8C0-3CC882EAB856}"/>
               </a:ext>
             </a:extLst>
           </p:cNvPr>
@@ -11135,135 +8630,10 @@
           </a:p>
         </p:txBody>
       </p:sp>
-      <p:sp>
-        <p:nvSpPr>
-          <p:cNvPr id="13" name="Rectangle: Rounded Corners 12">
-            <a:extLst>
-              <a:ext uri="{FF2B5EF4-FFF2-40B4-BE49-F238E27FC236}">
-                <a16:creationId xmlns:a16="http://schemas.microsoft.com/office/drawing/2014/main" id="{29601180-66AC-7CF7-E478-F9475605FD5C}"/>
-              </a:ext>
-            </a:extLst>
-          </p:cNvPr>
-          <p:cNvSpPr/>
-          <p:nvPr/>
-        </p:nvSpPr>
-        <p:spPr>
-          <a:xfrm>
-            <a:off x="6356281" y="1690688"/>
-            <a:ext cx="5002282" cy="4498974"/>
-          </a:xfrm>
-          <a:prstGeom prst="roundRect">
-            <a:avLst>
-              <a:gd name="adj" fmla="val 2023"/>
-            </a:avLst>
-          </a:prstGeom>
-          <a:noFill/>
-        </p:spPr>
-        <p:style>
-          <a:lnRef idx="2">
-            <a:schemeClr val="accent1">
-              <a:shade val="50000"/>
-            </a:schemeClr>
-          </a:lnRef>
-          <a:fillRef idx="1">
-            <a:schemeClr val="accent1"/>
-          </a:fillRef>
-          <a:effectRef idx="0">
-            <a:schemeClr val="accent1"/>
-          </a:effectRef>
-          <a:fontRef idx="minor">
-            <a:schemeClr val="lt1"/>
-          </a:fontRef>
-        </p:style>
-        <p:txBody>
-          <a:bodyPr rtlCol="0" anchor="t" anchorCtr="0"/>
-          <a:lstStyle/>
-          <a:p>
-            <a:r>
-              <a:rPr lang="en-US" sz="2400" dirty="0">
-                <a:solidFill>
-                  <a:schemeClr val="tx1">
-                    <a:lumMod val="75000"/>
-                    <a:lumOff val="25000"/>
-                  </a:schemeClr>
-                </a:solidFill>
-              </a:rPr>
-              <a:t>MVP: use the current campaign to produce the model.</a:t>
-            </a:r>
-          </a:p>
-          <a:p>
-            <a:pPr marL="342900" indent="-342900">
-              <a:buFont typeface="Arial" panose="020B0604020202020204" pitchFamily="34" charset="0"/>
-              <a:buChar char="•"/>
-            </a:pPr>
-            <a:r>
-              <a:rPr lang="en-US" sz="2400" dirty="0">
-                <a:solidFill>
-                  <a:schemeClr val="tx1">
-                    <a:lumMod val="75000"/>
-                    <a:lumOff val="25000"/>
-                  </a:schemeClr>
-                </a:solidFill>
-              </a:rPr>
-              <a:t>It will give a baseline of how much an NBO will increase the success rate, compared to not having one</a:t>
-            </a:r>
-          </a:p>
-          <a:p>
-            <a:pPr marL="342900" indent="-342900">
-              <a:buFont typeface="Arial" panose="020B0604020202020204" pitchFamily="34" charset="0"/>
-              <a:buChar char="•"/>
-            </a:pPr>
-            <a:r>
-              <a:rPr lang="en-US" sz="2400" dirty="0">
-                <a:solidFill>
-                  <a:schemeClr val="tx1">
-                    <a:lumMod val="75000"/>
-                    <a:lumOff val="25000"/>
-                  </a:schemeClr>
-                </a:solidFill>
-              </a:rPr>
-              <a:t>By having a </a:t>
-            </a:r>
-            <a:r>
-              <a:rPr lang="en-US" sz="2400" b="1" dirty="0">
-                <a:solidFill>
-                  <a:schemeClr val="tx1">
-                    <a:lumMod val="75000"/>
-                    <a:lumOff val="25000"/>
-                  </a:schemeClr>
-                </a:solidFill>
-              </a:rPr>
-              <a:t>1%</a:t>
-            </a:r>
-            <a:r>
-              <a:rPr lang="en-US" sz="2400" dirty="0">
-                <a:solidFill>
-                  <a:schemeClr val="tx1">
-                    <a:lumMod val="75000"/>
-                    <a:lumOff val="25000"/>
-                  </a:schemeClr>
-                </a:solidFill>
-              </a:rPr>
-              <a:t> increase in the success for a campaign the revenue will increase by </a:t>
-            </a:r>
-            <a:r>
-              <a:rPr lang="en-US" sz="2400" b="1" dirty="0">
-                <a:solidFill>
-                  <a:schemeClr val="tx1">
-                    <a:lumMod val="75000"/>
-                    <a:lumOff val="25000"/>
-                  </a:schemeClr>
-                </a:solidFill>
-              </a:rPr>
-              <a:t>1MSEK</a:t>
-            </a:r>
-          </a:p>
-        </p:txBody>
-      </p:sp>
     </p:spTree>
     <p:extLst>
       <p:ext uri="{BB962C8B-B14F-4D97-AF65-F5344CB8AC3E}">
-        <p14:creationId xmlns:p14="http://schemas.microsoft.com/office/powerpoint/2010/main" val="2564057374"/>
+        <p14:creationId xmlns:p14="http://schemas.microsoft.com/office/powerpoint/2010/main" val="346461996"/>
       </p:ext>
     </p:extLst>
   </p:cSld>
@@ -11295,7 +8665,7 @@
           <p:cNvPr id="2" name="Title 1">
             <a:extLst>
               <a:ext uri="{FF2B5EF4-FFF2-40B4-BE49-F238E27FC236}">
-                <a16:creationId xmlns:a16="http://schemas.microsoft.com/office/drawing/2014/main" id="{7A4A5CF7-C45F-4D58-8821-ED64B2430A10}"/>
+                <a16:creationId xmlns:a16="http://schemas.microsoft.com/office/drawing/2014/main" id="{A3F0E8DA-ADB0-94F6-D817-EA688A6E7523}"/>
               </a:ext>
             </a:extLst>
           </p:cNvPr>
@@ -11314,1954 +8684,153 @@
           <a:lstStyle/>
           <a:p>
             <a:r>
-              <a:rPr lang="en-US" sz="3200"/>
-              <a:t>Getting started with Advanced Analytics</a:t>
-            </a:r>
+              <a:rPr lang="sv-SE" dirty="0" err="1">
+                <a:solidFill>
+                  <a:srgbClr val="3F7593"/>
+                </a:solidFill>
+              </a:rPr>
+              <a:t>Logistic</a:t>
+            </a:r>
+            <a:r>
+              <a:rPr lang="sv-SE" dirty="0">
+                <a:solidFill>
+                  <a:srgbClr val="3F7593"/>
+                </a:solidFill>
+              </a:rPr>
+              <a:t> </a:t>
+            </a:r>
+            <a:r>
+              <a:rPr lang="sv-SE" dirty="0" err="1">
+                <a:solidFill>
+                  <a:srgbClr val="3F7593"/>
+                </a:solidFill>
+              </a:rPr>
+              <a:t>regration</a:t>
+            </a:r>
+            <a:r>
+              <a:rPr lang="sv-SE" dirty="0">
+                <a:solidFill>
+                  <a:srgbClr val="3F7593"/>
+                </a:solidFill>
+              </a:rPr>
+              <a:t> </a:t>
+            </a:r>
+            <a:r>
+              <a:rPr lang="sv-SE" dirty="0" err="1">
+                <a:solidFill>
+                  <a:srgbClr val="3F7593"/>
+                </a:solidFill>
+              </a:rPr>
+              <a:t>model</a:t>
+            </a:r>
+            <a:endParaRPr lang="sv-SE" dirty="0">
+              <a:solidFill>
+                <a:srgbClr val="3F7593"/>
+              </a:solidFill>
+            </a:endParaRPr>
           </a:p>
         </p:txBody>
       </p:sp>
-      <p:graphicFrame>
-        <p:nvGraphicFramePr>
-          <p:cNvPr id="6" name="Table 2">
+      <p:sp>
+        <p:nvSpPr>
+          <p:cNvPr id="4" name="Content Placeholder 3">
             <a:extLst>
               <a:ext uri="{FF2B5EF4-FFF2-40B4-BE49-F238E27FC236}">
-                <a16:creationId xmlns:a16="http://schemas.microsoft.com/office/drawing/2014/main" id="{8E0FF89E-79EC-4838-89D9-EA0754DF270E}"/>
+                <a16:creationId xmlns:a16="http://schemas.microsoft.com/office/drawing/2014/main" id="{A33CCA5C-6741-50F2-BA87-13D12BB585E7}"/>
               </a:ext>
             </a:extLst>
           </p:cNvPr>
-          <p:cNvGraphicFramePr>
-            <a:graphicFrameLocks noGrp="1"/>
-          </p:cNvGraphicFramePr>
-          <p:nvPr/>
-        </p:nvGraphicFramePr>
-        <p:xfrm>
-          <a:off x="971548" y="1572427"/>
-          <a:ext cx="10382249" cy="4552148"/>
-        </p:xfrm>
-        <a:graphic>
-          <a:graphicData uri="http://schemas.openxmlformats.org/drawingml/2006/table">
-            <a:tbl>
-              <a:tblPr firstRow="1" bandRow="1">
-                <a:tableStyleId>{5C22544A-7EE6-4342-B048-85BDC9FD1C3A}</a:tableStyleId>
-              </a:tblPr>
-              <a:tblGrid>
-                <a:gridCol w="470211">
-                  <a:extLst>
-                    <a:ext uri="{9D8B030D-6E8A-4147-A177-3AD203B41FA5}">
-                      <a16:colId xmlns:a16="http://schemas.microsoft.com/office/drawing/2014/main" val="20000"/>
-                    </a:ext>
-                  </a:extLst>
-                </a:gridCol>
-                <a:gridCol w="3092139">
-                  <a:extLst>
-                    <a:ext uri="{9D8B030D-6E8A-4147-A177-3AD203B41FA5}">
-                      <a16:colId xmlns:a16="http://schemas.microsoft.com/office/drawing/2014/main" val="20001"/>
-                    </a:ext>
-                  </a:extLst>
-                </a:gridCol>
-                <a:gridCol w="532513">
-                  <a:extLst>
-                    <a:ext uri="{9D8B030D-6E8A-4147-A177-3AD203B41FA5}">
-                      <a16:colId xmlns:a16="http://schemas.microsoft.com/office/drawing/2014/main" val="3012749262"/>
-                    </a:ext>
-                  </a:extLst>
-                </a:gridCol>
-                <a:gridCol w="3371126">
-                  <a:extLst>
-                    <a:ext uri="{9D8B030D-6E8A-4147-A177-3AD203B41FA5}">
-                      <a16:colId xmlns:a16="http://schemas.microsoft.com/office/drawing/2014/main" val="20002"/>
-                    </a:ext>
-                  </a:extLst>
-                </a:gridCol>
-                <a:gridCol w="2916260">
-                  <a:extLst>
-                    <a:ext uri="{9D8B030D-6E8A-4147-A177-3AD203B41FA5}">
-                      <a16:colId xmlns:a16="http://schemas.microsoft.com/office/drawing/2014/main" val="20003"/>
-                    </a:ext>
-                  </a:extLst>
-                </a:gridCol>
-              </a:tblGrid>
-              <a:tr h="274797">
-                <a:tc>
-                  <a:txBody>
-                    <a:bodyPr/>
-                    <a:lstStyle/>
-                    <a:p>
-                      <a:pPr algn="ctr"/>
-                      <a:endParaRPr lang="en-CA" sz="1200" b="1">
-                        <a:solidFill>
-                          <a:schemeClr val="bg1"/>
-                        </a:solidFill>
-                      </a:endParaRPr>
-                    </a:p>
-                  </a:txBody>
-                  <a:tcPr anchor="ctr">
-                    <a:lnL w="12700" cap="flat" cmpd="sng" algn="ctr">
-                      <a:noFill/>
-                      <a:prstDash val="solid"/>
-                      <a:round/>
-                      <a:headEnd type="none" w="med" len="med"/>
-                      <a:tailEnd type="none" w="med" len="med"/>
-                    </a:lnL>
-                    <a:lnR w="28575" cap="flat" cmpd="sng" algn="ctr">
-                      <a:noFill/>
-                      <a:prstDash val="solid"/>
-                      <a:round/>
-                      <a:headEnd type="none" w="med" len="med"/>
-                      <a:tailEnd type="none" w="med" len="med"/>
-                    </a:lnR>
-                    <a:lnT w="12700" cap="flat" cmpd="sng" algn="ctr">
-                      <a:noFill/>
-                      <a:prstDash val="solid"/>
-                      <a:round/>
-                      <a:headEnd type="none" w="med" len="med"/>
-                      <a:tailEnd type="none" w="med" len="med"/>
-                    </a:lnT>
-                    <a:lnB w="19050" cap="flat" cmpd="sng" algn="ctr">
-                      <a:noFill/>
-                      <a:prstDash val="solid"/>
-                      <a:round/>
-                      <a:headEnd type="none" w="med" len="med"/>
-                      <a:tailEnd type="none" w="med" len="med"/>
-                    </a:lnB>
-                    <a:lnTlToBr w="12700" cmpd="sng">
-                      <a:noFill/>
-                      <a:prstDash val="solid"/>
-                    </a:lnTlToBr>
-                    <a:lnBlToTr w="12700" cmpd="sng">
-                      <a:noFill/>
-                      <a:prstDash val="solid"/>
-                    </a:lnBlToTr>
-                    <a:noFill/>
-                  </a:tcPr>
-                </a:tc>
-                <a:tc>
-                  <a:txBody>
-                    <a:bodyPr/>
-                    <a:lstStyle/>
-                    <a:p>
-                      <a:pPr algn="ctr"/>
-                      <a:r>
-                        <a:rPr lang="en-CA" sz="1200" b="1">
-                          <a:solidFill>
-                            <a:srgbClr val="3F7593"/>
-                          </a:solidFill>
-                        </a:rPr>
-                        <a:t>Phase 1 – week 1</a:t>
-                      </a:r>
-                    </a:p>
-                  </a:txBody>
-                  <a:tcPr anchor="ctr">
-                    <a:lnL w="28575" cap="flat" cmpd="sng" algn="ctr">
-                      <a:noFill/>
-                      <a:prstDash val="solid"/>
-                      <a:round/>
-                      <a:headEnd type="none" w="med" len="med"/>
-                      <a:tailEnd type="none" w="med" len="med"/>
-                    </a:lnL>
-                    <a:lnR w="28575" cap="flat" cmpd="sng" algn="ctr">
-                      <a:noFill/>
-                      <a:prstDash val="solid"/>
-                      <a:round/>
-                      <a:headEnd type="none" w="med" len="med"/>
-                      <a:tailEnd type="none" w="med" len="med"/>
-                    </a:lnR>
-                    <a:lnT w="12700" cap="flat" cmpd="sng" algn="ctr">
-                      <a:noFill/>
-                      <a:prstDash val="solid"/>
-                      <a:round/>
-                      <a:headEnd type="none" w="med" len="med"/>
-                      <a:tailEnd type="none" w="med" len="med"/>
-                    </a:lnT>
-                    <a:lnB w="19050" cap="flat" cmpd="sng" algn="ctr">
-                      <a:noFill/>
-                      <a:prstDash val="solid"/>
-                      <a:round/>
-                      <a:headEnd type="none" w="med" len="med"/>
-                      <a:tailEnd type="none" w="med" len="med"/>
-                    </a:lnB>
-                    <a:lnTlToBr w="12700" cmpd="sng">
-                      <a:noFill/>
-                      <a:prstDash val="solid"/>
-                    </a:lnTlToBr>
-                    <a:lnBlToTr w="12700" cmpd="sng">
-                      <a:noFill/>
-                      <a:prstDash val="solid"/>
-                    </a:lnBlToTr>
-                    <a:noFill/>
-                  </a:tcPr>
-                </a:tc>
-                <a:tc>
-                  <a:txBody>
-                    <a:bodyPr/>
-                    <a:lstStyle/>
-                    <a:p>
-                      <a:pPr algn="ctr"/>
-                      <a:endParaRPr lang="en-CA" sz="1200" b="1" dirty="0">
-                        <a:solidFill>
-                          <a:srgbClr val="3F7593"/>
-                        </a:solidFill>
-                      </a:endParaRPr>
-                    </a:p>
-                  </a:txBody>
-                  <a:tcPr anchor="ctr">
-                    <a:lnL w="28575" cap="flat" cmpd="sng" algn="ctr">
-                      <a:noFill/>
-                      <a:prstDash val="solid"/>
-                      <a:round/>
-                      <a:headEnd type="none" w="med" len="med"/>
-                      <a:tailEnd type="none" w="med" len="med"/>
-                    </a:lnL>
-                    <a:lnR w="28575" cap="flat" cmpd="sng" algn="ctr">
-                      <a:noFill/>
-                      <a:prstDash val="solid"/>
-                      <a:round/>
-                      <a:headEnd type="none" w="med" len="med"/>
-                      <a:tailEnd type="none" w="med" len="med"/>
-                    </a:lnR>
-                    <a:lnT w="12700" cap="flat" cmpd="sng" algn="ctr">
-                      <a:noFill/>
-                      <a:prstDash val="solid"/>
-                      <a:round/>
-                      <a:headEnd type="none" w="med" len="med"/>
-                      <a:tailEnd type="none" w="med" len="med"/>
-                    </a:lnT>
-                    <a:lnB w="19050" cap="flat" cmpd="sng" algn="ctr">
-                      <a:noFill/>
-                      <a:prstDash val="solid"/>
-                      <a:round/>
-                      <a:headEnd type="none" w="med" len="med"/>
-                      <a:tailEnd type="none" w="med" len="med"/>
-                    </a:lnB>
-                    <a:lnTlToBr w="12700" cmpd="sng">
-                      <a:noFill/>
-                      <a:prstDash val="solid"/>
-                    </a:lnTlToBr>
-                    <a:lnBlToTr w="12700" cmpd="sng">
-                      <a:noFill/>
-                      <a:prstDash val="solid"/>
-                    </a:lnBlToTr>
-                    <a:solidFill>
-                      <a:schemeClr val="bg1">
-                        <a:lumMod val="95000"/>
-                      </a:schemeClr>
-                    </a:solidFill>
-                  </a:tcPr>
-                </a:tc>
-                <a:tc>
-                  <a:txBody>
-                    <a:bodyPr/>
-                    <a:lstStyle/>
-                    <a:p>
-                      <a:pPr algn="ctr"/>
-                      <a:r>
-                        <a:rPr lang="en-CA" sz="1200" b="1" dirty="0">
-                          <a:solidFill>
-                            <a:srgbClr val="3F7593"/>
-                          </a:solidFill>
-                        </a:rPr>
-                        <a:t>Phase 2 - week 2-3</a:t>
-                      </a:r>
-                    </a:p>
-                  </a:txBody>
-                  <a:tcPr anchor="ctr">
-                    <a:lnL w="28575" cap="flat" cmpd="sng" algn="ctr">
-                      <a:noFill/>
-                      <a:prstDash val="solid"/>
-                      <a:round/>
-                      <a:headEnd type="none" w="med" len="med"/>
-                      <a:tailEnd type="none" w="med" len="med"/>
-                    </a:lnL>
-                    <a:lnR w="28575" cap="flat" cmpd="sng" algn="ctr">
-                      <a:noFill/>
-                      <a:prstDash val="solid"/>
-                      <a:round/>
-                      <a:headEnd type="none" w="med" len="med"/>
-                      <a:tailEnd type="none" w="med" len="med"/>
-                    </a:lnR>
-                    <a:lnT w="12700" cap="flat" cmpd="sng" algn="ctr">
-                      <a:noFill/>
-                      <a:prstDash val="solid"/>
-                      <a:round/>
-                      <a:headEnd type="none" w="med" len="med"/>
-                      <a:tailEnd type="none" w="med" len="med"/>
-                    </a:lnT>
-                    <a:lnB w="19050" cap="flat" cmpd="sng" algn="ctr">
-                      <a:noFill/>
-                      <a:prstDash val="solid"/>
-                      <a:round/>
-                      <a:headEnd type="none" w="med" len="med"/>
-                      <a:tailEnd type="none" w="med" len="med"/>
-                    </a:lnB>
-                    <a:lnTlToBr w="12700" cmpd="sng">
-                      <a:noFill/>
-                      <a:prstDash val="solid"/>
-                    </a:lnTlToBr>
-                    <a:lnBlToTr w="12700" cmpd="sng">
-                      <a:noFill/>
-                      <a:prstDash val="solid"/>
-                    </a:lnBlToTr>
-                    <a:noFill/>
-                  </a:tcPr>
-                </a:tc>
-                <a:tc>
-                  <a:txBody>
-                    <a:bodyPr/>
-                    <a:lstStyle/>
-                    <a:p>
-                      <a:pPr algn="ctr"/>
-                      <a:r>
-                        <a:rPr lang="en-CA" sz="1200" b="1">
-                          <a:solidFill>
-                            <a:srgbClr val="3F7593"/>
-                          </a:solidFill>
-                        </a:rPr>
-                        <a:t>Phase 3  - week 4</a:t>
-                      </a:r>
-                    </a:p>
-                  </a:txBody>
-                  <a:tcPr anchor="ctr">
-                    <a:lnL w="28575" cap="flat" cmpd="sng" algn="ctr">
-                      <a:noFill/>
-                      <a:prstDash val="solid"/>
-                      <a:round/>
-                      <a:headEnd type="none" w="med" len="med"/>
-                      <a:tailEnd type="none" w="med" len="med"/>
-                    </a:lnL>
-                    <a:lnR w="28575" cap="flat" cmpd="sng" algn="ctr">
-                      <a:noFill/>
-                      <a:prstDash val="solid"/>
-                      <a:round/>
-                      <a:headEnd type="none" w="med" len="med"/>
-                      <a:tailEnd type="none" w="med" len="med"/>
-                    </a:lnR>
-                    <a:lnT w="12700" cap="flat" cmpd="sng" algn="ctr">
-                      <a:noFill/>
-                      <a:prstDash val="solid"/>
-                      <a:round/>
-                      <a:headEnd type="none" w="med" len="med"/>
-                      <a:tailEnd type="none" w="med" len="med"/>
-                    </a:lnT>
-                    <a:lnB w="19050" cap="flat" cmpd="sng" algn="ctr">
-                      <a:noFill/>
-                      <a:prstDash val="solid"/>
-                      <a:round/>
-                      <a:headEnd type="none" w="med" len="med"/>
-                      <a:tailEnd type="none" w="med" len="med"/>
-                    </a:lnB>
-                    <a:lnTlToBr w="12700" cmpd="sng">
-                      <a:noFill/>
-                      <a:prstDash val="solid"/>
-                    </a:lnTlToBr>
-                    <a:lnBlToTr w="12700" cmpd="sng">
-                      <a:noFill/>
-                      <a:prstDash val="solid"/>
-                    </a:lnBlToTr>
-                    <a:noFill/>
-                  </a:tcPr>
-                </a:tc>
-                <a:extLst>
-                  <a:ext uri="{0D108BD9-81ED-4DB2-BD59-A6C34878D82A}">
-                    <a16:rowId xmlns:a16="http://schemas.microsoft.com/office/drawing/2014/main" val="10000"/>
-                  </a:ext>
-                </a:extLst>
-              </a:tr>
-              <a:tr h="2846813">
-                <a:tc>
-                  <a:txBody>
-                    <a:bodyPr/>
-                    <a:lstStyle/>
-                    <a:p>
-                      <a:pPr marL="215900" indent="-457200" algn="ctr">
-                        <a:spcAft>
-                          <a:spcPts val="500"/>
-                        </a:spcAft>
-                      </a:pPr>
-                      <a:r>
-                        <a:rPr lang="en-CA" sz="1200" b="1" baseline="0">
-                          <a:solidFill>
-                            <a:srgbClr val="3F7593"/>
-                          </a:solidFill>
-                        </a:rPr>
-                        <a:t>Activities</a:t>
-                      </a:r>
-                    </a:p>
-                  </a:txBody>
-                  <a:tcPr vert="vert270" anchor="ctr">
-                    <a:lnL w="19050" cap="flat" cmpd="sng" algn="ctr">
-                      <a:noFill/>
-                      <a:prstDash val="solid"/>
-                      <a:round/>
-                      <a:headEnd type="none" w="med" len="med"/>
-                      <a:tailEnd type="none" w="med" len="med"/>
-                    </a:lnL>
-                    <a:lnR w="19050" cap="flat" cmpd="sng" algn="ctr">
-                      <a:noFill/>
-                      <a:prstDash val="solid"/>
-                      <a:round/>
-                      <a:headEnd type="none" w="med" len="med"/>
-                      <a:tailEnd type="none" w="med" len="med"/>
-                    </a:lnR>
-                    <a:lnT w="19050" cap="flat" cmpd="sng" algn="ctr">
-                      <a:noFill/>
-                      <a:prstDash val="solid"/>
-                      <a:round/>
-                      <a:headEnd type="none" w="med" len="med"/>
-                      <a:tailEnd type="none" w="med" len="med"/>
-                    </a:lnT>
-                    <a:lnB w="6350" cap="flat" cmpd="sng" algn="ctr">
-                      <a:solidFill>
-                        <a:srgbClr val="6CA2C0"/>
-                      </a:solidFill>
-                      <a:prstDash val="solid"/>
-                      <a:round/>
-                      <a:headEnd type="none" w="med" len="med"/>
-                      <a:tailEnd type="none" w="med" len="med"/>
-                    </a:lnB>
-                    <a:lnTlToBr w="12700" cmpd="sng">
-                      <a:noFill/>
-                      <a:prstDash val="solid"/>
-                    </a:lnTlToBr>
-                    <a:lnBlToTr w="12700" cmpd="sng">
-                      <a:noFill/>
-                      <a:prstDash val="solid"/>
-                    </a:lnBlToTr>
-                    <a:noFill/>
-                  </a:tcPr>
-                </a:tc>
-                <a:tc>
-                  <a:txBody>
-                    <a:bodyPr/>
-                    <a:lstStyle/>
-                    <a:p>
-                      <a:pPr algn="ctr">
-                        <a:spcAft>
-                          <a:spcPts val="1200"/>
-                        </a:spcAft>
-                      </a:pPr>
-                      <a:r>
-                        <a:rPr lang="en-CA" sz="1000" b="1" baseline="0" dirty="0">
-                          <a:solidFill>
-                            <a:schemeClr val="tx1">
-                              <a:lumMod val="75000"/>
-                              <a:lumOff val="25000"/>
-                            </a:schemeClr>
-                          </a:solidFill>
-                        </a:rPr>
-                        <a:t>Secure business use case and data</a:t>
-                      </a:r>
-                      <a:endParaRPr lang="en-CA" sz="1000" b="1" dirty="0">
-                        <a:solidFill>
-                          <a:schemeClr val="tx1">
-                            <a:lumMod val="75000"/>
-                            <a:lumOff val="25000"/>
-                          </a:schemeClr>
-                        </a:solidFill>
-                      </a:endParaRPr>
-                    </a:p>
-                    <a:p>
-                      <a:pPr marL="216000" indent="-457200">
-                        <a:spcAft>
-                          <a:spcPts val="0"/>
-                        </a:spcAft>
-                      </a:pPr>
-                      <a:endParaRPr lang="en-CA" sz="1000" b="1" dirty="0">
-                        <a:solidFill>
-                          <a:schemeClr val="tx1">
-                            <a:lumMod val="75000"/>
-                            <a:lumOff val="25000"/>
-                          </a:schemeClr>
-                        </a:solidFill>
-                      </a:endParaRPr>
-                    </a:p>
-                    <a:p>
-                      <a:pPr marL="215900" indent="-457200">
-                        <a:spcAft>
-                          <a:spcPts val="0"/>
-                        </a:spcAft>
-                      </a:pPr>
-                      <a:r>
-                        <a:rPr lang="en-CA" sz="1000" b="1" dirty="0">
-                          <a:solidFill>
-                            <a:schemeClr val="tx1">
-                              <a:lumMod val="75000"/>
-                              <a:lumOff val="25000"/>
-                            </a:schemeClr>
-                          </a:solidFill>
-                        </a:rPr>
-                        <a:t>Agile analytics workshop</a:t>
-                      </a:r>
-                    </a:p>
-                    <a:p>
-                      <a:pPr marL="215900" indent="-457200">
-                        <a:spcAft>
-                          <a:spcPts val="0"/>
-                        </a:spcAft>
-                      </a:pPr>
-                      <a:r>
-                        <a:rPr lang="en-CA" sz="1000" b="1" dirty="0">
-                          <a:solidFill>
-                            <a:schemeClr val="tx1">
-                              <a:lumMod val="75000"/>
-                              <a:lumOff val="25000"/>
-                            </a:schemeClr>
-                          </a:solidFill>
-                        </a:rPr>
-                        <a:t>1.1 </a:t>
-                      </a:r>
-                      <a:r>
-                        <a:rPr lang="en-CA" sz="1000" b="0" dirty="0">
-                          <a:solidFill>
-                            <a:schemeClr val="tx1">
-                              <a:lumMod val="75000"/>
-                              <a:lumOff val="25000"/>
-                            </a:schemeClr>
-                          </a:solidFill>
-                        </a:rPr>
-                        <a:t>Use case definition and prioritization with stakeholders.</a:t>
-                      </a:r>
-                    </a:p>
-                    <a:p>
-                      <a:pPr marL="215900" indent="-457200">
-                        <a:spcAft>
-                          <a:spcPts val="0"/>
-                        </a:spcAft>
-                      </a:pPr>
-                      <a:r>
-                        <a:rPr lang="en-CA" sz="1000" b="1" dirty="0">
-                          <a:solidFill>
-                            <a:schemeClr val="tx1">
-                              <a:lumMod val="75000"/>
-                              <a:lumOff val="25000"/>
-                            </a:schemeClr>
-                          </a:solidFill>
-                        </a:rPr>
-                        <a:t>1.2</a:t>
-                      </a:r>
-                      <a:r>
-                        <a:rPr lang="en-CA" sz="1000" b="0" dirty="0">
-                          <a:solidFill>
-                            <a:schemeClr val="tx1">
-                              <a:lumMod val="75000"/>
-                              <a:lumOff val="25000"/>
-                            </a:schemeClr>
-                          </a:solidFill>
-                        </a:rPr>
-                        <a:t> Define the minimum viable product</a:t>
-                      </a:r>
-                    </a:p>
-                    <a:p>
-                      <a:pPr marL="215900" indent="-457200">
-                        <a:spcAft>
-                          <a:spcPts val="0"/>
-                        </a:spcAft>
-                      </a:pPr>
-                      <a:r>
-                        <a:rPr lang="en-CA" sz="1000" b="1" dirty="0">
-                          <a:solidFill>
-                            <a:schemeClr val="tx1">
-                              <a:lumMod val="75000"/>
-                              <a:lumOff val="25000"/>
-                            </a:schemeClr>
-                          </a:solidFill>
-                        </a:rPr>
-                        <a:t>1.3 </a:t>
-                      </a:r>
-                      <a:r>
-                        <a:rPr lang="en-CA" sz="1000" b="0" dirty="0">
-                          <a:solidFill>
-                            <a:schemeClr val="tx1">
-                              <a:lumMod val="75000"/>
-                              <a:lumOff val="25000"/>
-                            </a:schemeClr>
-                          </a:solidFill>
-                        </a:rPr>
-                        <a:t>Select </a:t>
-                      </a:r>
-                      <a:r>
-                        <a:rPr lang="en-CA" sz="1000" b="0" baseline="0" dirty="0">
-                          <a:solidFill>
-                            <a:schemeClr val="tx1">
-                              <a:lumMod val="75000"/>
-                              <a:lumOff val="25000"/>
-                            </a:schemeClr>
-                          </a:solidFill>
-                        </a:rPr>
-                        <a:t>relevant KPIs/Metrics/Outcome for use case.</a:t>
-                      </a:r>
-                      <a:endParaRPr lang="en-CA" sz="1000" b="1" dirty="0">
-                        <a:solidFill>
-                          <a:schemeClr val="tx1">
-                            <a:lumMod val="75000"/>
-                            <a:lumOff val="25000"/>
-                          </a:schemeClr>
-                        </a:solidFill>
-                      </a:endParaRPr>
-                    </a:p>
-                    <a:p>
-                      <a:pPr marL="215900" marR="0" lvl="0" indent="-457200" algn="l" defTabSz="914400" rtl="0" eaLnBrk="1" fontAlgn="auto" latinLnBrk="0" hangingPunct="1">
-                        <a:lnSpc>
-                          <a:spcPct val="100000"/>
-                        </a:lnSpc>
-                        <a:spcBef>
-                          <a:spcPts val="0"/>
-                        </a:spcBef>
-                        <a:spcAft>
-                          <a:spcPts val="0"/>
-                        </a:spcAft>
-                        <a:buClrTx/>
-                        <a:buSzTx/>
-                        <a:buFontTx/>
-                        <a:buNone/>
-                        <a:tabLst/>
-                        <a:defRPr/>
-                      </a:pPr>
-                      <a:r>
-                        <a:rPr lang="en-CA" sz="1000" b="1" dirty="0">
-                          <a:solidFill>
-                            <a:schemeClr val="tx1">
-                              <a:lumMod val="75000"/>
-                              <a:lumOff val="25000"/>
-                            </a:schemeClr>
-                          </a:solidFill>
-                        </a:rPr>
-                        <a:t>1.4 </a:t>
-                      </a:r>
-                      <a:r>
-                        <a:rPr lang="en-CA" sz="1000" b="0" dirty="0">
-                          <a:solidFill>
-                            <a:schemeClr val="tx1">
-                              <a:lumMod val="75000"/>
-                              <a:lumOff val="25000"/>
-                            </a:schemeClr>
-                          </a:solidFill>
-                        </a:rPr>
-                        <a:t>Define </a:t>
-                      </a:r>
-                      <a:r>
-                        <a:rPr lang="en-CA" sz="1000" b="0" baseline="0" dirty="0">
-                          <a:solidFill>
-                            <a:schemeClr val="tx1">
-                              <a:lumMod val="75000"/>
-                              <a:lumOff val="25000"/>
-                            </a:schemeClr>
-                          </a:solidFill>
-                        </a:rPr>
-                        <a:t>cross-functional team structure.</a:t>
-                      </a:r>
-                    </a:p>
-                    <a:p>
-                      <a:pPr marL="216000" indent="-457200">
-                        <a:spcAft>
-                          <a:spcPts val="0"/>
-                        </a:spcAft>
-                      </a:pPr>
-                      <a:endParaRPr lang="en-CA" sz="1000" b="1" dirty="0">
-                        <a:solidFill>
-                          <a:schemeClr val="tx1">
-                            <a:lumMod val="75000"/>
-                            <a:lumOff val="25000"/>
-                          </a:schemeClr>
-                        </a:solidFill>
-                      </a:endParaRPr>
-                    </a:p>
-                    <a:p>
-                      <a:pPr marL="215900" indent="-457200">
-                        <a:spcAft>
-                          <a:spcPts val="0"/>
-                        </a:spcAft>
-                      </a:pPr>
-                      <a:r>
-                        <a:rPr lang="en-CA" sz="1000" b="1" dirty="0">
-                          <a:solidFill>
-                            <a:schemeClr val="tx1">
-                              <a:lumMod val="75000"/>
-                              <a:lumOff val="25000"/>
-                            </a:schemeClr>
-                          </a:solidFill>
-                        </a:rPr>
-                        <a:t>Select &amp; deliver data </a:t>
-                      </a:r>
-                    </a:p>
-                    <a:p>
-                      <a:pPr marL="216000" indent="-457200">
-                        <a:spcAft>
-                          <a:spcPts val="0"/>
-                        </a:spcAft>
-                      </a:pPr>
-                      <a:r>
-                        <a:rPr lang="en-CA" sz="1000" b="1" dirty="0">
-                          <a:solidFill>
-                            <a:schemeClr val="tx1">
-                              <a:lumMod val="75000"/>
-                              <a:lumOff val="25000"/>
-                            </a:schemeClr>
-                          </a:solidFill>
-                        </a:rPr>
-                        <a:t>1.5 </a:t>
-                      </a:r>
-                      <a:r>
-                        <a:rPr lang="en-CA" sz="1000" b="0" dirty="0">
-                          <a:solidFill>
-                            <a:schemeClr val="tx1">
-                              <a:lumMod val="75000"/>
-                              <a:lumOff val="25000"/>
-                            </a:schemeClr>
-                          </a:solidFill>
-                        </a:rPr>
-                        <a:t>Define technology to be used for MVP.</a:t>
-                      </a:r>
-                    </a:p>
-                    <a:p>
-                      <a:pPr marL="215900" indent="-457200">
-                        <a:spcAft>
-                          <a:spcPts val="0"/>
-                        </a:spcAft>
-                      </a:pPr>
-                      <a:r>
-                        <a:rPr lang="en-CA" sz="1000" b="1" dirty="0">
-                          <a:solidFill>
-                            <a:schemeClr val="tx1">
-                              <a:lumMod val="75000"/>
-                              <a:lumOff val="25000"/>
-                            </a:schemeClr>
-                          </a:solidFill>
-                        </a:rPr>
-                        <a:t>1.6</a:t>
-                      </a:r>
-                      <a:r>
-                        <a:rPr lang="en-CA" sz="1000" b="0" dirty="0">
-                          <a:solidFill>
-                            <a:schemeClr val="tx1">
-                              <a:lumMod val="75000"/>
-                              <a:lumOff val="25000"/>
-                            </a:schemeClr>
-                          </a:solidFill>
-                        </a:rPr>
-                        <a:t> Secure access to analytics platform </a:t>
-                      </a:r>
-                    </a:p>
-                    <a:p>
-                      <a:pPr marL="215900" indent="-457200">
-                        <a:spcAft>
-                          <a:spcPts val="0"/>
-                        </a:spcAft>
-                      </a:pPr>
-                      <a:r>
-                        <a:rPr lang="en-CA" sz="1000" b="1" baseline="0" dirty="0">
-                          <a:solidFill>
-                            <a:schemeClr val="tx1">
-                              <a:lumMod val="75000"/>
-                              <a:lumOff val="25000"/>
-                            </a:schemeClr>
-                          </a:solidFill>
-                        </a:rPr>
-                        <a:t>1.7</a:t>
-                      </a:r>
-                      <a:r>
-                        <a:rPr lang="en-CA" sz="1000" b="0" baseline="0" dirty="0">
-                          <a:solidFill>
-                            <a:schemeClr val="tx1">
-                              <a:lumMod val="75000"/>
-                              <a:lumOff val="25000"/>
-                            </a:schemeClr>
-                          </a:solidFill>
-                        </a:rPr>
-                        <a:t> Select data sets required for MVP</a:t>
-                      </a:r>
-                    </a:p>
-                    <a:p>
-                      <a:pPr marL="215900" indent="-457200">
-                        <a:spcAft>
-                          <a:spcPts val="0"/>
-                        </a:spcAft>
-                      </a:pPr>
-                      <a:r>
-                        <a:rPr lang="en-CA" sz="1000" b="1" baseline="0" dirty="0">
-                          <a:solidFill>
-                            <a:schemeClr val="tx1">
-                              <a:lumMod val="75000"/>
-                              <a:lumOff val="25000"/>
-                            </a:schemeClr>
-                          </a:solidFill>
-                        </a:rPr>
-                        <a:t>1.8</a:t>
-                      </a:r>
-                      <a:r>
-                        <a:rPr lang="en-CA" sz="1000" b="0" baseline="0" dirty="0">
-                          <a:solidFill>
-                            <a:schemeClr val="tx1">
-                              <a:lumMod val="75000"/>
-                              <a:lumOff val="25000"/>
-                            </a:schemeClr>
-                          </a:solidFill>
-                        </a:rPr>
-                        <a:t> Deliver data for MVP</a:t>
-                      </a:r>
-                    </a:p>
-                    <a:p>
-                      <a:pPr marL="216000" indent="-457200">
-                        <a:spcAft>
-                          <a:spcPts val="0"/>
-                        </a:spcAft>
-                      </a:pPr>
-                      <a:endParaRPr lang="en-CA" sz="1000" b="0" dirty="0">
-                        <a:solidFill>
-                          <a:schemeClr val="tx1">
-                            <a:lumMod val="75000"/>
-                            <a:lumOff val="25000"/>
-                          </a:schemeClr>
-                        </a:solidFill>
-                      </a:endParaRPr>
-                    </a:p>
-                  </a:txBody>
-                  <a:tcPr>
-                    <a:lnL w="19050" cap="flat" cmpd="sng" algn="ctr">
-                      <a:noFill/>
-                      <a:prstDash val="solid"/>
-                      <a:round/>
-                      <a:headEnd type="none" w="med" len="med"/>
-                      <a:tailEnd type="none" w="med" len="med"/>
-                    </a:lnL>
-                    <a:lnR w="19050" cap="flat" cmpd="sng" algn="ctr">
-                      <a:noFill/>
-                      <a:prstDash val="solid"/>
-                      <a:round/>
-                      <a:headEnd type="none" w="med" len="med"/>
-                      <a:tailEnd type="none" w="med" len="med"/>
-                    </a:lnR>
-                    <a:lnT w="19050" cap="flat" cmpd="sng" algn="ctr">
-                      <a:noFill/>
-                      <a:prstDash val="solid"/>
-                      <a:round/>
-                      <a:headEnd type="none" w="med" len="med"/>
-                      <a:tailEnd type="none" w="med" len="med"/>
-                    </a:lnT>
-                    <a:lnB w="6350" cap="flat" cmpd="sng" algn="ctr">
-                      <a:solidFill>
-                        <a:srgbClr val="6CA2C0"/>
-                      </a:solidFill>
-                      <a:prstDash val="solid"/>
-                      <a:round/>
-                      <a:headEnd type="none" w="med" len="med"/>
-                      <a:tailEnd type="none" w="med" len="med"/>
-                    </a:lnB>
-                    <a:lnTlToBr w="12700" cmpd="sng">
-                      <a:noFill/>
-                      <a:prstDash val="solid"/>
-                    </a:lnTlToBr>
-                    <a:lnBlToTr w="12700" cmpd="sng">
-                      <a:noFill/>
-                      <a:prstDash val="solid"/>
-                    </a:lnBlToTr>
-                    <a:noFill/>
-                  </a:tcPr>
-                </a:tc>
-                <a:tc>
-                  <a:txBody>
-                    <a:bodyPr/>
-                    <a:lstStyle/>
-                    <a:p>
-                      <a:pPr marL="216000" indent="-457200">
-                        <a:spcAft>
-                          <a:spcPts val="0"/>
-                        </a:spcAft>
-                      </a:pPr>
-                      <a:endParaRPr lang="en-CA" sz="1000" b="0" dirty="0">
-                        <a:solidFill>
-                          <a:schemeClr val="tx1">
-                            <a:lumMod val="75000"/>
-                            <a:lumOff val="25000"/>
-                          </a:schemeClr>
-                        </a:solidFill>
-                      </a:endParaRPr>
-                    </a:p>
-                  </a:txBody>
-                  <a:tcPr>
-                    <a:lnL w="19050" cap="flat" cmpd="sng" algn="ctr">
-                      <a:noFill/>
-                      <a:prstDash val="solid"/>
-                      <a:round/>
-                      <a:headEnd type="none" w="med" len="med"/>
-                      <a:tailEnd type="none" w="med" len="med"/>
-                    </a:lnL>
-                    <a:lnR w="19050" cap="flat" cmpd="sng" algn="ctr">
-                      <a:noFill/>
-                      <a:prstDash val="solid"/>
-                      <a:round/>
-                      <a:headEnd type="none" w="med" len="med"/>
-                      <a:tailEnd type="none" w="med" len="med"/>
-                    </a:lnR>
-                    <a:lnT w="19050" cap="flat" cmpd="sng" algn="ctr">
-                      <a:noFill/>
-                      <a:prstDash val="solid"/>
-                      <a:round/>
-                      <a:headEnd type="none" w="med" len="med"/>
-                      <a:tailEnd type="none" w="med" len="med"/>
-                    </a:lnT>
-                    <a:lnB w="6350" cap="flat" cmpd="sng" algn="ctr">
-                      <a:solidFill>
-                        <a:srgbClr val="6CA2C0"/>
-                      </a:solidFill>
-                      <a:prstDash val="solid"/>
-                      <a:round/>
-                      <a:headEnd type="none" w="med" len="med"/>
-                      <a:tailEnd type="none" w="med" len="med"/>
-                    </a:lnB>
-                    <a:lnTlToBr w="12700" cmpd="sng">
-                      <a:noFill/>
-                      <a:prstDash val="solid"/>
-                    </a:lnTlToBr>
-                    <a:lnBlToTr w="12700" cmpd="sng">
-                      <a:noFill/>
-                      <a:prstDash val="solid"/>
-                    </a:lnBlToTr>
-                    <a:solidFill>
-                      <a:schemeClr val="bg1">
-                        <a:lumMod val="95000"/>
-                      </a:schemeClr>
-                    </a:solidFill>
-                  </a:tcPr>
-                </a:tc>
-                <a:tc>
-                  <a:txBody>
-                    <a:bodyPr/>
-                    <a:lstStyle/>
-                    <a:p>
-                      <a:pPr algn="ctr">
-                        <a:spcAft>
-                          <a:spcPts val="1200"/>
-                        </a:spcAft>
-                      </a:pPr>
-                      <a:r>
-                        <a:rPr lang="en-US" sz="1000" b="1" baseline="0" dirty="0">
-                          <a:solidFill>
-                            <a:schemeClr val="tx1">
-                              <a:lumMod val="75000"/>
-                              <a:lumOff val="25000"/>
-                            </a:schemeClr>
-                          </a:solidFill>
-                        </a:rPr>
-                        <a:t>Data Analytics</a:t>
-                      </a:r>
-                      <a:endParaRPr lang="en-CA" sz="1000" b="1" baseline="0" dirty="0">
-                        <a:solidFill>
-                          <a:schemeClr val="tx1">
-                            <a:lumMod val="75000"/>
-                            <a:lumOff val="25000"/>
-                          </a:schemeClr>
-                        </a:solidFill>
-                      </a:endParaRPr>
-                    </a:p>
-                    <a:p>
-                      <a:pPr marL="216000" indent="-457200">
-                        <a:spcAft>
-                          <a:spcPts val="0"/>
-                        </a:spcAft>
-                      </a:pPr>
-                      <a:endParaRPr lang="en-CA" sz="1000" b="1" dirty="0">
-                        <a:solidFill>
-                          <a:schemeClr val="tx1">
-                            <a:lumMod val="75000"/>
-                            <a:lumOff val="25000"/>
-                          </a:schemeClr>
-                        </a:solidFill>
-                      </a:endParaRPr>
-                    </a:p>
-                    <a:p>
-                      <a:pPr marL="215900" indent="-457200">
-                        <a:spcAft>
-                          <a:spcPts val="0"/>
-                        </a:spcAft>
-                      </a:pPr>
-                      <a:r>
-                        <a:rPr lang="en-CA" sz="1000" b="1" dirty="0">
-                          <a:solidFill>
-                            <a:schemeClr val="tx1">
-                              <a:lumMod val="75000"/>
-                              <a:lumOff val="25000"/>
-                            </a:schemeClr>
-                          </a:solidFill>
-                        </a:rPr>
-                        <a:t>Develop Data &amp; Analytics</a:t>
-                      </a:r>
-                    </a:p>
-                    <a:p>
-                      <a:pPr marL="215900" indent="-457200">
-                        <a:spcAft>
-                          <a:spcPts val="0"/>
-                        </a:spcAft>
-                      </a:pPr>
-                      <a:r>
-                        <a:rPr lang="en-CA" sz="1000" b="1" dirty="0">
-                          <a:solidFill>
-                            <a:schemeClr val="tx1">
-                              <a:lumMod val="75000"/>
-                              <a:lumOff val="25000"/>
-                            </a:schemeClr>
-                          </a:solidFill>
-                        </a:rPr>
-                        <a:t>2.1 </a:t>
-                      </a:r>
-                      <a:r>
-                        <a:rPr lang="en-CA" sz="1000" b="0" dirty="0">
-                          <a:solidFill>
-                            <a:schemeClr val="tx1">
-                              <a:lumMod val="75000"/>
-                              <a:lumOff val="25000"/>
-                            </a:schemeClr>
-                          </a:solidFill>
-                        </a:rPr>
-                        <a:t>Prepare data for analytics</a:t>
-                      </a:r>
-                    </a:p>
-                    <a:p>
-                      <a:pPr marL="215900" indent="-457200">
-                        <a:spcAft>
-                          <a:spcPts val="0"/>
-                        </a:spcAft>
-                      </a:pPr>
-                      <a:r>
-                        <a:rPr lang="en-CA" sz="1000" b="1" dirty="0">
-                          <a:solidFill>
-                            <a:schemeClr val="tx1">
-                              <a:lumMod val="75000"/>
-                              <a:lumOff val="25000"/>
-                            </a:schemeClr>
-                          </a:solidFill>
-                        </a:rPr>
-                        <a:t>2.2</a:t>
-                      </a:r>
-                      <a:r>
-                        <a:rPr lang="en-CA" sz="1000" b="0" dirty="0">
-                          <a:solidFill>
-                            <a:schemeClr val="tx1">
-                              <a:lumMod val="75000"/>
-                              <a:lumOff val="25000"/>
-                            </a:schemeClr>
-                          </a:solidFill>
-                        </a:rPr>
-                        <a:t> Data exploration</a:t>
-                      </a:r>
-                    </a:p>
-                    <a:p>
-                      <a:pPr marL="215900" indent="-457200">
-                        <a:spcAft>
-                          <a:spcPts val="0"/>
-                        </a:spcAft>
-                      </a:pPr>
-                      <a:r>
-                        <a:rPr lang="en-CA" sz="1000" b="1" dirty="0">
-                          <a:solidFill>
-                            <a:schemeClr val="tx1">
-                              <a:lumMod val="75000"/>
-                              <a:lumOff val="25000"/>
-                            </a:schemeClr>
-                          </a:solidFill>
-                        </a:rPr>
-                        <a:t>2.3 </a:t>
-                      </a:r>
-                      <a:r>
-                        <a:rPr lang="en-CA" sz="1000" b="0" dirty="0">
-                          <a:solidFill>
-                            <a:schemeClr val="tx1">
-                              <a:lumMod val="75000"/>
-                              <a:lumOff val="25000"/>
-                            </a:schemeClr>
-                          </a:solidFill>
-                        </a:rPr>
-                        <a:t>Data feature analysis</a:t>
-                      </a:r>
-                    </a:p>
-                    <a:p>
-                      <a:pPr marL="215900" indent="-457200">
-                        <a:spcAft>
-                          <a:spcPts val="0"/>
-                        </a:spcAft>
-                      </a:pPr>
-                      <a:r>
-                        <a:rPr lang="en-CA" sz="1000" b="1" dirty="0">
-                          <a:solidFill>
-                            <a:schemeClr val="tx1">
-                              <a:lumMod val="75000"/>
-                              <a:lumOff val="25000"/>
-                            </a:schemeClr>
-                          </a:solidFill>
-                        </a:rPr>
-                        <a:t>2.4</a:t>
-                      </a:r>
-                      <a:r>
-                        <a:rPr lang="en-CA" sz="1000" b="0" dirty="0">
-                          <a:solidFill>
-                            <a:schemeClr val="tx1">
-                              <a:lumMod val="75000"/>
-                              <a:lumOff val="25000"/>
-                            </a:schemeClr>
-                          </a:solidFill>
-                        </a:rPr>
-                        <a:t> First iteration: Pattern recognition and model development</a:t>
-                      </a:r>
-                    </a:p>
-                    <a:p>
-                      <a:pPr marL="215900" indent="-457200">
-                        <a:spcAft>
-                          <a:spcPts val="0"/>
-                        </a:spcAft>
-                      </a:pPr>
-                      <a:r>
-                        <a:rPr lang="en-CA" sz="1000" b="1" dirty="0">
-                          <a:solidFill>
-                            <a:schemeClr val="tx1">
-                              <a:lumMod val="75000"/>
-                              <a:lumOff val="25000"/>
-                            </a:schemeClr>
-                          </a:solidFill>
-                        </a:rPr>
-                        <a:t>2.5</a:t>
-                      </a:r>
-                      <a:r>
-                        <a:rPr lang="en-CA" sz="1000" b="0" dirty="0">
-                          <a:solidFill>
-                            <a:schemeClr val="tx1">
-                              <a:lumMod val="75000"/>
-                              <a:lumOff val="25000"/>
-                            </a:schemeClr>
-                          </a:solidFill>
-                        </a:rPr>
-                        <a:t> Workshop to review analytics findings</a:t>
-                      </a:r>
-                    </a:p>
-                    <a:p>
-                      <a:pPr marL="215900" indent="-457200">
-                        <a:spcAft>
-                          <a:spcPts val="0"/>
-                        </a:spcAft>
-                      </a:pPr>
-                      <a:r>
-                        <a:rPr lang="en-CA" sz="1000" b="1" dirty="0">
-                          <a:solidFill>
-                            <a:schemeClr val="tx1">
-                              <a:lumMod val="75000"/>
-                              <a:lumOff val="25000"/>
-                            </a:schemeClr>
-                          </a:solidFill>
-                        </a:rPr>
-                        <a:t>2.6 </a:t>
-                      </a:r>
-                      <a:r>
-                        <a:rPr lang="en-CA" sz="1000" b="0" dirty="0">
-                          <a:solidFill>
-                            <a:schemeClr val="tx1">
-                              <a:lumMod val="75000"/>
-                              <a:lumOff val="25000"/>
-                            </a:schemeClr>
-                          </a:solidFill>
-                        </a:rPr>
-                        <a:t>Second iteration: Pattern refinement based </a:t>
-                      </a:r>
-                      <a:br>
-                        <a:rPr lang="en-CA" sz="1000" b="0" dirty="0">
-                          <a:solidFill>
-                            <a:srgbClr val="404040"/>
-                          </a:solidFill>
-                        </a:rPr>
-                      </a:br>
-                      <a:r>
-                        <a:rPr lang="en-CA" sz="1000" b="0" dirty="0">
-                          <a:solidFill>
-                            <a:schemeClr val="tx1">
-                              <a:lumMod val="75000"/>
-                              <a:lumOff val="25000"/>
-                            </a:schemeClr>
-                          </a:solidFill>
-                        </a:rPr>
-                        <a:t>on workshop</a:t>
-                      </a:r>
-                    </a:p>
-                  </a:txBody>
-                  <a:tcPr>
-                    <a:lnL w="19050" cap="flat" cmpd="sng" algn="ctr">
-                      <a:noFill/>
-                      <a:prstDash val="solid"/>
-                      <a:round/>
-                      <a:headEnd type="none" w="med" len="med"/>
-                      <a:tailEnd type="none" w="med" len="med"/>
-                    </a:lnL>
-                    <a:lnR w="19050" cap="flat" cmpd="sng" algn="ctr">
-                      <a:noFill/>
-                      <a:prstDash val="solid"/>
-                      <a:round/>
-                      <a:headEnd type="none" w="med" len="med"/>
-                      <a:tailEnd type="none" w="med" len="med"/>
-                    </a:lnR>
-                    <a:lnT w="19050" cap="flat" cmpd="sng" algn="ctr">
-                      <a:noFill/>
-                      <a:prstDash val="solid"/>
-                      <a:round/>
-                      <a:headEnd type="none" w="med" len="med"/>
-                      <a:tailEnd type="none" w="med" len="med"/>
-                    </a:lnT>
-                    <a:lnB w="6350" cap="flat" cmpd="sng" algn="ctr">
-                      <a:solidFill>
-                        <a:srgbClr val="6CA2C0"/>
-                      </a:solidFill>
-                      <a:prstDash val="solid"/>
-                      <a:round/>
-                      <a:headEnd type="none" w="med" len="med"/>
-                      <a:tailEnd type="none" w="med" len="med"/>
-                    </a:lnB>
-                    <a:lnTlToBr w="12700" cmpd="sng">
-                      <a:noFill/>
-                      <a:prstDash val="solid"/>
-                    </a:lnTlToBr>
-                    <a:lnBlToTr w="12700" cmpd="sng">
-                      <a:noFill/>
-                      <a:prstDash val="solid"/>
-                    </a:lnBlToTr>
-                    <a:noFill/>
-                  </a:tcPr>
-                </a:tc>
-                <a:tc>
-                  <a:txBody>
-                    <a:bodyPr/>
-                    <a:lstStyle/>
-                    <a:p>
-                      <a:pPr algn="ctr">
-                        <a:spcAft>
-                          <a:spcPts val="1200"/>
-                        </a:spcAft>
-                      </a:pPr>
-                      <a:r>
-                        <a:rPr lang="en-CA" sz="1000" b="1" dirty="0">
-                          <a:solidFill>
-                            <a:schemeClr val="tx1">
-                              <a:lumMod val="75000"/>
-                              <a:lumOff val="25000"/>
-                            </a:schemeClr>
-                          </a:solidFill>
-                        </a:rPr>
-                        <a:t>Present the MVP</a:t>
-                      </a:r>
-                    </a:p>
-                    <a:p>
-                      <a:pPr marL="216000" indent="-457200">
-                        <a:spcAft>
-                          <a:spcPts val="0"/>
-                        </a:spcAft>
-                      </a:pPr>
-                      <a:endParaRPr lang="en-CA" sz="1000" b="1" dirty="0">
-                        <a:solidFill>
-                          <a:schemeClr val="tx1">
-                            <a:lumMod val="75000"/>
-                            <a:lumOff val="25000"/>
-                          </a:schemeClr>
-                        </a:solidFill>
-                      </a:endParaRPr>
-                    </a:p>
-                    <a:p>
-                      <a:pPr marL="215900" indent="-457200">
-                        <a:spcAft>
-                          <a:spcPts val="0"/>
-                        </a:spcAft>
-                      </a:pPr>
-                      <a:r>
-                        <a:rPr lang="en-CA" sz="1000" b="1" dirty="0">
-                          <a:solidFill>
-                            <a:schemeClr val="tx1">
-                              <a:lumMod val="75000"/>
-                              <a:lumOff val="25000"/>
-                            </a:schemeClr>
-                          </a:solidFill>
-                        </a:rPr>
-                        <a:t>Deliver Analytics Insights</a:t>
-                      </a:r>
-                    </a:p>
-                    <a:p>
-                      <a:pPr marL="215900" indent="-457200">
-                        <a:spcAft>
-                          <a:spcPts val="0"/>
-                        </a:spcAft>
-                      </a:pPr>
-                      <a:r>
-                        <a:rPr lang="en-CA" sz="1000" b="1" dirty="0">
-                          <a:solidFill>
-                            <a:schemeClr val="tx1">
-                              <a:lumMod val="75000"/>
-                              <a:lumOff val="25000"/>
-                            </a:schemeClr>
-                          </a:solidFill>
-                        </a:rPr>
-                        <a:t>3.1 </a:t>
-                      </a:r>
-                      <a:r>
-                        <a:rPr lang="en-CA" sz="1000" b="0" dirty="0">
-                          <a:solidFill>
-                            <a:schemeClr val="tx1">
-                              <a:lumMod val="75000"/>
-                              <a:lumOff val="25000"/>
-                            </a:schemeClr>
-                          </a:solidFill>
-                        </a:rPr>
-                        <a:t>Documentation of findings. </a:t>
-                      </a:r>
-                    </a:p>
-                    <a:p>
-                      <a:pPr marL="215900" indent="-457200">
-                        <a:spcAft>
-                          <a:spcPts val="0"/>
-                        </a:spcAft>
-                      </a:pPr>
-                      <a:r>
-                        <a:rPr lang="en-CA" sz="1000" b="1" dirty="0">
-                          <a:solidFill>
-                            <a:schemeClr val="tx1">
-                              <a:lumMod val="75000"/>
-                              <a:lumOff val="25000"/>
-                            </a:schemeClr>
-                          </a:solidFill>
-                        </a:rPr>
-                        <a:t>3.2 </a:t>
-                      </a:r>
-                      <a:r>
-                        <a:rPr lang="en-CA" sz="1000" b="0" dirty="0">
-                          <a:solidFill>
-                            <a:schemeClr val="tx1">
-                              <a:lumMod val="75000"/>
-                              <a:lumOff val="25000"/>
-                            </a:schemeClr>
-                          </a:solidFill>
-                        </a:rPr>
-                        <a:t>Stakeholder presentation of MVP.</a:t>
-                      </a:r>
-                    </a:p>
-                    <a:p>
-                      <a:pPr marL="215900" indent="-457200">
-                        <a:spcAft>
-                          <a:spcPts val="0"/>
-                        </a:spcAft>
-                      </a:pPr>
-                      <a:r>
-                        <a:rPr lang="en-CA" sz="1000" b="1" dirty="0">
-                          <a:solidFill>
-                            <a:schemeClr val="tx1">
-                              <a:lumMod val="75000"/>
-                              <a:lumOff val="25000"/>
-                            </a:schemeClr>
-                          </a:solidFill>
-                        </a:rPr>
-                        <a:t>3.3</a:t>
-                      </a:r>
-                      <a:r>
-                        <a:rPr lang="en-CA" sz="1000" b="0" baseline="0" dirty="0">
-                          <a:solidFill>
-                            <a:schemeClr val="tx1">
-                              <a:lumMod val="75000"/>
-                              <a:lumOff val="25000"/>
-                            </a:schemeClr>
-                          </a:solidFill>
-                        </a:rPr>
-                        <a:t> </a:t>
-                      </a:r>
-                      <a:r>
-                        <a:rPr lang="en-CA" sz="1000" b="0" dirty="0">
-                          <a:solidFill>
-                            <a:schemeClr val="tx1">
-                              <a:lumMod val="75000"/>
-                              <a:lumOff val="25000"/>
-                            </a:schemeClr>
-                          </a:solidFill>
-                        </a:rPr>
-                        <a:t>Present next steps</a:t>
-                      </a:r>
-                      <a:r>
-                        <a:rPr lang="en-CA" sz="1000" b="0" baseline="0" dirty="0">
-                          <a:solidFill>
-                            <a:schemeClr val="tx1">
-                              <a:lumMod val="75000"/>
-                              <a:lumOff val="25000"/>
-                            </a:schemeClr>
-                          </a:solidFill>
-                        </a:rPr>
-                        <a:t>.</a:t>
-                      </a:r>
-                      <a:endParaRPr lang="en-CA" sz="1000" b="0" dirty="0">
-                        <a:solidFill>
-                          <a:schemeClr val="tx1">
-                            <a:lumMod val="75000"/>
-                            <a:lumOff val="25000"/>
-                          </a:schemeClr>
-                        </a:solidFill>
-                      </a:endParaRPr>
-                    </a:p>
-                  </a:txBody>
-                  <a:tcPr>
-                    <a:lnL w="19050" cap="flat" cmpd="sng" algn="ctr">
-                      <a:noFill/>
-                      <a:prstDash val="solid"/>
-                      <a:round/>
-                      <a:headEnd type="none" w="med" len="med"/>
-                      <a:tailEnd type="none" w="med" len="med"/>
-                    </a:lnL>
-                    <a:lnR w="19050" cap="flat" cmpd="sng" algn="ctr">
-                      <a:noFill/>
-                      <a:prstDash val="solid"/>
-                      <a:round/>
-                      <a:headEnd type="none" w="med" len="med"/>
-                      <a:tailEnd type="none" w="med" len="med"/>
-                    </a:lnR>
-                    <a:lnT w="19050" cap="flat" cmpd="sng" algn="ctr">
-                      <a:noFill/>
-                      <a:prstDash val="solid"/>
-                      <a:round/>
-                      <a:headEnd type="none" w="med" len="med"/>
-                      <a:tailEnd type="none" w="med" len="med"/>
-                    </a:lnT>
-                    <a:lnB w="6350" cap="flat" cmpd="sng" algn="ctr">
-                      <a:solidFill>
-                        <a:srgbClr val="6CA2C0"/>
-                      </a:solidFill>
-                      <a:prstDash val="solid"/>
-                      <a:round/>
-                      <a:headEnd type="none" w="med" len="med"/>
-                      <a:tailEnd type="none" w="med" len="med"/>
-                    </a:lnB>
-                    <a:lnTlToBr w="12700" cmpd="sng">
-                      <a:noFill/>
-                      <a:prstDash val="solid"/>
-                    </a:lnTlToBr>
-                    <a:lnBlToTr w="12700" cmpd="sng">
-                      <a:noFill/>
-                      <a:prstDash val="solid"/>
-                    </a:lnBlToTr>
-                    <a:noFill/>
-                  </a:tcPr>
-                </a:tc>
-                <a:extLst>
-                  <a:ext uri="{0D108BD9-81ED-4DB2-BD59-A6C34878D82A}">
-                    <a16:rowId xmlns:a16="http://schemas.microsoft.com/office/drawing/2014/main" val="10001"/>
-                  </a:ext>
-                </a:extLst>
-              </a:tr>
-              <a:tr h="1430538">
-                <a:tc>
-                  <a:txBody>
-                    <a:bodyPr/>
-                    <a:lstStyle/>
-                    <a:p>
-                      <a:pPr marL="215900" marR="0" indent="-457200" algn="ctr" defTabSz="914400" rtl="0" eaLnBrk="1" fontAlgn="auto" latinLnBrk="0" hangingPunct="1">
-                        <a:lnSpc>
-                          <a:spcPct val="100000"/>
-                        </a:lnSpc>
-                        <a:spcBef>
-                          <a:spcPts val="0"/>
-                        </a:spcBef>
-                        <a:spcAft>
-                          <a:spcPts val="500"/>
-                        </a:spcAft>
-                        <a:buClrTx/>
-                        <a:buSzTx/>
-                        <a:buFontTx/>
-                        <a:buNone/>
-                        <a:tabLst/>
-                        <a:defRPr/>
-                      </a:pPr>
-                      <a:r>
-                        <a:rPr lang="en-CA" sz="1200" b="1">
-                          <a:solidFill>
-                            <a:srgbClr val="3F7593"/>
-                          </a:solidFill>
-                        </a:rPr>
-                        <a:t>Deliverables</a:t>
-                      </a:r>
-                    </a:p>
-                  </a:txBody>
-                  <a:tcPr vert="vert270" anchor="ctr">
-                    <a:lnL w="19050" cap="flat" cmpd="sng" algn="ctr">
-                      <a:noFill/>
-                      <a:prstDash val="solid"/>
-                      <a:round/>
-                      <a:headEnd type="none" w="med" len="med"/>
-                      <a:tailEnd type="none" w="med" len="med"/>
-                    </a:lnL>
-                    <a:lnR w="19050" cap="flat" cmpd="sng" algn="ctr">
-                      <a:noFill/>
-                      <a:prstDash val="solid"/>
-                      <a:round/>
-                      <a:headEnd type="none" w="med" len="med"/>
-                      <a:tailEnd type="none" w="med" len="med"/>
-                    </a:lnR>
-                    <a:lnT w="6350" cap="flat" cmpd="sng" algn="ctr">
-                      <a:solidFill>
-                        <a:srgbClr val="6CA2C0"/>
-                      </a:solidFill>
-                      <a:prstDash val="solid"/>
-                      <a:round/>
-                      <a:headEnd type="none" w="med" len="med"/>
-                      <a:tailEnd type="none" w="med" len="med"/>
-                    </a:lnT>
-                    <a:lnB w="19050" cap="flat" cmpd="sng" algn="ctr">
-                      <a:noFill/>
-                      <a:prstDash val="solid"/>
-                      <a:round/>
-                      <a:headEnd type="none" w="med" len="med"/>
-                      <a:tailEnd type="none" w="med" len="med"/>
-                    </a:lnB>
-                    <a:lnTlToBr w="12700" cmpd="sng">
-                      <a:noFill/>
-                      <a:prstDash val="solid"/>
-                    </a:lnTlToBr>
-                    <a:lnBlToTr w="12700" cmpd="sng">
-                      <a:noFill/>
-                      <a:prstDash val="solid"/>
-                    </a:lnBlToTr>
-                    <a:noFill/>
-                  </a:tcPr>
-                </a:tc>
-                <a:tc>
-                  <a:txBody>
-                    <a:bodyPr/>
-                    <a:lstStyle/>
-                    <a:p>
-                      <a:pPr marL="228600" indent="-228600">
-                        <a:buFont typeface="+mj-lt"/>
-                        <a:buAutoNum type="arabicPeriod"/>
-                      </a:pPr>
-                      <a:endParaRPr lang="en-US" sz="1000" dirty="0">
-                        <a:solidFill>
-                          <a:schemeClr val="tx1">
-                            <a:lumMod val="75000"/>
-                            <a:lumOff val="25000"/>
-                          </a:schemeClr>
-                        </a:solidFill>
-                      </a:endParaRPr>
-                    </a:p>
-                    <a:p>
-                      <a:pPr marL="228600" indent="-228600">
-                        <a:buFont typeface="+mj-lt"/>
-                        <a:buAutoNum type="arabicPeriod"/>
-                      </a:pPr>
-                      <a:r>
-                        <a:rPr lang="en-US" sz="1000" dirty="0">
-                          <a:solidFill>
-                            <a:schemeClr val="tx1">
-                              <a:lumMod val="75000"/>
-                              <a:lumOff val="25000"/>
-                            </a:schemeClr>
-                          </a:solidFill>
-                        </a:rPr>
-                        <a:t>Relevant KPIs/Metrics/Outcome for the use case.</a:t>
-                      </a:r>
-                    </a:p>
-                    <a:p>
-                      <a:pPr marL="228600" indent="-228600">
-                        <a:buFont typeface="+mj-lt"/>
-                        <a:buAutoNum type="arabicPeriod"/>
-                      </a:pPr>
-                      <a:r>
-                        <a:rPr lang="en-US" sz="1000" dirty="0">
-                          <a:solidFill>
-                            <a:schemeClr val="tx1">
-                              <a:lumMod val="75000"/>
-                              <a:lumOff val="25000"/>
-                            </a:schemeClr>
-                          </a:solidFill>
-                        </a:rPr>
-                        <a:t>Data to be used in MVP.</a:t>
-                      </a:r>
-                    </a:p>
-                  </a:txBody>
-                  <a:tcPr>
-                    <a:lnL w="19050" cap="flat" cmpd="sng" algn="ctr">
-                      <a:noFill/>
-                      <a:prstDash val="solid"/>
-                      <a:round/>
-                      <a:headEnd type="none" w="med" len="med"/>
-                      <a:tailEnd type="none" w="med" len="med"/>
-                    </a:lnL>
-                    <a:lnR w="19050" cap="flat" cmpd="sng" algn="ctr">
-                      <a:noFill/>
-                      <a:prstDash val="solid"/>
-                      <a:round/>
-                      <a:headEnd type="none" w="med" len="med"/>
-                      <a:tailEnd type="none" w="med" len="med"/>
-                    </a:lnR>
-                    <a:lnT w="6350" cap="flat" cmpd="sng" algn="ctr">
-                      <a:solidFill>
-                        <a:srgbClr val="6CA2C0"/>
-                      </a:solidFill>
-                      <a:prstDash val="solid"/>
-                      <a:round/>
-                      <a:headEnd type="none" w="med" len="med"/>
-                      <a:tailEnd type="none" w="med" len="med"/>
-                    </a:lnT>
-                    <a:lnB w="19050" cap="flat" cmpd="sng" algn="ctr">
-                      <a:noFill/>
-                      <a:prstDash val="solid"/>
-                      <a:round/>
-                      <a:headEnd type="none" w="med" len="med"/>
-                      <a:tailEnd type="none" w="med" len="med"/>
-                    </a:lnB>
-                    <a:lnTlToBr w="12700" cmpd="sng">
-                      <a:noFill/>
-                      <a:prstDash val="solid"/>
-                    </a:lnTlToBr>
-                    <a:lnBlToTr w="12700" cmpd="sng">
-                      <a:noFill/>
-                      <a:prstDash val="solid"/>
-                    </a:lnBlToTr>
-                    <a:noFill/>
-                  </a:tcPr>
-                </a:tc>
-                <a:tc>
-                  <a:txBody>
-                    <a:bodyPr/>
-                    <a:lstStyle/>
-                    <a:p>
-                      <a:pPr marL="228600" indent="-228600">
-                        <a:buFont typeface="+mj-lt"/>
-                        <a:buAutoNum type="arabicPeriod"/>
-                      </a:pPr>
-                      <a:endParaRPr lang="en-US" sz="1000" dirty="0">
-                        <a:solidFill>
-                          <a:schemeClr val="tx1">
-                            <a:lumMod val="75000"/>
-                            <a:lumOff val="25000"/>
-                          </a:schemeClr>
-                        </a:solidFill>
-                      </a:endParaRPr>
-                    </a:p>
-                  </a:txBody>
-                  <a:tcPr>
-                    <a:lnL w="19050" cap="flat" cmpd="sng" algn="ctr">
-                      <a:noFill/>
-                      <a:prstDash val="solid"/>
-                      <a:round/>
-                      <a:headEnd type="none" w="med" len="med"/>
-                      <a:tailEnd type="none" w="med" len="med"/>
-                    </a:lnL>
-                    <a:lnR w="19050" cap="flat" cmpd="sng" algn="ctr">
-                      <a:noFill/>
-                      <a:prstDash val="solid"/>
-                      <a:round/>
-                      <a:headEnd type="none" w="med" len="med"/>
-                      <a:tailEnd type="none" w="med" len="med"/>
-                    </a:lnR>
-                    <a:lnT w="6350" cap="flat" cmpd="sng" algn="ctr">
-                      <a:solidFill>
-                        <a:srgbClr val="6CA2C0"/>
-                      </a:solidFill>
-                      <a:prstDash val="solid"/>
-                      <a:round/>
-                      <a:headEnd type="none" w="med" len="med"/>
-                      <a:tailEnd type="none" w="med" len="med"/>
-                    </a:lnT>
-                    <a:lnB w="19050" cap="flat" cmpd="sng" algn="ctr">
-                      <a:noFill/>
-                      <a:prstDash val="solid"/>
-                      <a:round/>
-                      <a:headEnd type="none" w="med" len="med"/>
-                      <a:tailEnd type="none" w="med" len="med"/>
-                    </a:lnB>
-                    <a:lnTlToBr w="12700" cmpd="sng">
-                      <a:noFill/>
-                      <a:prstDash val="solid"/>
-                    </a:lnTlToBr>
-                    <a:lnBlToTr w="12700" cmpd="sng">
-                      <a:noFill/>
-                      <a:prstDash val="solid"/>
-                    </a:lnBlToTr>
-                    <a:solidFill>
-                      <a:schemeClr val="bg1">
-                        <a:lumMod val="95000"/>
-                      </a:schemeClr>
-                    </a:solidFill>
-                  </a:tcPr>
-                </a:tc>
-                <a:tc>
-                  <a:txBody>
-                    <a:bodyPr/>
-                    <a:lstStyle/>
-                    <a:p>
-                      <a:pPr marL="228600" indent="-228600">
-                        <a:buFont typeface="+mj-lt"/>
-                        <a:buAutoNum type="arabicPeriod"/>
-                      </a:pPr>
-                      <a:endParaRPr lang="en-CA" sz="1000" dirty="0">
-                        <a:solidFill>
-                          <a:schemeClr val="tx1">
-                            <a:lumMod val="75000"/>
-                            <a:lumOff val="25000"/>
-                          </a:schemeClr>
-                        </a:solidFill>
-                      </a:endParaRPr>
-                    </a:p>
-                    <a:p>
-                      <a:pPr marL="228600" indent="-228600">
-                        <a:buFont typeface="+mj-lt"/>
-                        <a:buAutoNum type="arabicPeriod"/>
-                      </a:pPr>
-                      <a:r>
-                        <a:rPr lang="en-CA" sz="1000" dirty="0">
-                          <a:solidFill>
-                            <a:schemeClr val="tx1">
-                              <a:lumMod val="75000"/>
-                              <a:lumOff val="25000"/>
-                            </a:schemeClr>
-                          </a:solidFill>
-                        </a:rPr>
-                        <a:t>Data profiling findings </a:t>
-                      </a:r>
-                    </a:p>
-                    <a:p>
-                      <a:pPr marL="228600" indent="-228600">
-                        <a:buFont typeface="+mj-lt"/>
-                        <a:buAutoNum type="arabicPeriod"/>
-                      </a:pPr>
-                      <a:r>
-                        <a:rPr lang="en-CA" sz="1000" dirty="0">
-                          <a:solidFill>
-                            <a:schemeClr val="tx1">
-                              <a:lumMod val="75000"/>
-                              <a:lumOff val="25000"/>
-                            </a:schemeClr>
-                          </a:solidFill>
-                        </a:rPr>
-                        <a:t>Analytics feature data set</a:t>
-                      </a:r>
-                    </a:p>
-                    <a:p>
-                      <a:pPr marL="228600" indent="-228600">
-                        <a:buFont typeface="+mj-lt"/>
-                        <a:buAutoNum type="arabicPeriod"/>
-                      </a:pPr>
-                      <a:r>
-                        <a:rPr lang="en-CA" sz="1000" dirty="0">
-                          <a:solidFill>
-                            <a:schemeClr val="tx1">
-                              <a:lumMod val="75000"/>
-                              <a:lumOff val="25000"/>
-                            </a:schemeClr>
-                          </a:solidFill>
-                        </a:rPr>
-                        <a:t>Initial ideas based on data analysis</a:t>
-                      </a:r>
-                    </a:p>
-                  </a:txBody>
-                  <a:tcPr>
-                    <a:lnL w="19050" cap="flat" cmpd="sng" algn="ctr">
-                      <a:noFill/>
-                      <a:prstDash val="solid"/>
-                      <a:round/>
-                      <a:headEnd type="none" w="med" len="med"/>
-                      <a:tailEnd type="none" w="med" len="med"/>
-                    </a:lnL>
-                    <a:lnR w="19050" cap="flat" cmpd="sng" algn="ctr">
-                      <a:noFill/>
-                      <a:prstDash val="solid"/>
-                      <a:round/>
-                      <a:headEnd type="none" w="med" len="med"/>
-                      <a:tailEnd type="none" w="med" len="med"/>
-                    </a:lnR>
-                    <a:lnT w="6350" cap="flat" cmpd="sng" algn="ctr">
-                      <a:solidFill>
-                        <a:srgbClr val="6CA2C0"/>
-                      </a:solidFill>
-                      <a:prstDash val="solid"/>
-                      <a:round/>
-                      <a:headEnd type="none" w="med" len="med"/>
-                      <a:tailEnd type="none" w="med" len="med"/>
-                    </a:lnT>
-                    <a:lnB w="19050" cap="flat" cmpd="sng" algn="ctr">
-                      <a:noFill/>
-                      <a:prstDash val="solid"/>
-                      <a:round/>
-                      <a:headEnd type="none" w="med" len="med"/>
-                      <a:tailEnd type="none" w="med" len="med"/>
-                    </a:lnB>
-                    <a:lnTlToBr w="12700" cmpd="sng">
-                      <a:noFill/>
-                      <a:prstDash val="solid"/>
-                    </a:lnTlToBr>
-                    <a:lnBlToTr w="12700" cmpd="sng">
-                      <a:noFill/>
-                      <a:prstDash val="solid"/>
-                    </a:lnBlToTr>
-                    <a:noFill/>
-                  </a:tcPr>
-                </a:tc>
-                <a:tc>
-                  <a:txBody>
-                    <a:bodyPr/>
-                    <a:lstStyle/>
-                    <a:p>
-                      <a:pPr marL="228600" indent="-228600" algn="l" defTabSz="914400" rtl="0" eaLnBrk="1" latinLnBrk="0" hangingPunct="1">
-                        <a:spcAft>
-                          <a:spcPts val="0"/>
-                        </a:spcAft>
-                        <a:buClrTx/>
-                        <a:buFont typeface="+mj-lt"/>
-                        <a:buAutoNum type="arabicPeriod"/>
-                      </a:pPr>
-                      <a:endParaRPr lang="en-US" sz="1000" b="0" i="0" kern="1200" baseline="0" dirty="0">
-                        <a:solidFill>
-                          <a:schemeClr val="tx1">
-                            <a:lumMod val="75000"/>
-                            <a:lumOff val="25000"/>
-                          </a:schemeClr>
-                        </a:solidFill>
-                        <a:latin typeface="+mn-lt"/>
-                        <a:ea typeface="+mn-ea"/>
-                        <a:cs typeface="+mn-cs"/>
-                      </a:endParaRPr>
-                    </a:p>
-                    <a:p>
-                      <a:pPr marL="228600" indent="-228600" algn="l" rtl="0" eaLnBrk="1" latinLnBrk="0" hangingPunct="1">
-                        <a:spcAft>
-                          <a:spcPts val="0"/>
-                        </a:spcAft>
-                        <a:buFont typeface="+mj-lt"/>
-                        <a:buAutoNum type="arabicPeriod"/>
-                      </a:pPr>
-                      <a:r>
-                        <a:rPr lang="en-US" sz="1000" b="0" i="0" kern="1200" baseline="0" dirty="0">
-                          <a:solidFill>
-                            <a:schemeClr val="tx1">
-                              <a:lumMod val="75000"/>
-                              <a:lumOff val="25000"/>
-                            </a:schemeClr>
-                          </a:solidFill>
-                          <a:latin typeface="+mn-lt"/>
-                          <a:ea typeface="+mn-ea"/>
-                          <a:cs typeface="+mn-cs"/>
-                        </a:rPr>
-                        <a:t>MVP package </a:t>
-                      </a:r>
-                    </a:p>
-                    <a:p>
-                      <a:pPr marL="228600" indent="-228600" algn="l" defTabSz="914400" rtl="0" eaLnBrk="1" latinLnBrk="0" hangingPunct="1">
-                        <a:spcAft>
-                          <a:spcPts val="0"/>
-                        </a:spcAft>
-                        <a:buClrTx/>
-                        <a:buFont typeface="+mj-lt"/>
-                        <a:buAutoNum type="arabicPeriod"/>
-                      </a:pPr>
-                      <a:r>
-                        <a:rPr lang="en-US" sz="1000" b="0" i="0" kern="1200" baseline="0" dirty="0">
-                          <a:solidFill>
-                            <a:schemeClr val="tx1">
-                              <a:lumMod val="75000"/>
-                              <a:lumOff val="25000"/>
-                            </a:schemeClr>
-                          </a:solidFill>
-                          <a:latin typeface="+mn-lt"/>
-                          <a:ea typeface="+mn-ea"/>
-                          <a:cs typeface="+mn-cs"/>
-                        </a:rPr>
-                        <a:t>Data Science methodology used in MVP</a:t>
-                      </a:r>
-                    </a:p>
-                    <a:p>
-                      <a:pPr marL="228600" indent="-228600" algn="l" defTabSz="914400" rtl="0" eaLnBrk="1" latinLnBrk="0" hangingPunct="1">
-                        <a:spcAft>
-                          <a:spcPts val="0"/>
-                        </a:spcAft>
-                        <a:buClrTx/>
-                        <a:buFont typeface="+mj-lt"/>
-                        <a:buAutoNum type="arabicPeriod"/>
-                      </a:pPr>
-                      <a:r>
-                        <a:rPr lang="en-US" sz="1000" b="0" i="0" kern="1200" baseline="0" dirty="0">
-                          <a:solidFill>
-                            <a:schemeClr val="tx1">
-                              <a:lumMod val="75000"/>
-                              <a:lumOff val="25000"/>
-                            </a:schemeClr>
-                          </a:solidFill>
-                          <a:latin typeface="+mn-lt"/>
-                          <a:ea typeface="+mn-ea"/>
-                          <a:cs typeface="+mn-cs"/>
-                        </a:rPr>
-                        <a:t>Presentation with outcome and recommended next steps</a:t>
-                      </a:r>
-                    </a:p>
-                    <a:p>
-                      <a:pPr marL="0" indent="0">
-                        <a:spcAft>
-                          <a:spcPts val="0"/>
-                        </a:spcAft>
-                        <a:buClrTx/>
-                        <a:buFont typeface="+mj-lt"/>
-                        <a:buNone/>
-                      </a:pPr>
-                      <a:endParaRPr lang="en-US" sz="1000" b="0" baseline="0" dirty="0">
-                        <a:solidFill>
-                          <a:schemeClr val="tx1">
-                            <a:lumMod val="75000"/>
-                            <a:lumOff val="25000"/>
-                          </a:schemeClr>
-                        </a:solidFill>
-                      </a:endParaRPr>
-                    </a:p>
-                  </a:txBody>
-                  <a:tcPr>
-                    <a:lnL w="19050" cap="flat" cmpd="sng" algn="ctr">
-                      <a:noFill/>
-                      <a:prstDash val="solid"/>
-                      <a:round/>
-                      <a:headEnd type="none" w="med" len="med"/>
-                      <a:tailEnd type="none" w="med" len="med"/>
-                    </a:lnL>
-                    <a:lnR w="19050" cap="flat" cmpd="sng" algn="ctr">
-                      <a:noFill/>
-                      <a:prstDash val="solid"/>
-                      <a:round/>
-                      <a:headEnd type="none" w="med" len="med"/>
-                      <a:tailEnd type="none" w="med" len="med"/>
-                    </a:lnR>
-                    <a:lnT w="6350" cap="flat" cmpd="sng" algn="ctr">
-                      <a:solidFill>
-                        <a:srgbClr val="6CA2C0"/>
-                      </a:solidFill>
-                      <a:prstDash val="solid"/>
-                      <a:round/>
-                      <a:headEnd type="none" w="med" len="med"/>
-                      <a:tailEnd type="none" w="med" len="med"/>
-                    </a:lnT>
-                    <a:lnB w="19050" cap="flat" cmpd="sng" algn="ctr">
-                      <a:noFill/>
-                      <a:prstDash val="solid"/>
-                      <a:round/>
-                      <a:headEnd type="none" w="med" len="med"/>
-                      <a:tailEnd type="none" w="med" len="med"/>
-                    </a:lnB>
-                    <a:lnTlToBr w="12700" cmpd="sng">
-                      <a:noFill/>
-                      <a:prstDash val="solid"/>
-                    </a:lnTlToBr>
-                    <a:lnBlToTr w="12700" cmpd="sng">
-                      <a:noFill/>
-                      <a:prstDash val="solid"/>
-                    </a:lnBlToTr>
-                    <a:noFill/>
-                  </a:tcPr>
-                </a:tc>
-                <a:extLst>
-                  <a:ext uri="{0D108BD9-81ED-4DB2-BD59-A6C34878D82A}">
-                    <a16:rowId xmlns:a16="http://schemas.microsoft.com/office/drawing/2014/main" val="10002"/>
-                  </a:ext>
-                </a:extLst>
-              </a:tr>
-            </a:tbl>
-          </a:graphicData>
-        </a:graphic>
-      </p:graphicFrame>
+          <p:cNvSpPr>
+            <a:spLocks noGrp="1"/>
+          </p:cNvSpPr>
+          <p:nvPr>
+            <p:ph sz="half" idx="2"/>
+          </p:nvPr>
+        </p:nvSpPr>
+        <p:spPr>
+          <a:xfrm>
+            <a:off x="839788" y="1681163"/>
+            <a:ext cx="5157787" cy="4508500"/>
+          </a:xfrm>
+        </p:spPr>
+        <p:txBody>
+          <a:bodyPr/>
+          <a:lstStyle/>
+          <a:p>
+            <a:r>
+              <a:rPr lang="en-US" dirty="0"/>
+              <a:t>The output of a logistic regression is in the `(0, 1)` range</a:t>
+            </a:r>
+          </a:p>
+          <a:p>
+            <a:r>
+              <a:rPr lang="en-US" dirty="0"/>
+              <a:t>For each example, it represents the probability that the example belongs to the positive class.</a:t>
+            </a:r>
+          </a:p>
+          <a:p>
+            <a:r>
+              <a:rPr lang="en-US" dirty="0"/>
+              <a:t>Training set: 33908</a:t>
+            </a:r>
+          </a:p>
+          <a:p>
+            <a:pPr lvl="1"/>
+            <a:r>
+              <a:rPr lang="en-US" dirty="0"/>
+              <a:t>0.75 of the data</a:t>
+            </a:r>
+          </a:p>
+          <a:p>
+            <a:r>
+              <a:rPr lang="en-US" dirty="0"/>
+              <a:t>Test set: 11303</a:t>
+            </a:r>
+            <a:endParaRPr lang="sv-SE" dirty="0"/>
+          </a:p>
+        </p:txBody>
+      </p:sp>
+      <p:pic>
+        <p:nvPicPr>
+          <p:cNvPr id="10" name="Content Placeholder 9" descr="Chart&#10;&#10;Description automatically generated">
+            <a:extLst>
+              <a:ext uri="{FF2B5EF4-FFF2-40B4-BE49-F238E27FC236}">
+                <a16:creationId xmlns:a16="http://schemas.microsoft.com/office/drawing/2014/main" id="{45ABFD6B-70CA-3F86-507C-C7C6328C8E8C}"/>
+              </a:ext>
+            </a:extLst>
+          </p:cNvPr>
+          <p:cNvPicPr>
+            <a:picLocks noGrp="1" noChangeAspect="1"/>
+          </p:cNvPicPr>
+          <p:nvPr>
+            <p:ph sz="quarter" idx="4"/>
+          </p:nvPr>
+        </p:nvPicPr>
+        <p:blipFill>
+          <a:blip r:embed="rId2">
+            <a:extLst>
+              <a:ext uri="{28A0092B-C50C-407E-A947-70E740481C1C}">
+                <a14:useLocalDpi xmlns:a14="http://schemas.microsoft.com/office/drawing/2010/main" val="0"/>
+              </a:ext>
+            </a:extLst>
+          </a:blip>
+          <a:stretch>
+            <a:fillRect/>
+          </a:stretch>
+        </p:blipFill>
+        <p:spPr>
+          <a:xfrm>
+            <a:off x="6172200" y="2115415"/>
+            <a:ext cx="5183188" cy="3639995"/>
+          </a:xfrm>
+        </p:spPr>
+      </p:pic>
       <p:sp>
         <p:nvSpPr>
-          <p:cNvPr id="7" name="Footer Placeholder 3">
+          <p:cNvPr id="7" name="Footer Placeholder 6">
             <a:extLst>
               <a:ext uri="{FF2B5EF4-FFF2-40B4-BE49-F238E27FC236}">
-                <a16:creationId xmlns:a16="http://schemas.microsoft.com/office/drawing/2014/main" id="{15251675-FCF9-4806-A896-5A557EB6ACD3}"/>
+                <a16:creationId xmlns:a16="http://schemas.microsoft.com/office/drawing/2014/main" id="{A3662FB6-1D94-C930-D083-0C08B3BCF10B}"/>
               </a:ext>
             </a:extLst>
           </p:cNvPr>
@@ -13272,354 +8841,43 @@
             <p:ph type="ftr" sz="quarter" idx="11"/>
           </p:nvPr>
         </p:nvSpPr>
-        <p:spPr>
-          <a:xfrm>
-            <a:off x="4038600" y="6489582"/>
-            <a:ext cx="4114800" cy="365125"/>
-          </a:xfrm>
-        </p:spPr>
+        <p:spPr/>
         <p:txBody>
           <a:bodyPr/>
           <a:lstStyle/>
           <a:p>
             <a:r>
               <a:rPr lang="en-US"/>
-              <a:t>Copyright Adage AB</a:t>
+              <a:t>Adage</a:t>
             </a:r>
           </a:p>
         </p:txBody>
       </p:sp>
-      <p:cxnSp>
-        <p:nvCxnSpPr>
-          <p:cNvPr id="9" name="Straight Arrow Connector 8">
+      <p:sp>
+        <p:nvSpPr>
+          <p:cNvPr id="8" name="Slide Number Placeholder 7">
             <a:extLst>
               <a:ext uri="{FF2B5EF4-FFF2-40B4-BE49-F238E27FC236}">
-                <a16:creationId xmlns:a16="http://schemas.microsoft.com/office/drawing/2014/main" id="{D5202E6A-1399-455F-8645-0AED27CB35EC}"/>
+                <a16:creationId xmlns:a16="http://schemas.microsoft.com/office/drawing/2014/main" id="{B83419D5-26D8-F48B-0A13-24E85E58D9CC}"/>
               </a:ext>
             </a:extLst>
           </p:cNvPr>
-          <p:cNvCxnSpPr>
-            <a:cxnSpLocks/>
-          </p:cNvCxnSpPr>
-          <p:nvPr/>
-        </p:nvCxnSpPr>
-        <p:spPr>
-          <a:xfrm>
-            <a:off x="5116829" y="2154555"/>
-            <a:ext cx="6149340" cy="0"/>
-          </a:xfrm>
-          <a:prstGeom prst="straightConnector1">
-            <a:avLst/>
-          </a:prstGeom>
-          <a:ln w="9525">
-            <a:solidFill>
-              <a:srgbClr val="4884A6"/>
-            </a:solidFill>
-            <a:tailEnd type="triangle"/>
-          </a:ln>
-        </p:spPr>
-        <p:style>
-          <a:lnRef idx="1">
-            <a:schemeClr val="accent1"/>
-          </a:lnRef>
-          <a:fillRef idx="0">
-            <a:schemeClr val="accent1"/>
-          </a:fillRef>
-          <a:effectRef idx="0">
-            <a:schemeClr val="accent1"/>
-          </a:effectRef>
-          <a:fontRef idx="minor">
-            <a:schemeClr val="tx1"/>
-          </a:fontRef>
-        </p:style>
-      </p:cxnSp>
-      <p:cxnSp>
-        <p:nvCxnSpPr>
-          <p:cNvPr id="12" name="Straight Connector 11">
-            <a:extLst>
-              <a:ext uri="{FF2B5EF4-FFF2-40B4-BE49-F238E27FC236}">
-                <a16:creationId xmlns:a16="http://schemas.microsoft.com/office/drawing/2014/main" id="{A92F3FAB-433C-4335-B11C-40B27A5A6A3C}"/>
-              </a:ext>
-            </a:extLst>
-          </p:cNvPr>
-          <p:cNvCxnSpPr>
-            <a:cxnSpLocks/>
-          </p:cNvCxnSpPr>
-          <p:nvPr/>
-        </p:nvCxnSpPr>
-        <p:spPr>
-          <a:xfrm flipH="1">
-            <a:off x="971548" y="2155032"/>
-            <a:ext cx="3543302" cy="0"/>
-          </a:xfrm>
-          <a:prstGeom prst="line">
-            <a:avLst/>
-          </a:prstGeom>
-          <a:ln w="9525">
-            <a:solidFill>
-              <a:srgbClr val="4884A6"/>
-            </a:solidFill>
-          </a:ln>
-        </p:spPr>
-        <p:style>
-          <a:lnRef idx="1">
-            <a:schemeClr val="accent1"/>
-          </a:lnRef>
-          <a:fillRef idx="0">
-            <a:schemeClr val="accent1"/>
-          </a:fillRef>
-          <a:effectRef idx="0">
-            <a:schemeClr val="accent1"/>
-          </a:effectRef>
-          <a:fontRef idx="minor">
-            <a:schemeClr val="tx1"/>
-          </a:fontRef>
-        </p:style>
-      </p:cxnSp>
-      <p:sp>
-        <p:nvSpPr>
-          <p:cNvPr id="34" name="textruta 2">
-            <a:extLst>
-              <a:ext uri="{FF2B5EF4-FFF2-40B4-BE49-F238E27FC236}">
-                <a16:creationId xmlns:a16="http://schemas.microsoft.com/office/drawing/2014/main" id="{E21563C5-68BC-458E-9E62-B603CD43760C}"/>
-              </a:ext>
-            </a:extLst>
-          </p:cNvPr>
-          <p:cNvSpPr txBox="1"/>
-          <p:nvPr/>
+          <p:cNvSpPr>
+            <a:spLocks noGrp="1"/>
+          </p:cNvSpPr>
+          <p:nvPr>
+            <p:ph type="sldNum" sz="quarter" idx="12"/>
+          </p:nvPr>
         </p:nvSpPr>
-        <p:spPr>
-          <a:xfrm rot="16200000">
-            <a:off x="3538297" y="3410658"/>
-            <a:ext cx="2543165" cy="246221"/>
-          </a:xfrm>
-          <a:prstGeom prst="rect">
-            <a:avLst/>
-          </a:prstGeom>
-          <a:noFill/>
-        </p:spPr>
+        <p:spPr/>
         <p:txBody>
-          <a:bodyPr wrap="square" rtlCol="0">
-            <a:spAutoFit/>
-          </a:bodyPr>
+          <a:bodyPr/>
           <a:lstStyle/>
           <a:p>
-            <a:pPr algn="ctr"/>
-            <a:r>
-              <a:rPr lang="sv-SE" sz="1000" dirty="0">
-                <a:solidFill>
-                  <a:schemeClr val="tx1">
-                    <a:lumMod val="65000"/>
-                    <a:lumOff val="35000"/>
-                  </a:schemeClr>
-                </a:solidFill>
-              </a:rPr>
-              <a:t>Setup </a:t>
-            </a:r>
-            <a:r>
-              <a:rPr lang="sv-SE" sz="1000" dirty="0" err="1">
-                <a:solidFill>
-                  <a:schemeClr val="tx1">
-                    <a:lumMod val="65000"/>
-                    <a:lumOff val="35000"/>
-                  </a:schemeClr>
-                </a:solidFill>
-              </a:rPr>
-              <a:t>environment</a:t>
-            </a:r>
-            <a:r>
-              <a:rPr lang="sv-SE" sz="1000" dirty="0">
-                <a:solidFill>
-                  <a:schemeClr val="tx1">
-                    <a:lumMod val="65000"/>
-                    <a:lumOff val="35000"/>
-                  </a:schemeClr>
-                </a:solidFill>
-              </a:rPr>
-              <a:t> for MVP</a:t>
-            </a:r>
-          </a:p>
-        </p:txBody>
-      </p:sp>
-      <p:cxnSp>
-        <p:nvCxnSpPr>
-          <p:cNvPr id="14" name="Straight Connector 13">
-            <a:extLst>
-              <a:ext uri="{FF2B5EF4-FFF2-40B4-BE49-F238E27FC236}">
-                <a16:creationId xmlns:a16="http://schemas.microsoft.com/office/drawing/2014/main" id="{7032EA1F-B74E-4FF0-AA27-FA9437DC8C2E}"/>
-              </a:ext>
-            </a:extLst>
-          </p:cNvPr>
-          <p:cNvCxnSpPr>
-            <a:cxnSpLocks/>
-          </p:cNvCxnSpPr>
-          <p:nvPr/>
-        </p:nvCxnSpPr>
-        <p:spPr>
-          <a:xfrm flipH="1">
-            <a:off x="4514849" y="2071688"/>
-            <a:ext cx="240506" cy="82868"/>
-          </a:xfrm>
-          <a:prstGeom prst="line">
-            <a:avLst/>
-          </a:prstGeom>
-          <a:ln w="9525">
-            <a:solidFill>
-              <a:srgbClr val="4884A6"/>
-            </a:solidFill>
-          </a:ln>
-        </p:spPr>
-        <p:style>
-          <a:lnRef idx="1">
-            <a:schemeClr val="accent1"/>
-          </a:lnRef>
-          <a:fillRef idx="0">
-            <a:schemeClr val="accent1"/>
-          </a:fillRef>
-          <a:effectRef idx="0">
-            <a:schemeClr val="accent1"/>
-          </a:effectRef>
-          <a:fontRef idx="minor">
-            <a:schemeClr val="tx1"/>
-          </a:fontRef>
-        </p:style>
-      </p:cxnSp>
-      <p:cxnSp>
-        <p:nvCxnSpPr>
-          <p:cNvPr id="17" name="Straight Connector 16">
-            <a:extLst>
-              <a:ext uri="{FF2B5EF4-FFF2-40B4-BE49-F238E27FC236}">
-                <a16:creationId xmlns:a16="http://schemas.microsoft.com/office/drawing/2014/main" id="{F29A0EF0-AC5A-44FF-BEA2-1C8D3364169E}"/>
-              </a:ext>
-            </a:extLst>
-          </p:cNvPr>
-          <p:cNvCxnSpPr>
-            <a:cxnSpLocks/>
-          </p:cNvCxnSpPr>
-          <p:nvPr/>
-        </p:nvCxnSpPr>
-        <p:spPr>
-          <a:xfrm>
-            <a:off x="4755355" y="2071212"/>
-            <a:ext cx="157163" cy="190976"/>
-          </a:xfrm>
-          <a:prstGeom prst="line">
-            <a:avLst/>
-          </a:prstGeom>
-          <a:ln w="9525">
-            <a:solidFill>
-              <a:srgbClr val="4884A6"/>
-            </a:solidFill>
-          </a:ln>
-        </p:spPr>
-        <p:style>
-          <a:lnRef idx="1">
-            <a:schemeClr val="accent1"/>
-          </a:lnRef>
-          <a:fillRef idx="0">
-            <a:schemeClr val="accent1"/>
-          </a:fillRef>
-          <a:effectRef idx="0">
-            <a:schemeClr val="accent1"/>
-          </a:effectRef>
-          <a:fontRef idx="minor">
-            <a:schemeClr val="tx1"/>
-          </a:fontRef>
-        </p:style>
-      </p:cxnSp>
-      <p:cxnSp>
-        <p:nvCxnSpPr>
-          <p:cNvPr id="20" name="Straight Connector 19">
-            <a:extLst>
-              <a:ext uri="{FF2B5EF4-FFF2-40B4-BE49-F238E27FC236}">
-                <a16:creationId xmlns:a16="http://schemas.microsoft.com/office/drawing/2014/main" id="{52C7C4CF-2378-4FD4-B88E-BB5393254933}"/>
-              </a:ext>
-            </a:extLst>
-          </p:cNvPr>
-          <p:cNvCxnSpPr>
-            <a:cxnSpLocks/>
-          </p:cNvCxnSpPr>
-          <p:nvPr/>
-        </p:nvCxnSpPr>
-        <p:spPr>
-          <a:xfrm flipV="1">
-            <a:off x="4912518" y="2154556"/>
-            <a:ext cx="204311" cy="107632"/>
-          </a:xfrm>
-          <a:prstGeom prst="line">
-            <a:avLst/>
-          </a:prstGeom>
-          <a:ln w="9525">
-            <a:solidFill>
-              <a:srgbClr val="4884A6"/>
-            </a:solidFill>
-          </a:ln>
-        </p:spPr>
-        <p:style>
-          <a:lnRef idx="1">
-            <a:schemeClr val="accent1"/>
-          </a:lnRef>
-          <a:fillRef idx="0">
-            <a:schemeClr val="accent1"/>
-          </a:fillRef>
-          <a:effectRef idx="0">
-            <a:schemeClr val="accent1"/>
-          </a:effectRef>
-          <a:fontRef idx="minor">
-            <a:schemeClr val="tx1"/>
-          </a:fontRef>
-        </p:style>
-      </p:cxnSp>
-      <p:sp>
-        <p:nvSpPr>
-          <p:cNvPr id="43" name="Rektangel: rundade hörn 2">
-            <a:extLst>
-              <a:ext uri="{FF2B5EF4-FFF2-40B4-BE49-F238E27FC236}">
-                <a16:creationId xmlns:a16="http://schemas.microsoft.com/office/drawing/2014/main" id="{140DE549-EB2F-47EB-8C0D-3A9A0E2D7771}"/>
-              </a:ext>
-            </a:extLst>
-          </p:cNvPr>
-          <p:cNvSpPr/>
-          <p:nvPr/>
-        </p:nvSpPr>
-        <p:spPr>
-          <a:xfrm>
-            <a:off x="885825" y="1572426"/>
-            <a:ext cx="10515600" cy="4552149"/>
-          </a:xfrm>
-          <a:prstGeom prst="roundRect">
-            <a:avLst>
-              <a:gd name="adj" fmla="val 2098"/>
-            </a:avLst>
-          </a:prstGeom>
-          <a:noFill/>
-          <a:ln w="6350">
-            <a:solidFill>
-              <a:srgbClr val="6CA2C0"/>
-            </a:solidFill>
-          </a:ln>
-        </p:spPr>
-        <p:style>
-          <a:lnRef idx="2">
-            <a:schemeClr val="accent1">
-              <a:shade val="50000"/>
-            </a:schemeClr>
-          </a:lnRef>
-          <a:fillRef idx="1">
-            <a:schemeClr val="accent1"/>
-          </a:fillRef>
-          <a:effectRef idx="0">
-            <a:schemeClr val="accent1"/>
-          </a:effectRef>
-          <a:fontRef idx="minor">
-            <a:schemeClr val="lt1"/>
-          </a:fontRef>
-        </p:style>
-        <p:txBody>
-          <a:bodyPr rtlCol="0" anchor="ctr"/>
-          <a:lstStyle/>
-          <a:p>
-            <a:pPr algn="ctr"/>
+            <a:fld id="{A2DCBA88-1671-42D3-9686-8895CAE7DED7}" type="slidenum">
+              <a:rPr lang="en-US" smtClean="0"/>
+              <a:t>8</a:t>
+            </a:fld>
             <a:endParaRPr lang="en-US"/>
           </a:p>
         </p:txBody>
@@ -13627,7 +8885,7 @@
     </p:spTree>
     <p:extLst>
       <p:ext uri="{BB962C8B-B14F-4D97-AF65-F5344CB8AC3E}">
-        <p14:creationId xmlns:p14="http://schemas.microsoft.com/office/powerpoint/2010/main" val="1253883287"/>
+        <p14:creationId xmlns:p14="http://schemas.microsoft.com/office/powerpoint/2010/main" val="2312068477"/>
       </p:ext>
     </p:extLst>
   </p:cSld>
@@ -13656,10 +8914,10 @@
       </p:grpSpPr>
       <p:sp>
         <p:nvSpPr>
-          <p:cNvPr id="4" name="Footer Placeholder 3">
+          <p:cNvPr id="2" name="Title 1">
             <a:extLst>
               <a:ext uri="{FF2B5EF4-FFF2-40B4-BE49-F238E27FC236}">
-                <a16:creationId xmlns:a16="http://schemas.microsoft.com/office/drawing/2014/main" id="{A7EE535E-D717-4B22-842B-FF4F0A86E651}"/>
+                <a16:creationId xmlns:a16="http://schemas.microsoft.com/office/drawing/2014/main" id="{A3F0E8DA-ADB0-94F6-D817-EA688A6E7523}"/>
               </a:ext>
             </a:extLst>
           </p:cNvPr>
@@ -13667,32 +8925,38 @@
             <a:spLocks noGrp="1"/>
           </p:cNvSpPr>
           <p:nvPr>
-            <p:ph type="ftr" sz="quarter" idx="4294967295"/>
+            <p:ph type="title"/>
           </p:nvPr>
         </p:nvSpPr>
-        <p:spPr>
-          <a:xfrm>
-            <a:off x="0" y="6489700"/>
-            <a:ext cx="4114800" cy="365125"/>
-          </a:xfrm>
-        </p:spPr>
+        <p:spPr/>
         <p:txBody>
-          <a:bodyPr/>
+          <a:bodyPr>
+            <a:normAutofit/>
+          </a:bodyPr>
           <a:lstStyle/>
           <a:p>
             <a:r>
-              <a:rPr lang="en-US"/>
-              <a:t>Adage</a:t>
-            </a:r>
+              <a:rPr lang="sv-SE" dirty="0" err="1">
+                <a:solidFill>
+                  <a:srgbClr val="3F7593"/>
+                </a:solidFill>
+              </a:rPr>
+              <a:t>Accuracy</a:t>
+            </a:r>
+            <a:endParaRPr lang="sv-SE" dirty="0">
+              <a:solidFill>
+                <a:srgbClr val="3F7593"/>
+              </a:solidFill>
+            </a:endParaRPr>
           </a:p>
         </p:txBody>
       </p:sp>
       <p:sp>
         <p:nvSpPr>
-          <p:cNvPr id="5" name="Slide Number Placeholder 4">
+          <p:cNvPr id="4" name="Content Placeholder 3">
             <a:extLst>
               <a:ext uri="{FF2B5EF4-FFF2-40B4-BE49-F238E27FC236}">
-                <a16:creationId xmlns:a16="http://schemas.microsoft.com/office/drawing/2014/main" id="{F602FCB5-6A58-42D9-A31F-5C36D2839718}"/>
+                <a16:creationId xmlns:a16="http://schemas.microsoft.com/office/drawing/2014/main" id="{A33CCA5C-6741-50F2-BA87-13D12BB585E7}"/>
               </a:ext>
             </a:extLst>
           </p:cNvPr>
@@ -13700,18 +8964,112 @@
             <a:spLocks noGrp="1"/>
           </p:cNvSpPr>
           <p:nvPr>
-            <p:ph type="sldNum" sz="quarter" idx="4294967295"/>
+            <p:ph sz="half" idx="2"/>
           </p:nvPr>
         </p:nvSpPr>
         <p:spPr>
           <a:xfrm>
-            <a:off x="9448800" y="6356350"/>
-            <a:ext cx="2743200" cy="365125"/>
+            <a:off x="839788" y="1681163"/>
+            <a:ext cx="5157787" cy="4508500"/>
           </a:xfrm>
-          <a:prstGeom prst="rect">
-            <a:avLst/>
-          </a:prstGeom>
         </p:spPr>
+        <p:txBody>
+          <a:bodyPr/>
+          <a:lstStyle/>
+          <a:p>
+            <a:r>
+              <a:rPr lang="en-US" dirty="0" err="1"/>
+              <a:t>Flactuates</a:t>
+            </a:r>
+            <a:r>
+              <a:rPr lang="en-US" dirty="0"/>
+              <a:t> due to the higher number of “no” values in the target</a:t>
+            </a:r>
+          </a:p>
+          <a:p>
+            <a:r>
+              <a:rPr lang="en-US" dirty="0"/>
+              <a:t> </a:t>
+            </a:r>
+            <a:endParaRPr lang="sv-SE" dirty="0"/>
+          </a:p>
+        </p:txBody>
+      </p:sp>
+      <p:sp>
+        <p:nvSpPr>
+          <p:cNvPr id="6" name="Content Placeholder 5">
+            <a:extLst>
+              <a:ext uri="{FF2B5EF4-FFF2-40B4-BE49-F238E27FC236}">
+                <a16:creationId xmlns:a16="http://schemas.microsoft.com/office/drawing/2014/main" id="{02398DD2-DEA0-48F0-9810-9F821801CAED}"/>
+              </a:ext>
+            </a:extLst>
+          </p:cNvPr>
+          <p:cNvSpPr>
+            <a:spLocks noGrp="1"/>
+          </p:cNvSpPr>
+          <p:nvPr>
+            <p:ph sz="quarter" idx="4"/>
+          </p:nvPr>
+        </p:nvSpPr>
+        <p:spPr>
+          <a:xfrm>
+            <a:off x="6172200" y="1681163"/>
+            <a:ext cx="5183188" cy="4508500"/>
+          </a:xfrm>
+        </p:spPr>
+        <p:txBody>
+          <a:bodyPr/>
+          <a:lstStyle/>
+          <a:p>
+            <a:endParaRPr lang="sv-SE" dirty="0"/>
+          </a:p>
+        </p:txBody>
+      </p:sp>
+      <p:sp>
+        <p:nvSpPr>
+          <p:cNvPr id="7" name="Footer Placeholder 6">
+            <a:extLst>
+              <a:ext uri="{FF2B5EF4-FFF2-40B4-BE49-F238E27FC236}">
+                <a16:creationId xmlns:a16="http://schemas.microsoft.com/office/drawing/2014/main" id="{A3662FB6-1D94-C930-D083-0C08B3BCF10B}"/>
+              </a:ext>
+            </a:extLst>
+          </p:cNvPr>
+          <p:cNvSpPr>
+            <a:spLocks noGrp="1"/>
+          </p:cNvSpPr>
+          <p:nvPr>
+            <p:ph type="ftr" sz="quarter" idx="11"/>
+          </p:nvPr>
+        </p:nvSpPr>
+        <p:spPr/>
+        <p:txBody>
+          <a:bodyPr/>
+          <a:lstStyle/>
+          <a:p>
+            <a:r>
+              <a:rPr lang="en-US"/>
+              <a:t>Adage</a:t>
+            </a:r>
+          </a:p>
+        </p:txBody>
+      </p:sp>
+      <p:sp>
+        <p:nvSpPr>
+          <p:cNvPr id="8" name="Slide Number Placeholder 7">
+            <a:extLst>
+              <a:ext uri="{FF2B5EF4-FFF2-40B4-BE49-F238E27FC236}">
+                <a16:creationId xmlns:a16="http://schemas.microsoft.com/office/drawing/2014/main" id="{B83419D5-26D8-F48B-0A13-24E85E58D9CC}"/>
+              </a:ext>
+            </a:extLst>
+          </p:cNvPr>
+          <p:cNvSpPr>
+            <a:spLocks noGrp="1"/>
+          </p:cNvSpPr>
+          <p:nvPr>
+            <p:ph type="sldNum" sz="quarter" idx="12"/>
+          </p:nvPr>
+        </p:nvSpPr>
+        <p:spPr/>
         <p:txBody>
           <a:bodyPr/>
           <a:lstStyle/>
@@ -13727,7 +9085,7 @@
     </p:spTree>
     <p:extLst>
       <p:ext uri="{BB962C8B-B14F-4D97-AF65-F5344CB8AC3E}">
-        <p14:creationId xmlns:p14="http://schemas.microsoft.com/office/powerpoint/2010/main" val="2258155442"/>
+        <p14:creationId xmlns:p14="http://schemas.microsoft.com/office/powerpoint/2010/main" val="3415248467"/>
       </p:ext>
     </p:extLst>
   </p:cSld>
@@ -14294,21 +9652,6 @@
 </file>
 
 <file path=customXml/item1.xml><?xml version="1.0" encoding="utf-8"?>
-<?mso-contentType ?>
-<FormTemplates xmlns="http://schemas.microsoft.com/sharepoint/v3/contenttype/forms">
-  <Display>DocumentLibraryForm</Display>
-  <Edit>DocumentLibraryForm</Edit>
-  <New>DocumentLibraryForm</New>
-</FormTemplates>
-</file>
-
-<file path=customXml/item2.xml><?xml version="1.0" encoding="utf-8"?>
-<p:properties xmlns:p="http://schemas.microsoft.com/office/2006/metadata/properties" xmlns:xsi="http://www.w3.org/2001/XMLSchema-instance" xmlns:pc="http://schemas.microsoft.com/office/infopath/2007/PartnerControls">
-  <documentManagement/>
-</p:properties>
-</file>
-
-<file path=customXml/item3.xml><?xml version="1.0" encoding="utf-8"?>
 <ct:contentTypeSchema xmlns:ct="http://schemas.microsoft.com/office/2006/metadata/contentType" xmlns:ma="http://schemas.microsoft.com/office/2006/metadata/properties/metaAttributes" ct:_="" ma:_="" ma:contentTypeName="dokument" ma:contentTypeID="0x010100F2F920B9069F704196EFC43825794A2B" ma:contentTypeVersion="11" ma:contentTypeDescription="Skapa ett nytt dokument." ma:contentTypeScope="" ma:versionID="f7cfefbb7ab48f18c0f5844d9cdc11e5">
   <xsd:schema xmlns:xsd="http://www.w3.org/2001/XMLSchema" xmlns:xs="http://www.w3.org/2001/XMLSchema" xmlns:p="http://schemas.microsoft.com/office/2006/metadata/properties" xmlns:ns2="0f14873d-2e7c-4c89-9c52-6b127b1bbd38" xmlns:ns3="1aab9562-9fbc-4cac-a1dd-e511dcd87f26" targetNamespace="http://schemas.microsoft.com/office/2006/metadata/properties" ma:root="true" ma:fieldsID="d1ad9e5fc228265a37d563997d055050" ns2:_="" ns3:_="">
     <xsd:import namespace="0f14873d-2e7c-4c89-9c52-6b127b1bbd38"/>
@@ -14519,24 +9862,22 @@
 </ct:contentTypeSchema>
 </file>
 
-<file path=customXml/itemProps1.xml><?xml version="1.0" encoding="utf-8"?>
-<ds:datastoreItem xmlns:ds="http://schemas.openxmlformats.org/officeDocument/2006/customXml" ds:itemID="{3A0C315B-BB39-48DB-AE40-BF7C9B324560}">
-  <ds:schemaRefs>
-    <ds:schemaRef ds:uri="http://schemas.microsoft.com/sharepoint/v3/contenttype/forms"/>
-  </ds:schemaRefs>
-</ds:datastoreItem>
+<file path=customXml/item2.xml><?xml version="1.0" encoding="utf-8"?>
+<p:properties xmlns:p="http://schemas.microsoft.com/office/2006/metadata/properties" xmlns:xsi="http://www.w3.org/2001/XMLSchema-instance" xmlns:pc="http://schemas.microsoft.com/office/infopath/2007/PartnerControls">
+  <documentManagement/>
+</p:properties>
 </file>
 
-<file path=customXml/itemProps2.xml><?xml version="1.0" encoding="utf-8"?>
-<ds:datastoreItem xmlns:ds="http://schemas.openxmlformats.org/officeDocument/2006/customXml" ds:itemID="{B35553C2-8CAE-4724-9C9C-C665B72C8956}">
-  <ds:schemaRefs>
-    <ds:schemaRef ds:uri="http://schemas.microsoft.com/office/2006/metadata/properties"/>
-    <ds:schemaRef ds:uri="http://schemas.microsoft.com/office/infopath/2007/PartnerControls"/>
-  </ds:schemaRefs>
-</ds:datastoreItem>
+<file path=customXml/item3.xml><?xml version="1.0" encoding="utf-8"?>
+<?mso-contentType ?>
+<FormTemplates xmlns="http://schemas.microsoft.com/sharepoint/v3/contenttype/forms">
+  <Display>DocumentLibraryForm</Display>
+  <Edit>DocumentLibraryForm</Edit>
+  <New>DocumentLibraryForm</New>
+</FormTemplates>
 </file>
 
-<file path=customXml/itemProps3.xml><?xml version="1.0" encoding="utf-8"?>
+<file path=customXml/itemProps1.xml><?xml version="1.0" encoding="utf-8"?>
 <ds:datastoreItem xmlns:ds="http://schemas.openxmlformats.org/officeDocument/2006/customXml" ds:itemID="{7E8912DB-5721-4605-9ECD-2FCB0BEB1C1B}">
   <ds:schemaRefs>
     <ds:schemaRef ds:uri="http://schemas.microsoft.com/office/2006/metadata/contentType"/>
@@ -14553,4 +9894,21 @@
     <ds:schemaRef ds:uri="http://schemas.microsoft.com/internal/obd"/>
   </ds:schemaRefs>
 </ds:datastoreItem>
+</file>
+
+<file path=customXml/itemProps2.xml><?xml version="1.0" encoding="utf-8"?>
+<ds:datastoreItem xmlns:ds="http://schemas.openxmlformats.org/officeDocument/2006/customXml" ds:itemID="{B35553C2-8CAE-4724-9C9C-C665B72C8956}">
+  <ds:schemaRefs>
+    <ds:schemaRef ds:uri="http://schemas.microsoft.com/office/2006/metadata/properties"/>
+    <ds:schemaRef ds:uri="http://schemas.microsoft.com/office/infopath/2007/PartnerControls"/>
+  </ds:schemaRefs>
+</ds:datastoreItem>
+</file>
+
+<file path=customXml/itemProps3.xml><?xml version="1.0" encoding="utf-8"?>
+<ds:datastoreItem xmlns:ds="http://schemas.openxmlformats.org/officeDocument/2006/customXml" ds:itemID="{3A0C315B-BB39-48DB-AE40-BF7C9B324560}">
+  <ds:schemaRefs>
+    <ds:schemaRef ds:uri="http://schemas.microsoft.com/sharepoint/v3/contenttype/forms"/>
+  </ds:schemaRefs>
+</ds:datastoreItem>
 </file>